--- a/CNNRNNProjectPresentation.pptx
+++ b/CNNRNNProjectPresentation.pptx
@@ -5,30 +5,28 @@
     <p:sldMasterId id="2147483660" r:id="rId1"/>
   </p:sldMasterIdLst>
   <p:notesMasterIdLst>
-    <p:notesMasterId r:id="rId23"/>
+    <p:notesMasterId r:id="rId21"/>
   </p:notesMasterIdLst>
   <p:sldIdLst>
     <p:sldId id="256" r:id="rId2"/>
-    <p:sldId id="267" r:id="rId3"/>
-    <p:sldId id="258" r:id="rId4"/>
-    <p:sldId id="259" r:id="rId5"/>
-    <p:sldId id="260" r:id="rId6"/>
-    <p:sldId id="266" r:id="rId7"/>
-    <p:sldId id="261" r:id="rId8"/>
-    <p:sldId id="263" r:id="rId9"/>
-    <p:sldId id="264" r:id="rId10"/>
-    <p:sldId id="265" r:id="rId11"/>
-    <p:sldId id="262" r:id="rId12"/>
-    <p:sldId id="268" r:id="rId13"/>
-    <p:sldId id="269" r:id="rId14"/>
-    <p:sldId id="270" r:id="rId15"/>
-    <p:sldId id="273" r:id="rId16"/>
-    <p:sldId id="271" r:id="rId17"/>
-    <p:sldId id="272" r:id="rId18"/>
-    <p:sldId id="274" r:id="rId19"/>
-    <p:sldId id="275" r:id="rId20"/>
-    <p:sldId id="277" r:id="rId21"/>
-    <p:sldId id="276" r:id="rId22"/>
+    <p:sldId id="258" r:id="rId3"/>
+    <p:sldId id="259" r:id="rId4"/>
+    <p:sldId id="260" r:id="rId5"/>
+    <p:sldId id="266" r:id="rId6"/>
+    <p:sldId id="261" r:id="rId7"/>
+    <p:sldId id="263" r:id="rId8"/>
+    <p:sldId id="264" r:id="rId9"/>
+    <p:sldId id="262" r:id="rId10"/>
+    <p:sldId id="268" r:id="rId11"/>
+    <p:sldId id="269" r:id="rId12"/>
+    <p:sldId id="270" r:id="rId13"/>
+    <p:sldId id="273" r:id="rId14"/>
+    <p:sldId id="271" r:id="rId15"/>
+    <p:sldId id="272" r:id="rId16"/>
+    <p:sldId id="274" r:id="rId17"/>
+    <p:sldId id="275" r:id="rId18"/>
+    <p:sldId id="277" r:id="rId19"/>
+    <p:sldId id="278" r:id="rId20"/>
   </p:sldIdLst>
   <p:sldSz cx="12192000" cy="6858000"/>
   <p:notesSz cx="6858000" cy="9144000"/>
@@ -542,7 +540,7 @@
             </a:r>
             <a:r>
               <a:rPr lang="en-US" altLang="zh-CN" dirty="0"/>
-              <a:t> and I are here to present Automatic image captioning with CNN-RNN.</a:t>
+              <a:t> and I are here to present Automatic image captioning with CNN and RNN.</a:t>
             </a:r>
           </a:p>
         </p:txBody>
@@ -629,18 +627,7 @@
           <a:p>
             <a:r>
               <a:rPr lang="en-US" dirty="0"/>
-              <a:t>Embedding </a:t>
-            </a:r>
-            <a:r>
-              <a:rPr lang="en-US" dirty="0" err="1"/>
-              <a:t>laryer</a:t>
-            </a:r>
-            <a:endParaRPr lang="en-US" dirty="0"/>
-          </a:p>
-          <a:p>
-            <a:r>
-              <a:rPr lang="en-US" dirty="0"/>
-              <a:t>LSTM algorithm</a:t>
+              <a:t>Each word become a vector</a:t>
             </a:r>
           </a:p>
         </p:txBody>
@@ -662,7 +649,7 @@
           <a:p>
             <a:fld id="{B8A8EFB7-3FDF-44E2-B43C-367A622D6F93}" type="slidenum">
               <a:rPr lang="en-US" smtClean="0"/>
-              <a:t>11</a:t>
+              <a:t>10</a:t>
             </a:fld>
             <a:endParaRPr lang="en-US"/>
           </a:p>
@@ -671,7 +658,7 @@
     </p:spTree>
     <p:extLst>
       <p:ext uri="{BB962C8B-B14F-4D97-AF65-F5344CB8AC3E}">
-        <p14:creationId xmlns:p14="http://schemas.microsoft.com/office/powerpoint/2010/main" val="1453326774"/>
+        <p14:creationId xmlns:p14="http://schemas.microsoft.com/office/powerpoint/2010/main" val="2833542934"/>
       </p:ext>
     </p:extLst>
   </p:cSld>
@@ -727,7 +714,7 @@
           <a:p>
             <a:r>
               <a:rPr lang="en-US" dirty="0"/>
-              <a:t>Each word become a vector</a:t>
+              <a:t>shorter</a:t>
             </a:r>
           </a:p>
         </p:txBody>
@@ -749,7 +736,7 @@
           <a:p>
             <a:fld id="{B8A8EFB7-3FDF-44E2-B43C-367A622D6F93}" type="slidenum">
               <a:rPr lang="en-US" smtClean="0"/>
-              <a:t>12</a:t>
+              <a:t>13</a:t>
             </a:fld>
             <a:endParaRPr lang="en-US"/>
           </a:p>
@@ -758,7 +745,7 @@
     </p:spTree>
     <p:extLst>
       <p:ext uri="{BB962C8B-B14F-4D97-AF65-F5344CB8AC3E}">
-        <p14:creationId xmlns:p14="http://schemas.microsoft.com/office/powerpoint/2010/main" val="2833542934"/>
+        <p14:creationId xmlns:p14="http://schemas.microsoft.com/office/powerpoint/2010/main" val="134673190"/>
       </p:ext>
     </p:extLst>
   </p:cSld>
@@ -845,7 +832,7 @@
     </p:spTree>
     <p:extLst>
       <p:ext uri="{BB962C8B-B14F-4D97-AF65-F5344CB8AC3E}">
-        <p14:creationId xmlns:p14="http://schemas.microsoft.com/office/powerpoint/2010/main" val="134673190"/>
+        <p14:creationId xmlns:p14="http://schemas.microsoft.com/office/powerpoint/2010/main" val="3839820946"/>
       </p:ext>
     </p:extLst>
   </p:cSld>
@@ -899,10 +886,7 @@
           <a:bodyPr/>
           <a:lstStyle/>
           <a:p>
-            <a:r>
-              <a:rPr lang="en-US" dirty="0"/>
-              <a:t>shorter</a:t>
-            </a:r>
+            <a:endParaRPr lang="en-US" dirty="0"/>
           </a:p>
         </p:txBody>
       </p:sp>
@@ -932,7 +916,7 @@
     </p:spTree>
     <p:extLst>
       <p:ext uri="{BB962C8B-B14F-4D97-AF65-F5344CB8AC3E}">
-        <p14:creationId xmlns:p14="http://schemas.microsoft.com/office/powerpoint/2010/main" val="3839820946"/>
+        <p14:creationId xmlns:p14="http://schemas.microsoft.com/office/powerpoint/2010/main" val="1254962575"/>
       </p:ext>
     </p:extLst>
   </p:cSld>
@@ -986,6 +970,366 @@
           <a:bodyPr/>
           <a:lstStyle/>
           <a:p>
+            <a:pPr marL="0" marR="0" lvl="0" indent="0" algn="l" defTabSz="914400" rtl="0" eaLnBrk="1" fontAlgn="auto" latinLnBrk="0" hangingPunct="1">
+              <a:lnSpc>
+                <a:spcPct val="100000"/>
+              </a:lnSpc>
+              <a:spcBef>
+                <a:spcPts val="0"/>
+              </a:spcBef>
+              <a:spcAft>
+                <a:spcPts val="0"/>
+              </a:spcAft>
+              <a:buClrTx/>
+              <a:buSzTx/>
+              <a:buFontTx/>
+              <a:buNone/>
+              <a:tabLst/>
+              <a:defRPr/>
+            </a:pPr>
+            <a:r>
+              <a:rPr lang="en-US" dirty="0"/>
+              <a:t>In this project, we can </a:t>
+            </a:r>
+          </a:p>
+          <a:p>
+            <a:pPr marL="0" marR="0" lvl="0" indent="0" algn="l" defTabSz="914400" rtl="0" eaLnBrk="1" fontAlgn="auto" latinLnBrk="0" hangingPunct="1">
+              <a:lnSpc>
+                <a:spcPct val="100000"/>
+              </a:lnSpc>
+              <a:spcBef>
+                <a:spcPts val="0"/>
+              </a:spcBef>
+              <a:spcAft>
+                <a:spcPts val="0"/>
+              </a:spcAft>
+              <a:buClrTx/>
+              <a:buSzTx/>
+              <a:buFontTx/>
+              <a:buNone/>
+              <a:tabLst/>
+              <a:defRPr/>
+            </a:pPr>
+            <a:endParaRPr lang="en-US" dirty="0"/>
+          </a:p>
+          <a:p>
+            <a:pPr marL="0" marR="0" lvl="0" indent="0" algn="l" defTabSz="914400" rtl="0" eaLnBrk="1" fontAlgn="auto" latinLnBrk="0" hangingPunct="1">
+              <a:lnSpc>
+                <a:spcPct val="100000"/>
+              </a:lnSpc>
+              <a:spcBef>
+                <a:spcPts val="0"/>
+              </a:spcBef>
+              <a:spcAft>
+                <a:spcPts val="0"/>
+              </a:spcAft>
+              <a:buClrTx/>
+              <a:buSzTx/>
+              <a:buFontTx/>
+              <a:buNone/>
+              <a:tabLst/>
+              <a:defRPr/>
+            </a:pPr>
+            <a:r>
+              <a:rPr lang="en-US" dirty="0"/>
+              <a:t>1. Increase the training batch size;</a:t>
+            </a:r>
+          </a:p>
+          <a:p>
+            <a:pPr marL="0" marR="0" lvl="0" indent="0" algn="l" defTabSz="914400" rtl="0" eaLnBrk="1" fontAlgn="auto" latinLnBrk="0" hangingPunct="1">
+              <a:lnSpc>
+                <a:spcPct val="100000"/>
+              </a:lnSpc>
+              <a:spcBef>
+                <a:spcPts val="0"/>
+              </a:spcBef>
+              <a:spcAft>
+                <a:spcPts val="0"/>
+              </a:spcAft>
+              <a:buClrTx/>
+              <a:buSzTx/>
+              <a:buFontTx/>
+              <a:buNone/>
+              <a:tabLst/>
+              <a:defRPr/>
+            </a:pPr>
+            <a:r>
+              <a:rPr lang="en-US" altLang="zh-CN" dirty="0"/>
+              <a:t>currently we are using 64 per batch;</a:t>
+            </a:r>
+            <a:endParaRPr lang="en-US" dirty="0"/>
+          </a:p>
+          <a:p>
+            <a:pPr marL="0" marR="0" lvl="0" indent="0" algn="l" defTabSz="914400" rtl="0" eaLnBrk="1" fontAlgn="auto" latinLnBrk="0" hangingPunct="1">
+              <a:lnSpc>
+                <a:spcPct val="100000"/>
+              </a:lnSpc>
+              <a:spcBef>
+                <a:spcPts val="0"/>
+              </a:spcBef>
+              <a:spcAft>
+                <a:spcPts val="0"/>
+              </a:spcAft>
+              <a:buClrTx/>
+              <a:buSzTx/>
+              <a:buFontTx/>
+              <a:buNone/>
+              <a:tabLst/>
+              <a:defRPr/>
+            </a:pPr>
+            <a:r>
+              <a:rPr lang="en-US" dirty="0"/>
+              <a:t>the batch size of each training batch. It is the number of image-caption pairs used to amend the model weights in each training step.</a:t>
+            </a:r>
+          </a:p>
+          <a:p>
+            <a:r>
+              <a:rPr lang="en-US" dirty="0"/>
+              <a:t>2. Increase </a:t>
+            </a:r>
+            <a:r>
+              <a:rPr lang="en-US" dirty="0" err="1"/>
+              <a:t>num_epochs</a:t>
+            </a:r>
+            <a:r>
+              <a:rPr lang="en-US" dirty="0"/>
+              <a:t>;</a:t>
+            </a:r>
+          </a:p>
+          <a:p>
+            <a:pPr marL="0" marR="0" lvl="0" indent="0" algn="l" defTabSz="914400" rtl="0" eaLnBrk="1" fontAlgn="auto" latinLnBrk="0" hangingPunct="1">
+              <a:lnSpc>
+                <a:spcPct val="100000"/>
+              </a:lnSpc>
+              <a:spcBef>
+                <a:spcPts val="0"/>
+              </a:spcBef>
+              <a:spcAft>
+                <a:spcPts val="0"/>
+              </a:spcAft>
+              <a:buClrTx/>
+              <a:buSzTx/>
+              <a:buFontTx/>
+              <a:buNone/>
+              <a:tabLst/>
+              <a:defRPr/>
+            </a:pPr>
+            <a:r>
+              <a:rPr lang="en-US" altLang="zh-CN" dirty="0"/>
+              <a:t>currently we are doing 3 epochs;</a:t>
+            </a:r>
+          </a:p>
+          <a:p>
+            <a:pPr marL="0" marR="0" lvl="0" indent="0" algn="l" defTabSz="914400" rtl="0" eaLnBrk="1" fontAlgn="auto" latinLnBrk="0" hangingPunct="1">
+              <a:lnSpc>
+                <a:spcPct val="100000"/>
+              </a:lnSpc>
+              <a:spcBef>
+                <a:spcPts val="0"/>
+              </a:spcBef>
+              <a:spcAft>
+                <a:spcPts val="0"/>
+              </a:spcAft>
+              <a:buClrTx/>
+              <a:buSzTx/>
+              <a:buFontTx/>
+              <a:buNone/>
+              <a:tabLst/>
+              <a:defRPr/>
+            </a:pPr>
+            <a:r>
+              <a:rPr lang="en-US" dirty="0"/>
+              <a:t>3. Different optimizers;</a:t>
+            </a:r>
+          </a:p>
+          <a:p>
+            <a:pPr marL="0" marR="0" lvl="0" indent="0" algn="l" defTabSz="914400" rtl="0" eaLnBrk="1" fontAlgn="auto" latinLnBrk="0" hangingPunct="1">
+              <a:lnSpc>
+                <a:spcPct val="100000"/>
+              </a:lnSpc>
+              <a:spcBef>
+                <a:spcPts val="0"/>
+              </a:spcBef>
+              <a:spcAft>
+                <a:spcPts val="0"/>
+              </a:spcAft>
+              <a:buClrTx/>
+              <a:buSzTx/>
+              <a:buFontTx/>
+              <a:buNone/>
+              <a:tabLst/>
+              <a:defRPr/>
+            </a:pPr>
+            <a:r>
+              <a:rPr lang="en-US" dirty="0"/>
+              <a:t>Currently we are using Adams;</a:t>
+            </a:r>
+          </a:p>
+          <a:p>
+            <a:pPr marL="0" marR="0" lvl="0" indent="0" algn="l" defTabSz="914400" rtl="0" eaLnBrk="1" fontAlgn="auto" latinLnBrk="0" hangingPunct="1">
+              <a:lnSpc>
+                <a:spcPct val="100000"/>
+              </a:lnSpc>
+              <a:spcBef>
+                <a:spcPts val="0"/>
+              </a:spcBef>
+              <a:spcAft>
+                <a:spcPts val="0"/>
+              </a:spcAft>
+              <a:buClrTx/>
+              <a:buSzTx/>
+              <a:buFontTx/>
+              <a:buNone/>
+              <a:tabLst/>
+              <a:defRPr/>
+            </a:pPr>
+            <a:r>
+              <a:rPr lang="en-US" dirty="0"/>
+              <a:t>4. Deeper networks such as </a:t>
+            </a:r>
+            <a:r>
+              <a:rPr lang="en-US" dirty="0" err="1"/>
+              <a:t>resnet</a:t>
+            </a:r>
+            <a:r>
+              <a:rPr lang="en-US" dirty="0"/>
+              <a:t> 101 and RNN;</a:t>
+            </a:r>
+          </a:p>
+          <a:p>
+            <a:pPr marL="0" marR="0" lvl="0" indent="0" algn="l" defTabSz="914400" rtl="0" eaLnBrk="1" fontAlgn="auto" latinLnBrk="0" hangingPunct="1">
+              <a:lnSpc>
+                <a:spcPct val="100000"/>
+              </a:lnSpc>
+              <a:spcBef>
+                <a:spcPts val="0"/>
+              </a:spcBef>
+              <a:spcAft>
+                <a:spcPts val="0"/>
+              </a:spcAft>
+              <a:buClrTx/>
+              <a:buSzTx/>
+              <a:buFontTx/>
+              <a:buNone/>
+              <a:tabLst/>
+              <a:defRPr/>
+            </a:pPr>
+            <a:r>
+              <a:rPr lang="en-US" dirty="0"/>
+              <a:t>5. Use GRU instead of LSTM for RNN</a:t>
+            </a:r>
+          </a:p>
+          <a:p>
+            <a:pPr marL="0" marR="0" lvl="0" indent="0" algn="l" defTabSz="914400" rtl="0" eaLnBrk="1" fontAlgn="auto" latinLnBrk="0" hangingPunct="1">
+              <a:lnSpc>
+                <a:spcPct val="100000"/>
+              </a:lnSpc>
+              <a:spcBef>
+                <a:spcPts val="0"/>
+              </a:spcBef>
+              <a:spcAft>
+                <a:spcPts val="0"/>
+              </a:spcAft>
+              <a:buClrTx/>
+              <a:buSzTx/>
+              <a:buFontTx/>
+              <a:buNone/>
+              <a:tabLst/>
+              <a:defRPr/>
+            </a:pPr>
+            <a:r>
+              <a:rPr lang="en-US" dirty="0"/>
+              <a:t>6. Use bi-directional RNN</a:t>
+            </a:r>
+          </a:p>
+          <a:p>
+            <a:pPr marL="0" marR="0" lvl="0" indent="0" algn="l" defTabSz="914400" rtl="0" eaLnBrk="1" fontAlgn="auto" latinLnBrk="0" hangingPunct="1">
+              <a:lnSpc>
+                <a:spcPct val="100000"/>
+              </a:lnSpc>
+              <a:spcBef>
+                <a:spcPts val="0"/>
+              </a:spcBef>
+              <a:spcAft>
+                <a:spcPts val="0"/>
+              </a:spcAft>
+              <a:buClrTx/>
+              <a:buSzTx/>
+              <a:buFontTx/>
+              <a:buNone/>
+              <a:tabLst/>
+              <a:defRPr/>
+            </a:pPr>
+            <a:endParaRPr lang="en-US" dirty="0"/>
+          </a:p>
+          <a:p>
+            <a:pPr marL="0" marR="0" lvl="0" indent="0" algn="l" defTabSz="914400" rtl="0" eaLnBrk="1" fontAlgn="auto" latinLnBrk="0" hangingPunct="1">
+              <a:lnSpc>
+                <a:spcPct val="100000"/>
+              </a:lnSpc>
+              <a:spcBef>
+                <a:spcPts val="0"/>
+              </a:spcBef>
+              <a:spcAft>
+                <a:spcPts val="0"/>
+              </a:spcAft>
+              <a:buClrTx/>
+              <a:buSzTx/>
+              <a:buFontTx/>
+              <a:buNone/>
+              <a:tabLst/>
+              <a:defRPr/>
+            </a:pPr>
+            <a:endParaRPr lang="en-US" dirty="0"/>
+          </a:p>
+          <a:p>
+            <a:r>
+              <a:rPr lang="en-US" dirty="0" err="1"/>
+              <a:t>vocab_threshold</a:t>
+            </a:r>
+            <a:r>
+              <a:rPr lang="en-US" dirty="0"/>
+              <a:t> - the minimum word count threshold. Note that a larger threshold will result in a smaller vocabulary, whereas a smaller threshold will include rarer words and result in a larger vocabulary.</a:t>
+            </a:r>
+          </a:p>
+          <a:p>
+            <a:r>
+              <a:rPr lang="en-US" dirty="0" err="1"/>
+              <a:t>embed_size</a:t>
+            </a:r>
+            <a:r>
+              <a:rPr lang="en-US" dirty="0"/>
+              <a:t> - the dimensionality of the image and word embeddings.</a:t>
+            </a:r>
+          </a:p>
+          <a:p>
+            <a:r>
+              <a:rPr lang="en-US" dirty="0" err="1"/>
+              <a:t>hidden_size</a:t>
+            </a:r>
+            <a:r>
+              <a:rPr lang="en-US" dirty="0"/>
+              <a:t> - the number of features in the hidden state of the RNN decoder.</a:t>
+            </a:r>
+          </a:p>
+          <a:p>
+            <a:pPr marL="0" marR="0" lvl="0" indent="0" algn="l" defTabSz="914400" rtl="0" eaLnBrk="1" fontAlgn="auto" latinLnBrk="0" hangingPunct="1">
+              <a:lnSpc>
+                <a:spcPct val="100000"/>
+              </a:lnSpc>
+              <a:spcBef>
+                <a:spcPts val="0"/>
+              </a:spcBef>
+              <a:spcAft>
+                <a:spcPts val="0"/>
+              </a:spcAft>
+              <a:buClrTx/>
+              <a:buSzTx/>
+              <a:buFontTx/>
+              <a:buNone/>
+              <a:tabLst/>
+              <a:defRPr/>
+            </a:pPr>
             <a:endParaRPr lang="en-US" dirty="0"/>
           </a:p>
         </p:txBody>
@@ -1016,7 +1360,7 @@
     </p:spTree>
     <p:extLst>
       <p:ext uri="{BB962C8B-B14F-4D97-AF65-F5344CB8AC3E}">
-        <p14:creationId xmlns:p14="http://schemas.microsoft.com/office/powerpoint/2010/main" val="1254962575"/>
+        <p14:creationId xmlns:p14="http://schemas.microsoft.com/office/powerpoint/2010/main" val="2057102704"/>
       </p:ext>
     </p:extLst>
   </p:cSld>
@@ -1071,9 +1415,68 @@
           <a:lstStyle/>
           <a:p>
             <a:r>
-              <a:rPr lang="en-US" dirty="0"/>
-              <a:t>Here we introduce the end-to-end learning. The end-to-end learning is a pipeline </a:t>
-            </a:r>
+              <a:rPr lang="en-US" sz="1200" b="1" i="0" kern="1200" dirty="0">
+                <a:solidFill>
+                  <a:schemeClr val="tx1"/>
+                </a:solidFill>
+                <a:effectLst/>
+                <a:latin typeface="+mn-lt"/>
+                <a:ea typeface="+mn-ea"/>
+                <a:cs typeface="+mn-cs"/>
+              </a:rPr>
+              <a:t>In this project, we used end to end deep learning methodology. A end to end deep learning method combines pipeline of tasks, such as feature extraction and natural language processing into one homogenous process.</a:t>
+            </a:r>
+          </a:p>
+          <a:p>
+            <a:endParaRPr lang="en-US" sz="1200" b="1" i="0" kern="1200" dirty="0">
+              <a:solidFill>
+                <a:schemeClr val="tx1"/>
+              </a:solidFill>
+              <a:effectLst/>
+              <a:latin typeface="+mn-lt"/>
+              <a:ea typeface="+mn-ea"/>
+              <a:cs typeface="+mn-cs"/>
+            </a:endParaRPr>
+          </a:p>
+          <a:p>
+            <a:r>
+              <a:rPr lang="en-US" sz="1200" b="1" i="0" kern="1200" dirty="0">
+                <a:solidFill>
+                  <a:schemeClr val="tx1"/>
+                </a:solidFill>
+                <a:effectLst/>
+                <a:latin typeface="+mn-lt"/>
+                <a:ea typeface="+mn-ea"/>
+                <a:cs typeface="+mn-cs"/>
+              </a:rPr>
+              <a:t>And</a:t>
+            </a:r>
+          </a:p>
+          <a:p>
+            <a:endParaRPr lang="en-US" sz="1200" b="1" i="0" kern="1200" dirty="0">
+              <a:solidFill>
+                <a:schemeClr val="tx1"/>
+              </a:solidFill>
+              <a:effectLst/>
+              <a:latin typeface="+mn-lt"/>
+              <a:ea typeface="+mn-ea"/>
+              <a:cs typeface="+mn-cs"/>
+            </a:endParaRPr>
+          </a:p>
+          <a:p>
+            <a:r>
+              <a:rPr lang="en-US" sz="1200" b="1" i="0" kern="1200" dirty="0">
+                <a:solidFill>
+                  <a:schemeClr val="tx1"/>
+                </a:solidFill>
+                <a:effectLst/>
+                <a:latin typeface="+mn-lt"/>
+                <a:ea typeface="+mn-ea"/>
+                <a:cs typeface="+mn-cs"/>
+              </a:rPr>
+              <a:t>In our image captioning model, we combine two separate architecture that is Convolutional Neural Networks &amp; Recurrent Neural Networks with LSTM (Long Short Term Memory), which is a special kind of RNN that includes a memory cell to maintain the information for a longer period of time.</a:t>
+            </a:r>
+            <a:endParaRPr lang="en-US" dirty="0"/>
           </a:p>
         </p:txBody>
       </p:sp>
@@ -1103,7 +1506,7 @@
     </p:spTree>
     <p:extLst>
       <p:ext uri="{BB962C8B-B14F-4D97-AF65-F5344CB8AC3E}">
-        <p14:creationId xmlns:p14="http://schemas.microsoft.com/office/powerpoint/2010/main" val="2824258386"/>
+        <p14:creationId xmlns:p14="http://schemas.microsoft.com/office/powerpoint/2010/main" val="819478672"/>
       </p:ext>
     </p:extLst>
   </p:cSld>
@@ -1158,68 +1561,9 @@
           <a:lstStyle/>
           <a:p>
             <a:r>
-              <a:rPr lang="en-US" sz="1200" b="1" i="0" kern="1200" dirty="0">
-                <a:solidFill>
-                  <a:schemeClr val="tx1"/>
-                </a:solidFill>
-                <a:effectLst/>
-                <a:latin typeface="+mn-lt"/>
-                <a:ea typeface="+mn-ea"/>
-                <a:cs typeface="+mn-cs"/>
-              </a:rPr>
-              <a:t>In this project, we used end to end deep learning methodology. A end to end deep learning method combines pipeline of tasks, such as feature extraction and natural language processing into one homogenous process.</a:t>
-            </a:r>
-          </a:p>
-          <a:p>
-            <a:endParaRPr lang="en-US" sz="1200" b="1" i="0" kern="1200" dirty="0">
-              <a:solidFill>
-                <a:schemeClr val="tx1"/>
-              </a:solidFill>
-              <a:effectLst/>
-              <a:latin typeface="+mn-lt"/>
-              <a:ea typeface="+mn-ea"/>
-              <a:cs typeface="+mn-cs"/>
-            </a:endParaRPr>
-          </a:p>
-          <a:p>
-            <a:r>
-              <a:rPr lang="en-US" sz="1200" b="1" i="0" kern="1200" dirty="0">
-                <a:solidFill>
-                  <a:schemeClr val="tx1"/>
-                </a:solidFill>
-                <a:effectLst/>
-                <a:latin typeface="+mn-lt"/>
-                <a:ea typeface="+mn-ea"/>
-                <a:cs typeface="+mn-cs"/>
-              </a:rPr>
-              <a:t>And</a:t>
-            </a:r>
-          </a:p>
-          <a:p>
-            <a:endParaRPr lang="en-US" sz="1200" b="1" i="0" kern="1200" dirty="0">
-              <a:solidFill>
-                <a:schemeClr val="tx1"/>
-              </a:solidFill>
-              <a:effectLst/>
-              <a:latin typeface="+mn-lt"/>
-              <a:ea typeface="+mn-ea"/>
-              <a:cs typeface="+mn-cs"/>
-            </a:endParaRPr>
-          </a:p>
-          <a:p>
-            <a:r>
-              <a:rPr lang="en-US" sz="1200" b="1" i="0" kern="1200" dirty="0">
-                <a:solidFill>
-                  <a:schemeClr val="tx1"/>
-                </a:solidFill>
-                <a:effectLst/>
-                <a:latin typeface="+mn-lt"/>
-                <a:ea typeface="+mn-ea"/>
-                <a:cs typeface="+mn-cs"/>
-              </a:rPr>
-              <a:t>In our image captioning model, we combination of two separate architecture that is CNN (Convolutional Neural Networks)&amp; RNN (Recurrent Neural Networks) with LSTM (Long Short Term Memory), which is a special kind of RNN that includes a memory cell, in order to maintain the information for a longer period of time.</a:t>
-            </a:r>
-            <a:endParaRPr lang="en-US" dirty="0"/>
+              <a:rPr lang="en-US" dirty="0"/>
+              <a:t>The dataset we used to train our model is Microsoft Common Objects in Context. Each data sample contains a image and 5 associated captions that describes the context pf the image.</a:t>
+            </a:r>
           </a:p>
         </p:txBody>
       </p:sp>
@@ -1249,7 +1593,7 @@
     </p:spTree>
     <p:extLst>
       <p:ext uri="{BB962C8B-B14F-4D97-AF65-F5344CB8AC3E}">
-        <p14:creationId xmlns:p14="http://schemas.microsoft.com/office/powerpoint/2010/main" val="819478672"/>
+        <p14:creationId xmlns:p14="http://schemas.microsoft.com/office/powerpoint/2010/main" val="2522241011"/>
       </p:ext>
     </p:extLst>
   </p:cSld>
@@ -1304,9 +1648,43 @@
           <a:lstStyle/>
           <a:p>
             <a:r>
-              <a:rPr lang="en-US" dirty="0"/>
-              <a:t>The dataset we used to train our model is Microsoft Common Objects in Context. Each data sample contains a image and 5 associated captions that describes the context pf the image.</a:t>
-            </a:r>
+              <a:rPr lang="en-US" sz="1200" b="1" i="0" kern="1200" dirty="0">
+                <a:solidFill>
+                  <a:schemeClr val="tx1"/>
+                </a:solidFill>
+                <a:effectLst/>
+                <a:latin typeface="+mn-lt"/>
+                <a:ea typeface="+mn-ea"/>
+                <a:cs typeface="+mn-cs"/>
+              </a:rPr>
+              <a:t>This is our model architecture, the model takes in a image as input and output a text description of that image. </a:t>
+            </a:r>
+          </a:p>
+          <a:p>
+            <a:endParaRPr lang="en-US" sz="1200" b="1" i="0" kern="1200" dirty="0">
+              <a:solidFill>
+                <a:schemeClr val="tx1"/>
+              </a:solidFill>
+              <a:effectLst/>
+              <a:latin typeface="+mn-lt"/>
+              <a:ea typeface="+mn-ea"/>
+              <a:cs typeface="+mn-cs"/>
+            </a:endParaRPr>
+          </a:p>
+          <a:p>
+            <a:r>
+              <a:rPr lang="en-US" sz="1200" b="1" i="0" kern="1200" dirty="0">
+                <a:solidFill>
+                  <a:schemeClr val="tx1"/>
+                </a:solidFill>
+                <a:effectLst/>
+                <a:latin typeface="+mn-lt"/>
+                <a:ea typeface="+mn-ea"/>
+                <a:cs typeface="+mn-cs"/>
+              </a:rPr>
+              <a:t>Basically, CNN is used to generate feature vectors from the spatial data in the images and the vectors are fed through the fully connected linear layer into the RNN architecture to generate sequence of words that describes the image.</a:t>
+            </a:r>
+            <a:endParaRPr lang="en-US" dirty="0"/>
           </a:p>
         </p:txBody>
       </p:sp>
@@ -1336,7 +1714,7 @@
     </p:spTree>
     <p:extLst>
       <p:ext uri="{BB962C8B-B14F-4D97-AF65-F5344CB8AC3E}">
-        <p14:creationId xmlns:p14="http://schemas.microsoft.com/office/powerpoint/2010/main" val="2522241011"/>
+        <p14:creationId xmlns:p14="http://schemas.microsoft.com/office/powerpoint/2010/main" val="2300059907"/>
       </p:ext>
     </p:extLst>
   </p:cSld>
@@ -1391,7 +1769,11 @@
           <a:lstStyle/>
           <a:p>
             <a:r>
-              <a:rPr lang="en-US" sz="1200" b="1" i="0" kern="1200" dirty="0">
+              <a:rPr lang="en-US" dirty="0"/>
+              <a:t>So to fed the colored image into the CNN model, I transformed the image like this. The COCO data set has all kind of image sizes, I resize and crop the image into a 224 by 224 image. And it has 50/50 chance to get a horizontal flip.  Then, I transforms it a 224 by 224 by 3 tensor, and at the end, we normalize it using these mean value and deviation value. These </a:t>
+            </a:r>
+            <a:r>
+              <a:rPr lang="en-US" sz="1200" b="0" i="0" kern="1200" dirty="0">
                 <a:solidFill>
                   <a:schemeClr val="tx1"/>
                 </a:solidFill>
@@ -1400,23 +1782,14 @@
                 <a:ea typeface="+mn-ea"/>
                 <a:cs typeface="+mn-cs"/>
               </a:rPr>
-              <a:t>This is our model architecture, the model takes in a image as input and output a text description of that image. </a:t>
-            </a:r>
-          </a:p>
-          <a:p>
-            <a:endParaRPr lang="en-US" sz="1200" b="1" i="0" kern="1200" dirty="0">
-              <a:solidFill>
-                <a:schemeClr val="tx1"/>
-              </a:solidFill>
-              <a:effectLst/>
-              <a:latin typeface="+mn-lt"/>
-              <a:ea typeface="+mn-ea"/>
-              <a:cs typeface="+mn-cs"/>
-            </a:endParaRPr>
-          </a:p>
-          <a:p>
-            <a:r>
-              <a:rPr lang="en-US" sz="1200" b="1" i="0" kern="1200" dirty="0">
+              <a:t>mean and </a:t>
+            </a:r>
+            <a:r>
+              <a:rPr lang="en-US" dirty="0"/>
+              <a:t>deviation</a:t>
+            </a:r>
+            <a:r>
+              <a:rPr lang="en-US" sz="1200" b="0" i="0" kern="1200" dirty="0">
                 <a:solidFill>
                   <a:schemeClr val="tx1"/>
                 </a:solidFill>
@@ -1425,7 +1798,23 @@
                 <a:ea typeface="+mn-ea"/>
                 <a:cs typeface="+mn-cs"/>
               </a:rPr>
-              <a:t>Basically, CNN is used to generate feature vectors from the spatial data in the images and the vectors are fed through the fully connected linear layer into the RNN architecture to generate sequence of words that describes the image.</a:t>
+              <a:t> </a:t>
+            </a:r>
+            <a:r>
+              <a:rPr lang="en-US" dirty="0"/>
+              <a:t>values comes from </a:t>
+            </a:r>
+            <a:r>
+              <a:rPr lang="en-US" sz="1200" b="0" i="0" kern="1200" dirty="0">
+                <a:solidFill>
+                  <a:schemeClr val="tx1"/>
+                </a:solidFill>
+                <a:effectLst/>
+                <a:latin typeface="+mn-lt"/>
+                <a:ea typeface="+mn-ea"/>
+                <a:cs typeface="+mn-cs"/>
+              </a:rPr>
+              <a:t>ImageNet.</a:t>
             </a:r>
             <a:endParaRPr lang="en-US" dirty="0"/>
           </a:p>
@@ -1457,7 +1846,7 @@
     </p:spTree>
     <p:extLst>
       <p:ext uri="{BB962C8B-B14F-4D97-AF65-F5344CB8AC3E}">
-        <p14:creationId xmlns:p14="http://schemas.microsoft.com/office/powerpoint/2010/main" val="2300059907"/>
+        <p14:creationId xmlns:p14="http://schemas.microsoft.com/office/powerpoint/2010/main" val="2465821248"/>
       </p:ext>
     </p:extLst>
   </p:cSld>
@@ -1513,7 +1902,32 @@
           <a:p>
             <a:r>
               <a:rPr lang="en-US" dirty="0"/>
-              <a:t>So to fed the colored image into the CNN model, I transformed the image like this. The COCO data set has all kind of image sizes, I resize and crop the image into a 224 by 224 image. And it has 50/50 chance to get a horizontal flip.  Then, I transforms it a 224 by 224 by 3 tensor, and at the end, we normalize it using these mean value and deviation value. These </a:t>
+              <a:t>In this project, the CNN architecture we used is resnet-50. In here, we have some convolution layers and some pooling layers </a:t>
+            </a:r>
+            <a:r>
+              <a:rPr lang="en-US" altLang="zh-CN" dirty="0"/>
+              <a:t>connected like this image</a:t>
+            </a:r>
+            <a:r>
+              <a:rPr lang="en-US" dirty="0"/>
+              <a:t>.</a:t>
+            </a:r>
+          </a:p>
+          <a:p>
+            <a:endParaRPr lang="en-US" dirty="0"/>
+          </a:p>
+          <a:p>
+            <a:r>
+              <a:rPr lang="en-US" dirty="0"/>
+              <a:t>The original architecture has a fully connected layer at the end with the </a:t>
+            </a:r>
+            <a:r>
+              <a:rPr lang="en-US" dirty="0" err="1"/>
+              <a:t>softmax</a:t>
+            </a:r>
+            <a:r>
+              <a:rPr lang="en-US" dirty="0"/>
+              <a:t> activation, I removed it because we are not doing image classification, but to </a:t>
             </a:r>
             <a:r>
               <a:rPr lang="en-US" sz="1200" b="0" i="0" kern="1200" dirty="0">
@@ -1525,14 +1939,10 @@
                 <a:ea typeface="+mn-ea"/>
                 <a:cs typeface="+mn-cs"/>
               </a:rPr>
-              <a:t>mean and </a:t>
-            </a:r>
-            <a:r>
-              <a:rPr lang="en-US" dirty="0"/>
-              <a:t>deviation</a:t>
-            </a:r>
-            <a:r>
-              <a:rPr lang="en-US" sz="1200" b="0" i="0" kern="1200" dirty="0">
+              <a:t>extract </a:t>
+            </a:r>
+            <a:r>
+              <a:rPr lang="en-US" altLang="zh-CN" sz="1200" b="0" i="0" kern="1200" dirty="0">
                 <a:solidFill>
                   <a:schemeClr val="tx1"/>
                 </a:solidFill>
@@ -1541,24 +1951,27 @@
                 <a:ea typeface="+mn-ea"/>
                 <a:cs typeface="+mn-cs"/>
               </a:rPr>
-              <a:t> </a:t>
+              <a:t>features in the image. So I replaced it with </a:t>
             </a:r>
             <a:r>
               <a:rPr lang="en-US" dirty="0"/>
-              <a:t>values comes from </a:t>
-            </a:r>
-            <a:r>
-              <a:rPr lang="en-US" sz="1200" b="0" i="0" kern="1200" dirty="0">
-                <a:solidFill>
-                  <a:schemeClr val="tx1"/>
-                </a:solidFill>
-                <a:effectLst/>
-                <a:latin typeface="+mn-lt"/>
-                <a:ea typeface="+mn-ea"/>
-                <a:cs typeface="+mn-cs"/>
-              </a:rPr>
-              <a:t>ImageNet.</a:t>
-            </a:r>
+              <a:t>a linear </a:t>
+            </a:r>
+            <a:r>
+              <a:rPr lang="en-US" altLang="zh-CN" dirty="0"/>
+              <a:t>activation FC layer with output size matching that input size of the RNN. So right here the output is 1 by 1 by input size of the RNN.</a:t>
+            </a:r>
+          </a:p>
+          <a:p>
+            <a:endParaRPr lang="en-US" dirty="0"/>
+          </a:p>
+          <a:p>
+            <a:r>
+              <a:rPr lang="en-US" dirty="0"/>
+              <a:t>The resnet-50 we are using is pretrained using ImageNet to save training time. I froze these pretrained parameters and only train the last layer. </a:t>
+            </a:r>
+          </a:p>
+          <a:p>
             <a:endParaRPr lang="en-US" dirty="0"/>
           </a:p>
         </p:txBody>
@@ -1589,7 +2002,7 @@
     </p:spTree>
     <p:extLst>
       <p:ext uri="{BB962C8B-B14F-4D97-AF65-F5344CB8AC3E}">
-        <p14:creationId xmlns:p14="http://schemas.microsoft.com/office/powerpoint/2010/main" val="2465821248"/>
+        <p14:creationId xmlns:p14="http://schemas.microsoft.com/office/powerpoint/2010/main" val="2619196582"/>
       </p:ext>
     </p:extLst>
   </p:cSld>
@@ -1644,27 +2057,6 @@
           <a:lstStyle/>
           <a:p>
             <a:r>
-              <a:rPr lang="en-US" dirty="0"/>
-              <a:t>In this project, the CNN architecture we used is resnet-50. In here, we have some convolution layers and some pooling layers.</a:t>
-            </a:r>
-          </a:p>
-          <a:p>
-            <a:endParaRPr lang="en-US" dirty="0"/>
-          </a:p>
-          <a:p>
-            <a:r>
-              <a:rPr lang="en-US" dirty="0"/>
-              <a:t>The original architecture has a fully connected layer at the end with the </a:t>
-            </a:r>
-            <a:r>
-              <a:rPr lang="en-US" dirty="0" err="1"/>
-              <a:t>softmax</a:t>
-            </a:r>
-            <a:r>
-              <a:rPr lang="en-US" dirty="0"/>
-              <a:t> activation, I removed it because we are not doing image classification, but to </a:t>
-            </a:r>
-            <a:r>
               <a:rPr lang="en-US" sz="1200" b="0" i="0" kern="1200" dirty="0">
                 <a:solidFill>
                   <a:schemeClr val="tx1"/>
@@ -1674,10 +2066,23 @@
                 <a:ea typeface="+mn-ea"/>
                 <a:cs typeface="+mn-cs"/>
               </a:rPr>
-              <a:t>extract </a:t>
-            </a:r>
-            <a:r>
-              <a:rPr lang="en-US" altLang="zh-CN" sz="1200" b="0" i="0" kern="1200" dirty="0">
+              <a:t>So why we choose Resnet for feature extraction?</a:t>
+            </a:r>
+          </a:p>
+          <a:p>
+            <a:endParaRPr lang="en-US" sz="1200" b="0" i="0" kern="1200" dirty="0">
+              <a:solidFill>
+                <a:schemeClr val="tx1"/>
+              </a:solidFill>
+              <a:effectLst/>
+              <a:latin typeface="+mn-lt"/>
+              <a:ea typeface="+mn-ea"/>
+              <a:cs typeface="+mn-cs"/>
+            </a:endParaRPr>
+          </a:p>
+          <a:p>
+            <a:r>
+              <a:rPr lang="en-US" sz="1200" b="0" i="0" kern="1200" dirty="0" err="1">
                 <a:solidFill>
                   <a:schemeClr val="tx1"/>
                 </a:solidFill>
@@ -1686,27 +2091,48 @@
                 <a:ea typeface="+mn-ea"/>
                 <a:cs typeface="+mn-cs"/>
               </a:rPr>
-              <a:t>features in the image. So I added </a:t>
-            </a:r>
-            <a:r>
-              <a:rPr lang="en-US" dirty="0"/>
-              <a:t>a linear </a:t>
-            </a:r>
-            <a:r>
-              <a:rPr lang="en-US" altLang="zh-CN" dirty="0"/>
-              <a:t>activation FC layer with output size matching that input size of the RNN. So right here the output is 1 by 1 by input size of the RNN.</a:t>
-            </a:r>
-          </a:p>
-          <a:p>
-            <a:endParaRPr lang="en-US" dirty="0"/>
-          </a:p>
-          <a:p>
-            <a:r>
-              <a:rPr lang="en-US" dirty="0"/>
-              <a:t>The resnet-50 we are using is pretrained using ImageNet to save training time. I froze these pretrained parameters and only train the last layer. </a:t>
-            </a:r>
-          </a:p>
-          <a:p>
+              <a:t>ResNet</a:t>
+            </a:r>
+            <a:r>
+              <a:rPr lang="en-US" sz="1200" b="0" i="0" kern="1200" dirty="0">
+                <a:solidFill>
+                  <a:schemeClr val="tx1"/>
+                </a:solidFill>
+                <a:effectLst/>
+                <a:latin typeface="+mn-lt"/>
+                <a:ea typeface="+mn-ea"/>
+                <a:cs typeface="+mn-cs"/>
+              </a:rPr>
+              <a:t>, short for Residual Networks is a classic neural network used for many computer vision tasks. This model was the winner of ImageNet challenge in 2015.</a:t>
+            </a:r>
+          </a:p>
+          <a:p>
+            <a:r>
+              <a:rPr lang="en-US" sz="1200" b="0" i="0" kern="1200" dirty="0">
+                <a:solidFill>
+                  <a:schemeClr val="tx1"/>
+                </a:solidFill>
+                <a:effectLst/>
+                <a:latin typeface="+mn-lt"/>
+                <a:ea typeface="+mn-ea"/>
+                <a:cs typeface="+mn-cs"/>
+              </a:rPr>
+              <a:t>Typically as the neural network go deeper, the backpropagation isn’t feasible because of the vanishing gradient problem.</a:t>
+            </a:r>
+          </a:p>
+          <a:p>
+            <a:r>
+              <a:rPr lang="en-US" sz="1200" b="0" i="0" kern="1200" dirty="0">
+                <a:solidFill>
+                  <a:schemeClr val="tx1"/>
+                </a:solidFill>
+                <a:effectLst/>
+                <a:latin typeface="+mn-lt"/>
+                <a:ea typeface="+mn-ea"/>
+                <a:cs typeface="+mn-cs"/>
+              </a:rPr>
+              <a:t>Resnet mitigate this problem by allowing alternate shortcut path for gradient to propagate through. Therefore, allowing us to train an extremely deep neural networks.</a:t>
+            </a:r>
             <a:endParaRPr lang="en-US" dirty="0"/>
           </a:p>
         </p:txBody>
@@ -1737,7 +2163,7 @@
     </p:spTree>
     <p:extLst>
       <p:ext uri="{BB962C8B-B14F-4D97-AF65-F5344CB8AC3E}">
-        <p14:creationId xmlns:p14="http://schemas.microsoft.com/office/powerpoint/2010/main" val="2619196582"/>
+        <p14:creationId xmlns:p14="http://schemas.microsoft.com/office/powerpoint/2010/main" val="764787452"/>
       </p:ext>
     </p:extLst>
   </p:cSld>
@@ -1791,6 +2217,101 @@
           <a:bodyPr/>
           <a:lstStyle/>
           <a:p>
+            <a:pPr marL="0" marR="0" lvl="0" indent="0" algn="l" defTabSz="914400" rtl="0" eaLnBrk="1" fontAlgn="auto" latinLnBrk="0" hangingPunct="1">
+              <a:lnSpc>
+                <a:spcPct val="100000"/>
+              </a:lnSpc>
+              <a:spcBef>
+                <a:spcPts val="0"/>
+              </a:spcBef>
+              <a:spcAft>
+                <a:spcPts val="0"/>
+              </a:spcAft>
+              <a:buClrTx/>
+              <a:buSzTx/>
+              <a:buFontTx/>
+              <a:buNone/>
+              <a:tabLst/>
+              <a:defRPr/>
+            </a:pPr>
+            <a:r>
+              <a:rPr lang="en-US" dirty="0"/>
+              <a:t>These are illustration of how convolution layer </a:t>
+            </a:r>
+            <a:r>
+              <a:rPr lang="en-US" dirty="0" err="1"/>
+              <a:t>nad</a:t>
+            </a:r>
+            <a:r>
+              <a:rPr lang="en-US" dirty="0"/>
+              <a:t> max pooling layer calculate its output from the input. </a:t>
+            </a:r>
+          </a:p>
+          <a:p>
+            <a:pPr marL="0" marR="0" lvl="0" indent="0" algn="l" defTabSz="914400" rtl="0" eaLnBrk="1" fontAlgn="auto" latinLnBrk="0" hangingPunct="1">
+              <a:lnSpc>
+                <a:spcPct val="100000"/>
+              </a:lnSpc>
+              <a:spcBef>
+                <a:spcPts val="0"/>
+              </a:spcBef>
+              <a:spcAft>
+                <a:spcPts val="0"/>
+              </a:spcAft>
+              <a:buClrTx/>
+              <a:buSzTx/>
+              <a:buFontTx/>
+              <a:buNone/>
+              <a:tabLst/>
+              <a:defRPr/>
+            </a:pPr>
+            <a:endParaRPr lang="en-US" dirty="0"/>
+          </a:p>
+          <a:p>
+            <a:pPr marL="0" marR="0" lvl="0" indent="0" algn="l" defTabSz="914400" rtl="0" eaLnBrk="1" fontAlgn="auto" latinLnBrk="0" hangingPunct="1">
+              <a:lnSpc>
+                <a:spcPct val="100000"/>
+              </a:lnSpc>
+              <a:spcBef>
+                <a:spcPts val="0"/>
+              </a:spcBef>
+              <a:spcAft>
+                <a:spcPts val="0"/>
+              </a:spcAft>
+              <a:buClrTx/>
+              <a:buSzTx/>
+              <a:buFontTx/>
+              <a:buNone/>
+              <a:tabLst/>
+              <a:defRPr/>
+            </a:pPr>
+            <a:r>
+              <a:rPr lang="en-US" dirty="0"/>
+              <a:t>-----------------------------</a:t>
+            </a:r>
+          </a:p>
+          <a:p>
+            <a:pPr marL="0" marR="0" lvl="0" indent="0" algn="l" defTabSz="914400" rtl="0" eaLnBrk="1" fontAlgn="auto" latinLnBrk="0" hangingPunct="1">
+              <a:lnSpc>
+                <a:spcPct val="100000"/>
+              </a:lnSpc>
+              <a:spcBef>
+                <a:spcPts val="0"/>
+              </a:spcBef>
+              <a:spcAft>
+                <a:spcPts val="0"/>
+              </a:spcAft>
+              <a:buClrTx/>
+              <a:buSzTx/>
+              <a:buFontTx/>
+              <a:buNone/>
+              <a:tabLst/>
+              <a:defRPr/>
+            </a:pPr>
+            <a:r>
+              <a:rPr lang="en-US" dirty="0"/>
+              <a:t>Basically the convolution layer uses </a:t>
+            </a:r>
             <a:r>
               <a:rPr lang="en-US" sz="1200" b="0" i="0" kern="1200" dirty="0">
                 <a:solidFill>
@@ -1801,33 +2322,27 @@
                 <a:ea typeface="+mn-ea"/>
                 <a:cs typeface="+mn-cs"/>
               </a:rPr>
-              <a:t>So why we choose Resnet for feature extraction?</a:t>
-            </a:r>
-          </a:p>
-          <a:p>
-            <a:endParaRPr lang="en-US" sz="1200" b="0" i="0" kern="1200" dirty="0">
-              <a:solidFill>
-                <a:schemeClr val="tx1"/>
-              </a:solidFill>
-              <a:effectLst/>
-              <a:latin typeface="+mn-lt"/>
-              <a:ea typeface="+mn-ea"/>
-              <a:cs typeface="+mn-cs"/>
-            </a:endParaRPr>
-          </a:p>
-          <a:p>
-            <a:r>
-              <a:rPr lang="en-US" sz="1200" b="0" i="0" kern="1200" dirty="0" err="1">
-                <a:solidFill>
-                  <a:schemeClr val="tx1"/>
-                </a:solidFill>
-                <a:effectLst/>
-                <a:latin typeface="+mn-lt"/>
-                <a:ea typeface="+mn-ea"/>
-                <a:cs typeface="+mn-cs"/>
-              </a:rPr>
-              <a:t>ResNet</a:t>
-            </a:r>
+              <a:t>multiply–accumulate operation in each tile and then slides.</a:t>
+            </a:r>
+          </a:p>
+          <a:p>
+            <a:pPr marL="0" marR="0" lvl="0" indent="0" algn="l" defTabSz="914400" rtl="0" eaLnBrk="1" fontAlgn="auto" latinLnBrk="0" hangingPunct="1">
+              <a:lnSpc>
+                <a:spcPct val="100000"/>
+              </a:lnSpc>
+              <a:spcBef>
+                <a:spcPts val="0"/>
+              </a:spcBef>
+              <a:spcAft>
+                <a:spcPts val="0"/>
+              </a:spcAft>
+              <a:buClrTx/>
+              <a:buSzTx/>
+              <a:buFontTx/>
+              <a:buNone/>
+              <a:tabLst/>
+              <a:defRPr/>
+            </a:pPr>
             <a:r>
               <a:rPr lang="en-US" sz="1200" b="0" i="0" kern="1200" dirty="0">
                 <a:solidFill>
@@ -1838,37 +2353,8 @@
                 <a:ea typeface="+mn-ea"/>
                 <a:cs typeface="+mn-cs"/>
               </a:rPr>
-              <a:t>, short for Residual Networks is a classic neural network used for many computer vision tasks. This model was the winner of ImageNet challenge in 2015.</a:t>
-            </a:r>
-          </a:p>
-          <a:p>
-            <a:r>
-              <a:rPr lang="en-US" sz="1200" b="0" i="0" kern="1200" dirty="0">
-                <a:solidFill>
-                  <a:schemeClr val="tx1"/>
-                </a:solidFill>
-                <a:effectLst/>
-                <a:latin typeface="+mn-lt"/>
-                <a:ea typeface="+mn-ea"/>
-                <a:cs typeface="+mn-cs"/>
-              </a:rPr>
-              <a:t>Typically as the neural network go deeper, the backpropagation isn’t feasible because of the vanishing gradient problem.</a:t>
-            </a:r>
-          </a:p>
-          <a:p>
-            <a:r>
-              <a:rPr lang="en-US" sz="1200" b="0" i="0" kern="1200" dirty="0">
-                <a:solidFill>
-                  <a:schemeClr val="tx1"/>
-                </a:solidFill>
-                <a:effectLst/>
-                <a:latin typeface="+mn-lt"/>
-                <a:ea typeface="+mn-ea"/>
-                <a:cs typeface="+mn-cs"/>
-              </a:rPr>
-              <a:t>Resnet mitigate this problem by allowing alternate shortcut path for gradient to propagate through. Therefore, allowing us to train an extremely deep neural networks.</a:t>
-            </a:r>
-            <a:endParaRPr lang="en-US" dirty="0"/>
+              <a:t>Max pooling just find the max value in each tile.</a:t>
+            </a:r>
           </a:p>
         </p:txBody>
       </p:sp>
@@ -1898,7 +2384,7 @@
     </p:spTree>
     <p:extLst>
       <p:ext uri="{BB962C8B-B14F-4D97-AF65-F5344CB8AC3E}">
-        <p14:creationId xmlns:p14="http://schemas.microsoft.com/office/powerpoint/2010/main" val="764787452"/>
+        <p14:creationId xmlns:p14="http://schemas.microsoft.com/office/powerpoint/2010/main" val="3835560937"/>
       </p:ext>
     </p:extLst>
   </p:cSld>
@@ -1954,7 +2440,18 @@
           <a:p>
             <a:r>
               <a:rPr lang="en-US" dirty="0"/>
-              <a:t>For </a:t>
+              <a:t>Embedding </a:t>
+            </a:r>
+            <a:r>
+              <a:rPr lang="en-US" dirty="0" err="1"/>
+              <a:t>laryer</a:t>
+            </a:r>
+            <a:endParaRPr lang="en-US" dirty="0"/>
+          </a:p>
+          <a:p>
+            <a:r>
+              <a:rPr lang="en-US" dirty="0"/>
+              <a:t>LSTM algorithm</a:t>
             </a:r>
           </a:p>
         </p:txBody>
@@ -1985,7 +2482,7 @@
     </p:spTree>
     <p:extLst>
       <p:ext uri="{BB962C8B-B14F-4D97-AF65-F5344CB8AC3E}">
-        <p14:creationId xmlns:p14="http://schemas.microsoft.com/office/powerpoint/2010/main" val="3835560937"/>
+        <p14:creationId xmlns:p14="http://schemas.microsoft.com/office/powerpoint/2010/main" val="1453326774"/>
       </p:ext>
     </p:extLst>
   </p:cSld>
@@ -5793,7 +6290,7 @@
           <p:cNvPr id="2" name="Title 1">
             <a:extLst>
               <a:ext uri="{FF2B5EF4-FFF2-40B4-BE49-F238E27FC236}">
-                <a16:creationId xmlns:a16="http://schemas.microsoft.com/office/drawing/2014/main" id="{BF98964A-1910-42D4-BD82-01CCA21E0B9E}"/>
+                <a16:creationId xmlns:a16="http://schemas.microsoft.com/office/drawing/2014/main" id="{34B31FD0-77B4-604A-8A95-F36E18167930}"/>
               </a:ext>
             </a:extLst>
           </p:cNvPr>
@@ -5810,118 +6307,52 @@
           <a:lstStyle/>
           <a:p>
             <a:r>
-              <a:rPr lang="en-US" dirty="0"/>
-              <a:t>Hyper parameters and effect</a:t>
-            </a:r>
-          </a:p>
-        </p:txBody>
-      </p:sp>
-      <p:sp>
-        <p:nvSpPr>
-          <p:cNvPr id="3" name="Content Placeholder 2">
+              <a:rPr lang="en-US" dirty="0" err="1"/>
+              <a:t>WordEmbeddings</a:t>
+            </a:r>
+            <a:endParaRPr lang="en-US" dirty="0"/>
+          </a:p>
+        </p:txBody>
+      </p:sp>
+      <p:pic>
+        <p:nvPicPr>
+          <p:cNvPr id="5" name="Content Placeholder 4">
             <a:extLst>
               <a:ext uri="{FF2B5EF4-FFF2-40B4-BE49-F238E27FC236}">
-                <a16:creationId xmlns:a16="http://schemas.microsoft.com/office/drawing/2014/main" id="{C6EF6095-8BEF-4348-A5A3-3F019DAA4226}"/>
+                <a16:creationId xmlns:a16="http://schemas.microsoft.com/office/drawing/2014/main" id="{5A01F430-1454-0142-93D4-E5F1B0003609}"/>
               </a:ext>
             </a:extLst>
           </p:cNvPr>
-          <p:cNvSpPr>
-            <a:spLocks noGrp="1"/>
-          </p:cNvSpPr>
+          <p:cNvPicPr>
+            <a:picLocks noGrp="1" noChangeAspect="1"/>
+          </p:cNvPicPr>
           <p:nvPr>
             <p:ph idx="1"/>
           </p:nvPr>
-        </p:nvSpPr>
-        <p:spPr/>
-        <p:txBody>
-          <a:bodyPr>
-            <a:normAutofit fontScale="85000" lnSpcReduction="10000"/>
-          </a:bodyPr>
-          <a:lstStyle/>
-          <a:p>
-            <a:r>
-              <a:rPr lang="en-US" dirty="0" err="1"/>
-              <a:t>batch_size</a:t>
-            </a:r>
-            <a:r>
-              <a:rPr lang="en-US" dirty="0"/>
-              <a:t> - the batch size of each training batch. It is the number of image-caption pairs used to amend the model weights in each training step. Default 64.</a:t>
-            </a:r>
-          </a:p>
-          <a:p>
-            <a:r>
-              <a:rPr lang="en-US" dirty="0" err="1"/>
-              <a:t>vocab_threshold</a:t>
-            </a:r>
-            <a:r>
-              <a:rPr lang="en-US" dirty="0"/>
-              <a:t> - the minimum word count threshold. Note that a larger threshold will result in a smaller vocabulary, whereas a smaller threshold will include rarer words and result in a larger vocabulary.</a:t>
-            </a:r>
-          </a:p>
-          <a:p>
-            <a:r>
-              <a:rPr lang="en-US" dirty="0" err="1"/>
-              <a:t>embed_size</a:t>
-            </a:r>
-            <a:r>
-              <a:rPr lang="en-US" dirty="0"/>
-              <a:t> - the dimensionality of the image and word embeddings.</a:t>
-            </a:r>
-          </a:p>
-          <a:p>
-            <a:r>
-              <a:rPr lang="en-US" dirty="0" err="1"/>
-              <a:t>hidden_size</a:t>
-            </a:r>
-            <a:r>
-              <a:rPr lang="en-US" dirty="0"/>
-              <a:t> - the number of features in the hidden state of the RNN decoder.</a:t>
-            </a:r>
-          </a:p>
-          <a:p>
-            <a:r>
-              <a:rPr lang="en-US" dirty="0"/>
-              <a:t>---</a:t>
-            </a:r>
-            <a:r>
-              <a:rPr lang="en-US" dirty="0" err="1"/>
-              <a:t>num_epochs</a:t>
-            </a:r>
-            <a:r>
-              <a:rPr lang="en-US" dirty="0"/>
-              <a:t> - the number of epochs to train the model. We recommend that you set </a:t>
-            </a:r>
-            <a:r>
-              <a:rPr lang="en-US" dirty="0" err="1"/>
-              <a:t>num_epochs</a:t>
-            </a:r>
-            <a:r>
-              <a:rPr lang="en-US" dirty="0"/>
-              <a:t>=3, but feel free to increase or decrease this number as you wish. This paper trained a captioning model on a single state-of-the-art GPU for 3 days, but you'll soon see that you can get reasonable results in a matter of a few hours! (_But of course, if you want your model to compete with current research, you will have to train for much longer._)</a:t>
-            </a:r>
-          </a:p>
-          <a:p>
-            <a:r>
-              <a:rPr lang="en-US" dirty="0" err="1"/>
-              <a:t>transform_train</a:t>
-            </a:r>
-            <a:r>
-              <a:rPr lang="en-US" dirty="0"/>
-              <a:t> normalization value – the default value is recommended by many research papers.</a:t>
-            </a:r>
-          </a:p>
-          <a:p>
-            <a:r>
-              <a:rPr lang="en-US" dirty="0"/>
-              <a:t>Optimizer- default Adam optimizer performs better than SGD most of times according to many papers.</a:t>
-            </a:r>
-          </a:p>
-        </p:txBody>
-      </p:sp>
+        </p:nvPicPr>
+        <p:blipFill>
+          <a:blip r:embed="rId3">
+            <a:extLst>
+              <a:ext uri="{28A0092B-C50C-407E-A947-70E740481C1C}">
+                <a14:useLocalDpi xmlns:a14="http://schemas.microsoft.com/office/drawing/2010/main" val="0"/>
+              </a:ext>
+            </a:extLst>
+          </a:blip>
+          <a:stretch>
+            <a:fillRect/>
+          </a:stretch>
+        </p:blipFill>
+        <p:spPr>
+          <a:xfrm>
+            <a:off x="1096963" y="2281103"/>
+            <a:ext cx="10058400" cy="3153045"/>
+          </a:xfrm>
+        </p:spPr>
+      </p:pic>
     </p:spTree>
     <p:extLst>
       <p:ext uri="{BB962C8B-B14F-4D97-AF65-F5344CB8AC3E}">
-        <p14:creationId xmlns:p14="http://schemas.microsoft.com/office/powerpoint/2010/main" val="4000566386"/>
+        <p14:creationId xmlns:p14="http://schemas.microsoft.com/office/powerpoint/2010/main" val="4230842022"/>
       </p:ext>
     </p:extLst>
   </p:cSld>
@@ -5953,7 +6384,7 @@
           <p:cNvPr id="2" name="Title 1">
             <a:extLst>
               <a:ext uri="{FF2B5EF4-FFF2-40B4-BE49-F238E27FC236}">
-                <a16:creationId xmlns:a16="http://schemas.microsoft.com/office/drawing/2014/main" id="{6D102B00-C7A7-40E0-86E5-A53D30A00F3C}"/>
+                <a16:creationId xmlns:a16="http://schemas.microsoft.com/office/drawing/2014/main" id="{689F90C7-2CF5-5A43-9F90-5F8D154BFE5D}"/>
               </a:ext>
             </a:extLst>
           </p:cNvPr>
@@ -5964,278 +6395,62 @@
             <p:ph type="title"/>
           </p:nvPr>
         </p:nvSpPr>
-        <p:spPr/>
+        <p:spPr>
+          <a:xfrm>
+            <a:off x="1097281" y="-364560"/>
+            <a:ext cx="10058400" cy="1450757"/>
+          </a:xfrm>
+        </p:spPr>
         <p:txBody>
           <a:bodyPr/>
           <a:lstStyle/>
           <a:p>
             <a:r>
               <a:rPr lang="en-US" dirty="0"/>
-              <a:t>Feature vector decoder-RNN</a:t>
-            </a:r>
-          </a:p>
-        </p:txBody>
-      </p:sp>
-      <p:sp>
-        <p:nvSpPr>
-          <p:cNvPr id="3" name="Content Placeholder 2">
+              <a:t>Attention models</a:t>
+            </a:r>
+          </a:p>
+        </p:txBody>
+      </p:sp>
+      <p:pic>
+        <p:nvPicPr>
+          <p:cNvPr id="5" name="Content Placeholder 4">
             <a:extLst>
               <a:ext uri="{FF2B5EF4-FFF2-40B4-BE49-F238E27FC236}">
-                <a16:creationId xmlns:a16="http://schemas.microsoft.com/office/drawing/2014/main" id="{30DDE256-506D-4F50-93CC-34064C8625AA}"/>
+                <a16:creationId xmlns:a16="http://schemas.microsoft.com/office/drawing/2014/main" id="{46BBC194-D47D-F34A-8AD9-528824242761}"/>
               </a:ext>
             </a:extLst>
           </p:cNvPr>
-          <p:cNvSpPr>
-            <a:spLocks noGrp="1"/>
-          </p:cNvSpPr>
+          <p:cNvPicPr>
+            <a:picLocks noGrp="1" noChangeAspect="1"/>
+          </p:cNvPicPr>
           <p:nvPr>
             <p:ph idx="1"/>
           </p:nvPr>
-        </p:nvSpPr>
+        </p:nvPicPr>
+        <p:blipFill>
+          <a:blip r:embed="rId2">
+            <a:extLst>
+              <a:ext uri="{28A0092B-C50C-407E-A947-70E740481C1C}">
+                <a14:useLocalDpi xmlns:a14="http://schemas.microsoft.com/office/drawing/2010/main" val="0"/>
+              </a:ext>
+            </a:extLst>
+          </a:blip>
+          <a:stretch>
+            <a:fillRect/>
+          </a:stretch>
+        </p:blipFill>
         <p:spPr>
           <a:xfrm>
-            <a:off x="1097280" y="1845734"/>
-            <a:ext cx="10058400" cy="384848"/>
-          </a:xfrm>
-        </p:spPr>
-        <p:txBody>
-          <a:bodyPr>
-            <a:normAutofit lnSpcReduction="10000"/>
-          </a:bodyPr>
-          <a:lstStyle/>
-          <a:p>
-            <a:r>
-              <a:rPr lang="en-US" dirty="0"/>
-              <a:t>def __</a:t>
-            </a:r>
-            <a:r>
-              <a:rPr lang="en-US" dirty="0" err="1"/>
-              <a:t>init</a:t>
-            </a:r>
-            <a:r>
-              <a:rPr lang="en-US" dirty="0"/>
-              <a:t>__(self, </a:t>
-            </a:r>
-            <a:r>
-              <a:rPr lang="en-US" dirty="0" err="1"/>
-              <a:t>embed_size</a:t>
-            </a:r>
-            <a:r>
-              <a:rPr lang="en-US" dirty="0"/>
-              <a:t>, </a:t>
-            </a:r>
-            <a:r>
-              <a:rPr lang="en-US" dirty="0" err="1"/>
-              <a:t>hidden_size</a:t>
-            </a:r>
-            <a:r>
-              <a:rPr lang="en-US" dirty="0"/>
-              <a:t>, </a:t>
-            </a:r>
-            <a:r>
-              <a:rPr lang="en-US" dirty="0" err="1"/>
-              <a:t>vocab_size</a:t>
-            </a:r>
-            <a:r>
-              <a:rPr lang="en-US" dirty="0"/>
-              <a:t>, </a:t>
-            </a:r>
-            <a:r>
-              <a:rPr lang="en-US" dirty="0" err="1"/>
-              <a:t>num_layers</a:t>
-            </a:r>
-            <a:r>
-              <a:rPr lang="en-US" dirty="0"/>
-              <a:t>=1):</a:t>
-            </a:r>
-          </a:p>
-          <a:p>
-            <a:endParaRPr lang="en-US" dirty="0"/>
-          </a:p>
-        </p:txBody>
-      </p:sp>
-      <p:sp>
-        <p:nvSpPr>
-          <p:cNvPr id="4" name="Rectangle 3">
-            <a:extLst>
-              <a:ext uri="{FF2B5EF4-FFF2-40B4-BE49-F238E27FC236}">
-                <a16:creationId xmlns:a16="http://schemas.microsoft.com/office/drawing/2014/main" id="{7596DD70-4E0F-8743-BC5A-4F5DAAFE25B8}"/>
-              </a:ext>
-            </a:extLst>
-          </p:cNvPr>
-          <p:cNvSpPr/>
-          <p:nvPr/>
-        </p:nvSpPr>
-        <p:spPr>
-          <a:xfrm>
-            <a:off x="1482436" y="2186556"/>
-            <a:ext cx="6096000" cy="2031325"/>
-          </a:xfrm>
-          <a:prstGeom prst="rect">
-            <a:avLst/>
-          </a:prstGeom>
-        </p:spPr>
-        <p:txBody>
-          <a:bodyPr>
-            <a:spAutoFit/>
-          </a:bodyPr>
-          <a:lstStyle/>
-          <a:p>
-            <a:r>
-              <a:rPr lang="en-US" dirty="0"/>
-              <a:t>super().__</a:t>
-            </a:r>
-            <a:r>
-              <a:rPr lang="en-US" dirty="0" err="1"/>
-              <a:t>init</a:t>
-            </a:r>
-            <a:r>
-              <a:rPr lang="en-US" dirty="0"/>
-              <a:t>__()</a:t>
-            </a:r>
-          </a:p>
-          <a:p>
-            <a:r>
-              <a:rPr lang="en-US" dirty="0" err="1"/>
-              <a:t>self.embedding_layer</a:t>
-            </a:r>
-            <a:r>
-              <a:rPr lang="en-US" dirty="0"/>
-              <a:t> = </a:t>
-            </a:r>
-            <a:r>
-              <a:rPr lang="en-US" dirty="0" err="1"/>
-              <a:t>nn.Embedding</a:t>
-            </a:r>
-            <a:r>
-              <a:rPr lang="en-US" dirty="0"/>
-              <a:t>(</a:t>
-            </a:r>
-            <a:r>
-              <a:rPr lang="en-US" dirty="0" err="1"/>
-              <a:t>vocab_size</a:t>
-            </a:r>
-            <a:r>
-              <a:rPr lang="en-US" dirty="0"/>
-              <a:t>, </a:t>
-            </a:r>
-            <a:r>
-              <a:rPr lang="en-US" dirty="0" err="1"/>
-              <a:t>embed_size</a:t>
-            </a:r>
-            <a:r>
-              <a:rPr lang="en-US" dirty="0"/>
-              <a:t>)</a:t>
-            </a:r>
-          </a:p>
-          <a:p>
-            <a:r>
-              <a:rPr lang="en-US" dirty="0" err="1"/>
-              <a:t>self.lstm</a:t>
-            </a:r>
-            <a:r>
-              <a:rPr lang="en-US" dirty="0"/>
-              <a:t> = </a:t>
-            </a:r>
-            <a:r>
-              <a:rPr lang="en-US" dirty="0" err="1"/>
-              <a:t>nn.LSTM</a:t>
-            </a:r>
-            <a:r>
-              <a:rPr lang="en-US" dirty="0"/>
-              <a:t>(</a:t>
-            </a:r>
-            <a:r>
-              <a:rPr lang="en-US" dirty="0" err="1"/>
-              <a:t>input_size</a:t>
-            </a:r>
-            <a:r>
-              <a:rPr lang="en-US" dirty="0"/>
-              <a:t> = </a:t>
-            </a:r>
-            <a:r>
-              <a:rPr lang="en-US" dirty="0" err="1"/>
-              <a:t>embed_size,hidden_size</a:t>
-            </a:r>
-            <a:r>
-              <a:rPr lang="en-US" dirty="0"/>
-              <a:t> = </a:t>
-            </a:r>
-            <a:r>
-              <a:rPr lang="en-US" dirty="0" err="1"/>
-              <a:t>hidden_size</a:t>
-            </a:r>
-            <a:r>
-              <a:rPr lang="en-US" dirty="0"/>
-              <a:t>,</a:t>
-            </a:r>
-          </a:p>
-          <a:p>
-            <a:r>
-              <a:rPr lang="en-US" dirty="0" err="1"/>
-              <a:t>num_layers</a:t>
-            </a:r>
-            <a:r>
-              <a:rPr lang="en-US" dirty="0"/>
-              <a:t> = </a:t>
-            </a:r>
-            <a:r>
-              <a:rPr lang="en-US" dirty="0" err="1"/>
-              <a:t>num_layers</a:t>
-            </a:r>
-            <a:r>
-              <a:rPr lang="en-US" dirty="0"/>
-              <a:t>, </a:t>
-            </a:r>
-            <a:r>
-              <a:rPr lang="en-US" dirty="0" err="1"/>
-              <a:t>batch_first</a:t>
-            </a:r>
-            <a:r>
-              <a:rPr lang="en-US" dirty="0"/>
-              <a:t> = True)</a:t>
-            </a:r>
-          </a:p>
-          <a:p>
-            <a:r>
-              <a:rPr lang="en-US" dirty="0" err="1"/>
-              <a:t>self.linear</a:t>
-            </a:r>
-            <a:r>
-              <a:rPr lang="en-US" dirty="0"/>
-              <a:t> = </a:t>
-            </a:r>
-            <a:r>
-              <a:rPr lang="en-US" dirty="0" err="1"/>
-              <a:t>nn.Linear</a:t>
-            </a:r>
-            <a:r>
-              <a:rPr lang="en-US" dirty="0"/>
-              <a:t>(</a:t>
-            </a:r>
-            <a:r>
-              <a:rPr lang="en-US" dirty="0" err="1"/>
-              <a:t>hidden_size</a:t>
-            </a:r>
-            <a:r>
-              <a:rPr lang="en-US" dirty="0"/>
-              <a:t>, </a:t>
-            </a:r>
-            <a:r>
-              <a:rPr lang="en-US" dirty="0" err="1"/>
-              <a:t>vocab_size</a:t>
-            </a:r>
-            <a:r>
-              <a:rPr lang="en-US" dirty="0"/>
-              <a:t>)</a:t>
-            </a:r>
-          </a:p>
-        </p:txBody>
-      </p:sp>
+            <a:off x="1097281" y="921227"/>
+            <a:ext cx="9997438" cy="5618158"/>
+          </a:xfrm>
+        </p:spPr>
+      </p:pic>
     </p:spTree>
     <p:extLst>
       <p:ext uri="{BB962C8B-B14F-4D97-AF65-F5344CB8AC3E}">
-        <p14:creationId xmlns:p14="http://schemas.microsoft.com/office/powerpoint/2010/main" val="2956417762"/>
+        <p14:creationId xmlns:p14="http://schemas.microsoft.com/office/powerpoint/2010/main" val="2416392922"/>
       </p:ext>
     </p:extLst>
   </p:cSld>
@@ -6267,7 +6482,7 @@
           <p:cNvPr id="2" name="Title 1">
             <a:extLst>
               <a:ext uri="{FF2B5EF4-FFF2-40B4-BE49-F238E27FC236}">
-                <a16:creationId xmlns:a16="http://schemas.microsoft.com/office/drawing/2014/main" id="{34B31FD0-77B4-604A-8A95-F36E18167930}"/>
+                <a16:creationId xmlns:a16="http://schemas.microsoft.com/office/drawing/2014/main" id="{9115102D-A9FB-D54F-80F6-2671CF72D26F}"/>
               </a:ext>
             </a:extLst>
           </p:cNvPr>
@@ -6284,10 +6499,9 @@
           <a:lstStyle/>
           <a:p>
             <a:r>
-              <a:rPr lang="en-US" dirty="0" err="1"/>
-              <a:t>WordEmbeddings</a:t>
-            </a:r>
-            <a:endParaRPr lang="en-US" dirty="0"/>
+              <a:rPr lang="en-US" dirty="0"/>
+              <a:t>Traditional RNN cell</a:t>
+            </a:r>
           </a:p>
         </p:txBody>
       </p:sp>
@@ -6296,7 +6510,7 @@
           <p:cNvPr id="5" name="Content Placeholder 4">
             <a:extLst>
               <a:ext uri="{FF2B5EF4-FFF2-40B4-BE49-F238E27FC236}">
-                <a16:creationId xmlns:a16="http://schemas.microsoft.com/office/drawing/2014/main" id="{5A01F430-1454-0142-93D4-E5F1B0003609}"/>
+                <a16:creationId xmlns:a16="http://schemas.microsoft.com/office/drawing/2014/main" id="{3C37DDC9-BE6E-354E-8981-00F2E2573207}"/>
               </a:ext>
             </a:extLst>
           </p:cNvPr>
@@ -6308,7 +6522,7 @@
           </p:nvPr>
         </p:nvPicPr>
         <p:blipFill>
-          <a:blip r:embed="rId3">
+          <a:blip r:embed="rId2">
             <a:extLst>
               <a:ext uri="{28A0092B-C50C-407E-A947-70E740481C1C}">
                 <a14:useLocalDpi xmlns:a14="http://schemas.microsoft.com/office/drawing/2010/main" val="0"/>
@@ -6321,15 +6535,15 @@
         </p:blipFill>
         <p:spPr>
           <a:xfrm>
-            <a:off x="1096963" y="2281103"/>
-            <a:ext cx="10058400" cy="3153045"/>
+            <a:off x="193642" y="2025366"/>
+            <a:ext cx="11804715" cy="4546031"/>
           </a:xfrm>
         </p:spPr>
       </p:pic>
     </p:spTree>
     <p:extLst>
       <p:ext uri="{BB962C8B-B14F-4D97-AF65-F5344CB8AC3E}">
-        <p14:creationId xmlns:p14="http://schemas.microsoft.com/office/powerpoint/2010/main" val="4230842022"/>
+        <p14:creationId xmlns:p14="http://schemas.microsoft.com/office/powerpoint/2010/main" val="3482589772"/>
       </p:ext>
     </p:extLst>
   </p:cSld>
@@ -6361,7 +6575,7 @@
           <p:cNvPr id="2" name="Title 1">
             <a:extLst>
               <a:ext uri="{FF2B5EF4-FFF2-40B4-BE49-F238E27FC236}">
-                <a16:creationId xmlns:a16="http://schemas.microsoft.com/office/drawing/2014/main" id="{689F90C7-2CF5-5A43-9F90-5F8D154BFE5D}"/>
+                <a16:creationId xmlns:a16="http://schemas.microsoft.com/office/drawing/2014/main" id="{9115102D-A9FB-D54F-80F6-2671CF72D26F}"/>
               </a:ext>
             </a:extLst>
           </p:cNvPr>
@@ -6372,41 +6586,34 @@
             <p:ph type="title"/>
           </p:nvPr>
         </p:nvSpPr>
-        <p:spPr>
-          <a:xfrm>
-            <a:off x="1097281" y="-364560"/>
-            <a:ext cx="10058400" cy="1450757"/>
-          </a:xfrm>
-        </p:spPr>
+        <p:spPr/>
         <p:txBody>
           <a:bodyPr/>
           <a:lstStyle/>
           <a:p>
             <a:r>
               <a:rPr lang="en-US" dirty="0"/>
-              <a:t>Attention models</a:t>
+              <a:t>Traditional RNN cell</a:t>
             </a:r>
           </a:p>
         </p:txBody>
       </p:sp>
       <p:pic>
         <p:nvPicPr>
-          <p:cNvPr id="5" name="Content Placeholder 4">
+          <p:cNvPr id="9" name="Picture 8">
             <a:extLst>
               <a:ext uri="{FF2B5EF4-FFF2-40B4-BE49-F238E27FC236}">
-                <a16:creationId xmlns:a16="http://schemas.microsoft.com/office/drawing/2014/main" id="{46BBC194-D47D-F34A-8AD9-528824242761}"/>
+                <a16:creationId xmlns:a16="http://schemas.microsoft.com/office/drawing/2014/main" id="{8FC246B8-E8E9-1148-A6C1-68D23764FCDF}"/>
               </a:ext>
             </a:extLst>
           </p:cNvPr>
           <p:cNvPicPr>
-            <a:picLocks noGrp="1" noChangeAspect="1"/>
+            <a:picLocks noChangeAspect="1"/>
           </p:cNvPicPr>
-          <p:nvPr>
-            <p:ph idx="1"/>
-          </p:nvPr>
+          <p:nvPr/>
         </p:nvPicPr>
         <p:blipFill>
-          <a:blip r:embed="rId2">
+          <a:blip r:embed="rId3">
             <a:extLst>
               <a:ext uri="{28A0092B-C50C-407E-A947-70E740481C1C}">
                 <a14:useLocalDpi xmlns:a14="http://schemas.microsoft.com/office/drawing/2010/main" val="0"/>
@@ -6419,15 +6626,18 @@
         </p:blipFill>
         <p:spPr>
           <a:xfrm>
-            <a:off x="1097281" y="921227"/>
-            <a:ext cx="9997438" cy="5618158"/>
-          </a:xfrm>
+            <a:off x="1462335" y="1737360"/>
+            <a:ext cx="9790479" cy="5120640"/>
+          </a:xfrm>
+          <a:prstGeom prst="rect">
+            <a:avLst/>
+          </a:prstGeom>
         </p:spPr>
       </p:pic>
     </p:spTree>
     <p:extLst>
       <p:ext uri="{BB962C8B-B14F-4D97-AF65-F5344CB8AC3E}">
-        <p14:creationId xmlns:p14="http://schemas.microsoft.com/office/powerpoint/2010/main" val="2416392922"/>
+        <p14:creationId xmlns:p14="http://schemas.microsoft.com/office/powerpoint/2010/main" val="1124839207"/>
       </p:ext>
     </p:extLst>
   </p:cSld>
@@ -6459,7 +6669,7 @@
           <p:cNvPr id="2" name="Title 1">
             <a:extLst>
               <a:ext uri="{FF2B5EF4-FFF2-40B4-BE49-F238E27FC236}">
-                <a16:creationId xmlns:a16="http://schemas.microsoft.com/office/drawing/2014/main" id="{9115102D-A9FB-D54F-80F6-2671CF72D26F}"/>
+                <a16:creationId xmlns:a16="http://schemas.microsoft.com/office/drawing/2014/main" id="{8D651F90-7FCF-8749-B6E9-18AC8ABEBFDA}"/>
               </a:ext>
             </a:extLst>
           </p:cNvPr>
@@ -6477,17 +6687,17 @@
           <a:p>
             <a:r>
               <a:rPr lang="en-US" dirty="0"/>
-              <a:t>Traditional RNN cell</a:t>
+              <a:t>RNN forward sequence</a:t>
             </a:r>
           </a:p>
         </p:txBody>
       </p:sp>
       <p:pic>
         <p:nvPicPr>
-          <p:cNvPr id="5" name="Content Placeholder 4">
+          <p:cNvPr id="4" name="Content Placeholder 4">
             <a:extLst>
               <a:ext uri="{FF2B5EF4-FFF2-40B4-BE49-F238E27FC236}">
-                <a16:creationId xmlns:a16="http://schemas.microsoft.com/office/drawing/2014/main" id="{3C37DDC9-BE6E-354E-8981-00F2E2573207}"/>
+                <a16:creationId xmlns:a16="http://schemas.microsoft.com/office/drawing/2014/main" id="{D3BDAA7A-ED06-5640-8C9E-FB3549BEAE0A}"/>
               </a:ext>
             </a:extLst>
           </p:cNvPr>
@@ -6512,15 +6722,15 @@
         </p:blipFill>
         <p:spPr>
           <a:xfrm>
-            <a:off x="193642" y="2025366"/>
-            <a:ext cx="11804715" cy="4546031"/>
+            <a:off x="113289" y="2388032"/>
+            <a:ext cx="12023923" cy="2488767"/>
           </a:xfrm>
         </p:spPr>
       </p:pic>
     </p:spTree>
     <p:extLst>
       <p:ext uri="{BB962C8B-B14F-4D97-AF65-F5344CB8AC3E}">
-        <p14:creationId xmlns:p14="http://schemas.microsoft.com/office/powerpoint/2010/main" val="3482589772"/>
+        <p14:creationId xmlns:p14="http://schemas.microsoft.com/office/powerpoint/2010/main" val="3406568400"/>
       </p:ext>
     </p:extLst>
   </p:cSld>
@@ -6552,7 +6762,7 @@
           <p:cNvPr id="2" name="Title 1">
             <a:extLst>
               <a:ext uri="{FF2B5EF4-FFF2-40B4-BE49-F238E27FC236}">
-                <a16:creationId xmlns:a16="http://schemas.microsoft.com/office/drawing/2014/main" id="{9115102D-A9FB-D54F-80F6-2671CF72D26F}"/>
+                <a16:creationId xmlns:a16="http://schemas.microsoft.com/office/drawing/2014/main" id="{B0C035C6-186F-BC4B-99F2-611BD77AD1FB}"/>
               </a:ext>
             </a:extLst>
           </p:cNvPr>
@@ -6570,17 +6780,17 @@
           <a:p>
             <a:r>
               <a:rPr lang="en-US" dirty="0"/>
-              <a:t>Traditional RNN cell</a:t>
+              <a:t>LSTM RNN cell</a:t>
             </a:r>
           </a:p>
         </p:txBody>
       </p:sp>
       <p:pic>
         <p:nvPicPr>
-          <p:cNvPr id="9" name="Picture 8">
+          <p:cNvPr id="8" name="Picture 7">
             <a:extLst>
               <a:ext uri="{FF2B5EF4-FFF2-40B4-BE49-F238E27FC236}">
-                <a16:creationId xmlns:a16="http://schemas.microsoft.com/office/drawing/2014/main" id="{8FC246B8-E8E9-1148-A6C1-68D23764FCDF}"/>
+                <a16:creationId xmlns:a16="http://schemas.microsoft.com/office/drawing/2014/main" id="{2C49FA75-650B-D34B-82EF-3EDE9C190CF3}"/>
               </a:ext>
             </a:extLst>
           </p:cNvPr>
@@ -6603,8 +6813,8 @@
         </p:blipFill>
         <p:spPr>
           <a:xfrm>
-            <a:off x="1462335" y="1737360"/>
-            <a:ext cx="9790479" cy="5120640"/>
+            <a:off x="606136" y="1737360"/>
+            <a:ext cx="6253249" cy="4663440"/>
           </a:xfrm>
           <a:prstGeom prst="rect">
             <a:avLst/>
@@ -6614,7 +6824,7 @@
     </p:spTree>
     <p:extLst>
       <p:ext uri="{BB962C8B-B14F-4D97-AF65-F5344CB8AC3E}">
-        <p14:creationId xmlns:p14="http://schemas.microsoft.com/office/powerpoint/2010/main" val="1124839207"/>
+        <p14:creationId xmlns:p14="http://schemas.microsoft.com/office/powerpoint/2010/main" val="2843741981"/>
       </p:ext>
     </p:extLst>
   </p:cSld>
@@ -6646,7 +6856,7 @@
           <p:cNvPr id="2" name="Title 1">
             <a:extLst>
               <a:ext uri="{FF2B5EF4-FFF2-40B4-BE49-F238E27FC236}">
-                <a16:creationId xmlns:a16="http://schemas.microsoft.com/office/drawing/2014/main" id="{8D651F90-7FCF-8749-B6E9-18AC8ABEBFDA}"/>
+                <a16:creationId xmlns:a16="http://schemas.microsoft.com/office/drawing/2014/main" id="{B0C035C6-186F-BC4B-99F2-611BD77AD1FB}"/>
               </a:ext>
             </a:extLst>
           </p:cNvPr>
@@ -6664,26 +6874,24 @@
           <a:p>
             <a:r>
               <a:rPr lang="en-US" dirty="0"/>
-              <a:t>RNN forward sequence</a:t>
+              <a:t>LSTM RNN cell</a:t>
             </a:r>
           </a:p>
         </p:txBody>
       </p:sp>
       <p:pic>
         <p:nvPicPr>
-          <p:cNvPr id="4" name="Content Placeholder 4">
+          <p:cNvPr id="4" name="Picture 3">
             <a:extLst>
               <a:ext uri="{FF2B5EF4-FFF2-40B4-BE49-F238E27FC236}">
-                <a16:creationId xmlns:a16="http://schemas.microsoft.com/office/drawing/2014/main" id="{D3BDAA7A-ED06-5640-8C9E-FB3549BEAE0A}"/>
+                <a16:creationId xmlns:a16="http://schemas.microsoft.com/office/drawing/2014/main" id="{A8866780-651E-5D49-A0CB-6B2B6E4CF159}"/>
               </a:ext>
             </a:extLst>
           </p:cNvPr>
           <p:cNvPicPr>
-            <a:picLocks noGrp="1" noChangeAspect="1"/>
+            <a:picLocks noChangeAspect="1"/>
           </p:cNvPicPr>
-          <p:nvPr>
-            <p:ph idx="1"/>
-          </p:nvPr>
+          <p:nvPr/>
         </p:nvPicPr>
         <p:blipFill>
           <a:blip r:embed="rId2">
@@ -6699,15 +6907,18 @@
         </p:blipFill>
         <p:spPr>
           <a:xfrm>
-            <a:off x="113289" y="2388032"/>
-            <a:ext cx="12023923" cy="2488767"/>
-          </a:xfrm>
+            <a:off x="279721" y="0"/>
+            <a:ext cx="11632557" cy="6858000"/>
+          </a:xfrm>
+          <a:prstGeom prst="rect">
+            <a:avLst/>
+          </a:prstGeom>
         </p:spPr>
       </p:pic>
     </p:spTree>
     <p:extLst>
       <p:ext uri="{BB962C8B-B14F-4D97-AF65-F5344CB8AC3E}">
-        <p14:creationId xmlns:p14="http://schemas.microsoft.com/office/powerpoint/2010/main" val="3406568400"/>
+        <p14:creationId xmlns:p14="http://schemas.microsoft.com/office/powerpoint/2010/main" val="1724076086"/>
       </p:ext>
     </p:extLst>
   </p:cSld>
@@ -6739,7 +6950,7 @@
           <p:cNvPr id="2" name="Title 1">
             <a:extLst>
               <a:ext uri="{FF2B5EF4-FFF2-40B4-BE49-F238E27FC236}">
-                <a16:creationId xmlns:a16="http://schemas.microsoft.com/office/drawing/2014/main" id="{B0C035C6-186F-BC4B-99F2-611BD77AD1FB}"/>
+                <a16:creationId xmlns:a16="http://schemas.microsoft.com/office/drawing/2014/main" id="{8B32E81F-27C5-1244-B934-6E1DE3065970}"/>
               </a:ext>
             </a:extLst>
           </p:cNvPr>
@@ -6757,24 +6968,26 @@
           <a:p>
             <a:r>
               <a:rPr lang="en-US" dirty="0"/>
-              <a:t>LSTM RNN cell</a:t>
+              <a:t>LSTM forward sequence</a:t>
             </a:r>
           </a:p>
         </p:txBody>
       </p:sp>
       <p:pic>
         <p:nvPicPr>
-          <p:cNvPr id="8" name="Picture 7">
+          <p:cNvPr id="5" name="Content Placeholder 4">
             <a:extLst>
               <a:ext uri="{FF2B5EF4-FFF2-40B4-BE49-F238E27FC236}">
-                <a16:creationId xmlns:a16="http://schemas.microsoft.com/office/drawing/2014/main" id="{2C49FA75-650B-D34B-82EF-3EDE9C190CF3}"/>
+                <a16:creationId xmlns:a16="http://schemas.microsoft.com/office/drawing/2014/main" id="{AB7E43C6-814F-4B46-87B5-7224475C17C7}"/>
               </a:ext>
             </a:extLst>
           </p:cNvPr>
           <p:cNvPicPr>
-            <a:picLocks noChangeAspect="1"/>
+            <a:picLocks noGrp="1" noChangeAspect="1"/>
           </p:cNvPicPr>
-          <p:nvPr/>
+          <p:nvPr>
+            <p:ph idx="1"/>
+          </p:nvPr>
         </p:nvPicPr>
         <p:blipFill>
           <a:blip r:embed="rId3">
@@ -6790,18 +7003,15 @@
         </p:blipFill>
         <p:spPr>
           <a:xfrm>
-            <a:off x="606136" y="1737360"/>
-            <a:ext cx="6253249" cy="4663440"/>
-          </a:xfrm>
-          <a:prstGeom prst="rect">
-            <a:avLst/>
-          </a:prstGeom>
+            <a:off x="0" y="2099875"/>
+            <a:ext cx="12057083" cy="2860052"/>
+          </a:xfrm>
         </p:spPr>
       </p:pic>
     </p:spTree>
     <p:extLst>
       <p:ext uri="{BB962C8B-B14F-4D97-AF65-F5344CB8AC3E}">
-        <p14:creationId xmlns:p14="http://schemas.microsoft.com/office/powerpoint/2010/main" val="2843741981"/>
+        <p14:creationId xmlns:p14="http://schemas.microsoft.com/office/powerpoint/2010/main" val="3091206275"/>
       </p:ext>
     </p:extLst>
   </p:cSld>
@@ -6833,7 +7043,7 @@
           <p:cNvPr id="2" name="Title 1">
             <a:extLst>
               <a:ext uri="{FF2B5EF4-FFF2-40B4-BE49-F238E27FC236}">
-                <a16:creationId xmlns:a16="http://schemas.microsoft.com/office/drawing/2014/main" id="{B0C035C6-186F-BC4B-99F2-611BD77AD1FB}"/>
+                <a16:creationId xmlns:a16="http://schemas.microsoft.com/office/drawing/2014/main" id="{652C8B38-4141-8C4E-9B81-BED3222BE33D}"/>
               </a:ext>
             </a:extLst>
           </p:cNvPr>
@@ -6844,31 +7054,38 @@
             <p:ph type="title"/>
           </p:nvPr>
         </p:nvSpPr>
-        <p:spPr/>
+        <p:spPr>
+          <a:xfrm>
+            <a:off x="1066800" y="-248263"/>
+            <a:ext cx="10058400" cy="1450757"/>
+          </a:xfrm>
+        </p:spPr>
         <p:txBody>
           <a:bodyPr/>
           <a:lstStyle/>
           <a:p>
             <a:r>
               <a:rPr lang="en-US" dirty="0"/>
-              <a:t>LSTM RNN cell</a:t>
+              <a:t>Bleu score</a:t>
             </a:r>
           </a:p>
         </p:txBody>
       </p:sp>
       <p:pic>
         <p:nvPicPr>
-          <p:cNvPr id="4" name="Picture 3">
+          <p:cNvPr id="5" name="Content Placeholder 4">
             <a:extLst>
               <a:ext uri="{FF2B5EF4-FFF2-40B4-BE49-F238E27FC236}">
-                <a16:creationId xmlns:a16="http://schemas.microsoft.com/office/drawing/2014/main" id="{A8866780-651E-5D49-A0CB-6B2B6E4CF159}"/>
+                <a16:creationId xmlns:a16="http://schemas.microsoft.com/office/drawing/2014/main" id="{6898744F-8D5A-0542-BFBA-FF410DF5A665}"/>
               </a:ext>
             </a:extLst>
           </p:cNvPr>
           <p:cNvPicPr>
-            <a:picLocks noChangeAspect="1"/>
+            <a:picLocks noGrp="1" noChangeAspect="1"/>
           </p:cNvPicPr>
-          <p:nvPr/>
+          <p:nvPr>
+            <p:ph idx="1"/>
+          </p:nvPr>
         </p:nvPicPr>
         <p:blipFill>
           <a:blip r:embed="rId2">
@@ -6884,18 +7101,15 @@
         </p:blipFill>
         <p:spPr>
           <a:xfrm>
-            <a:off x="279721" y="0"/>
-            <a:ext cx="11632557" cy="6858000"/>
-          </a:xfrm>
-          <a:prstGeom prst="rect">
-            <a:avLst/>
-          </a:prstGeom>
+            <a:off x="1097280" y="1416773"/>
+            <a:ext cx="8846845" cy="4964111"/>
+          </a:xfrm>
         </p:spPr>
       </p:pic>
     </p:spTree>
     <p:extLst>
       <p:ext uri="{BB962C8B-B14F-4D97-AF65-F5344CB8AC3E}">
-        <p14:creationId xmlns:p14="http://schemas.microsoft.com/office/powerpoint/2010/main" val="1724076086"/>
+        <p14:creationId xmlns:p14="http://schemas.microsoft.com/office/powerpoint/2010/main" val="1870399928"/>
       </p:ext>
     </p:extLst>
   </p:cSld>
@@ -6927,7 +7141,7 @@
           <p:cNvPr id="2" name="Title 1">
             <a:extLst>
               <a:ext uri="{FF2B5EF4-FFF2-40B4-BE49-F238E27FC236}">
-                <a16:creationId xmlns:a16="http://schemas.microsoft.com/office/drawing/2014/main" id="{8B32E81F-27C5-1244-B934-6E1DE3065970}"/>
+                <a16:creationId xmlns:a16="http://schemas.microsoft.com/office/drawing/2014/main" id="{AD061B6E-071D-45AB-ADF0-CC6DCBCC875A}"/>
               </a:ext>
             </a:extLst>
           </p:cNvPr>
@@ -6945,50 +7159,75 @@
           <a:p>
             <a:r>
               <a:rPr lang="en-US" dirty="0"/>
-              <a:t>LSTM forward sequence</a:t>
-            </a:r>
-          </a:p>
-        </p:txBody>
-      </p:sp>
-      <p:pic>
-        <p:nvPicPr>
-          <p:cNvPr id="5" name="Content Placeholder 4">
+              <a:t>Possible improvement and tweaks</a:t>
+            </a:r>
+          </a:p>
+        </p:txBody>
+      </p:sp>
+      <p:sp>
+        <p:nvSpPr>
+          <p:cNvPr id="3" name="Content Placeholder 2">
             <a:extLst>
               <a:ext uri="{FF2B5EF4-FFF2-40B4-BE49-F238E27FC236}">
-                <a16:creationId xmlns:a16="http://schemas.microsoft.com/office/drawing/2014/main" id="{AB7E43C6-814F-4B46-87B5-7224475C17C7}"/>
+                <a16:creationId xmlns:a16="http://schemas.microsoft.com/office/drawing/2014/main" id="{184586F7-41AA-44E8-ABEF-F27567064C41}"/>
               </a:ext>
             </a:extLst>
           </p:cNvPr>
-          <p:cNvPicPr>
-            <a:picLocks noGrp="1" noChangeAspect="1"/>
-          </p:cNvPicPr>
+          <p:cNvSpPr>
+            <a:spLocks noGrp="1"/>
+          </p:cNvSpPr>
           <p:nvPr>
             <p:ph idx="1"/>
           </p:nvPr>
-        </p:nvPicPr>
-        <p:blipFill>
-          <a:blip r:embed="rId3">
-            <a:extLst>
-              <a:ext uri="{28A0092B-C50C-407E-A947-70E740481C1C}">
-                <a14:useLocalDpi xmlns:a14="http://schemas.microsoft.com/office/drawing/2010/main" val="0"/>
-              </a:ext>
-            </a:extLst>
-          </a:blip>
-          <a:stretch>
-            <a:fillRect/>
-          </a:stretch>
-        </p:blipFill>
-        <p:spPr>
-          <a:xfrm>
-            <a:off x="0" y="2099875"/>
-            <a:ext cx="12057083" cy="2860052"/>
-          </a:xfrm>
-        </p:spPr>
-      </p:pic>
+        </p:nvSpPr>
+        <p:spPr/>
+        <p:txBody>
+          <a:bodyPr>
+            <a:normAutofit/>
+          </a:bodyPr>
+          <a:lstStyle/>
+          <a:p>
+            <a:r>
+              <a:rPr lang="en-US" dirty="0"/>
+              <a:t>1. Batch size;</a:t>
+            </a:r>
+          </a:p>
+          <a:p>
+            <a:r>
+              <a:rPr lang="en-US" dirty="0"/>
+              <a:t>2. Num epochs; </a:t>
+            </a:r>
+          </a:p>
+          <a:p>
+            <a:r>
+              <a:rPr lang="en-US" dirty="0"/>
+              <a:t>3. Optimizer;</a:t>
+            </a:r>
+          </a:p>
+          <a:p>
+            <a:r>
+              <a:rPr lang="en-US" dirty="0"/>
+              <a:t>4. Deeper CNN and RNN;</a:t>
+            </a:r>
+          </a:p>
+          <a:p>
+            <a:r>
+              <a:rPr lang="en-US" dirty="0"/>
+              <a:t>5. Use GRU instead of LSTM for RNN</a:t>
+            </a:r>
+          </a:p>
+          <a:p>
+            <a:r>
+              <a:rPr lang="en-US" dirty="0"/>
+              <a:t>6. Use bi-directional RNN</a:t>
+            </a:r>
+          </a:p>
+        </p:txBody>
+      </p:sp>
     </p:spTree>
     <p:extLst>
       <p:ext uri="{BB962C8B-B14F-4D97-AF65-F5344CB8AC3E}">
-        <p14:creationId xmlns:p14="http://schemas.microsoft.com/office/powerpoint/2010/main" val="3091206275"/>
+        <p14:creationId xmlns:p14="http://schemas.microsoft.com/office/powerpoint/2010/main" val="2607805020"/>
       </p:ext>
     </p:extLst>
   </p:cSld>
@@ -7001,6 +7240,14 @@
 <file path=ppt/slides/slide2.xml><?xml version="1.0" encoding="utf-8"?>
 <p:sld xmlns:a="http://schemas.openxmlformats.org/drawingml/2006/main" xmlns:r="http://schemas.openxmlformats.org/officeDocument/2006/relationships" xmlns:p="http://schemas.openxmlformats.org/presentationml/2006/main">
   <p:cSld>
+    <p:bg>
+      <p:bgPr>
+        <a:solidFill>
+          <a:schemeClr val="bg1"/>
+        </a:solidFill>
+        <a:effectLst/>
+      </p:bgPr>
+    </p:bg>
     <p:spTree>
       <p:nvGrpSpPr>
         <p:cNvPr id="1" name=""/>
@@ -7017,10 +7264,235 @@
       </p:grpSpPr>
       <p:sp>
         <p:nvSpPr>
+          <p:cNvPr id="9" name="Rectangle 8">
+            <a:extLst>
+              <a:ext uri="{FF2B5EF4-FFF2-40B4-BE49-F238E27FC236}">
+                <a16:creationId xmlns:a16="http://schemas.microsoft.com/office/drawing/2014/main" id="{4E4490D0-3672-446A-AC12-B4830333BDDD}"/>
+              </a:ext>
+              <a:ext uri="{C183D7F6-B498-43B3-948B-1728B52AA6E4}">
+                <adec:decorative xmlns:adec="http://schemas.microsoft.com/office/drawing/2017/decorative" val="1"/>
+              </a:ext>
+            </a:extLst>
+          </p:cNvPr>
+          <p:cNvSpPr>
+            <a:spLocks noGrp="1" noRot="1" noChangeAspect="1" noMove="1" noResize="1" noEditPoints="1" noAdjustHandles="1" noChangeArrowheads="1" noChangeShapeType="1" noTextEdit="1"/>
+          </p:cNvSpPr>
+          <p:nvPr>
+            <p:extLst>
+              <p:ext uri="{386F3935-93C4-4BCD-93E2-E3B085C9AB24}">
+                <p16:designElem xmlns:p16="http://schemas.microsoft.com/office/powerpoint/2015/main" val="1"/>
+              </p:ext>
+            </p:extLst>
+          </p:nvPr>
+        </p:nvSpPr>
+        <p:spPr>
+          <a:xfrm>
+            <a:off x="3175" y="6400800"/>
+            <a:ext cx="12188825" cy="457200"/>
+          </a:xfrm>
+          <a:prstGeom prst="rect">
+            <a:avLst/>
+          </a:prstGeom>
+          <a:solidFill>
+            <a:schemeClr val="accent2"/>
+          </a:solidFill>
+          <a:ln>
+            <a:noFill/>
+          </a:ln>
+        </p:spPr>
+        <p:style>
+          <a:lnRef idx="2">
+            <a:schemeClr val="accent1">
+              <a:shade val="50000"/>
+            </a:schemeClr>
+          </a:lnRef>
+          <a:fillRef idx="1">
+            <a:schemeClr val="accent1"/>
+          </a:fillRef>
+          <a:effectRef idx="0">
+            <a:schemeClr val="accent1"/>
+          </a:effectRef>
+          <a:fontRef idx="minor">
+            <a:schemeClr val="lt1"/>
+          </a:fontRef>
+        </p:style>
+      </p:sp>
+      <p:sp>
+        <p:nvSpPr>
+          <p:cNvPr id="11" name="Rectangle 10">
+            <a:extLst>
+              <a:ext uri="{FF2B5EF4-FFF2-40B4-BE49-F238E27FC236}">
+                <a16:creationId xmlns:a16="http://schemas.microsoft.com/office/drawing/2014/main" id="{39CB82C2-DF65-4EC1-8280-F201D50F570B}"/>
+              </a:ext>
+              <a:ext uri="{C183D7F6-B498-43B3-948B-1728B52AA6E4}">
+                <adec:decorative xmlns:adec="http://schemas.microsoft.com/office/drawing/2017/decorative" val="1"/>
+              </a:ext>
+            </a:extLst>
+          </p:cNvPr>
+          <p:cNvSpPr>
+            <a:spLocks noGrp="1" noRot="1" noChangeAspect="1" noMove="1" noResize="1" noEditPoints="1" noAdjustHandles="1" noChangeArrowheads="1" noChangeShapeType="1" noTextEdit="1"/>
+          </p:cNvSpPr>
+          <p:nvPr>
+            <p:extLst>
+              <p:ext uri="{386F3935-93C4-4BCD-93E2-E3B085C9AB24}">
+                <p16:designElem xmlns:p16="http://schemas.microsoft.com/office/powerpoint/2015/main" val="1"/>
+              </p:ext>
+            </p:extLst>
+          </p:nvPr>
+        </p:nvSpPr>
+        <p:spPr>
+          <a:xfrm>
+            <a:off x="15" y="6334316"/>
+            <a:ext cx="12188825" cy="64008"/>
+          </a:xfrm>
+          <a:prstGeom prst="rect">
+            <a:avLst/>
+          </a:prstGeom>
+          <a:solidFill>
+            <a:schemeClr val="accent1"/>
+          </a:solidFill>
+          <a:ln>
+            <a:noFill/>
+          </a:ln>
+        </p:spPr>
+        <p:style>
+          <a:lnRef idx="2">
+            <a:schemeClr val="accent1">
+              <a:shade val="50000"/>
+            </a:schemeClr>
+          </a:lnRef>
+          <a:fillRef idx="1">
+            <a:schemeClr val="accent1"/>
+          </a:fillRef>
+          <a:effectRef idx="0">
+            <a:schemeClr val="accent1"/>
+          </a:effectRef>
+          <a:fontRef idx="minor">
+            <a:schemeClr val="lt1"/>
+          </a:fontRef>
+        </p:style>
+      </p:sp>
+      <p:cxnSp>
+        <p:nvCxnSpPr>
+          <p:cNvPr id="13" name="Straight Connector 12">
+            <a:extLst>
+              <a:ext uri="{FF2B5EF4-FFF2-40B4-BE49-F238E27FC236}">
+                <a16:creationId xmlns:a16="http://schemas.microsoft.com/office/drawing/2014/main" id="{7E1D4427-852B-4B37-8E76-0E9F1810BA2A}"/>
+              </a:ext>
+              <a:ext uri="{C183D7F6-B498-43B3-948B-1728B52AA6E4}">
+                <adec:decorative xmlns:adec="http://schemas.microsoft.com/office/drawing/2017/decorative" val="1"/>
+              </a:ext>
+            </a:extLst>
+          </p:cNvPr>
+          <p:cNvCxnSpPr>
+            <a:cxnSpLocks noGrp="1" noRot="1" noChangeAspect="1" noMove="1" noResize="1" noEditPoints="1" noAdjustHandles="1" noChangeArrowheads="1" noChangeShapeType="1"/>
+          </p:cNvCxnSpPr>
+          <p:nvPr>
+            <p:extLst>
+              <p:ext uri="{386F3935-93C4-4BCD-93E2-E3B085C9AB24}">
+                <p16:designElem xmlns:p16="http://schemas.microsoft.com/office/powerpoint/2015/main" val="1"/>
+              </p:ext>
+            </p:extLst>
+          </p:nvPr>
+        </p:nvCxnSpPr>
+        <p:spPr>
+          <a:xfrm>
+            <a:off x="1207658" y="4343400"/>
+            <a:ext cx="9875520" cy="0"/>
+          </a:xfrm>
+          <a:prstGeom prst="line">
+            <a:avLst/>
+          </a:prstGeom>
+          <a:ln w="6350">
+            <a:solidFill>
+              <a:schemeClr val="tx1">
+                <a:lumMod val="50000"/>
+                <a:lumOff val="50000"/>
+              </a:schemeClr>
+            </a:solidFill>
+          </a:ln>
+        </p:spPr>
+        <p:style>
+          <a:lnRef idx="1">
+            <a:schemeClr val="accent1"/>
+          </a:lnRef>
+          <a:fillRef idx="0">
+            <a:schemeClr val="accent1"/>
+          </a:fillRef>
+          <a:effectRef idx="0">
+            <a:schemeClr val="accent1"/>
+          </a:effectRef>
+          <a:fontRef idx="minor">
+            <a:schemeClr val="tx1"/>
+          </a:fontRef>
+        </p:style>
+      </p:cxnSp>
+      <p:sp useBgFill="1">
+        <p:nvSpPr>
+          <p:cNvPr id="15" name="Rectangle 14">
+            <a:extLst>
+              <a:ext uri="{FF2B5EF4-FFF2-40B4-BE49-F238E27FC236}">
+                <a16:creationId xmlns:a16="http://schemas.microsoft.com/office/drawing/2014/main" id="{FA4CD5CB-D209-4D70-8CA4-629731C59219}"/>
+              </a:ext>
+              <a:ext uri="{C183D7F6-B498-43B3-948B-1728B52AA6E4}">
+                <adec:decorative xmlns:adec="http://schemas.microsoft.com/office/drawing/2017/decorative" val="1"/>
+              </a:ext>
+            </a:extLst>
+          </p:cNvPr>
+          <p:cNvSpPr>
+            <a:spLocks noGrp="1" noRot="1" noChangeAspect="1" noMove="1" noResize="1" noEditPoints="1" noAdjustHandles="1" noChangeArrowheads="1" noChangeShapeType="1" noTextEdit="1"/>
+          </p:cNvSpPr>
+          <p:nvPr>
+            <p:extLst>
+              <p:ext uri="{386F3935-93C4-4BCD-93E2-E3B085C9AB24}">
+                <p16:designElem xmlns:p16="http://schemas.microsoft.com/office/powerpoint/2015/main" val="1"/>
+              </p:ext>
+            </p:extLst>
+          </p:nvPr>
+        </p:nvSpPr>
+        <p:spPr>
+          <a:xfrm>
+            <a:off x="0" y="0"/>
+            <a:ext cx="12192001" cy="6334316"/>
+          </a:xfrm>
+          <a:prstGeom prst="rect">
+            <a:avLst/>
+          </a:prstGeom>
+          <a:ln>
+            <a:noFill/>
+          </a:ln>
+        </p:spPr>
+        <p:style>
+          <a:lnRef idx="2">
+            <a:schemeClr val="accent1">
+              <a:shade val="50000"/>
+            </a:schemeClr>
+          </a:lnRef>
+          <a:fillRef idx="1">
+            <a:schemeClr val="accent1"/>
+          </a:fillRef>
+          <a:effectRef idx="0">
+            <a:schemeClr val="accent1"/>
+          </a:effectRef>
+          <a:fontRef idx="minor">
+            <a:schemeClr val="lt1"/>
+          </a:fontRef>
+        </p:style>
+        <p:txBody>
+          <a:bodyPr rtlCol="0" anchor="ctr"/>
+          <a:lstStyle/>
+          <a:p>
+            <a:pPr algn="ctr"/>
+            <a:endParaRPr lang="en-US"/>
+          </a:p>
+        </p:txBody>
+      </p:sp>
+      <p:sp>
+        <p:nvSpPr>
           <p:cNvPr id="2" name="Title 1">
             <a:extLst>
               <a:ext uri="{FF2B5EF4-FFF2-40B4-BE49-F238E27FC236}">
-                <a16:creationId xmlns:a16="http://schemas.microsoft.com/office/drawing/2014/main" id="{79070717-1ED0-984B-A60F-3D40F528A9CF}"/>
+                <a16:creationId xmlns:a16="http://schemas.microsoft.com/office/drawing/2014/main" id="{7F97F6A3-AC75-49DA-9C01-7CF475C7FD4A}"/>
               </a:ext>
             </a:extLst>
           </p:cNvPr>
@@ -7031,158 +7503,55 @@
             <p:ph type="title"/>
           </p:nvPr>
         </p:nvSpPr>
-        <p:spPr/>
-        <p:txBody>
-          <a:bodyPr/>
+        <p:spPr>
+          <a:xfrm>
+            <a:off x="8141110" y="639097"/>
+            <a:ext cx="3401961" cy="3686015"/>
+          </a:xfrm>
+        </p:spPr>
+        <p:txBody>
+          <a:bodyPr vert="horz" lIns="91440" tIns="45720" rIns="91440" bIns="45720" rtlCol="0" anchor="b">
+            <a:normAutofit fontScale="90000"/>
+          </a:bodyPr>
           <a:lstStyle/>
           <a:p>
             <a:r>
-              <a:rPr lang="en-US" dirty="0"/>
-              <a:t>End-to-end learning</a:t>
-            </a:r>
-          </a:p>
-        </p:txBody>
-      </p:sp>
-      <p:sp>
-        <p:nvSpPr>
-          <p:cNvPr id="3" name="Content Placeholder 2">
+              <a:rPr lang="en-US" sz="6600" dirty="0"/>
+              <a:t>End-to-end</a:t>
+            </a:r>
+            <a:br>
+              <a:rPr lang="en-US" sz="6600" dirty="0"/>
+            </a:br>
+            <a:r>
+              <a:rPr lang="en-US" sz="6100" dirty="0">
+                <a:solidFill>
+                  <a:schemeClr val="tx1">
+                    <a:lumMod val="85000"/>
+                    <a:lumOff val="15000"/>
+                  </a:schemeClr>
+                </a:solidFill>
+              </a:rPr>
+              <a:t>Image captioning model</a:t>
+            </a:r>
+          </a:p>
+        </p:txBody>
+      </p:sp>
+      <p:pic>
+        <p:nvPicPr>
+          <p:cNvPr id="4" name="Picture 2" descr="A close up of a person&#10;&#10;Description automatically generated">
             <a:extLst>
               <a:ext uri="{FF2B5EF4-FFF2-40B4-BE49-F238E27FC236}">
-                <a16:creationId xmlns:a16="http://schemas.microsoft.com/office/drawing/2014/main" id="{D612C02C-A9EE-E243-9AC4-7356C92DE048}"/>
-              </a:ext>
-            </a:extLst>
-          </p:cNvPr>
-          <p:cNvSpPr>
-            <a:spLocks noGrp="1"/>
-          </p:cNvSpPr>
-          <p:nvPr>
-            <p:ph idx="1"/>
-          </p:nvPr>
-        </p:nvSpPr>
-        <p:spPr/>
-        <p:txBody>
-          <a:bodyPr/>
-          <a:lstStyle/>
-          <a:p>
-            <a:r>
-              <a:rPr lang="en-US" b="1" dirty="0"/>
-              <a:t>Meaning: </a:t>
-            </a:r>
-          </a:p>
-          <a:p>
-            <a:r>
-              <a:rPr lang="en-US" b="1" dirty="0"/>
-              <a:t>replace the pipeline with a single learning algorithm</a:t>
-            </a:r>
-            <a:r>
-              <a:rPr lang="en-US" dirty="0"/>
-              <a:t> </a:t>
-            </a:r>
-          </a:p>
-          <a:p>
-            <a:pPr marL="0" indent="0">
-              <a:buNone/>
-            </a:pPr>
-            <a:r>
-              <a:rPr lang="en-US" b="1" dirty="0"/>
-              <a:t> Applications:</a:t>
-            </a:r>
-          </a:p>
-          <a:p>
-            <a:r>
-              <a:rPr lang="en-US" b="1" dirty="0"/>
-              <a:t>Speech Recognition</a:t>
-            </a:r>
-          </a:p>
-          <a:p>
-            <a:r>
-              <a:rPr lang="en-US" b="1" dirty="0"/>
-              <a:t>Self-driving car</a:t>
-            </a:r>
-          </a:p>
-        </p:txBody>
-      </p:sp>
-    </p:spTree>
-    <p:extLst>
-      <p:ext uri="{BB962C8B-B14F-4D97-AF65-F5344CB8AC3E}">
-        <p14:creationId xmlns:p14="http://schemas.microsoft.com/office/powerpoint/2010/main" val="1571436168"/>
-      </p:ext>
-    </p:extLst>
-  </p:cSld>
-  <p:clrMapOvr>
-    <a:masterClrMapping/>
-  </p:clrMapOvr>
-</p:sld>
-</file>
-
-<file path=ppt/slides/slide20.xml><?xml version="1.0" encoding="utf-8"?>
-<p:sld xmlns:a="http://schemas.openxmlformats.org/drawingml/2006/main" xmlns:r="http://schemas.openxmlformats.org/officeDocument/2006/relationships" xmlns:p="http://schemas.openxmlformats.org/presentationml/2006/main">
-  <p:cSld>
-    <p:spTree>
-      <p:nvGrpSpPr>
-        <p:cNvPr id="1" name=""/>
-        <p:cNvGrpSpPr/>
-        <p:nvPr/>
-      </p:nvGrpSpPr>
-      <p:grpSpPr>
-        <a:xfrm>
-          <a:off x="0" y="0"/>
-          <a:ext cx="0" cy="0"/>
-          <a:chOff x="0" y="0"/>
-          <a:chExt cx="0" cy="0"/>
-        </a:xfrm>
-      </p:grpSpPr>
-      <p:sp>
-        <p:nvSpPr>
-          <p:cNvPr id="2" name="Title 1">
-            <a:extLst>
-              <a:ext uri="{FF2B5EF4-FFF2-40B4-BE49-F238E27FC236}">
-                <a16:creationId xmlns:a16="http://schemas.microsoft.com/office/drawing/2014/main" id="{652C8B38-4141-8C4E-9B81-BED3222BE33D}"/>
-              </a:ext>
-            </a:extLst>
-          </p:cNvPr>
-          <p:cNvSpPr>
-            <a:spLocks noGrp="1"/>
-          </p:cNvSpPr>
-          <p:nvPr>
-            <p:ph type="title"/>
-          </p:nvPr>
-        </p:nvSpPr>
-        <p:spPr>
-          <a:xfrm>
-            <a:off x="1066800" y="-248263"/>
-            <a:ext cx="10058400" cy="1450757"/>
-          </a:xfrm>
-        </p:spPr>
-        <p:txBody>
-          <a:bodyPr/>
-          <a:lstStyle/>
-          <a:p>
-            <a:r>
-              <a:rPr lang="en-US" dirty="0"/>
-              <a:t>Bleu score</a:t>
-            </a:r>
-          </a:p>
-        </p:txBody>
-      </p:sp>
-      <p:pic>
-        <p:nvPicPr>
-          <p:cNvPr id="5" name="Content Placeholder 4">
-            <a:extLst>
-              <a:ext uri="{FF2B5EF4-FFF2-40B4-BE49-F238E27FC236}">
-                <a16:creationId xmlns:a16="http://schemas.microsoft.com/office/drawing/2014/main" id="{6898744F-8D5A-0542-BFBA-FF410DF5A665}"/>
+                <a16:creationId xmlns:a16="http://schemas.microsoft.com/office/drawing/2014/main" id="{35D207A7-D456-46B3-8EFE-831C1B1D2293}"/>
               </a:ext>
             </a:extLst>
           </p:cNvPr>
           <p:cNvPicPr>
-            <a:picLocks noGrp="1" noChangeAspect="1"/>
+            <a:picLocks noChangeAspect="1" noChangeArrowheads="1"/>
           </p:cNvPicPr>
-          <p:nvPr>
-            <p:ph idx="1"/>
-          </p:nvPr>
+          <p:nvPr/>
         </p:nvPicPr>
         <p:blipFill>
-          <a:blip r:embed="rId2">
+          <a:blip r:embed="rId3">
             <a:extLst>
               <a:ext uri="{28A0092B-C50C-407E-A947-70E740481C1C}">
                 <a14:useLocalDpi xmlns:a14="http://schemas.microsoft.com/office/drawing/2010/main" val="0"/>
@@ -7193,115 +7562,194 @@
             <a:fillRect/>
           </a:stretch>
         </p:blipFill>
+        <p:spPr bwMode="auto">
+          <a:xfrm>
+            <a:off x="1537503" y="640081"/>
+            <a:ext cx="5105208" cy="5054156"/>
+          </a:xfrm>
+          <a:prstGeom prst="rect">
+            <a:avLst/>
+          </a:prstGeom>
+          <a:noFill/>
+          <a:extLst>
+            <a:ext uri="{909E8E84-426E-40DD-AFC4-6F175D3DCCD1}">
+              <a14:hiddenFill xmlns:a14="http://schemas.microsoft.com/office/drawing/2010/main">
+                <a:solidFill>
+                  <a:srgbClr val="FFFFFF"/>
+                </a:solidFill>
+              </a14:hiddenFill>
+            </a:ext>
+          </a:extLst>
+        </p:spPr>
+      </p:pic>
+      <p:cxnSp>
+        <p:nvCxnSpPr>
+          <p:cNvPr id="17" name="Straight Connector 16">
+            <a:extLst>
+              <a:ext uri="{FF2B5EF4-FFF2-40B4-BE49-F238E27FC236}">
+                <a16:creationId xmlns:a16="http://schemas.microsoft.com/office/drawing/2014/main" id="{5C6A2BAE-B461-4B55-8E1F-0722ABDD1393}"/>
+              </a:ext>
+              <a:ext uri="{C183D7F6-B498-43B3-948B-1728B52AA6E4}">
+                <adec:decorative xmlns:adec="http://schemas.microsoft.com/office/drawing/2017/decorative" val="1"/>
+              </a:ext>
+            </a:extLst>
+          </p:cNvPr>
+          <p:cNvCxnSpPr>
+            <a:cxnSpLocks noGrp="1" noRot="1" noChangeAspect="1" noMove="1" noResize="1" noEditPoints="1" noAdjustHandles="1" noChangeArrowheads="1" noChangeShapeType="1"/>
+          </p:cNvCxnSpPr>
+          <p:nvPr>
+            <p:extLst>
+              <p:ext uri="{386F3935-93C4-4BCD-93E2-E3B085C9AB24}">
+                <p16:designElem xmlns:p16="http://schemas.microsoft.com/office/powerpoint/2015/main" val="1"/>
+              </p:ext>
+            </p:extLst>
+          </p:nvPr>
+        </p:nvCxnSpPr>
         <p:spPr>
           <a:xfrm>
-            <a:off x="1097280" y="1416773"/>
-            <a:ext cx="8846845" cy="4964111"/>
-          </a:xfrm>
-        </p:spPr>
-      </p:pic>
+            <a:off x="8209305" y="4343400"/>
+            <a:ext cx="3200400" cy="0"/>
+          </a:xfrm>
+          <a:prstGeom prst="line">
+            <a:avLst/>
+          </a:prstGeom>
+          <a:ln w="6350">
+            <a:solidFill>
+              <a:schemeClr val="tx2">
+                <a:alpha val="90000"/>
+              </a:schemeClr>
+            </a:solidFill>
+          </a:ln>
+        </p:spPr>
+        <p:style>
+          <a:lnRef idx="1">
+            <a:schemeClr val="accent1"/>
+          </a:lnRef>
+          <a:fillRef idx="0">
+            <a:schemeClr val="accent1"/>
+          </a:fillRef>
+          <a:effectRef idx="0">
+            <a:schemeClr val="accent1"/>
+          </a:effectRef>
+          <a:fontRef idx="minor">
+            <a:schemeClr val="tx1"/>
+          </a:fontRef>
+        </p:style>
+      </p:cxnSp>
+      <p:sp>
+        <p:nvSpPr>
+          <p:cNvPr id="19" name="Rectangle 18">
+            <a:extLst>
+              <a:ext uri="{FF2B5EF4-FFF2-40B4-BE49-F238E27FC236}">
+                <a16:creationId xmlns:a16="http://schemas.microsoft.com/office/drawing/2014/main" id="{B4C27B90-DF2B-4D00-BA07-18ED774CD2F1}"/>
+              </a:ext>
+              <a:ext uri="{C183D7F6-B498-43B3-948B-1728B52AA6E4}">
+                <adec:decorative xmlns:adec="http://schemas.microsoft.com/office/drawing/2017/decorative" val="1"/>
+              </a:ext>
+            </a:extLst>
+          </p:cNvPr>
+          <p:cNvSpPr>
+            <a:spLocks noGrp="1" noRot="1" noChangeAspect="1" noMove="1" noResize="1" noEditPoints="1" noAdjustHandles="1" noChangeArrowheads="1" noChangeShapeType="1" noTextEdit="1"/>
+          </p:cNvSpPr>
+          <p:nvPr>
+            <p:extLst>
+              <p:ext uri="{386F3935-93C4-4BCD-93E2-E3B085C9AB24}">
+                <p16:designElem xmlns:p16="http://schemas.microsoft.com/office/powerpoint/2015/main" val="1"/>
+              </p:ext>
+            </p:extLst>
+          </p:nvPr>
+        </p:nvSpPr>
+        <p:spPr>
+          <a:xfrm>
+            <a:off x="15" y="6334316"/>
+            <a:ext cx="12191985" cy="66484"/>
+          </a:xfrm>
+          <a:prstGeom prst="rect">
+            <a:avLst/>
+          </a:prstGeom>
+          <a:solidFill>
+            <a:schemeClr val="accent1"/>
+          </a:solidFill>
+          <a:ln>
+            <a:noFill/>
+          </a:ln>
+        </p:spPr>
+        <p:style>
+          <a:lnRef idx="2">
+            <a:schemeClr val="accent1">
+              <a:shade val="50000"/>
+            </a:schemeClr>
+          </a:lnRef>
+          <a:fillRef idx="1">
+            <a:schemeClr val="accent1"/>
+          </a:fillRef>
+          <a:effectRef idx="0">
+            <a:schemeClr val="accent1"/>
+          </a:effectRef>
+          <a:fontRef idx="minor">
+            <a:schemeClr val="lt1"/>
+          </a:fontRef>
+        </p:style>
+      </p:sp>
+      <p:sp>
+        <p:nvSpPr>
+          <p:cNvPr id="21" name="Rectangle 20">
+            <a:extLst>
+              <a:ext uri="{FF2B5EF4-FFF2-40B4-BE49-F238E27FC236}">
+                <a16:creationId xmlns:a16="http://schemas.microsoft.com/office/drawing/2014/main" id="{593ACC25-C262-417A-8AA9-0641C772BDB6}"/>
+              </a:ext>
+              <a:ext uri="{C183D7F6-B498-43B3-948B-1728B52AA6E4}">
+                <adec:decorative xmlns:adec="http://schemas.microsoft.com/office/drawing/2017/decorative" val="1"/>
+              </a:ext>
+            </a:extLst>
+          </p:cNvPr>
+          <p:cNvSpPr>
+            <a:spLocks noGrp="1" noRot="1" noChangeAspect="1" noMove="1" noResize="1" noEditPoints="1" noAdjustHandles="1" noChangeArrowheads="1" noChangeShapeType="1" noTextEdit="1"/>
+          </p:cNvSpPr>
+          <p:nvPr>
+            <p:extLst>
+              <p:ext uri="{386F3935-93C4-4BCD-93E2-E3B085C9AB24}">
+                <p16:designElem xmlns:p16="http://schemas.microsoft.com/office/powerpoint/2015/main" val="1"/>
+              </p:ext>
+            </p:extLst>
+          </p:nvPr>
+        </p:nvSpPr>
+        <p:spPr>
+          <a:xfrm>
+            <a:off x="1" y="6400800"/>
+            <a:ext cx="12192000" cy="457200"/>
+          </a:xfrm>
+          <a:prstGeom prst="rect">
+            <a:avLst/>
+          </a:prstGeom>
+          <a:solidFill>
+            <a:schemeClr val="accent2"/>
+          </a:solidFill>
+          <a:ln>
+            <a:noFill/>
+          </a:ln>
+        </p:spPr>
+        <p:style>
+          <a:lnRef idx="2">
+            <a:schemeClr val="accent1">
+              <a:shade val="50000"/>
+            </a:schemeClr>
+          </a:lnRef>
+          <a:fillRef idx="1">
+            <a:schemeClr val="accent1"/>
+          </a:fillRef>
+          <a:effectRef idx="0">
+            <a:schemeClr val="accent1"/>
+          </a:effectRef>
+          <a:fontRef idx="minor">
+            <a:schemeClr val="lt1"/>
+          </a:fontRef>
+        </p:style>
+      </p:sp>
     </p:spTree>
     <p:extLst>
       <p:ext uri="{BB962C8B-B14F-4D97-AF65-F5344CB8AC3E}">
-        <p14:creationId xmlns:p14="http://schemas.microsoft.com/office/powerpoint/2010/main" val="1870399928"/>
-      </p:ext>
-    </p:extLst>
-  </p:cSld>
-  <p:clrMapOvr>
-    <a:masterClrMapping/>
-  </p:clrMapOvr>
-</p:sld>
-</file>
-
-<file path=ppt/slides/slide21.xml><?xml version="1.0" encoding="utf-8"?>
-<p:sld xmlns:a="http://schemas.openxmlformats.org/drawingml/2006/main" xmlns:r="http://schemas.openxmlformats.org/officeDocument/2006/relationships" xmlns:p="http://schemas.openxmlformats.org/presentationml/2006/main">
-  <p:cSld>
-    <p:spTree>
-      <p:nvGrpSpPr>
-        <p:cNvPr id="1" name=""/>
-        <p:cNvGrpSpPr/>
-        <p:nvPr/>
-      </p:nvGrpSpPr>
-      <p:grpSpPr>
-        <a:xfrm>
-          <a:off x="0" y="0"/>
-          <a:ext cx="0" cy="0"/>
-          <a:chOff x="0" y="0"/>
-          <a:chExt cx="0" cy="0"/>
-        </a:xfrm>
-      </p:grpSpPr>
-      <p:sp>
-        <p:nvSpPr>
-          <p:cNvPr id="2" name="Title 1">
-            <a:extLst>
-              <a:ext uri="{FF2B5EF4-FFF2-40B4-BE49-F238E27FC236}">
-                <a16:creationId xmlns:a16="http://schemas.microsoft.com/office/drawing/2014/main" id="{AA7A5E5C-2569-D246-928D-BB6063F36328}"/>
-              </a:ext>
-            </a:extLst>
-          </p:cNvPr>
-          <p:cNvSpPr>
-            <a:spLocks noGrp="1"/>
-          </p:cNvSpPr>
-          <p:nvPr>
-            <p:ph type="title"/>
-          </p:nvPr>
-        </p:nvSpPr>
-        <p:spPr/>
-        <p:txBody>
-          <a:bodyPr/>
-          <a:lstStyle/>
-          <a:p>
-            <a:r>
-              <a:rPr lang="en-US" dirty="0"/>
-              <a:t>Possible improvement</a:t>
-            </a:r>
-          </a:p>
-        </p:txBody>
-      </p:sp>
-      <p:sp>
-        <p:nvSpPr>
-          <p:cNvPr id="3" name="Content Placeholder 2">
-            <a:extLst>
-              <a:ext uri="{FF2B5EF4-FFF2-40B4-BE49-F238E27FC236}">
-                <a16:creationId xmlns:a16="http://schemas.microsoft.com/office/drawing/2014/main" id="{A0766DB2-423A-D542-8BF8-34F36E7D9B4C}"/>
-              </a:ext>
-            </a:extLst>
-          </p:cNvPr>
-          <p:cNvSpPr>
-            <a:spLocks noGrp="1"/>
-          </p:cNvSpPr>
-          <p:nvPr>
-            <p:ph idx="1"/>
-          </p:nvPr>
-        </p:nvSpPr>
-        <p:spPr/>
-        <p:txBody>
-          <a:bodyPr/>
-          <a:lstStyle/>
-          <a:p>
-            <a:r>
-              <a:rPr lang="en-US" dirty="0"/>
-              <a:t>Use GRU instead of LSTM</a:t>
-            </a:r>
-          </a:p>
-          <a:p>
-            <a:r>
-              <a:rPr lang="en-US" dirty="0"/>
-              <a:t>Use bi-directional RNN</a:t>
-            </a:r>
-          </a:p>
-          <a:p>
-            <a:r>
-              <a:rPr lang="en-US" dirty="0"/>
-              <a:t>Use deep RNN</a:t>
-            </a:r>
-          </a:p>
-        </p:txBody>
-      </p:sp>
-    </p:spTree>
-    <p:extLst>
-      <p:ext uri="{BB962C8B-B14F-4D97-AF65-F5344CB8AC3E}">
-        <p14:creationId xmlns:p14="http://schemas.microsoft.com/office/powerpoint/2010/main" val="2069020206"/>
+        <p14:creationId xmlns:p14="http://schemas.microsoft.com/office/powerpoint/2010/main" val="1712916972"/>
       </p:ext>
     </p:extLst>
   </p:cSld>
@@ -7336,12 +7784,12 @@
           <a:chExt cx="0" cy="0"/>
         </a:xfrm>
       </p:grpSpPr>
-      <p:sp>
+      <p:sp useBgFill="1">
         <p:nvSpPr>
           <p:cNvPr id="9" name="Rectangle 8">
             <a:extLst>
               <a:ext uri="{FF2B5EF4-FFF2-40B4-BE49-F238E27FC236}">
-                <a16:creationId xmlns:a16="http://schemas.microsoft.com/office/drawing/2014/main" id="{4E4490D0-3672-446A-AC12-B4830333BDDD}"/>
+                <a16:creationId xmlns:a16="http://schemas.microsoft.com/office/drawing/2014/main" id="{284B70D5-875B-433D-BDBD-1522A85D6C1D}"/>
               </a:ext>
               <a:ext uri="{C183D7F6-B498-43B3-948B-1728B52AA6E4}">
                 <adec:decorative xmlns:adec="http://schemas.microsoft.com/office/drawing/2017/decorative" val="1"/>
@@ -7361,8 +7809,292 @@
         </p:nvSpPr>
         <p:spPr>
           <a:xfrm>
-            <a:off x="3175" y="6400800"/>
-            <a:ext cx="12188825" cy="457200"/>
+            <a:off x="0" y="0"/>
+            <a:ext cx="12192001" cy="6334316"/>
+          </a:xfrm>
+          <a:prstGeom prst="rect">
+            <a:avLst/>
+          </a:prstGeom>
+          <a:ln>
+            <a:noFill/>
+          </a:ln>
+        </p:spPr>
+        <p:style>
+          <a:lnRef idx="2">
+            <a:schemeClr val="accent1">
+              <a:shade val="50000"/>
+            </a:schemeClr>
+          </a:lnRef>
+          <a:fillRef idx="1">
+            <a:schemeClr val="accent1"/>
+          </a:fillRef>
+          <a:effectRef idx="0">
+            <a:schemeClr val="accent1"/>
+          </a:effectRef>
+          <a:fontRef idx="minor">
+            <a:schemeClr val="lt1"/>
+          </a:fontRef>
+        </p:style>
+        <p:txBody>
+          <a:bodyPr rtlCol="0" anchor="ctr"/>
+          <a:lstStyle/>
+          <a:p>
+            <a:pPr algn="ctr"/>
+            <a:endParaRPr lang="en-US"/>
+          </a:p>
+        </p:txBody>
+      </p:sp>
+      <p:sp>
+        <p:nvSpPr>
+          <p:cNvPr id="2" name="Title 1">
+            <a:extLst>
+              <a:ext uri="{FF2B5EF4-FFF2-40B4-BE49-F238E27FC236}">
+                <a16:creationId xmlns:a16="http://schemas.microsoft.com/office/drawing/2014/main" id="{E1B866AD-BFBE-4EF5-AD21-01B0CB325AA3}"/>
+              </a:ext>
+            </a:extLst>
+          </p:cNvPr>
+          <p:cNvSpPr>
+            <a:spLocks noGrp="1"/>
+          </p:cNvSpPr>
+          <p:nvPr>
+            <p:ph type="title"/>
+          </p:nvPr>
+        </p:nvSpPr>
+        <p:spPr>
+          <a:xfrm>
+            <a:off x="7859485" y="634946"/>
+            <a:ext cx="3690257" cy="1450757"/>
+          </a:xfrm>
+        </p:spPr>
+        <p:txBody>
+          <a:bodyPr>
+            <a:normAutofit/>
+          </a:bodyPr>
+          <a:lstStyle/>
+          <a:p>
+            <a:r>
+              <a:rPr lang="en-US" dirty="0"/>
+              <a:t>Dataset</a:t>
+            </a:r>
+          </a:p>
+        </p:txBody>
+      </p:sp>
+      <p:pic>
+        <p:nvPicPr>
+          <p:cNvPr id="4" name="Picture 3" descr="A close up of a person&#10;&#10;Description automatically generated">
+            <a:extLst>
+              <a:ext uri="{FF2B5EF4-FFF2-40B4-BE49-F238E27FC236}">
+                <a16:creationId xmlns:a16="http://schemas.microsoft.com/office/drawing/2014/main" id="{0FB12F92-C3EC-47A1-9AB9-67EE56FBC7B9}"/>
+              </a:ext>
+            </a:extLst>
+          </p:cNvPr>
+          <p:cNvPicPr>
+            <a:picLocks noChangeAspect="1"/>
+          </p:cNvPicPr>
+          <p:nvPr/>
+        </p:nvPicPr>
+        <p:blipFill>
+          <a:blip r:embed="rId3"/>
+          <a:stretch>
+            <a:fillRect/>
+          </a:stretch>
+        </p:blipFill>
+        <p:spPr>
+          <a:xfrm>
+            <a:off x="633999" y="1699393"/>
+            <a:ext cx="6909801" cy="3195782"/>
+          </a:xfrm>
+          <a:prstGeom prst="rect">
+            <a:avLst/>
+          </a:prstGeom>
+        </p:spPr>
+      </p:pic>
+      <p:cxnSp>
+        <p:nvCxnSpPr>
+          <p:cNvPr id="11" name="Straight Connector 10">
+            <a:extLst>
+              <a:ext uri="{FF2B5EF4-FFF2-40B4-BE49-F238E27FC236}">
+                <a16:creationId xmlns:a16="http://schemas.microsoft.com/office/drawing/2014/main" id="{C947DF4A-614C-4B4C-8B80-E5B9D8E8CFED}"/>
+              </a:ext>
+              <a:ext uri="{C183D7F6-B498-43B3-948B-1728B52AA6E4}">
+                <adec:decorative xmlns:adec="http://schemas.microsoft.com/office/drawing/2017/decorative" val="1"/>
+              </a:ext>
+            </a:extLst>
+          </p:cNvPr>
+          <p:cNvCxnSpPr>
+            <a:cxnSpLocks noGrp="1" noRot="1" noChangeAspect="1" noMove="1" noResize="1" noEditPoints="1" noAdjustHandles="1" noChangeArrowheads="1" noChangeShapeType="1"/>
+          </p:cNvCxnSpPr>
+          <p:nvPr>
+            <p:extLst>
+              <p:ext uri="{386F3935-93C4-4BCD-93E2-E3B085C9AB24}">
+                <p16:designElem xmlns:p16="http://schemas.microsoft.com/office/powerpoint/2015/main" val="1"/>
+              </p:ext>
+            </p:extLst>
+          </p:nvPr>
+        </p:nvCxnSpPr>
+        <p:spPr>
+          <a:xfrm>
+            <a:off x="7892143" y="2085703"/>
+            <a:ext cx="3566160" cy="0"/>
+          </a:xfrm>
+          <a:prstGeom prst="line">
+            <a:avLst/>
+          </a:prstGeom>
+          <a:ln w="6350">
+            <a:solidFill>
+              <a:schemeClr val="tx1">
+                <a:lumMod val="50000"/>
+                <a:lumOff val="50000"/>
+                <a:alpha val="90000"/>
+              </a:schemeClr>
+            </a:solidFill>
+          </a:ln>
+        </p:spPr>
+        <p:style>
+          <a:lnRef idx="1">
+            <a:schemeClr val="accent1"/>
+          </a:lnRef>
+          <a:fillRef idx="0">
+            <a:schemeClr val="accent1"/>
+          </a:fillRef>
+          <a:effectRef idx="0">
+            <a:schemeClr val="accent1"/>
+          </a:effectRef>
+          <a:fontRef idx="minor">
+            <a:schemeClr val="tx1"/>
+          </a:fontRef>
+        </p:style>
+      </p:cxnSp>
+      <p:sp>
+        <p:nvSpPr>
+          <p:cNvPr id="3" name="Content Placeholder 2">
+            <a:extLst>
+              <a:ext uri="{FF2B5EF4-FFF2-40B4-BE49-F238E27FC236}">
+                <a16:creationId xmlns:a16="http://schemas.microsoft.com/office/drawing/2014/main" id="{B02AD9CC-5613-46FC-BFD7-B5C514F9A06C}"/>
+              </a:ext>
+            </a:extLst>
+          </p:cNvPr>
+          <p:cNvSpPr>
+            <a:spLocks noGrp="1"/>
+          </p:cNvSpPr>
+          <p:nvPr>
+            <p:ph idx="1"/>
+          </p:nvPr>
+        </p:nvSpPr>
+        <p:spPr>
+          <a:xfrm>
+            <a:off x="7859485" y="2198914"/>
+            <a:ext cx="3690257" cy="3670180"/>
+          </a:xfrm>
+        </p:spPr>
+        <p:txBody>
+          <a:bodyPr>
+            <a:normAutofit/>
+          </a:bodyPr>
+          <a:lstStyle/>
+          <a:p>
+            <a:r>
+              <a:rPr lang="en-US" dirty="0"/>
+              <a:t>Microsoft Common Objects in Context</a:t>
+            </a:r>
+          </a:p>
+          <a:p>
+            <a:pPr>
+              <a:buFont typeface="Arial" panose="020B0604020202020204" pitchFamily="34" charset="0"/>
+              <a:buChar char="•"/>
+            </a:pPr>
+            <a:r>
+              <a:rPr lang="en-US" dirty="0"/>
+              <a:t>A dataset where each image is paired with five associated captions that describes the content of that particular image</a:t>
+            </a:r>
+          </a:p>
+          <a:p>
+            <a:endParaRPr lang="en-US" dirty="0"/>
+          </a:p>
+        </p:txBody>
+      </p:sp>
+      <p:sp>
+        <p:nvSpPr>
+          <p:cNvPr id="13" name="Rectangle 12">
+            <a:extLst>
+              <a:ext uri="{FF2B5EF4-FFF2-40B4-BE49-F238E27FC236}">
+                <a16:creationId xmlns:a16="http://schemas.microsoft.com/office/drawing/2014/main" id="{1E299956-A9E7-4FC1-A0B1-D590CA9730E8}"/>
+              </a:ext>
+              <a:ext uri="{C183D7F6-B498-43B3-948B-1728B52AA6E4}">
+                <adec:decorative xmlns:adec="http://schemas.microsoft.com/office/drawing/2017/decorative" val="1"/>
+              </a:ext>
+            </a:extLst>
+          </p:cNvPr>
+          <p:cNvSpPr>
+            <a:spLocks noGrp="1" noRot="1" noChangeAspect="1" noMove="1" noResize="1" noEditPoints="1" noAdjustHandles="1" noChangeArrowheads="1" noChangeShapeType="1" noTextEdit="1"/>
+          </p:cNvSpPr>
+          <p:nvPr>
+            <p:extLst>
+              <p:ext uri="{386F3935-93C4-4BCD-93E2-E3B085C9AB24}">
+                <p16:designElem xmlns:p16="http://schemas.microsoft.com/office/powerpoint/2015/main" val="1"/>
+              </p:ext>
+            </p:extLst>
+          </p:nvPr>
+        </p:nvSpPr>
+        <p:spPr>
+          <a:xfrm>
+            <a:off x="15" y="6334316"/>
+            <a:ext cx="12191985" cy="66484"/>
+          </a:xfrm>
+          <a:prstGeom prst="rect">
+            <a:avLst/>
+          </a:prstGeom>
+          <a:solidFill>
+            <a:schemeClr val="accent1"/>
+          </a:solidFill>
+          <a:ln>
+            <a:noFill/>
+          </a:ln>
+        </p:spPr>
+        <p:style>
+          <a:lnRef idx="2">
+            <a:schemeClr val="accent1">
+              <a:shade val="50000"/>
+            </a:schemeClr>
+          </a:lnRef>
+          <a:fillRef idx="1">
+            <a:schemeClr val="accent1"/>
+          </a:fillRef>
+          <a:effectRef idx="0">
+            <a:schemeClr val="accent1"/>
+          </a:effectRef>
+          <a:fontRef idx="minor">
+            <a:schemeClr val="lt1"/>
+          </a:fontRef>
+        </p:style>
+      </p:sp>
+      <p:sp>
+        <p:nvSpPr>
+          <p:cNvPr id="15" name="Rectangle 14">
+            <a:extLst>
+              <a:ext uri="{FF2B5EF4-FFF2-40B4-BE49-F238E27FC236}">
+                <a16:creationId xmlns:a16="http://schemas.microsoft.com/office/drawing/2014/main" id="{17FC539C-B783-4B03-9F9E-D13430F3F64F}"/>
+              </a:ext>
+              <a:ext uri="{C183D7F6-B498-43B3-948B-1728B52AA6E4}">
+                <adec:decorative xmlns:adec="http://schemas.microsoft.com/office/drawing/2017/decorative" val="1"/>
+              </a:ext>
+            </a:extLst>
+          </p:cNvPr>
+          <p:cNvSpPr>
+            <a:spLocks noGrp="1" noRot="1" noChangeAspect="1" noMove="1" noResize="1" noEditPoints="1" noAdjustHandles="1" noChangeArrowheads="1" noChangeShapeType="1" noTextEdit="1"/>
+          </p:cNvSpPr>
+          <p:nvPr>
+            <p:extLst>
+              <p:ext uri="{386F3935-93C4-4BCD-93E2-E3B085C9AB24}">
+                <p16:designElem xmlns:p16="http://schemas.microsoft.com/office/powerpoint/2015/main" val="1"/>
+              </p:ext>
+            </p:extLst>
+          </p:nvPr>
+        </p:nvSpPr>
+        <p:spPr>
+          <a:xfrm>
+            <a:off x="1" y="6400800"/>
+            <a:ext cx="12192000" cy="457200"/>
           </a:xfrm>
           <a:prstGeom prst="rect">
             <a:avLst/>
@@ -7391,439 +8123,10 @@
           </a:fontRef>
         </p:style>
       </p:sp>
-      <p:sp>
-        <p:nvSpPr>
-          <p:cNvPr id="11" name="Rectangle 10">
-            <a:extLst>
-              <a:ext uri="{FF2B5EF4-FFF2-40B4-BE49-F238E27FC236}">
-                <a16:creationId xmlns:a16="http://schemas.microsoft.com/office/drawing/2014/main" id="{39CB82C2-DF65-4EC1-8280-F201D50F570B}"/>
-              </a:ext>
-              <a:ext uri="{C183D7F6-B498-43B3-948B-1728B52AA6E4}">
-                <adec:decorative xmlns:adec="http://schemas.microsoft.com/office/drawing/2017/decorative" val="1"/>
-              </a:ext>
-            </a:extLst>
-          </p:cNvPr>
-          <p:cNvSpPr>
-            <a:spLocks noGrp="1" noRot="1" noChangeAspect="1" noMove="1" noResize="1" noEditPoints="1" noAdjustHandles="1" noChangeArrowheads="1" noChangeShapeType="1" noTextEdit="1"/>
-          </p:cNvSpPr>
-          <p:nvPr>
-            <p:extLst>
-              <p:ext uri="{386F3935-93C4-4BCD-93E2-E3B085C9AB24}">
-                <p16:designElem xmlns:p16="http://schemas.microsoft.com/office/powerpoint/2015/main" val="1"/>
-              </p:ext>
-            </p:extLst>
-          </p:nvPr>
-        </p:nvSpPr>
-        <p:spPr>
-          <a:xfrm>
-            <a:off x="15" y="6334316"/>
-            <a:ext cx="12188825" cy="64008"/>
-          </a:xfrm>
-          <a:prstGeom prst="rect">
-            <a:avLst/>
-          </a:prstGeom>
-          <a:solidFill>
-            <a:schemeClr val="accent1"/>
-          </a:solidFill>
-          <a:ln>
-            <a:noFill/>
-          </a:ln>
-        </p:spPr>
-        <p:style>
-          <a:lnRef idx="2">
-            <a:schemeClr val="accent1">
-              <a:shade val="50000"/>
-            </a:schemeClr>
-          </a:lnRef>
-          <a:fillRef idx="1">
-            <a:schemeClr val="accent1"/>
-          </a:fillRef>
-          <a:effectRef idx="0">
-            <a:schemeClr val="accent1"/>
-          </a:effectRef>
-          <a:fontRef idx="minor">
-            <a:schemeClr val="lt1"/>
-          </a:fontRef>
-        </p:style>
-      </p:sp>
-      <p:cxnSp>
-        <p:nvCxnSpPr>
-          <p:cNvPr id="13" name="Straight Connector 12">
-            <a:extLst>
-              <a:ext uri="{FF2B5EF4-FFF2-40B4-BE49-F238E27FC236}">
-                <a16:creationId xmlns:a16="http://schemas.microsoft.com/office/drawing/2014/main" id="{7E1D4427-852B-4B37-8E76-0E9F1810BA2A}"/>
-              </a:ext>
-              <a:ext uri="{C183D7F6-B498-43B3-948B-1728B52AA6E4}">
-                <adec:decorative xmlns:adec="http://schemas.microsoft.com/office/drawing/2017/decorative" val="1"/>
-              </a:ext>
-            </a:extLst>
-          </p:cNvPr>
-          <p:cNvCxnSpPr>
-            <a:cxnSpLocks noGrp="1" noRot="1" noChangeAspect="1" noMove="1" noResize="1" noEditPoints="1" noAdjustHandles="1" noChangeArrowheads="1" noChangeShapeType="1"/>
-          </p:cNvCxnSpPr>
-          <p:nvPr>
-            <p:extLst>
-              <p:ext uri="{386F3935-93C4-4BCD-93E2-E3B085C9AB24}">
-                <p16:designElem xmlns:p16="http://schemas.microsoft.com/office/powerpoint/2015/main" val="1"/>
-              </p:ext>
-            </p:extLst>
-          </p:nvPr>
-        </p:nvCxnSpPr>
-        <p:spPr>
-          <a:xfrm>
-            <a:off x="1207658" y="4343400"/>
-            <a:ext cx="9875520" cy="0"/>
-          </a:xfrm>
-          <a:prstGeom prst="line">
-            <a:avLst/>
-          </a:prstGeom>
-          <a:ln w="6350">
-            <a:solidFill>
-              <a:schemeClr val="tx1">
-                <a:lumMod val="50000"/>
-                <a:lumOff val="50000"/>
-              </a:schemeClr>
-            </a:solidFill>
-          </a:ln>
-        </p:spPr>
-        <p:style>
-          <a:lnRef idx="1">
-            <a:schemeClr val="accent1"/>
-          </a:lnRef>
-          <a:fillRef idx="0">
-            <a:schemeClr val="accent1"/>
-          </a:fillRef>
-          <a:effectRef idx="0">
-            <a:schemeClr val="accent1"/>
-          </a:effectRef>
-          <a:fontRef idx="minor">
-            <a:schemeClr val="tx1"/>
-          </a:fontRef>
-        </p:style>
-      </p:cxnSp>
-      <p:sp useBgFill="1">
-        <p:nvSpPr>
-          <p:cNvPr id="15" name="Rectangle 14">
-            <a:extLst>
-              <a:ext uri="{FF2B5EF4-FFF2-40B4-BE49-F238E27FC236}">
-                <a16:creationId xmlns:a16="http://schemas.microsoft.com/office/drawing/2014/main" id="{FA4CD5CB-D209-4D70-8CA4-629731C59219}"/>
-              </a:ext>
-              <a:ext uri="{C183D7F6-B498-43B3-948B-1728B52AA6E4}">
-                <adec:decorative xmlns:adec="http://schemas.microsoft.com/office/drawing/2017/decorative" val="1"/>
-              </a:ext>
-            </a:extLst>
-          </p:cNvPr>
-          <p:cNvSpPr>
-            <a:spLocks noGrp="1" noRot="1" noChangeAspect="1" noMove="1" noResize="1" noEditPoints="1" noAdjustHandles="1" noChangeArrowheads="1" noChangeShapeType="1" noTextEdit="1"/>
-          </p:cNvSpPr>
-          <p:nvPr>
-            <p:extLst>
-              <p:ext uri="{386F3935-93C4-4BCD-93E2-E3B085C9AB24}">
-                <p16:designElem xmlns:p16="http://schemas.microsoft.com/office/powerpoint/2015/main" val="1"/>
-              </p:ext>
-            </p:extLst>
-          </p:nvPr>
-        </p:nvSpPr>
-        <p:spPr>
-          <a:xfrm>
-            <a:off x="0" y="0"/>
-            <a:ext cx="12192001" cy="6334316"/>
-          </a:xfrm>
-          <a:prstGeom prst="rect">
-            <a:avLst/>
-          </a:prstGeom>
-          <a:ln>
-            <a:noFill/>
-          </a:ln>
-        </p:spPr>
-        <p:style>
-          <a:lnRef idx="2">
-            <a:schemeClr val="accent1">
-              <a:shade val="50000"/>
-            </a:schemeClr>
-          </a:lnRef>
-          <a:fillRef idx="1">
-            <a:schemeClr val="accent1"/>
-          </a:fillRef>
-          <a:effectRef idx="0">
-            <a:schemeClr val="accent1"/>
-          </a:effectRef>
-          <a:fontRef idx="minor">
-            <a:schemeClr val="lt1"/>
-          </a:fontRef>
-        </p:style>
-        <p:txBody>
-          <a:bodyPr rtlCol="0" anchor="ctr"/>
-          <a:lstStyle/>
-          <a:p>
-            <a:pPr algn="ctr"/>
-            <a:endParaRPr lang="en-US"/>
-          </a:p>
-        </p:txBody>
-      </p:sp>
-      <p:sp>
-        <p:nvSpPr>
-          <p:cNvPr id="2" name="Title 1">
-            <a:extLst>
-              <a:ext uri="{FF2B5EF4-FFF2-40B4-BE49-F238E27FC236}">
-                <a16:creationId xmlns:a16="http://schemas.microsoft.com/office/drawing/2014/main" id="{7F97F6A3-AC75-49DA-9C01-7CF475C7FD4A}"/>
-              </a:ext>
-            </a:extLst>
-          </p:cNvPr>
-          <p:cNvSpPr>
-            <a:spLocks noGrp="1"/>
-          </p:cNvSpPr>
-          <p:nvPr>
-            <p:ph type="title"/>
-          </p:nvPr>
-        </p:nvSpPr>
-        <p:spPr>
-          <a:xfrm>
-            <a:off x="8141110" y="639097"/>
-            <a:ext cx="3401961" cy="3686015"/>
-          </a:xfrm>
-        </p:spPr>
-        <p:txBody>
-          <a:bodyPr vert="horz" lIns="91440" tIns="45720" rIns="91440" bIns="45720" rtlCol="0" anchor="b">
-            <a:normAutofit fontScale="90000"/>
-          </a:bodyPr>
-          <a:lstStyle/>
-          <a:p>
-            <a:r>
-              <a:rPr lang="en-US" sz="6600" dirty="0"/>
-              <a:t>End-to-end</a:t>
-            </a:r>
-            <a:br>
-              <a:rPr lang="en-US" sz="6600" dirty="0"/>
-            </a:br>
-            <a:r>
-              <a:rPr lang="en-US" sz="6100" dirty="0">
-                <a:solidFill>
-                  <a:schemeClr val="tx1">
-                    <a:lumMod val="85000"/>
-                    <a:lumOff val="15000"/>
-                  </a:schemeClr>
-                </a:solidFill>
-              </a:rPr>
-              <a:t>Image captioning model</a:t>
-            </a:r>
-          </a:p>
-        </p:txBody>
-      </p:sp>
-      <p:pic>
-        <p:nvPicPr>
-          <p:cNvPr id="4" name="Picture 2" descr="A close up of a person&#10;&#10;Description automatically generated">
-            <a:extLst>
-              <a:ext uri="{FF2B5EF4-FFF2-40B4-BE49-F238E27FC236}">
-                <a16:creationId xmlns:a16="http://schemas.microsoft.com/office/drawing/2014/main" id="{35D207A7-D456-46B3-8EFE-831C1B1D2293}"/>
-              </a:ext>
-            </a:extLst>
-          </p:cNvPr>
-          <p:cNvPicPr>
-            <a:picLocks noChangeAspect="1" noChangeArrowheads="1"/>
-          </p:cNvPicPr>
-          <p:nvPr/>
-        </p:nvPicPr>
-        <p:blipFill>
-          <a:blip r:embed="rId3">
-            <a:extLst>
-              <a:ext uri="{28A0092B-C50C-407E-A947-70E740481C1C}">
-                <a14:useLocalDpi xmlns:a14="http://schemas.microsoft.com/office/drawing/2010/main" val="0"/>
-              </a:ext>
-            </a:extLst>
-          </a:blip>
-          <a:stretch>
-            <a:fillRect/>
-          </a:stretch>
-        </p:blipFill>
-        <p:spPr bwMode="auto">
-          <a:xfrm>
-            <a:off x="1537503" y="640081"/>
-            <a:ext cx="5105208" cy="5054156"/>
-          </a:xfrm>
-          <a:prstGeom prst="rect">
-            <a:avLst/>
-          </a:prstGeom>
-          <a:noFill/>
-          <a:extLst>
-            <a:ext uri="{909E8E84-426E-40DD-AFC4-6F175D3DCCD1}">
-              <a14:hiddenFill xmlns:a14="http://schemas.microsoft.com/office/drawing/2010/main">
-                <a:solidFill>
-                  <a:srgbClr val="FFFFFF"/>
-                </a:solidFill>
-              </a14:hiddenFill>
-            </a:ext>
-          </a:extLst>
-        </p:spPr>
-      </p:pic>
-      <p:cxnSp>
-        <p:nvCxnSpPr>
-          <p:cNvPr id="17" name="Straight Connector 16">
-            <a:extLst>
-              <a:ext uri="{FF2B5EF4-FFF2-40B4-BE49-F238E27FC236}">
-                <a16:creationId xmlns:a16="http://schemas.microsoft.com/office/drawing/2014/main" id="{5C6A2BAE-B461-4B55-8E1F-0722ABDD1393}"/>
-              </a:ext>
-              <a:ext uri="{C183D7F6-B498-43B3-948B-1728B52AA6E4}">
-                <adec:decorative xmlns:adec="http://schemas.microsoft.com/office/drawing/2017/decorative" val="1"/>
-              </a:ext>
-            </a:extLst>
-          </p:cNvPr>
-          <p:cNvCxnSpPr>
-            <a:cxnSpLocks noGrp="1" noRot="1" noChangeAspect="1" noMove="1" noResize="1" noEditPoints="1" noAdjustHandles="1" noChangeArrowheads="1" noChangeShapeType="1"/>
-          </p:cNvCxnSpPr>
-          <p:nvPr>
-            <p:extLst>
-              <p:ext uri="{386F3935-93C4-4BCD-93E2-E3B085C9AB24}">
-                <p16:designElem xmlns:p16="http://schemas.microsoft.com/office/powerpoint/2015/main" val="1"/>
-              </p:ext>
-            </p:extLst>
-          </p:nvPr>
-        </p:nvCxnSpPr>
-        <p:spPr>
-          <a:xfrm>
-            <a:off x="8209305" y="4343400"/>
-            <a:ext cx="3200400" cy="0"/>
-          </a:xfrm>
-          <a:prstGeom prst="line">
-            <a:avLst/>
-          </a:prstGeom>
-          <a:ln w="6350">
-            <a:solidFill>
-              <a:schemeClr val="tx2">
-                <a:alpha val="90000"/>
-              </a:schemeClr>
-            </a:solidFill>
-          </a:ln>
-        </p:spPr>
-        <p:style>
-          <a:lnRef idx="1">
-            <a:schemeClr val="accent1"/>
-          </a:lnRef>
-          <a:fillRef idx="0">
-            <a:schemeClr val="accent1"/>
-          </a:fillRef>
-          <a:effectRef idx="0">
-            <a:schemeClr val="accent1"/>
-          </a:effectRef>
-          <a:fontRef idx="minor">
-            <a:schemeClr val="tx1"/>
-          </a:fontRef>
-        </p:style>
-      </p:cxnSp>
-      <p:sp>
-        <p:nvSpPr>
-          <p:cNvPr id="19" name="Rectangle 18">
-            <a:extLst>
-              <a:ext uri="{FF2B5EF4-FFF2-40B4-BE49-F238E27FC236}">
-                <a16:creationId xmlns:a16="http://schemas.microsoft.com/office/drawing/2014/main" id="{B4C27B90-DF2B-4D00-BA07-18ED774CD2F1}"/>
-              </a:ext>
-              <a:ext uri="{C183D7F6-B498-43B3-948B-1728B52AA6E4}">
-                <adec:decorative xmlns:adec="http://schemas.microsoft.com/office/drawing/2017/decorative" val="1"/>
-              </a:ext>
-            </a:extLst>
-          </p:cNvPr>
-          <p:cNvSpPr>
-            <a:spLocks noGrp="1" noRot="1" noChangeAspect="1" noMove="1" noResize="1" noEditPoints="1" noAdjustHandles="1" noChangeArrowheads="1" noChangeShapeType="1" noTextEdit="1"/>
-          </p:cNvSpPr>
-          <p:nvPr>
-            <p:extLst>
-              <p:ext uri="{386F3935-93C4-4BCD-93E2-E3B085C9AB24}">
-                <p16:designElem xmlns:p16="http://schemas.microsoft.com/office/powerpoint/2015/main" val="1"/>
-              </p:ext>
-            </p:extLst>
-          </p:nvPr>
-        </p:nvSpPr>
-        <p:spPr>
-          <a:xfrm>
-            <a:off x="15" y="6334316"/>
-            <a:ext cx="12191985" cy="66484"/>
-          </a:xfrm>
-          <a:prstGeom prst="rect">
-            <a:avLst/>
-          </a:prstGeom>
-          <a:solidFill>
-            <a:schemeClr val="accent1"/>
-          </a:solidFill>
-          <a:ln>
-            <a:noFill/>
-          </a:ln>
-        </p:spPr>
-        <p:style>
-          <a:lnRef idx="2">
-            <a:schemeClr val="accent1">
-              <a:shade val="50000"/>
-            </a:schemeClr>
-          </a:lnRef>
-          <a:fillRef idx="1">
-            <a:schemeClr val="accent1"/>
-          </a:fillRef>
-          <a:effectRef idx="0">
-            <a:schemeClr val="accent1"/>
-          </a:effectRef>
-          <a:fontRef idx="minor">
-            <a:schemeClr val="lt1"/>
-          </a:fontRef>
-        </p:style>
-      </p:sp>
-      <p:sp>
-        <p:nvSpPr>
-          <p:cNvPr id="21" name="Rectangle 20">
-            <a:extLst>
-              <a:ext uri="{FF2B5EF4-FFF2-40B4-BE49-F238E27FC236}">
-                <a16:creationId xmlns:a16="http://schemas.microsoft.com/office/drawing/2014/main" id="{593ACC25-C262-417A-8AA9-0641C772BDB6}"/>
-              </a:ext>
-              <a:ext uri="{C183D7F6-B498-43B3-948B-1728B52AA6E4}">
-                <adec:decorative xmlns:adec="http://schemas.microsoft.com/office/drawing/2017/decorative" val="1"/>
-              </a:ext>
-            </a:extLst>
-          </p:cNvPr>
-          <p:cNvSpPr>
-            <a:spLocks noGrp="1" noRot="1" noChangeAspect="1" noMove="1" noResize="1" noEditPoints="1" noAdjustHandles="1" noChangeArrowheads="1" noChangeShapeType="1" noTextEdit="1"/>
-          </p:cNvSpPr>
-          <p:nvPr>
-            <p:extLst>
-              <p:ext uri="{386F3935-93C4-4BCD-93E2-E3B085C9AB24}">
-                <p16:designElem xmlns:p16="http://schemas.microsoft.com/office/powerpoint/2015/main" val="1"/>
-              </p:ext>
-            </p:extLst>
-          </p:nvPr>
-        </p:nvSpPr>
-        <p:spPr>
-          <a:xfrm>
-            <a:off x="1" y="6400800"/>
-            <a:ext cx="12192000" cy="457200"/>
-          </a:xfrm>
-          <a:prstGeom prst="rect">
-            <a:avLst/>
-          </a:prstGeom>
-          <a:solidFill>
-            <a:schemeClr val="accent2"/>
-          </a:solidFill>
-          <a:ln>
-            <a:noFill/>
-          </a:ln>
-        </p:spPr>
-        <p:style>
-          <a:lnRef idx="2">
-            <a:schemeClr val="accent1">
-              <a:shade val="50000"/>
-            </a:schemeClr>
-          </a:lnRef>
-          <a:fillRef idx="1">
-            <a:schemeClr val="accent1"/>
-          </a:fillRef>
-          <a:effectRef idx="0">
-            <a:schemeClr val="accent1"/>
-          </a:effectRef>
-          <a:fontRef idx="minor">
-            <a:schemeClr val="lt1"/>
-          </a:fontRef>
-        </p:style>
-      </p:sp>
     </p:spTree>
     <p:extLst>
       <p:ext uri="{BB962C8B-B14F-4D97-AF65-F5344CB8AC3E}">
-        <p14:creationId xmlns:p14="http://schemas.microsoft.com/office/powerpoint/2010/main" val="1712916972"/>
+        <p14:creationId xmlns:p14="http://schemas.microsoft.com/office/powerpoint/2010/main" val="4113279986"/>
       </p:ext>
     </p:extLst>
   </p:cSld>
@@ -7858,12 +8161,12 @@
           <a:chExt cx="0" cy="0"/>
         </a:xfrm>
       </p:grpSpPr>
-      <p:sp useBgFill="1">
-        <p:nvSpPr>
-          <p:cNvPr id="9" name="Rectangle 8">
+      <p:sp>
+        <p:nvSpPr>
+          <p:cNvPr id="71" name="Rectangle 70">
             <a:extLst>
               <a:ext uri="{FF2B5EF4-FFF2-40B4-BE49-F238E27FC236}">
-                <a16:creationId xmlns:a16="http://schemas.microsoft.com/office/drawing/2014/main" id="{284B70D5-875B-433D-BDBD-1522A85D6C1D}"/>
+                <a16:creationId xmlns:a16="http://schemas.microsoft.com/office/drawing/2014/main" id="{4E4490D0-3672-446A-AC12-B4830333BDDD}"/>
               </a:ext>
               <a:ext uri="{C183D7F6-B498-43B3-948B-1728B52AA6E4}">
                 <adec:decorative xmlns:adec="http://schemas.microsoft.com/office/drawing/2017/decorative" val="1"/>
@@ -7883,292 +8186,8 @@
         </p:nvSpPr>
         <p:spPr>
           <a:xfrm>
-            <a:off x="0" y="0"/>
-            <a:ext cx="12192001" cy="6334316"/>
-          </a:xfrm>
-          <a:prstGeom prst="rect">
-            <a:avLst/>
-          </a:prstGeom>
-          <a:ln>
-            <a:noFill/>
-          </a:ln>
-        </p:spPr>
-        <p:style>
-          <a:lnRef idx="2">
-            <a:schemeClr val="accent1">
-              <a:shade val="50000"/>
-            </a:schemeClr>
-          </a:lnRef>
-          <a:fillRef idx="1">
-            <a:schemeClr val="accent1"/>
-          </a:fillRef>
-          <a:effectRef idx="0">
-            <a:schemeClr val="accent1"/>
-          </a:effectRef>
-          <a:fontRef idx="minor">
-            <a:schemeClr val="lt1"/>
-          </a:fontRef>
-        </p:style>
-        <p:txBody>
-          <a:bodyPr rtlCol="0" anchor="ctr"/>
-          <a:lstStyle/>
-          <a:p>
-            <a:pPr algn="ctr"/>
-            <a:endParaRPr lang="en-US"/>
-          </a:p>
-        </p:txBody>
-      </p:sp>
-      <p:sp>
-        <p:nvSpPr>
-          <p:cNvPr id="2" name="Title 1">
-            <a:extLst>
-              <a:ext uri="{FF2B5EF4-FFF2-40B4-BE49-F238E27FC236}">
-                <a16:creationId xmlns:a16="http://schemas.microsoft.com/office/drawing/2014/main" id="{E1B866AD-BFBE-4EF5-AD21-01B0CB325AA3}"/>
-              </a:ext>
-            </a:extLst>
-          </p:cNvPr>
-          <p:cNvSpPr>
-            <a:spLocks noGrp="1"/>
-          </p:cNvSpPr>
-          <p:nvPr>
-            <p:ph type="title"/>
-          </p:nvPr>
-        </p:nvSpPr>
-        <p:spPr>
-          <a:xfrm>
-            <a:off x="7859485" y="634946"/>
-            <a:ext cx="3690257" cy="1450757"/>
-          </a:xfrm>
-        </p:spPr>
-        <p:txBody>
-          <a:bodyPr>
-            <a:normAutofit/>
-          </a:bodyPr>
-          <a:lstStyle/>
-          <a:p>
-            <a:r>
-              <a:rPr lang="en-US" dirty="0"/>
-              <a:t>Dataset</a:t>
-            </a:r>
-          </a:p>
-        </p:txBody>
-      </p:sp>
-      <p:pic>
-        <p:nvPicPr>
-          <p:cNvPr id="4" name="Picture 3" descr="A close up of a person&#10;&#10;Description automatically generated">
-            <a:extLst>
-              <a:ext uri="{FF2B5EF4-FFF2-40B4-BE49-F238E27FC236}">
-                <a16:creationId xmlns:a16="http://schemas.microsoft.com/office/drawing/2014/main" id="{0FB12F92-C3EC-47A1-9AB9-67EE56FBC7B9}"/>
-              </a:ext>
-            </a:extLst>
-          </p:cNvPr>
-          <p:cNvPicPr>
-            <a:picLocks noChangeAspect="1"/>
-          </p:cNvPicPr>
-          <p:nvPr/>
-        </p:nvPicPr>
-        <p:blipFill>
-          <a:blip r:embed="rId3"/>
-          <a:stretch>
-            <a:fillRect/>
-          </a:stretch>
-        </p:blipFill>
-        <p:spPr>
-          <a:xfrm>
-            <a:off x="633999" y="1699393"/>
-            <a:ext cx="6909801" cy="3195782"/>
-          </a:xfrm>
-          <a:prstGeom prst="rect">
-            <a:avLst/>
-          </a:prstGeom>
-        </p:spPr>
-      </p:pic>
-      <p:cxnSp>
-        <p:nvCxnSpPr>
-          <p:cNvPr id="11" name="Straight Connector 10">
-            <a:extLst>
-              <a:ext uri="{FF2B5EF4-FFF2-40B4-BE49-F238E27FC236}">
-                <a16:creationId xmlns:a16="http://schemas.microsoft.com/office/drawing/2014/main" id="{C947DF4A-614C-4B4C-8B80-E5B9D8E8CFED}"/>
-              </a:ext>
-              <a:ext uri="{C183D7F6-B498-43B3-948B-1728B52AA6E4}">
-                <adec:decorative xmlns:adec="http://schemas.microsoft.com/office/drawing/2017/decorative" val="1"/>
-              </a:ext>
-            </a:extLst>
-          </p:cNvPr>
-          <p:cNvCxnSpPr>
-            <a:cxnSpLocks noGrp="1" noRot="1" noChangeAspect="1" noMove="1" noResize="1" noEditPoints="1" noAdjustHandles="1" noChangeArrowheads="1" noChangeShapeType="1"/>
-          </p:cNvCxnSpPr>
-          <p:nvPr>
-            <p:extLst>
-              <p:ext uri="{386F3935-93C4-4BCD-93E2-E3B085C9AB24}">
-                <p16:designElem xmlns:p16="http://schemas.microsoft.com/office/powerpoint/2015/main" val="1"/>
-              </p:ext>
-            </p:extLst>
-          </p:nvPr>
-        </p:nvCxnSpPr>
-        <p:spPr>
-          <a:xfrm>
-            <a:off x="7892143" y="2085703"/>
-            <a:ext cx="3566160" cy="0"/>
-          </a:xfrm>
-          <a:prstGeom prst="line">
-            <a:avLst/>
-          </a:prstGeom>
-          <a:ln w="6350">
-            <a:solidFill>
-              <a:schemeClr val="tx1">
-                <a:lumMod val="50000"/>
-                <a:lumOff val="50000"/>
-                <a:alpha val="90000"/>
-              </a:schemeClr>
-            </a:solidFill>
-          </a:ln>
-        </p:spPr>
-        <p:style>
-          <a:lnRef idx="1">
-            <a:schemeClr val="accent1"/>
-          </a:lnRef>
-          <a:fillRef idx="0">
-            <a:schemeClr val="accent1"/>
-          </a:fillRef>
-          <a:effectRef idx="0">
-            <a:schemeClr val="accent1"/>
-          </a:effectRef>
-          <a:fontRef idx="minor">
-            <a:schemeClr val="tx1"/>
-          </a:fontRef>
-        </p:style>
-      </p:cxnSp>
-      <p:sp>
-        <p:nvSpPr>
-          <p:cNvPr id="3" name="Content Placeholder 2">
-            <a:extLst>
-              <a:ext uri="{FF2B5EF4-FFF2-40B4-BE49-F238E27FC236}">
-                <a16:creationId xmlns:a16="http://schemas.microsoft.com/office/drawing/2014/main" id="{B02AD9CC-5613-46FC-BFD7-B5C514F9A06C}"/>
-              </a:ext>
-            </a:extLst>
-          </p:cNvPr>
-          <p:cNvSpPr>
-            <a:spLocks noGrp="1"/>
-          </p:cNvSpPr>
-          <p:nvPr>
-            <p:ph idx="1"/>
-          </p:nvPr>
-        </p:nvSpPr>
-        <p:spPr>
-          <a:xfrm>
-            <a:off x="7859485" y="2198914"/>
-            <a:ext cx="3690257" cy="3670180"/>
-          </a:xfrm>
-        </p:spPr>
-        <p:txBody>
-          <a:bodyPr>
-            <a:normAutofit/>
-          </a:bodyPr>
-          <a:lstStyle/>
-          <a:p>
-            <a:r>
-              <a:rPr lang="en-US" dirty="0"/>
-              <a:t>Microsoft Common Objects in Context</a:t>
-            </a:r>
-          </a:p>
-          <a:p>
-            <a:pPr>
-              <a:buFont typeface="Arial" panose="020B0604020202020204" pitchFamily="34" charset="0"/>
-              <a:buChar char="•"/>
-            </a:pPr>
-            <a:r>
-              <a:rPr lang="en-US" dirty="0"/>
-              <a:t>A dataset where each image is paired with five associated captions that describes the content of that particular image</a:t>
-            </a:r>
-          </a:p>
-          <a:p>
-            <a:endParaRPr lang="en-US" dirty="0"/>
-          </a:p>
-        </p:txBody>
-      </p:sp>
-      <p:sp>
-        <p:nvSpPr>
-          <p:cNvPr id="13" name="Rectangle 12">
-            <a:extLst>
-              <a:ext uri="{FF2B5EF4-FFF2-40B4-BE49-F238E27FC236}">
-                <a16:creationId xmlns:a16="http://schemas.microsoft.com/office/drawing/2014/main" id="{1E299956-A9E7-4FC1-A0B1-D590CA9730E8}"/>
-              </a:ext>
-              <a:ext uri="{C183D7F6-B498-43B3-948B-1728B52AA6E4}">
-                <adec:decorative xmlns:adec="http://schemas.microsoft.com/office/drawing/2017/decorative" val="1"/>
-              </a:ext>
-            </a:extLst>
-          </p:cNvPr>
-          <p:cNvSpPr>
-            <a:spLocks noGrp="1" noRot="1" noChangeAspect="1" noMove="1" noResize="1" noEditPoints="1" noAdjustHandles="1" noChangeArrowheads="1" noChangeShapeType="1" noTextEdit="1"/>
-          </p:cNvSpPr>
-          <p:nvPr>
-            <p:extLst>
-              <p:ext uri="{386F3935-93C4-4BCD-93E2-E3B085C9AB24}">
-                <p16:designElem xmlns:p16="http://schemas.microsoft.com/office/powerpoint/2015/main" val="1"/>
-              </p:ext>
-            </p:extLst>
-          </p:nvPr>
-        </p:nvSpPr>
-        <p:spPr>
-          <a:xfrm>
-            <a:off x="15" y="6334316"/>
-            <a:ext cx="12191985" cy="66484"/>
-          </a:xfrm>
-          <a:prstGeom prst="rect">
-            <a:avLst/>
-          </a:prstGeom>
-          <a:solidFill>
-            <a:schemeClr val="accent1"/>
-          </a:solidFill>
-          <a:ln>
-            <a:noFill/>
-          </a:ln>
-        </p:spPr>
-        <p:style>
-          <a:lnRef idx="2">
-            <a:schemeClr val="accent1">
-              <a:shade val="50000"/>
-            </a:schemeClr>
-          </a:lnRef>
-          <a:fillRef idx="1">
-            <a:schemeClr val="accent1"/>
-          </a:fillRef>
-          <a:effectRef idx="0">
-            <a:schemeClr val="accent1"/>
-          </a:effectRef>
-          <a:fontRef idx="minor">
-            <a:schemeClr val="lt1"/>
-          </a:fontRef>
-        </p:style>
-      </p:sp>
-      <p:sp>
-        <p:nvSpPr>
-          <p:cNvPr id="15" name="Rectangle 14">
-            <a:extLst>
-              <a:ext uri="{FF2B5EF4-FFF2-40B4-BE49-F238E27FC236}">
-                <a16:creationId xmlns:a16="http://schemas.microsoft.com/office/drawing/2014/main" id="{17FC539C-B783-4B03-9F9E-D13430F3F64F}"/>
-              </a:ext>
-              <a:ext uri="{C183D7F6-B498-43B3-948B-1728B52AA6E4}">
-                <adec:decorative xmlns:adec="http://schemas.microsoft.com/office/drawing/2017/decorative" val="1"/>
-              </a:ext>
-            </a:extLst>
-          </p:cNvPr>
-          <p:cNvSpPr>
-            <a:spLocks noGrp="1" noRot="1" noChangeAspect="1" noMove="1" noResize="1" noEditPoints="1" noAdjustHandles="1" noChangeArrowheads="1" noChangeShapeType="1" noTextEdit="1"/>
-          </p:cNvSpPr>
-          <p:nvPr>
-            <p:extLst>
-              <p:ext uri="{386F3935-93C4-4BCD-93E2-E3B085C9AB24}">
-                <p16:designElem xmlns:p16="http://schemas.microsoft.com/office/powerpoint/2015/main" val="1"/>
-              </p:ext>
-            </p:extLst>
-          </p:nvPr>
-        </p:nvSpPr>
-        <p:spPr>
-          <a:xfrm>
-            <a:off x="1" y="6400800"/>
-            <a:ext cx="12192000" cy="457200"/>
+            <a:off x="3175" y="6400800"/>
+            <a:ext cx="12188825" cy="457200"/>
           </a:xfrm>
           <a:prstGeom prst="rect">
             <a:avLst/>
@@ -8197,10 +8216,432 @@
           </a:fontRef>
         </p:style>
       </p:sp>
+      <p:sp>
+        <p:nvSpPr>
+          <p:cNvPr id="73" name="Rectangle 72">
+            <a:extLst>
+              <a:ext uri="{FF2B5EF4-FFF2-40B4-BE49-F238E27FC236}">
+                <a16:creationId xmlns:a16="http://schemas.microsoft.com/office/drawing/2014/main" id="{39CB82C2-DF65-4EC1-8280-F201D50F570B}"/>
+              </a:ext>
+              <a:ext uri="{C183D7F6-B498-43B3-948B-1728B52AA6E4}">
+                <adec:decorative xmlns:adec="http://schemas.microsoft.com/office/drawing/2017/decorative" val="1"/>
+              </a:ext>
+            </a:extLst>
+          </p:cNvPr>
+          <p:cNvSpPr>
+            <a:spLocks noGrp="1" noRot="1" noChangeAspect="1" noMove="1" noResize="1" noEditPoints="1" noAdjustHandles="1" noChangeArrowheads="1" noChangeShapeType="1" noTextEdit="1"/>
+          </p:cNvSpPr>
+          <p:nvPr>
+            <p:extLst>
+              <p:ext uri="{386F3935-93C4-4BCD-93E2-E3B085C9AB24}">
+                <p16:designElem xmlns:p16="http://schemas.microsoft.com/office/powerpoint/2015/main" val="1"/>
+              </p:ext>
+            </p:extLst>
+          </p:nvPr>
+        </p:nvSpPr>
+        <p:spPr>
+          <a:xfrm>
+            <a:off x="15" y="6334316"/>
+            <a:ext cx="12188825" cy="64008"/>
+          </a:xfrm>
+          <a:prstGeom prst="rect">
+            <a:avLst/>
+          </a:prstGeom>
+          <a:solidFill>
+            <a:schemeClr val="accent1"/>
+          </a:solidFill>
+          <a:ln>
+            <a:noFill/>
+          </a:ln>
+        </p:spPr>
+        <p:style>
+          <a:lnRef idx="2">
+            <a:schemeClr val="accent1">
+              <a:shade val="50000"/>
+            </a:schemeClr>
+          </a:lnRef>
+          <a:fillRef idx="1">
+            <a:schemeClr val="accent1"/>
+          </a:fillRef>
+          <a:effectRef idx="0">
+            <a:schemeClr val="accent1"/>
+          </a:effectRef>
+          <a:fontRef idx="minor">
+            <a:schemeClr val="lt1"/>
+          </a:fontRef>
+        </p:style>
+      </p:sp>
+      <p:cxnSp>
+        <p:nvCxnSpPr>
+          <p:cNvPr id="75" name="Straight Connector 74">
+            <a:extLst>
+              <a:ext uri="{FF2B5EF4-FFF2-40B4-BE49-F238E27FC236}">
+                <a16:creationId xmlns:a16="http://schemas.microsoft.com/office/drawing/2014/main" id="{7E1D4427-852B-4B37-8E76-0E9F1810BA2A}"/>
+              </a:ext>
+              <a:ext uri="{C183D7F6-B498-43B3-948B-1728B52AA6E4}">
+                <adec:decorative xmlns:adec="http://schemas.microsoft.com/office/drawing/2017/decorative" val="1"/>
+              </a:ext>
+            </a:extLst>
+          </p:cNvPr>
+          <p:cNvCxnSpPr>
+            <a:cxnSpLocks noGrp="1" noRot="1" noChangeAspect="1" noMove="1" noResize="1" noEditPoints="1" noAdjustHandles="1" noChangeArrowheads="1" noChangeShapeType="1"/>
+          </p:cNvCxnSpPr>
+          <p:nvPr>
+            <p:extLst>
+              <p:ext uri="{386F3935-93C4-4BCD-93E2-E3B085C9AB24}">
+                <p16:designElem xmlns:p16="http://schemas.microsoft.com/office/powerpoint/2015/main" val="1"/>
+              </p:ext>
+            </p:extLst>
+          </p:nvPr>
+        </p:nvCxnSpPr>
+        <p:spPr>
+          <a:xfrm>
+            <a:off x="1207658" y="4343400"/>
+            <a:ext cx="9875520" cy="0"/>
+          </a:xfrm>
+          <a:prstGeom prst="line">
+            <a:avLst/>
+          </a:prstGeom>
+          <a:ln w="6350">
+            <a:solidFill>
+              <a:schemeClr val="tx1">
+                <a:lumMod val="50000"/>
+                <a:lumOff val="50000"/>
+              </a:schemeClr>
+            </a:solidFill>
+          </a:ln>
+        </p:spPr>
+        <p:style>
+          <a:lnRef idx="1">
+            <a:schemeClr val="accent1"/>
+          </a:lnRef>
+          <a:fillRef idx="0">
+            <a:schemeClr val="accent1"/>
+          </a:fillRef>
+          <a:effectRef idx="0">
+            <a:schemeClr val="accent1"/>
+          </a:effectRef>
+          <a:fontRef idx="minor">
+            <a:schemeClr val="tx1"/>
+          </a:fontRef>
+        </p:style>
+      </p:cxnSp>
+      <p:sp useBgFill="1">
+        <p:nvSpPr>
+          <p:cNvPr id="77" name="Rectangle 76">
+            <a:extLst>
+              <a:ext uri="{FF2B5EF4-FFF2-40B4-BE49-F238E27FC236}">
+                <a16:creationId xmlns:a16="http://schemas.microsoft.com/office/drawing/2014/main" id="{FA4CD5CB-D209-4D70-8CA4-629731C59219}"/>
+              </a:ext>
+              <a:ext uri="{C183D7F6-B498-43B3-948B-1728B52AA6E4}">
+                <adec:decorative xmlns:adec="http://schemas.microsoft.com/office/drawing/2017/decorative" val="1"/>
+              </a:ext>
+            </a:extLst>
+          </p:cNvPr>
+          <p:cNvSpPr>
+            <a:spLocks noGrp="1" noRot="1" noChangeAspect="1" noMove="1" noResize="1" noEditPoints="1" noAdjustHandles="1" noChangeArrowheads="1" noChangeShapeType="1" noTextEdit="1"/>
+          </p:cNvSpPr>
+          <p:nvPr>
+            <p:extLst>
+              <p:ext uri="{386F3935-93C4-4BCD-93E2-E3B085C9AB24}">
+                <p16:designElem xmlns:p16="http://schemas.microsoft.com/office/powerpoint/2015/main" val="1"/>
+              </p:ext>
+            </p:extLst>
+          </p:nvPr>
+        </p:nvSpPr>
+        <p:spPr>
+          <a:xfrm>
+            <a:off x="0" y="0"/>
+            <a:ext cx="12192001" cy="6334316"/>
+          </a:xfrm>
+          <a:prstGeom prst="rect">
+            <a:avLst/>
+          </a:prstGeom>
+          <a:ln>
+            <a:noFill/>
+          </a:ln>
+        </p:spPr>
+        <p:style>
+          <a:lnRef idx="2">
+            <a:schemeClr val="accent1">
+              <a:shade val="50000"/>
+            </a:schemeClr>
+          </a:lnRef>
+          <a:fillRef idx="1">
+            <a:schemeClr val="accent1"/>
+          </a:fillRef>
+          <a:effectRef idx="0">
+            <a:schemeClr val="accent1"/>
+          </a:effectRef>
+          <a:fontRef idx="minor">
+            <a:schemeClr val="lt1"/>
+          </a:fontRef>
+        </p:style>
+        <p:txBody>
+          <a:bodyPr rtlCol="0" anchor="ctr"/>
+          <a:lstStyle/>
+          <a:p>
+            <a:pPr algn="ctr"/>
+            <a:endParaRPr lang="en-US"/>
+          </a:p>
+        </p:txBody>
+      </p:sp>
+      <p:sp>
+        <p:nvSpPr>
+          <p:cNvPr id="2" name="Title 1">
+            <a:extLst>
+              <a:ext uri="{FF2B5EF4-FFF2-40B4-BE49-F238E27FC236}">
+                <a16:creationId xmlns:a16="http://schemas.microsoft.com/office/drawing/2014/main" id="{0103B9C8-322A-4697-A47C-10EB06A18A7B}"/>
+              </a:ext>
+            </a:extLst>
+          </p:cNvPr>
+          <p:cNvSpPr>
+            <a:spLocks noGrp="1"/>
+          </p:cNvSpPr>
+          <p:nvPr>
+            <p:ph type="title"/>
+          </p:nvPr>
+        </p:nvSpPr>
+        <p:spPr>
+          <a:xfrm>
+            <a:off x="8141110" y="639097"/>
+            <a:ext cx="3401961" cy="3686015"/>
+          </a:xfrm>
+        </p:spPr>
+        <p:txBody>
+          <a:bodyPr vert="horz" lIns="91440" tIns="45720" rIns="91440" bIns="45720" rtlCol="0" anchor="b">
+            <a:normAutofit/>
+          </a:bodyPr>
+          <a:lstStyle/>
+          <a:p>
+            <a:r>
+              <a:rPr lang="en-US" sz="5100" dirty="0">
+                <a:solidFill>
+                  <a:schemeClr val="tx1">
+                    <a:lumMod val="85000"/>
+                    <a:lumOff val="15000"/>
+                  </a:schemeClr>
+                </a:solidFill>
+              </a:rPr>
+              <a:t>Model architecture</a:t>
+            </a:r>
+          </a:p>
+        </p:txBody>
+      </p:sp>
+      <p:pic>
+        <p:nvPicPr>
+          <p:cNvPr id="2050" name="Picture 2">
+            <a:extLst>
+              <a:ext uri="{FF2B5EF4-FFF2-40B4-BE49-F238E27FC236}">
+                <a16:creationId xmlns:a16="http://schemas.microsoft.com/office/drawing/2014/main" id="{062C491A-2DD5-4CE9-8C20-58728C59520E}"/>
+              </a:ext>
+            </a:extLst>
+          </p:cNvPr>
+          <p:cNvPicPr>
+            <a:picLocks noChangeAspect="1" noChangeArrowheads="1"/>
+          </p:cNvPicPr>
+          <p:nvPr/>
+        </p:nvPicPr>
+        <p:blipFill>
+          <a:blip r:embed="rId3">
+            <a:extLst>
+              <a:ext uri="{28A0092B-C50C-407E-A947-70E740481C1C}">
+                <a14:useLocalDpi xmlns:a14="http://schemas.microsoft.com/office/drawing/2010/main" val="0"/>
+              </a:ext>
+            </a:extLst>
+          </a:blip>
+          <a:stretch>
+            <a:fillRect/>
+          </a:stretch>
+        </p:blipFill>
+        <p:spPr bwMode="auto">
+          <a:xfrm>
+            <a:off x="633999" y="1637831"/>
+            <a:ext cx="6912217" cy="3058655"/>
+          </a:xfrm>
+          <a:prstGeom prst="rect">
+            <a:avLst/>
+          </a:prstGeom>
+          <a:noFill/>
+          <a:extLst>
+            <a:ext uri="{909E8E84-426E-40DD-AFC4-6F175D3DCCD1}">
+              <a14:hiddenFill xmlns:a14="http://schemas.microsoft.com/office/drawing/2010/main">
+                <a:solidFill>
+                  <a:srgbClr val="FFFFFF"/>
+                </a:solidFill>
+              </a14:hiddenFill>
+            </a:ext>
+          </a:extLst>
+        </p:spPr>
+      </p:pic>
+      <p:cxnSp>
+        <p:nvCxnSpPr>
+          <p:cNvPr id="79" name="Straight Connector 78">
+            <a:extLst>
+              <a:ext uri="{FF2B5EF4-FFF2-40B4-BE49-F238E27FC236}">
+                <a16:creationId xmlns:a16="http://schemas.microsoft.com/office/drawing/2014/main" id="{5C6A2BAE-B461-4B55-8E1F-0722ABDD1393}"/>
+              </a:ext>
+              <a:ext uri="{C183D7F6-B498-43B3-948B-1728B52AA6E4}">
+                <adec:decorative xmlns:adec="http://schemas.microsoft.com/office/drawing/2017/decorative" val="1"/>
+              </a:ext>
+            </a:extLst>
+          </p:cNvPr>
+          <p:cNvCxnSpPr>
+            <a:cxnSpLocks noGrp="1" noRot="1" noChangeAspect="1" noMove="1" noResize="1" noEditPoints="1" noAdjustHandles="1" noChangeArrowheads="1" noChangeShapeType="1"/>
+          </p:cNvCxnSpPr>
+          <p:nvPr>
+            <p:extLst>
+              <p:ext uri="{386F3935-93C4-4BCD-93E2-E3B085C9AB24}">
+                <p16:designElem xmlns:p16="http://schemas.microsoft.com/office/powerpoint/2015/main" val="1"/>
+              </p:ext>
+            </p:extLst>
+          </p:nvPr>
+        </p:nvCxnSpPr>
+        <p:spPr>
+          <a:xfrm>
+            <a:off x="8209305" y="4343400"/>
+            <a:ext cx="3200400" cy="0"/>
+          </a:xfrm>
+          <a:prstGeom prst="line">
+            <a:avLst/>
+          </a:prstGeom>
+          <a:ln w="6350">
+            <a:solidFill>
+              <a:schemeClr val="tx2">
+                <a:alpha val="90000"/>
+              </a:schemeClr>
+            </a:solidFill>
+          </a:ln>
+        </p:spPr>
+        <p:style>
+          <a:lnRef idx="1">
+            <a:schemeClr val="accent1"/>
+          </a:lnRef>
+          <a:fillRef idx="0">
+            <a:schemeClr val="accent1"/>
+          </a:fillRef>
+          <a:effectRef idx="0">
+            <a:schemeClr val="accent1"/>
+          </a:effectRef>
+          <a:fontRef idx="minor">
+            <a:schemeClr val="tx1"/>
+          </a:fontRef>
+        </p:style>
+      </p:cxnSp>
+      <p:sp>
+        <p:nvSpPr>
+          <p:cNvPr id="81" name="Rectangle 80">
+            <a:extLst>
+              <a:ext uri="{FF2B5EF4-FFF2-40B4-BE49-F238E27FC236}">
+                <a16:creationId xmlns:a16="http://schemas.microsoft.com/office/drawing/2014/main" id="{B4C27B90-DF2B-4D00-BA07-18ED774CD2F1}"/>
+              </a:ext>
+              <a:ext uri="{C183D7F6-B498-43B3-948B-1728B52AA6E4}">
+                <adec:decorative xmlns:adec="http://schemas.microsoft.com/office/drawing/2017/decorative" val="1"/>
+              </a:ext>
+            </a:extLst>
+          </p:cNvPr>
+          <p:cNvSpPr>
+            <a:spLocks noGrp="1" noRot="1" noChangeAspect="1" noMove="1" noResize="1" noEditPoints="1" noAdjustHandles="1" noChangeArrowheads="1" noChangeShapeType="1" noTextEdit="1"/>
+          </p:cNvSpPr>
+          <p:nvPr>
+            <p:extLst>
+              <p:ext uri="{386F3935-93C4-4BCD-93E2-E3B085C9AB24}">
+                <p16:designElem xmlns:p16="http://schemas.microsoft.com/office/powerpoint/2015/main" val="1"/>
+              </p:ext>
+            </p:extLst>
+          </p:nvPr>
+        </p:nvSpPr>
+        <p:spPr>
+          <a:xfrm>
+            <a:off x="15" y="6334316"/>
+            <a:ext cx="12191985" cy="66484"/>
+          </a:xfrm>
+          <a:prstGeom prst="rect">
+            <a:avLst/>
+          </a:prstGeom>
+          <a:solidFill>
+            <a:schemeClr val="accent1"/>
+          </a:solidFill>
+          <a:ln>
+            <a:noFill/>
+          </a:ln>
+        </p:spPr>
+        <p:style>
+          <a:lnRef idx="2">
+            <a:schemeClr val="accent1">
+              <a:shade val="50000"/>
+            </a:schemeClr>
+          </a:lnRef>
+          <a:fillRef idx="1">
+            <a:schemeClr val="accent1"/>
+          </a:fillRef>
+          <a:effectRef idx="0">
+            <a:schemeClr val="accent1"/>
+          </a:effectRef>
+          <a:fontRef idx="minor">
+            <a:schemeClr val="lt1"/>
+          </a:fontRef>
+        </p:style>
+      </p:sp>
+      <p:sp>
+        <p:nvSpPr>
+          <p:cNvPr id="83" name="Rectangle 82">
+            <a:extLst>
+              <a:ext uri="{FF2B5EF4-FFF2-40B4-BE49-F238E27FC236}">
+                <a16:creationId xmlns:a16="http://schemas.microsoft.com/office/drawing/2014/main" id="{593ACC25-C262-417A-8AA9-0641C772BDB6}"/>
+              </a:ext>
+              <a:ext uri="{C183D7F6-B498-43B3-948B-1728B52AA6E4}">
+                <adec:decorative xmlns:adec="http://schemas.microsoft.com/office/drawing/2017/decorative" val="1"/>
+              </a:ext>
+            </a:extLst>
+          </p:cNvPr>
+          <p:cNvSpPr>
+            <a:spLocks noGrp="1" noRot="1" noChangeAspect="1" noMove="1" noResize="1" noEditPoints="1" noAdjustHandles="1" noChangeArrowheads="1" noChangeShapeType="1" noTextEdit="1"/>
+          </p:cNvSpPr>
+          <p:nvPr>
+            <p:extLst>
+              <p:ext uri="{386F3935-93C4-4BCD-93E2-E3B085C9AB24}">
+                <p16:designElem xmlns:p16="http://schemas.microsoft.com/office/powerpoint/2015/main" val="1"/>
+              </p:ext>
+            </p:extLst>
+          </p:nvPr>
+        </p:nvSpPr>
+        <p:spPr>
+          <a:xfrm>
+            <a:off x="1" y="6400800"/>
+            <a:ext cx="12192000" cy="457200"/>
+          </a:xfrm>
+          <a:prstGeom prst="rect">
+            <a:avLst/>
+          </a:prstGeom>
+          <a:solidFill>
+            <a:schemeClr val="accent2"/>
+          </a:solidFill>
+          <a:ln>
+            <a:noFill/>
+          </a:ln>
+        </p:spPr>
+        <p:style>
+          <a:lnRef idx="2">
+            <a:schemeClr val="accent1">
+              <a:shade val="50000"/>
+            </a:schemeClr>
+          </a:lnRef>
+          <a:fillRef idx="1">
+            <a:schemeClr val="accent1"/>
+          </a:fillRef>
+          <a:effectRef idx="0">
+            <a:schemeClr val="accent1"/>
+          </a:effectRef>
+          <a:fontRef idx="minor">
+            <a:schemeClr val="lt1"/>
+          </a:fontRef>
+        </p:style>
+      </p:sp>
     </p:spTree>
     <p:extLst>
       <p:ext uri="{BB962C8B-B14F-4D97-AF65-F5344CB8AC3E}">
-        <p14:creationId xmlns:p14="http://schemas.microsoft.com/office/powerpoint/2010/main" val="4113279986"/>
+        <p14:creationId xmlns:p14="http://schemas.microsoft.com/office/powerpoint/2010/main" val="1550126161"/>
       </p:ext>
     </p:extLst>
   </p:cSld>
@@ -8237,7 +8678,7 @@
       </p:grpSpPr>
       <p:sp>
         <p:nvSpPr>
-          <p:cNvPr id="71" name="Rectangle 70">
+          <p:cNvPr id="9" name="Rectangle 8">
             <a:extLst>
               <a:ext uri="{FF2B5EF4-FFF2-40B4-BE49-F238E27FC236}">
                 <a16:creationId xmlns:a16="http://schemas.microsoft.com/office/drawing/2014/main" id="{4E4490D0-3672-446A-AC12-B4830333BDDD}"/>
@@ -8292,7 +8733,7 @@
       </p:sp>
       <p:sp>
         <p:nvSpPr>
-          <p:cNvPr id="73" name="Rectangle 72">
+          <p:cNvPr id="11" name="Rectangle 10">
             <a:extLst>
               <a:ext uri="{FF2B5EF4-FFF2-40B4-BE49-F238E27FC236}">
                 <a16:creationId xmlns:a16="http://schemas.microsoft.com/office/drawing/2014/main" id="{39CB82C2-DF65-4EC1-8280-F201D50F570B}"/>
@@ -8347,7 +8788,7 @@
       </p:sp>
       <p:cxnSp>
         <p:nvCxnSpPr>
-          <p:cNvPr id="75" name="Straight Connector 74">
+          <p:cNvPr id="13" name="Straight Connector 12">
             <a:extLst>
               <a:ext uri="{FF2B5EF4-FFF2-40B4-BE49-F238E27FC236}">
                 <a16:creationId xmlns:a16="http://schemas.microsoft.com/office/drawing/2014/main" id="{7E1D4427-852B-4B37-8E76-0E9F1810BA2A}"/>
@@ -8402,10 +8843,10 @@
       </p:cxnSp>
       <p:sp useBgFill="1">
         <p:nvSpPr>
-          <p:cNvPr id="77" name="Rectangle 76">
+          <p:cNvPr id="15" name="Rectangle 14">
             <a:extLst>
               <a:ext uri="{FF2B5EF4-FFF2-40B4-BE49-F238E27FC236}">
-                <a16:creationId xmlns:a16="http://schemas.microsoft.com/office/drawing/2014/main" id="{FA4CD5CB-D209-4D70-8CA4-629731C59219}"/>
+                <a16:creationId xmlns:a16="http://schemas.microsoft.com/office/drawing/2014/main" id="{9971ECC5-51D9-4E70-89C1-3DCF3A3725B1}"/>
               </a:ext>
               <a:ext uri="{C183D7F6-B498-43B3-948B-1728B52AA6E4}">
                 <adec:decorative xmlns:adec="http://schemas.microsoft.com/office/drawing/2017/decorative" val="1"/>
@@ -8465,7 +8906,7 @@
           <p:cNvPr id="2" name="Title 1">
             <a:extLst>
               <a:ext uri="{FF2B5EF4-FFF2-40B4-BE49-F238E27FC236}">
-                <a16:creationId xmlns:a16="http://schemas.microsoft.com/office/drawing/2014/main" id="{0103B9C8-322A-4697-A47C-10EB06A18A7B}"/>
+                <a16:creationId xmlns:a16="http://schemas.microsoft.com/office/drawing/2014/main" id="{6C6BE0D4-AF13-49B6-ACE4-C55FC02F7692}"/>
               </a:ext>
             </a:extLst>
           </p:cNvPr>
@@ -8478,8 +8919,8 @@
         </p:nvSpPr>
         <p:spPr>
           <a:xfrm>
-            <a:off x="8141110" y="639097"/>
-            <a:ext cx="3401961" cy="3686015"/>
+            <a:off x="638423" y="3766457"/>
+            <a:ext cx="10909073" cy="1654629"/>
           </a:xfrm>
         </p:spPr>
         <p:txBody>
@@ -8488,8 +8929,9 @@
           </a:bodyPr>
           <a:lstStyle/>
           <a:p>
-            <a:r>
-              <a:rPr lang="en-US" sz="5100" dirty="0">
+            <a:pPr algn="ctr"/>
+            <a:r>
+              <a:rPr lang="en-US" sz="6000" dirty="0">
                 <a:solidFill>
                   <a:schemeClr val="tx1">
                     <a:lumMod val="85000"/>
@@ -8497,63 +8939,48 @@
                   </a:schemeClr>
                 </a:solidFill>
               </a:rPr>
-              <a:t>Model architecture</a:t>
+              <a:t>Image pre-processing</a:t>
             </a:r>
           </a:p>
         </p:txBody>
       </p:sp>
       <p:pic>
         <p:nvPicPr>
-          <p:cNvPr id="2050" name="Picture 2">
+          <p:cNvPr id="4" name="Content Placeholder 3" descr="A screenshot of a cell phone&#10;&#10;Description automatically generated">
             <a:extLst>
               <a:ext uri="{FF2B5EF4-FFF2-40B4-BE49-F238E27FC236}">
-                <a16:creationId xmlns:a16="http://schemas.microsoft.com/office/drawing/2014/main" id="{062C491A-2DD5-4CE9-8C20-58728C59520E}"/>
+                <a16:creationId xmlns:a16="http://schemas.microsoft.com/office/drawing/2014/main" id="{EABB20B5-AF3D-4C1F-AB7F-2F85E10C7B7B}"/>
               </a:ext>
             </a:extLst>
           </p:cNvPr>
           <p:cNvPicPr>
-            <a:picLocks noChangeAspect="1" noChangeArrowheads="1"/>
+            <a:picLocks noGrp="1" noChangeAspect="1"/>
           </p:cNvPicPr>
-          <p:nvPr/>
+          <p:nvPr>
+            <p:ph idx="1"/>
+          </p:nvPr>
         </p:nvPicPr>
-        <p:blipFill>
-          <a:blip r:embed="rId3">
-            <a:extLst>
-              <a:ext uri="{28A0092B-C50C-407E-A947-70E740481C1C}">
-                <a14:useLocalDpi xmlns:a14="http://schemas.microsoft.com/office/drawing/2010/main" val="0"/>
-              </a:ext>
-            </a:extLst>
-          </a:blip>
-          <a:stretch>
-            <a:fillRect/>
-          </a:stretch>
+        <p:blipFill rotWithShape="1">
+          <a:blip r:embed="rId3"/>
+          <a:srcRect t="2489" b="1"/>
+          <a:stretch/>
         </p:blipFill>
-        <p:spPr bwMode="auto">
-          <a:xfrm>
-            <a:off x="633999" y="1637831"/>
-            <a:ext cx="6912217" cy="3058655"/>
+        <p:spPr>
+          <a:xfrm>
+            <a:off x="947650" y="1783896"/>
+            <a:ext cx="10284036" cy="1654629"/>
           </a:xfrm>
           <a:prstGeom prst="rect">
             <a:avLst/>
           </a:prstGeom>
-          <a:noFill/>
-          <a:extLst>
-            <a:ext uri="{909E8E84-426E-40DD-AFC4-6F175D3DCCD1}">
-              <a14:hiddenFill xmlns:a14="http://schemas.microsoft.com/office/drawing/2010/main">
-                <a:solidFill>
-                  <a:srgbClr val="FFFFFF"/>
-                </a:solidFill>
-              </a14:hiddenFill>
-            </a:ext>
-          </a:extLst>
         </p:spPr>
       </p:pic>
       <p:cxnSp>
         <p:nvCxnSpPr>
-          <p:cNvPr id="79" name="Straight Connector 78">
+          <p:cNvPr id="17" name="Straight Connector 16">
             <a:extLst>
               <a:ext uri="{FF2B5EF4-FFF2-40B4-BE49-F238E27FC236}">
-                <a16:creationId xmlns:a16="http://schemas.microsoft.com/office/drawing/2014/main" id="{5C6A2BAE-B461-4B55-8E1F-0722ABDD1393}"/>
+                <a16:creationId xmlns:a16="http://schemas.microsoft.com/office/drawing/2014/main" id="{432529AB-8F99-47FB-91B5-93565E543B50}"/>
               </a:ext>
               <a:ext uri="{C183D7F6-B498-43B3-948B-1728B52AA6E4}">
                 <adec:decorative xmlns:adec="http://schemas.microsoft.com/office/drawing/2017/decorative" val="1"/>
@@ -8573,8 +9000,8 @@
         </p:nvCxnSpPr>
         <p:spPr>
           <a:xfrm>
-            <a:off x="8209305" y="4343400"/>
-            <a:ext cx="3200400" cy="0"/>
+            <a:off x="835159" y="5433708"/>
+            <a:ext cx="10515600" cy="0"/>
           </a:xfrm>
           <a:prstGeom prst="line">
             <a:avLst/>
@@ -8604,10 +9031,10 @@
       </p:cxnSp>
       <p:sp>
         <p:nvSpPr>
-          <p:cNvPr id="81" name="Rectangle 80">
+          <p:cNvPr id="19" name="Rectangle 18">
             <a:extLst>
               <a:ext uri="{FF2B5EF4-FFF2-40B4-BE49-F238E27FC236}">
-                <a16:creationId xmlns:a16="http://schemas.microsoft.com/office/drawing/2014/main" id="{B4C27B90-DF2B-4D00-BA07-18ED774CD2F1}"/>
+                <a16:creationId xmlns:a16="http://schemas.microsoft.com/office/drawing/2014/main" id="{7E11F890-74C3-40C9-9A8B-A80E38704358}"/>
               </a:ext>
               <a:ext uri="{C183D7F6-B498-43B3-948B-1728B52AA6E4}">
                 <adec:decorative xmlns:adec="http://schemas.microsoft.com/office/drawing/2017/decorative" val="1"/>
@@ -8659,10 +9086,10 @@
       </p:sp>
       <p:sp>
         <p:nvSpPr>
-          <p:cNvPr id="83" name="Rectangle 82">
+          <p:cNvPr id="21" name="Rectangle 20">
             <a:extLst>
               <a:ext uri="{FF2B5EF4-FFF2-40B4-BE49-F238E27FC236}">
-                <a16:creationId xmlns:a16="http://schemas.microsoft.com/office/drawing/2014/main" id="{593ACC25-C262-417A-8AA9-0641C772BDB6}"/>
+                <a16:creationId xmlns:a16="http://schemas.microsoft.com/office/drawing/2014/main" id="{27874070-078A-470B-9C8C-BD1BCB55A005}"/>
               </a:ext>
               <a:ext uri="{C183D7F6-B498-43B3-948B-1728B52AA6E4}">
                 <adec:decorative xmlns:adec="http://schemas.microsoft.com/office/drawing/2017/decorative" val="1"/>
@@ -8715,7 +9142,7 @@
     </p:spTree>
     <p:extLst>
       <p:ext uri="{BB962C8B-B14F-4D97-AF65-F5344CB8AC3E}">
-        <p14:creationId xmlns:p14="http://schemas.microsoft.com/office/powerpoint/2010/main" val="1550126161"/>
+        <p14:creationId xmlns:p14="http://schemas.microsoft.com/office/powerpoint/2010/main" val="447582933"/>
       </p:ext>
     </p:extLst>
   </p:cSld>
@@ -8750,12 +9177,12 @@
           <a:chExt cx="0" cy="0"/>
         </a:xfrm>
       </p:grpSpPr>
-      <p:sp>
-        <p:nvSpPr>
-          <p:cNvPr id="9" name="Rectangle 8">
+      <p:sp useBgFill="1">
+        <p:nvSpPr>
+          <p:cNvPr id="71" name="Rectangle 70">
             <a:extLst>
               <a:ext uri="{FF2B5EF4-FFF2-40B4-BE49-F238E27FC236}">
-                <a16:creationId xmlns:a16="http://schemas.microsoft.com/office/drawing/2014/main" id="{4E4490D0-3672-446A-AC12-B4830333BDDD}"/>
+                <a16:creationId xmlns:a16="http://schemas.microsoft.com/office/drawing/2014/main" id="{52ABB703-2B0E-4C3B-B4A2-F3973548E561}"/>
               </a:ext>
               <a:ext uri="{C183D7F6-B498-43B3-948B-1728B52AA6E4}">
                 <adec:decorative xmlns:adec="http://schemas.microsoft.com/office/drawing/2017/decorative" val="1"/>
@@ -8775,8 +9202,314 @@
         </p:nvSpPr>
         <p:spPr>
           <a:xfrm>
-            <a:off x="3175" y="6400800"/>
-            <a:ext cx="12188825" cy="457200"/>
+            <a:off x="0" y="0"/>
+            <a:ext cx="12192001" cy="6334316"/>
+          </a:xfrm>
+          <a:prstGeom prst="rect">
+            <a:avLst/>
+          </a:prstGeom>
+          <a:ln>
+            <a:noFill/>
+          </a:ln>
+        </p:spPr>
+        <p:style>
+          <a:lnRef idx="2">
+            <a:schemeClr val="accent1">
+              <a:shade val="50000"/>
+            </a:schemeClr>
+          </a:lnRef>
+          <a:fillRef idx="1">
+            <a:schemeClr val="accent1"/>
+          </a:fillRef>
+          <a:effectRef idx="0">
+            <a:schemeClr val="accent1"/>
+          </a:effectRef>
+          <a:fontRef idx="minor">
+            <a:schemeClr val="lt1"/>
+          </a:fontRef>
+        </p:style>
+        <p:txBody>
+          <a:bodyPr rtlCol="0" anchor="ctr"/>
+          <a:lstStyle/>
+          <a:p>
+            <a:pPr algn="ctr"/>
+            <a:endParaRPr lang="en-US"/>
+          </a:p>
+        </p:txBody>
+      </p:sp>
+      <p:sp>
+        <p:nvSpPr>
+          <p:cNvPr id="2" name="Title 1">
+            <a:extLst>
+              <a:ext uri="{FF2B5EF4-FFF2-40B4-BE49-F238E27FC236}">
+                <a16:creationId xmlns:a16="http://schemas.microsoft.com/office/drawing/2014/main" id="{6145BF0C-B6B2-4A6A-B583-580878E41D85}"/>
+              </a:ext>
+            </a:extLst>
+          </p:cNvPr>
+          <p:cNvSpPr>
+            <a:spLocks noGrp="1"/>
+          </p:cNvSpPr>
+          <p:nvPr>
+            <p:ph type="title"/>
+          </p:nvPr>
+        </p:nvSpPr>
+        <p:spPr>
+          <a:xfrm>
+            <a:off x="6411685" y="634946"/>
+            <a:ext cx="5127171" cy="1450757"/>
+          </a:xfrm>
+        </p:spPr>
+        <p:txBody>
+          <a:bodyPr>
+            <a:normAutofit/>
+          </a:bodyPr>
+          <a:lstStyle/>
+          <a:p>
+            <a:r>
+              <a:rPr lang="en-US" dirty="0"/>
+              <a:t>Image encoder-CNN</a:t>
+            </a:r>
+          </a:p>
+        </p:txBody>
+      </p:sp>
+      <p:pic>
+        <p:nvPicPr>
+          <p:cNvPr id="4098" name="Picture 2">
+            <a:extLst>
+              <a:ext uri="{FF2B5EF4-FFF2-40B4-BE49-F238E27FC236}">
+                <a16:creationId xmlns:a16="http://schemas.microsoft.com/office/drawing/2014/main" id="{AACD42E5-AE5F-49D3-8856-A423E10ACDC8}"/>
+              </a:ext>
+            </a:extLst>
+          </p:cNvPr>
+          <p:cNvPicPr>
+            <a:picLocks noChangeAspect="1" noChangeArrowheads="1"/>
+          </p:cNvPicPr>
+          <p:nvPr/>
+        </p:nvPicPr>
+        <p:blipFill>
+          <a:blip r:embed="rId3">
+            <a:extLst>
+              <a:ext uri="{28A0092B-C50C-407E-A947-70E740481C1C}">
+                <a14:useLocalDpi xmlns:a14="http://schemas.microsoft.com/office/drawing/2010/main" val="0"/>
+              </a:ext>
+            </a:extLst>
+          </a:blip>
+          <a:stretch>
+            <a:fillRect/>
+          </a:stretch>
+        </p:blipFill>
+        <p:spPr bwMode="auto">
+          <a:xfrm>
+            <a:off x="643192" y="1660749"/>
+            <a:ext cx="5451627" cy="3216460"/>
+          </a:xfrm>
+          <a:prstGeom prst="rect">
+            <a:avLst/>
+          </a:prstGeom>
+          <a:noFill/>
+          <a:extLst>
+            <a:ext uri="{909E8E84-426E-40DD-AFC4-6F175D3DCCD1}">
+              <a14:hiddenFill xmlns:a14="http://schemas.microsoft.com/office/drawing/2010/main">
+                <a:solidFill>
+                  <a:srgbClr val="FFFFFF"/>
+                </a:solidFill>
+              </a14:hiddenFill>
+            </a:ext>
+          </a:extLst>
+        </p:spPr>
+      </p:pic>
+      <p:cxnSp>
+        <p:nvCxnSpPr>
+          <p:cNvPr id="73" name="Straight Connector 72">
+            <a:extLst>
+              <a:ext uri="{FF2B5EF4-FFF2-40B4-BE49-F238E27FC236}">
+                <a16:creationId xmlns:a16="http://schemas.microsoft.com/office/drawing/2014/main" id="{9C21570E-E159-49A6-9891-FA397B7A92D3}"/>
+              </a:ext>
+              <a:ext uri="{C183D7F6-B498-43B3-948B-1728B52AA6E4}">
+                <adec:decorative xmlns:adec="http://schemas.microsoft.com/office/drawing/2017/decorative" val="1"/>
+              </a:ext>
+            </a:extLst>
+          </p:cNvPr>
+          <p:cNvCxnSpPr>
+            <a:cxnSpLocks noGrp="1" noRot="1" noChangeAspect="1" noMove="1" noResize="1" noEditPoints="1" noAdjustHandles="1" noChangeArrowheads="1" noChangeShapeType="1"/>
+          </p:cNvCxnSpPr>
+          <p:nvPr>
+            <p:extLst>
+              <p:ext uri="{386F3935-93C4-4BCD-93E2-E3B085C9AB24}">
+                <p16:designElem xmlns:p16="http://schemas.microsoft.com/office/powerpoint/2015/main" val="1"/>
+              </p:ext>
+            </p:extLst>
+          </p:nvPr>
+        </p:nvCxnSpPr>
+        <p:spPr>
+          <a:xfrm>
+            <a:off x="6411684" y="2086188"/>
+            <a:ext cx="4748808" cy="0"/>
+          </a:xfrm>
+          <a:prstGeom prst="line">
+            <a:avLst/>
+          </a:prstGeom>
+          <a:ln w="6350">
+            <a:solidFill>
+              <a:schemeClr val="tx1">
+                <a:lumMod val="50000"/>
+                <a:lumOff val="50000"/>
+                <a:alpha val="90000"/>
+              </a:schemeClr>
+            </a:solidFill>
+          </a:ln>
+        </p:spPr>
+        <p:style>
+          <a:lnRef idx="1">
+            <a:schemeClr val="accent1"/>
+          </a:lnRef>
+          <a:fillRef idx="0">
+            <a:schemeClr val="accent1"/>
+          </a:fillRef>
+          <a:effectRef idx="0">
+            <a:schemeClr val="accent1"/>
+          </a:effectRef>
+          <a:fontRef idx="minor">
+            <a:schemeClr val="tx1"/>
+          </a:fontRef>
+        </p:style>
+      </p:cxnSp>
+      <p:sp>
+        <p:nvSpPr>
+          <p:cNvPr id="3" name="Content Placeholder 2">
+            <a:extLst>
+              <a:ext uri="{FF2B5EF4-FFF2-40B4-BE49-F238E27FC236}">
+                <a16:creationId xmlns:a16="http://schemas.microsoft.com/office/drawing/2014/main" id="{6AB6F81F-6968-4A2C-84D7-9504596D230C}"/>
+              </a:ext>
+            </a:extLst>
+          </p:cNvPr>
+          <p:cNvSpPr>
+            <a:spLocks noGrp="1"/>
+          </p:cNvSpPr>
+          <p:nvPr>
+            <p:ph idx="1"/>
+          </p:nvPr>
+        </p:nvSpPr>
+        <p:spPr>
+          <a:xfrm>
+            <a:off x="6411684" y="2198914"/>
+            <a:ext cx="5127172" cy="3670180"/>
+          </a:xfrm>
+        </p:spPr>
+        <p:txBody>
+          <a:bodyPr>
+            <a:normAutofit/>
+          </a:bodyPr>
+          <a:lstStyle/>
+          <a:p>
+            <a:r>
+              <a:rPr lang="en-US" dirty="0"/>
+              <a:t>1. Pre-trained Resnet – freeze parameters</a:t>
+            </a:r>
+          </a:p>
+          <a:p>
+            <a:r>
+              <a:rPr lang="en-US" dirty="0"/>
+              <a:t>2. </a:t>
+            </a:r>
+            <a:r>
+              <a:rPr lang="en-US" altLang="zh-CN" dirty="0"/>
+              <a:t>Remove SoftMax activation on the last FC layer, and add </a:t>
+            </a:r>
+            <a:r>
+              <a:rPr lang="en-US" dirty="0"/>
+              <a:t>Linear </a:t>
+            </a:r>
+            <a:r>
+              <a:rPr lang="en-US" altLang="zh-CN" dirty="0"/>
+              <a:t>activation FC layer with output size matching input size of the RNN.</a:t>
+            </a:r>
+            <a:endParaRPr lang="en-US" dirty="0"/>
+          </a:p>
+        </p:txBody>
+      </p:sp>
+      <p:sp>
+        <p:nvSpPr>
+          <p:cNvPr id="75" name="Rectangle 74">
+            <a:extLst>
+              <a:ext uri="{FF2B5EF4-FFF2-40B4-BE49-F238E27FC236}">
+                <a16:creationId xmlns:a16="http://schemas.microsoft.com/office/drawing/2014/main" id="{E95DA498-D9A2-4DA9-B9DA-B3776E08CF7E}"/>
+              </a:ext>
+              <a:ext uri="{C183D7F6-B498-43B3-948B-1728B52AA6E4}">
+                <adec:decorative xmlns:adec="http://schemas.microsoft.com/office/drawing/2017/decorative" val="1"/>
+              </a:ext>
+            </a:extLst>
+          </p:cNvPr>
+          <p:cNvSpPr>
+            <a:spLocks noGrp="1" noRot="1" noChangeAspect="1" noMove="1" noResize="1" noEditPoints="1" noAdjustHandles="1" noChangeArrowheads="1" noChangeShapeType="1" noTextEdit="1"/>
+          </p:cNvSpPr>
+          <p:nvPr>
+            <p:extLst>
+              <p:ext uri="{386F3935-93C4-4BCD-93E2-E3B085C9AB24}">
+                <p16:designElem xmlns:p16="http://schemas.microsoft.com/office/powerpoint/2015/main" val="1"/>
+              </p:ext>
+            </p:extLst>
+          </p:nvPr>
+        </p:nvSpPr>
+        <p:spPr>
+          <a:xfrm>
+            <a:off x="15" y="6334316"/>
+            <a:ext cx="12191985" cy="66484"/>
+          </a:xfrm>
+          <a:prstGeom prst="rect">
+            <a:avLst/>
+          </a:prstGeom>
+          <a:solidFill>
+            <a:schemeClr val="accent1"/>
+          </a:solidFill>
+          <a:ln>
+            <a:noFill/>
+          </a:ln>
+        </p:spPr>
+        <p:style>
+          <a:lnRef idx="2">
+            <a:schemeClr val="accent1">
+              <a:shade val="50000"/>
+            </a:schemeClr>
+          </a:lnRef>
+          <a:fillRef idx="1">
+            <a:schemeClr val="accent1"/>
+          </a:fillRef>
+          <a:effectRef idx="0">
+            <a:schemeClr val="accent1"/>
+          </a:effectRef>
+          <a:fontRef idx="minor">
+            <a:schemeClr val="lt1"/>
+          </a:fontRef>
+        </p:style>
+      </p:sp>
+      <p:sp>
+        <p:nvSpPr>
+          <p:cNvPr id="77" name="Rectangle 76">
+            <a:extLst>
+              <a:ext uri="{FF2B5EF4-FFF2-40B4-BE49-F238E27FC236}">
+                <a16:creationId xmlns:a16="http://schemas.microsoft.com/office/drawing/2014/main" id="{82A73093-4B9D-420D-B17E-52293703A1D4}"/>
+              </a:ext>
+              <a:ext uri="{C183D7F6-B498-43B3-948B-1728B52AA6E4}">
+                <adec:decorative xmlns:adec="http://schemas.microsoft.com/office/drawing/2017/decorative" val="1"/>
+              </a:ext>
+            </a:extLst>
+          </p:cNvPr>
+          <p:cNvSpPr>
+            <a:spLocks noGrp="1" noRot="1" noChangeAspect="1" noMove="1" noResize="1" noEditPoints="1" noAdjustHandles="1" noChangeArrowheads="1" noChangeShapeType="1" noTextEdit="1"/>
+          </p:cNvSpPr>
+          <p:nvPr>
+            <p:extLst>
+              <p:ext uri="{386F3935-93C4-4BCD-93E2-E3B085C9AB24}">
+                <p16:designElem xmlns:p16="http://schemas.microsoft.com/office/powerpoint/2015/main" val="1"/>
+              </p:ext>
+            </p:extLst>
+          </p:nvPr>
+        </p:nvSpPr>
+        <p:spPr>
+          <a:xfrm>
+            <a:off x="1" y="6400800"/>
+            <a:ext cx="12192000" cy="457200"/>
           </a:xfrm>
           <a:prstGeom prst="rect">
             <a:avLst/>
@@ -8805,418 +9538,10 @@
           </a:fontRef>
         </p:style>
       </p:sp>
-      <p:sp>
-        <p:nvSpPr>
-          <p:cNvPr id="11" name="Rectangle 10">
-            <a:extLst>
-              <a:ext uri="{FF2B5EF4-FFF2-40B4-BE49-F238E27FC236}">
-                <a16:creationId xmlns:a16="http://schemas.microsoft.com/office/drawing/2014/main" id="{39CB82C2-DF65-4EC1-8280-F201D50F570B}"/>
-              </a:ext>
-              <a:ext uri="{C183D7F6-B498-43B3-948B-1728B52AA6E4}">
-                <adec:decorative xmlns:adec="http://schemas.microsoft.com/office/drawing/2017/decorative" val="1"/>
-              </a:ext>
-            </a:extLst>
-          </p:cNvPr>
-          <p:cNvSpPr>
-            <a:spLocks noGrp="1" noRot="1" noChangeAspect="1" noMove="1" noResize="1" noEditPoints="1" noAdjustHandles="1" noChangeArrowheads="1" noChangeShapeType="1" noTextEdit="1"/>
-          </p:cNvSpPr>
-          <p:nvPr>
-            <p:extLst>
-              <p:ext uri="{386F3935-93C4-4BCD-93E2-E3B085C9AB24}">
-                <p16:designElem xmlns:p16="http://schemas.microsoft.com/office/powerpoint/2015/main" val="1"/>
-              </p:ext>
-            </p:extLst>
-          </p:nvPr>
-        </p:nvSpPr>
-        <p:spPr>
-          <a:xfrm>
-            <a:off x="15" y="6334316"/>
-            <a:ext cx="12188825" cy="64008"/>
-          </a:xfrm>
-          <a:prstGeom prst="rect">
-            <a:avLst/>
-          </a:prstGeom>
-          <a:solidFill>
-            <a:schemeClr val="accent1"/>
-          </a:solidFill>
-          <a:ln>
-            <a:noFill/>
-          </a:ln>
-        </p:spPr>
-        <p:style>
-          <a:lnRef idx="2">
-            <a:schemeClr val="accent1">
-              <a:shade val="50000"/>
-            </a:schemeClr>
-          </a:lnRef>
-          <a:fillRef idx="1">
-            <a:schemeClr val="accent1"/>
-          </a:fillRef>
-          <a:effectRef idx="0">
-            <a:schemeClr val="accent1"/>
-          </a:effectRef>
-          <a:fontRef idx="minor">
-            <a:schemeClr val="lt1"/>
-          </a:fontRef>
-        </p:style>
-      </p:sp>
-      <p:cxnSp>
-        <p:nvCxnSpPr>
-          <p:cNvPr id="13" name="Straight Connector 12">
-            <a:extLst>
-              <a:ext uri="{FF2B5EF4-FFF2-40B4-BE49-F238E27FC236}">
-                <a16:creationId xmlns:a16="http://schemas.microsoft.com/office/drawing/2014/main" id="{7E1D4427-852B-4B37-8E76-0E9F1810BA2A}"/>
-              </a:ext>
-              <a:ext uri="{C183D7F6-B498-43B3-948B-1728B52AA6E4}">
-                <adec:decorative xmlns:adec="http://schemas.microsoft.com/office/drawing/2017/decorative" val="1"/>
-              </a:ext>
-            </a:extLst>
-          </p:cNvPr>
-          <p:cNvCxnSpPr>
-            <a:cxnSpLocks noGrp="1" noRot="1" noChangeAspect="1" noMove="1" noResize="1" noEditPoints="1" noAdjustHandles="1" noChangeArrowheads="1" noChangeShapeType="1"/>
-          </p:cNvCxnSpPr>
-          <p:nvPr>
-            <p:extLst>
-              <p:ext uri="{386F3935-93C4-4BCD-93E2-E3B085C9AB24}">
-                <p16:designElem xmlns:p16="http://schemas.microsoft.com/office/powerpoint/2015/main" val="1"/>
-              </p:ext>
-            </p:extLst>
-          </p:nvPr>
-        </p:nvCxnSpPr>
-        <p:spPr>
-          <a:xfrm>
-            <a:off x="1207658" y="4343400"/>
-            <a:ext cx="9875520" cy="0"/>
-          </a:xfrm>
-          <a:prstGeom prst="line">
-            <a:avLst/>
-          </a:prstGeom>
-          <a:ln w="6350">
-            <a:solidFill>
-              <a:schemeClr val="tx1">
-                <a:lumMod val="50000"/>
-                <a:lumOff val="50000"/>
-              </a:schemeClr>
-            </a:solidFill>
-          </a:ln>
-        </p:spPr>
-        <p:style>
-          <a:lnRef idx="1">
-            <a:schemeClr val="accent1"/>
-          </a:lnRef>
-          <a:fillRef idx="0">
-            <a:schemeClr val="accent1"/>
-          </a:fillRef>
-          <a:effectRef idx="0">
-            <a:schemeClr val="accent1"/>
-          </a:effectRef>
-          <a:fontRef idx="minor">
-            <a:schemeClr val="tx1"/>
-          </a:fontRef>
-        </p:style>
-      </p:cxnSp>
-      <p:sp useBgFill="1">
-        <p:nvSpPr>
-          <p:cNvPr id="15" name="Rectangle 14">
-            <a:extLst>
-              <a:ext uri="{FF2B5EF4-FFF2-40B4-BE49-F238E27FC236}">
-                <a16:creationId xmlns:a16="http://schemas.microsoft.com/office/drawing/2014/main" id="{9971ECC5-51D9-4E70-89C1-3DCF3A3725B1}"/>
-              </a:ext>
-              <a:ext uri="{C183D7F6-B498-43B3-948B-1728B52AA6E4}">
-                <adec:decorative xmlns:adec="http://schemas.microsoft.com/office/drawing/2017/decorative" val="1"/>
-              </a:ext>
-            </a:extLst>
-          </p:cNvPr>
-          <p:cNvSpPr>
-            <a:spLocks noGrp="1" noRot="1" noChangeAspect="1" noMove="1" noResize="1" noEditPoints="1" noAdjustHandles="1" noChangeArrowheads="1" noChangeShapeType="1" noTextEdit="1"/>
-          </p:cNvSpPr>
-          <p:nvPr>
-            <p:extLst>
-              <p:ext uri="{386F3935-93C4-4BCD-93E2-E3B085C9AB24}">
-                <p16:designElem xmlns:p16="http://schemas.microsoft.com/office/powerpoint/2015/main" val="1"/>
-              </p:ext>
-            </p:extLst>
-          </p:nvPr>
-        </p:nvSpPr>
-        <p:spPr>
-          <a:xfrm>
-            <a:off x="0" y="0"/>
-            <a:ext cx="12192001" cy="6334316"/>
-          </a:xfrm>
-          <a:prstGeom prst="rect">
-            <a:avLst/>
-          </a:prstGeom>
-          <a:ln>
-            <a:noFill/>
-          </a:ln>
-        </p:spPr>
-        <p:style>
-          <a:lnRef idx="2">
-            <a:schemeClr val="accent1">
-              <a:shade val="50000"/>
-            </a:schemeClr>
-          </a:lnRef>
-          <a:fillRef idx="1">
-            <a:schemeClr val="accent1"/>
-          </a:fillRef>
-          <a:effectRef idx="0">
-            <a:schemeClr val="accent1"/>
-          </a:effectRef>
-          <a:fontRef idx="minor">
-            <a:schemeClr val="lt1"/>
-          </a:fontRef>
-        </p:style>
-        <p:txBody>
-          <a:bodyPr rtlCol="0" anchor="ctr"/>
-          <a:lstStyle/>
-          <a:p>
-            <a:pPr algn="ctr"/>
-            <a:endParaRPr lang="en-US"/>
-          </a:p>
-        </p:txBody>
-      </p:sp>
-      <p:sp>
-        <p:nvSpPr>
-          <p:cNvPr id="2" name="Title 1">
-            <a:extLst>
-              <a:ext uri="{FF2B5EF4-FFF2-40B4-BE49-F238E27FC236}">
-                <a16:creationId xmlns:a16="http://schemas.microsoft.com/office/drawing/2014/main" id="{6C6BE0D4-AF13-49B6-ACE4-C55FC02F7692}"/>
-              </a:ext>
-            </a:extLst>
-          </p:cNvPr>
-          <p:cNvSpPr>
-            <a:spLocks noGrp="1"/>
-          </p:cNvSpPr>
-          <p:nvPr>
-            <p:ph type="title"/>
-          </p:nvPr>
-        </p:nvSpPr>
-        <p:spPr>
-          <a:xfrm>
-            <a:off x="638423" y="3766457"/>
-            <a:ext cx="10909073" cy="1654629"/>
-          </a:xfrm>
-        </p:spPr>
-        <p:txBody>
-          <a:bodyPr vert="horz" lIns="91440" tIns="45720" rIns="91440" bIns="45720" rtlCol="0" anchor="b">
-            <a:normAutofit/>
-          </a:bodyPr>
-          <a:lstStyle/>
-          <a:p>
-            <a:pPr algn="ctr"/>
-            <a:r>
-              <a:rPr lang="en-US" sz="6000" dirty="0">
-                <a:solidFill>
-                  <a:schemeClr val="tx1">
-                    <a:lumMod val="85000"/>
-                    <a:lumOff val="15000"/>
-                  </a:schemeClr>
-                </a:solidFill>
-              </a:rPr>
-              <a:t>Image pre-processing</a:t>
-            </a:r>
-          </a:p>
-        </p:txBody>
-      </p:sp>
-      <p:pic>
-        <p:nvPicPr>
-          <p:cNvPr id="4" name="Content Placeholder 3" descr="A screenshot of a cell phone&#10;&#10;Description automatically generated">
-            <a:extLst>
-              <a:ext uri="{FF2B5EF4-FFF2-40B4-BE49-F238E27FC236}">
-                <a16:creationId xmlns:a16="http://schemas.microsoft.com/office/drawing/2014/main" id="{EABB20B5-AF3D-4C1F-AB7F-2F85E10C7B7B}"/>
-              </a:ext>
-            </a:extLst>
-          </p:cNvPr>
-          <p:cNvPicPr>
-            <a:picLocks noGrp="1" noChangeAspect="1"/>
-          </p:cNvPicPr>
-          <p:nvPr>
-            <p:ph idx="1"/>
-          </p:nvPr>
-        </p:nvPicPr>
-        <p:blipFill rotWithShape="1">
-          <a:blip r:embed="rId3"/>
-          <a:srcRect t="2489" b="1"/>
-          <a:stretch/>
-        </p:blipFill>
-        <p:spPr>
-          <a:xfrm>
-            <a:off x="947650" y="1783896"/>
-            <a:ext cx="10284036" cy="1654629"/>
-          </a:xfrm>
-          <a:prstGeom prst="rect">
-            <a:avLst/>
-          </a:prstGeom>
-        </p:spPr>
-      </p:pic>
-      <p:cxnSp>
-        <p:nvCxnSpPr>
-          <p:cNvPr id="17" name="Straight Connector 16">
-            <a:extLst>
-              <a:ext uri="{FF2B5EF4-FFF2-40B4-BE49-F238E27FC236}">
-                <a16:creationId xmlns:a16="http://schemas.microsoft.com/office/drawing/2014/main" id="{432529AB-8F99-47FB-91B5-93565E543B50}"/>
-              </a:ext>
-              <a:ext uri="{C183D7F6-B498-43B3-948B-1728B52AA6E4}">
-                <adec:decorative xmlns:adec="http://schemas.microsoft.com/office/drawing/2017/decorative" val="1"/>
-              </a:ext>
-            </a:extLst>
-          </p:cNvPr>
-          <p:cNvCxnSpPr>
-            <a:cxnSpLocks noGrp="1" noRot="1" noChangeAspect="1" noMove="1" noResize="1" noEditPoints="1" noAdjustHandles="1" noChangeArrowheads="1" noChangeShapeType="1"/>
-          </p:cNvCxnSpPr>
-          <p:nvPr>
-            <p:extLst>
-              <p:ext uri="{386F3935-93C4-4BCD-93E2-E3B085C9AB24}">
-                <p16:designElem xmlns:p16="http://schemas.microsoft.com/office/powerpoint/2015/main" val="1"/>
-              </p:ext>
-            </p:extLst>
-          </p:nvPr>
-        </p:nvCxnSpPr>
-        <p:spPr>
-          <a:xfrm>
-            <a:off x="835159" y="5433708"/>
-            <a:ext cx="10515600" cy="0"/>
-          </a:xfrm>
-          <a:prstGeom prst="line">
-            <a:avLst/>
-          </a:prstGeom>
-          <a:ln w="6350">
-            <a:solidFill>
-              <a:schemeClr val="tx2">
-                <a:alpha val="90000"/>
-              </a:schemeClr>
-            </a:solidFill>
-          </a:ln>
-        </p:spPr>
-        <p:style>
-          <a:lnRef idx="1">
-            <a:schemeClr val="accent1"/>
-          </a:lnRef>
-          <a:fillRef idx="0">
-            <a:schemeClr val="accent1"/>
-          </a:fillRef>
-          <a:effectRef idx="0">
-            <a:schemeClr val="accent1"/>
-          </a:effectRef>
-          <a:fontRef idx="minor">
-            <a:schemeClr val="tx1"/>
-          </a:fontRef>
-        </p:style>
-      </p:cxnSp>
-      <p:sp>
-        <p:nvSpPr>
-          <p:cNvPr id="19" name="Rectangle 18">
-            <a:extLst>
-              <a:ext uri="{FF2B5EF4-FFF2-40B4-BE49-F238E27FC236}">
-                <a16:creationId xmlns:a16="http://schemas.microsoft.com/office/drawing/2014/main" id="{7E11F890-74C3-40C9-9A8B-A80E38704358}"/>
-              </a:ext>
-              <a:ext uri="{C183D7F6-B498-43B3-948B-1728B52AA6E4}">
-                <adec:decorative xmlns:adec="http://schemas.microsoft.com/office/drawing/2017/decorative" val="1"/>
-              </a:ext>
-            </a:extLst>
-          </p:cNvPr>
-          <p:cNvSpPr>
-            <a:spLocks noGrp="1" noRot="1" noChangeAspect="1" noMove="1" noResize="1" noEditPoints="1" noAdjustHandles="1" noChangeArrowheads="1" noChangeShapeType="1" noTextEdit="1"/>
-          </p:cNvSpPr>
-          <p:nvPr>
-            <p:extLst>
-              <p:ext uri="{386F3935-93C4-4BCD-93E2-E3B085C9AB24}">
-                <p16:designElem xmlns:p16="http://schemas.microsoft.com/office/powerpoint/2015/main" val="1"/>
-              </p:ext>
-            </p:extLst>
-          </p:nvPr>
-        </p:nvSpPr>
-        <p:spPr>
-          <a:xfrm>
-            <a:off x="15" y="6334316"/>
-            <a:ext cx="12191985" cy="66484"/>
-          </a:xfrm>
-          <a:prstGeom prst="rect">
-            <a:avLst/>
-          </a:prstGeom>
-          <a:solidFill>
-            <a:schemeClr val="accent1"/>
-          </a:solidFill>
-          <a:ln>
-            <a:noFill/>
-          </a:ln>
-        </p:spPr>
-        <p:style>
-          <a:lnRef idx="2">
-            <a:schemeClr val="accent1">
-              <a:shade val="50000"/>
-            </a:schemeClr>
-          </a:lnRef>
-          <a:fillRef idx="1">
-            <a:schemeClr val="accent1"/>
-          </a:fillRef>
-          <a:effectRef idx="0">
-            <a:schemeClr val="accent1"/>
-          </a:effectRef>
-          <a:fontRef idx="minor">
-            <a:schemeClr val="lt1"/>
-          </a:fontRef>
-        </p:style>
-      </p:sp>
-      <p:sp>
-        <p:nvSpPr>
-          <p:cNvPr id="21" name="Rectangle 20">
-            <a:extLst>
-              <a:ext uri="{FF2B5EF4-FFF2-40B4-BE49-F238E27FC236}">
-                <a16:creationId xmlns:a16="http://schemas.microsoft.com/office/drawing/2014/main" id="{27874070-078A-470B-9C8C-BD1BCB55A005}"/>
-              </a:ext>
-              <a:ext uri="{C183D7F6-B498-43B3-948B-1728B52AA6E4}">
-                <adec:decorative xmlns:adec="http://schemas.microsoft.com/office/drawing/2017/decorative" val="1"/>
-              </a:ext>
-            </a:extLst>
-          </p:cNvPr>
-          <p:cNvSpPr>
-            <a:spLocks noGrp="1" noRot="1" noChangeAspect="1" noMove="1" noResize="1" noEditPoints="1" noAdjustHandles="1" noChangeArrowheads="1" noChangeShapeType="1" noTextEdit="1"/>
-          </p:cNvSpPr>
-          <p:nvPr>
-            <p:extLst>
-              <p:ext uri="{386F3935-93C4-4BCD-93E2-E3B085C9AB24}">
-                <p16:designElem xmlns:p16="http://schemas.microsoft.com/office/powerpoint/2015/main" val="1"/>
-              </p:ext>
-            </p:extLst>
-          </p:nvPr>
-        </p:nvSpPr>
-        <p:spPr>
-          <a:xfrm>
-            <a:off x="1" y="6400800"/>
-            <a:ext cx="12192000" cy="457200"/>
-          </a:xfrm>
-          <a:prstGeom prst="rect">
-            <a:avLst/>
-          </a:prstGeom>
-          <a:solidFill>
-            <a:schemeClr val="accent2"/>
-          </a:solidFill>
-          <a:ln>
-            <a:noFill/>
-          </a:ln>
-        </p:spPr>
-        <p:style>
-          <a:lnRef idx="2">
-            <a:schemeClr val="accent1">
-              <a:shade val="50000"/>
-            </a:schemeClr>
-          </a:lnRef>
-          <a:fillRef idx="1">
-            <a:schemeClr val="accent1"/>
-          </a:fillRef>
-          <a:effectRef idx="0">
-            <a:schemeClr val="accent1"/>
-          </a:effectRef>
-          <a:fontRef idx="minor">
-            <a:schemeClr val="lt1"/>
-          </a:fontRef>
-        </p:style>
-      </p:sp>
     </p:spTree>
     <p:extLst>
       <p:ext uri="{BB962C8B-B14F-4D97-AF65-F5344CB8AC3E}">
-        <p14:creationId xmlns:p14="http://schemas.microsoft.com/office/powerpoint/2010/main" val="447582933"/>
+        <p14:creationId xmlns:p14="http://schemas.microsoft.com/office/powerpoint/2010/main" val="3951523112"/>
       </p:ext>
     </p:extLst>
   </p:cSld>
@@ -9253,10 +9578,10 @@
       </p:grpSpPr>
       <p:sp useBgFill="1">
         <p:nvSpPr>
-          <p:cNvPr id="71" name="Rectangle 70">
+          <p:cNvPr id="9" name="Rectangle 8">
             <a:extLst>
               <a:ext uri="{FF2B5EF4-FFF2-40B4-BE49-F238E27FC236}">
-                <a16:creationId xmlns:a16="http://schemas.microsoft.com/office/drawing/2014/main" id="{52ABB703-2B0E-4C3B-B4A2-F3973548E561}"/>
+                <a16:creationId xmlns:a16="http://schemas.microsoft.com/office/drawing/2014/main" id="{284B70D5-875B-433D-BDBD-1522A85D6C1D}"/>
               </a:ext>
               <a:ext uri="{C183D7F6-B498-43B3-948B-1728B52AA6E4}">
                 <adec:decorative xmlns:adec="http://schemas.microsoft.com/office/drawing/2017/decorative" val="1"/>
@@ -9316,7 +9641,7 @@
           <p:cNvPr id="2" name="Title 1">
             <a:extLst>
               <a:ext uri="{FF2B5EF4-FFF2-40B4-BE49-F238E27FC236}">
-                <a16:creationId xmlns:a16="http://schemas.microsoft.com/office/drawing/2014/main" id="{6145BF0C-B6B2-4A6A-B583-580878E41D85}"/>
+                <a16:creationId xmlns:a16="http://schemas.microsoft.com/office/drawing/2014/main" id="{DA89AE7A-7C93-4623-B35F-9476CB3EE21C}"/>
               </a:ext>
             </a:extLst>
           </p:cNvPr>
@@ -9329,8 +9654,8 @@
         </p:nvSpPr>
         <p:spPr>
           <a:xfrm>
-            <a:off x="6411685" y="634946"/>
-            <a:ext cx="5127171" cy="1450757"/>
+            <a:off x="7859485" y="634946"/>
+            <a:ext cx="3690257" cy="1450757"/>
           </a:xfrm>
         </p:spPr>
         <p:txBody>
@@ -9341,63 +9666,47 @@
           <a:p>
             <a:r>
               <a:rPr lang="en-US" dirty="0"/>
-              <a:t>Image encoder-CNN</a:t>
+              <a:t>Resnet CNN</a:t>
             </a:r>
           </a:p>
         </p:txBody>
       </p:sp>
       <p:pic>
         <p:nvPicPr>
-          <p:cNvPr id="4098" name="Picture 2">
+          <p:cNvPr id="4" name="Picture 3">
             <a:extLst>
               <a:ext uri="{FF2B5EF4-FFF2-40B4-BE49-F238E27FC236}">
-                <a16:creationId xmlns:a16="http://schemas.microsoft.com/office/drawing/2014/main" id="{AACD42E5-AE5F-49D3-8856-A423E10ACDC8}"/>
+                <a16:creationId xmlns:a16="http://schemas.microsoft.com/office/drawing/2014/main" id="{8E25A370-94AF-464D-B6F0-C94D84AAE1A1}"/>
               </a:ext>
             </a:extLst>
           </p:cNvPr>
           <p:cNvPicPr>
-            <a:picLocks noChangeAspect="1" noChangeArrowheads="1"/>
+            <a:picLocks noChangeAspect="1"/>
           </p:cNvPicPr>
           <p:nvPr/>
         </p:nvPicPr>
         <p:blipFill>
-          <a:blip r:embed="rId3">
-            <a:extLst>
-              <a:ext uri="{28A0092B-C50C-407E-A947-70E740481C1C}">
-                <a14:useLocalDpi xmlns:a14="http://schemas.microsoft.com/office/drawing/2010/main" val="0"/>
-              </a:ext>
-            </a:extLst>
-          </a:blip>
+          <a:blip r:embed="rId3"/>
           <a:stretch>
             <a:fillRect/>
           </a:stretch>
         </p:blipFill>
-        <p:spPr bwMode="auto">
-          <a:xfrm>
-            <a:off x="643192" y="1660749"/>
-            <a:ext cx="5451627" cy="3216460"/>
+        <p:spPr>
+          <a:xfrm>
+            <a:off x="633999" y="2278088"/>
+            <a:ext cx="6909801" cy="2038391"/>
           </a:xfrm>
           <a:prstGeom prst="rect">
             <a:avLst/>
           </a:prstGeom>
-          <a:noFill/>
-          <a:extLst>
-            <a:ext uri="{909E8E84-426E-40DD-AFC4-6F175D3DCCD1}">
-              <a14:hiddenFill xmlns:a14="http://schemas.microsoft.com/office/drawing/2010/main">
-                <a:solidFill>
-                  <a:srgbClr val="FFFFFF"/>
-                </a:solidFill>
-              </a14:hiddenFill>
-            </a:ext>
-          </a:extLst>
         </p:spPr>
       </p:pic>
       <p:cxnSp>
         <p:nvCxnSpPr>
-          <p:cNvPr id="73" name="Straight Connector 72">
+          <p:cNvPr id="11" name="Straight Connector 10">
             <a:extLst>
               <a:ext uri="{FF2B5EF4-FFF2-40B4-BE49-F238E27FC236}">
-                <a16:creationId xmlns:a16="http://schemas.microsoft.com/office/drawing/2014/main" id="{9C21570E-E159-49A6-9891-FA397B7A92D3}"/>
+                <a16:creationId xmlns:a16="http://schemas.microsoft.com/office/drawing/2014/main" id="{C947DF4A-614C-4B4C-8B80-E5B9D8E8CFED}"/>
               </a:ext>
               <a:ext uri="{C183D7F6-B498-43B3-948B-1728B52AA6E4}">
                 <adec:decorative xmlns:adec="http://schemas.microsoft.com/office/drawing/2017/decorative" val="1"/>
@@ -9417,8 +9726,8 @@
         </p:nvCxnSpPr>
         <p:spPr>
           <a:xfrm>
-            <a:off x="6411684" y="2086188"/>
-            <a:ext cx="4748808" cy="0"/>
+            <a:off x="7892143" y="2085703"/>
+            <a:ext cx="3566160" cy="0"/>
           </a:xfrm>
           <a:prstGeom prst="line">
             <a:avLst/>
@@ -9453,7 +9762,7 @@
           <p:cNvPr id="3" name="Content Placeholder 2">
             <a:extLst>
               <a:ext uri="{FF2B5EF4-FFF2-40B4-BE49-F238E27FC236}">
-                <a16:creationId xmlns:a16="http://schemas.microsoft.com/office/drawing/2014/main" id="{6AB6F81F-6968-4A2C-84D7-9504596D230C}"/>
+                <a16:creationId xmlns:a16="http://schemas.microsoft.com/office/drawing/2014/main" id="{96B87EBE-FA8D-4714-BE3A-09ED685DACD5}"/>
               </a:ext>
             </a:extLst>
           </p:cNvPr>
@@ -9466,8 +9775,8 @@
         </p:nvSpPr>
         <p:spPr>
           <a:xfrm>
-            <a:off x="6411684" y="2198914"/>
-            <a:ext cx="5127172" cy="3670180"/>
+            <a:off x="7859485" y="2198914"/>
+            <a:ext cx="3690257" cy="3670180"/>
           </a:xfrm>
         </p:spPr>
         <p:txBody>
@@ -9478,36 +9787,29 @@
           <a:p>
             <a:r>
               <a:rPr lang="en-US" dirty="0"/>
-              <a:t>1. Pre-trained Resnet – freeze parameters</a:t>
+              <a:t>1. Short for Residual Networks.</a:t>
             </a:r>
           </a:p>
           <a:p>
             <a:r>
               <a:rPr lang="en-US" dirty="0"/>
-              <a:t>2. </a:t>
-            </a:r>
-            <a:r>
-              <a:rPr lang="en-US" altLang="zh-CN" dirty="0"/>
-              <a:t>Remove SoftMax activation on the last FC layer, and add </a:t>
-            </a:r>
+              <a:t>2. Solves vanishing gradients problem for deep network.</a:t>
+            </a:r>
+          </a:p>
+          <a:p>
             <a:r>
               <a:rPr lang="en-US" dirty="0"/>
-              <a:t>Linear </a:t>
-            </a:r>
-            <a:r>
-              <a:rPr lang="en-US" altLang="zh-CN" dirty="0"/>
-              <a:t>activation FC layer with output size matching input size of the RNN.</a:t>
-            </a:r>
-            <a:endParaRPr lang="en-US" dirty="0"/>
-          </a:p>
-        </p:txBody>
-      </p:sp>
-      <p:sp>
-        <p:nvSpPr>
-          <p:cNvPr id="75" name="Rectangle 74">
+              <a:t>3. Skipping connection.</a:t>
+            </a:r>
+          </a:p>
+        </p:txBody>
+      </p:sp>
+      <p:sp>
+        <p:nvSpPr>
+          <p:cNvPr id="13" name="Rectangle 12">
             <a:extLst>
               <a:ext uri="{FF2B5EF4-FFF2-40B4-BE49-F238E27FC236}">
-                <a16:creationId xmlns:a16="http://schemas.microsoft.com/office/drawing/2014/main" id="{E95DA498-D9A2-4DA9-B9DA-B3776E08CF7E}"/>
+                <a16:creationId xmlns:a16="http://schemas.microsoft.com/office/drawing/2014/main" id="{1E299956-A9E7-4FC1-A0B1-D590CA9730E8}"/>
               </a:ext>
               <a:ext uri="{C183D7F6-B498-43B3-948B-1728B52AA6E4}">
                 <adec:decorative xmlns:adec="http://schemas.microsoft.com/office/drawing/2017/decorative" val="1"/>
@@ -9559,10 +9861,10 @@
       </p:sp>
       <p:sp>
         <p:nvSpPr>
-          <p:cNvPr id="77" name="Rectangle 76">
+          <p:cNvPr id="15" name="Rectangle 14">
             <a:extLst>
               <a:ext uri="{FF2B5EF4-FFF2-40B4-BE49-F238E27FC236}">
-                <a16:creationId xmlns:a16="http://schemas.microsoft.com/office/drawing/2014/main" id="{82A73093-4B9D-420D-B17E-52293703A1D4}"/>
+                <a16:creationId xmlns:a16="http://schemas.microsoft.com/office/drawing/2014/main" id="{17FC539C-B783-4B03-9F9E-D13430F3F64F}"/>
               </a:ext>
               <a:ext uri="{C183D7F6-B498-43B3-948B-1728B52AA6E4}">
                 <adec:decorative xmlns:adec="http://schemas.microsoft.com/office/drawing/2017/decorative" val="1"/>
@@ -9615,7 +9917,7 @@
     </p:spTree>
     <p:extLst>
       <p:ext uri="{BB962C8B-B14F-4D97-AF65-F5344CB8AC3E}">
-        <p14:creationId xmlns:p14="http://schemas.microsoft.com/office/powerpoint/2010/main" val="3951523112"/>
+        <p14:creationId xmlns:p14="http://schemas.microsoft.com/office/powerpoint/2010/main" val="887984835"/>
       </p:ext>
     </p:extLst>
   </p:cSld>
@@ -9628,14 +9930,6 @@
 <file path=ppt/slides/slide8.xml><?xml version="1.0" encoding="utf-8"?>
 <p:sld xmlns:a="http://schemas.openxmlformats.org/drawingml/2006/main" xmlns:r="http://schemas.openxmlformats.org/officeDocument/2006/relationships" xmlns:p="http://schemas.openxmlformats.org/presentationml/2006/main">
   <p:cSld>
-    <p:bg>
-      <p:bgPr>
-        <a:solidFill>
-          <a:schemeClr val="bg1"/>
-        </a:solidFill>
-        <a:effectLst/>
-      </p:bgPr>
-    </p:bg>
     <p:spTree>
       <p:nvGrpSpPr>
         <p:cNvPr id="1" name=""/>
@@ -9650,72 +9944,12 @@
           <a:chExt cx="0" cy="0"/>
         </a:xfrm>
       </p:grpSpPr>
-      <p:sp useBgFill="1">
-        <p:nvSpPr>
-          <p:cNvPr id="9" name="Rectangle 8">
-            <a:extLst>
-              <a:ext uri="{FF2B5EF4-FFF2-40B4-BE49-F238E27FC236}">
-                <a16:creationId xmlns:a16="http://schemas.microsoft.com/office/drawing/2014/main" id="{284B70D5-875B-433D-BDBD-1522A85D6C1D}"/>
-              </a:ext>
-              <a:ext uri="{C183D7F6-B498-43B3-948B-1728B52AA6E4}">
-                <adec:decorative xmlns:adec="http://schemas.microsoft.com/office/drawing/2017/decorative" val="1"/>
-              </a:ext>
-            </a:extLst>
-          </p:cNvPr>
-          <p:cNvSpPr>
-            <a:spLocks noGrp="1" noRot="1" noChangeAspect="1" noMove="1" noResize="1" noEditPoints="1" noAdjustHandles="1" noChangeArrowheads="1" noChangeShapeType="1" noTextEdit="1"/>
-          </p:cNvSpPr>
-          <p:nvPr>
-            <p:extLst>
-              <p:ext uri="{386F3935-93C4-4BCD-93E2-E3B085C9AB24}">
-                <p16:designElem xmlns:p16="http://schemas.microsoft.com/office/powerpoint/2015/main" val="1"/>
-              </p:ext>
-            </p:extLst>
-          </p:nvPr>
-        </p:nvSpPr>
-        <p:spPr>
-          <a:xfrm>
-            <a:off x="0" y="0"/>
-            <a:ext cx="12192001" cy="6334316"/>
-          </a:xfrm>
-          <a:prstGeom prst="rect">
-            <a:avLst/>
-          </a:prstGeom>
-          <a:ln>
-            <a:noFill/>
-          </a:ln>
-        </p:spPr>
-        <p:style>
-          <a:lnRef idx="2">
-            <a:schemeClr val="accent1">
-              <a:shade val="50000"/>
-            </a:schemeClr>
-          </a:lnRef>
-          <a:fillRef idx="1">
-            <a:schemeClr val="accent1"/>
-          </a:fillRef>
-          <a:effectRef idx="0">
-            <a:schemeClr val="accent1"/>
-          </a:effectRef>
-          <a:fontRef idx="minor">
-            <a:schemeClr val="lt1"/>
-          </a:fontRef>
-        </p:style>
-        <p:txBody>
-          <a:bodyPr rtlCol="0" anchor="ctr"/>
-          <a:lstStyle/>
-          <a:p>
-            <a:pPr algn="ctr"/>
-            <a:endParaRPr lang="en-US"/>
-          </a:p>
-        </p:txBody>
-      </p:sp>
       <p:sp>
         <p:nvSpPr>
           <p:cNvPr id="2" name="Title 1">
             <a:extLst>
               <a:ext uri="{FF2B5EF4-FFF2-40B4-BE49-F238E27FC236}">
-                <a16:creationId xmlns:a16="http://schemas.microsoft.com/office/drawing/2014/main" id="{DA89AE7A-7C93-4623-B35F-9476CB3EE21C}"/>
+                <a16:creationId xmlns:a16="http://schemas.microsoft.com/office/drawing/2014/main" id="{CD7E3568-0A20-4D0C-B2DA-DB2E7654094D}"/>
               </a:ext>
             </a:extLst>
           </p:cNvPr>
@@ -9726,21 +9960,14 @@
             <p:ph type="title"/>
           </p:nvPr>
         </p:nvSpPr>
-        <p:spPr>
-          <a:xfrm>
-            <a:off x="7859485" y="634946"/>
-            <a:ext cx="3690257" cy="1450757"/>
-          </a:xfrm>
-        </p:spPr>
-        <p:txBody>
-          <a:bodyPr>
-            <a:normAutofit/>
-          </a:bodyPr>
+        <p:spPr/>
+        <p:txBody>
+          <a:bodyPr/>
           <a:lstStyle/>
           <a:p>
             <a:r>
               <a:rPr lang="en-US" dirty="0"/>
-              <a:t>Resnet CNN</a:t>
+              <a:t>Convolution and Max pooling layers</a:t>
             </a:r>
           </a:p>
         </p:txBody>
@@ -9750,7 +9977,7 @@
           <p:cNvPr id="4" name="Picture 3">
             <a:extLst>
               <a:ext uri="{FF2B5EF4-FFF2-40B4-BE49-F238E27FC236}">
-                <a16:creationId xmlns:a16="http://schemas.microsoft.com/office/drawing/2014/main" id="{8E25A370-94AF-464D-B6F0-C94D84AAE1A1}"/>
+                <a16:creationId xmlns:a16="http://schemas.microsoft.com/office/drawing/2014/main" id="{126B85A6-8C05-46FA-B010-B7D27ECFF488}"/>
               </a:ext>
             </a:extLst>
           </p:cNvPr>
@@ -9767,231 +9994,48 @@
         </p:blipFill>
         <p:spPr>
           <a:xfrm>
-            <a:off x="633999" y="2278088"/>
-            <a:ext cx="6909801" cy="2038391"/>
+            <a:off x="7071360" y="2460307"/>
+            <a:ext cx="4610100" cy="2257425"/>
           </a:xfrm>
           <a:prstGeom prst="rect">
             <a:avLst/>
           </a:prstGeom>
         </p:spPr>
       </p:pic>
-      <p:cxnSp>
-        <p:nvCxnSpPr>
-          <p:cNvPr id="11" name="Straight Connector 10">
+      <p:pic>
+        <p:nvPicPr>
+          <p:cNvPr id="5" name="Picture 4">
             <a:extLst>
               <a:ext uri="{FF2B5EF4-FFF2-40B4-BE49-F238E27FC236}">
-                <a16:creationId xmlns:a16="http://schemas.microsoft.com/office/drawing/2014/main" id="{C947DF4A-614C-4B4C-8B80-E5B9D8E8CFED}"/>
-              </a:ext>
-              <a:ext uri="{C183D7F6-B498-43B3-948B-1728B52AA6E4}">
-                <adec:decorative xmlns:adec="http://schemas.microsoft.com/office/drawing/2017/decorative" val="1"/>
+                <a16:creationId xmlns:a16="http://schemas.microsoft.com/office/drawing/2014/main" id="{1A111604-8372-48CE-B175-C595390A0CC5}"/>
               </a:ext>
             </a:extLst>
           </p:cNvPr>
-          <p:cNvCxnSpPr>
-            <a:cxnSpLocks noGrp="1" noRot="1" noChangeAspect="1" noMove="1" noResize="1" noEditPoints="1" noAdjustHandles="1" noChangeArrowheads="1" noChangeShapeType="1"/>
-          </p:cNvCxnSpPr>
-          <p:nvPr>
-            <p:extLst>
-              <p:ext uri="{386F3935-93C4-4BCD-93E2-E3B085C9AB24}">
-                <p16:designElem xmlns:p16="http://schemas.microsoft.com/office/powerpoint/2015/main" val="1"/>
-              </p:ext>
-            </p:extLst>
-          </p:nvPr>
-        </p:nvCxnSpPr>
+          <p:cNvPicPr>
+            <a:picLocks noChangeAspect="1"/>
+          </p:cNvPicPr>
+          <p:nvPr/>
+        </p:nvPicPr>
+        <p:blipFill>
+          <a:blip r:embed="rId4"/>
+          <a:stretch>
+            <a:fillRect/>
+          </a:stretch>
+        </p:blipFill>
         <p:spPr>
           <a:xfrm>
-            <a:off x="7892143" y="2085703"/>
-            <a:ext cx="3566160" cy="0"/>
-          </a:xfrm>
-          <a:prstGeom prst="line">
-            <a:avLst/>
-          </a:prstGeom>
-          <a:ln w="6350">
-            <a:solidFill>
-              <a:schemeClr val="tx1">
-                <a:lumMod val="50000"/>
-                <a:lumOff val="50000"/>
-                <a:alpha val="90000"/>
-              </a:schemeClr>
-            </a:solidFill>
-          </a:ln>
-        </p:spPr>
-        <p:style>
-          <a:lnRef idx="1">
-            <a:schemeClr val="accent1"/>
-          </a:lnRef>
-          <a:fillRef idx="0">
-            <a:schemeClr val="accent1"/>
-          </a:fillRef>
-          <a:effectRef idx="0">
-            <a:schemeClr val="accent1"/>
-          </a:effectRef>
-          <a:fontRef idx="minor">
-            <a:schemeClr val="tx1"/>
-          </a:fontRef>
-        </p:style>
-      </p:cxnSp>
-      <p:sp>
-        <p:nvSpPr>
-          <p:cNvPr id="3" name="Content Placeholder 2">
-            <a:extLst>
-              <a:ext uri="{FF2B5EF4-FFF2-40B4-BE49-F238E27FC236}">
-                <a16:creationId xmlns:a16="http://schemas.microsoft.com/office/drawing/2014/main" id="{96B87EBE-FA8D-4714-BE3A-09ED685DACD5}"/>
-              </a:ext>
-            </a:extLst>
-          </p:cNvPr>
-          <p:cNvSpPr>
-            <a:spLocks noGrp="1"/>
-          </p:cNvSpPr>
-          <p:nvPr>
-            <p:ph idx="1"/>
-          </p:nvPr>
-        </p:nvSpPr>
-        <p:spPr>
-          <a:xfrm>
-            <a:off x="7859485" y="2198914"/>
-            <a:ext cx="3690257" cy="3670180"/>
-          </a:xfrm>
-        </p:spPr>
-        <p:txBody>
-          <a:bodyPr>
-            <a:normAutofit/>
-          </a:bodyPr>
-          <a:lstStyle/>
-          <a:p>
-            <a:r>
-              <a:rPr lang="en-US" dirty="0"/>
-              <a:t>1. Short for Residual Networks.</a:t>
-            </a:r>
-          </a:p>
-          <a:p>
-            <a:r>
-              <a:rPr lang="en-US" dirty="0"/>
-              <a:t>2. Solves vanishing gradients problem for deep network.</a:t>
-            </a:r>
-          </a:p>
-          <a:p>
-            <a:r>
-              <a:rPr lang="en-US" dirty="0"/>
-              <a:t>3. Skipping connection.</a:t>
-            </a:r>
-          </a:p>
-        </p:txBody>
-      </p:sp>
-      <p:sp>
-        <p:nvSpPr>
-          <p:cNvPr id="13" name="Rectangle 12">
-            <a:extLst>
-              <a:ext uri="{FF2B5EF4-FFF2-40B4-BE49-F238E27FC236}">
-                <a16:creationId xmlns:a16="http://schemas.microsoft.com/office/drawing/2014/main" id="{1E299956-A9E7-4FC1-A0B1-D590CA9730E8}"/>
-              </a:ext>
-              <a:ext uri="{C183D7F6-B498-43B3-948B-1728B52AA6E4}">
-                <adec:decorative xmlns:adec="http://schemas.microsoft.com/office/drawing/2017/decorative" val="1"/>
-              </a:ext>
-            </a:extLst>
-          </p:cNvPr>
-          <p:cNvSpPr>
-            <a:spLocks noGrp="1" noRot="1" noChangeAspect="1" noMove="1" noResize="1" noEditPoints="1" noAdjustHandles="1" noChangeArrowheads="1" noChangeShapeType="1" noTextEdit="1"/>
-          </p:cNvSpPr>
-          <p:nvPr>
-            <p:extLst>
-              <p:ext uri="{386F3935-93C4-4BCD-93E2-E3B085C9AB24}">
-                <p16:designElem xmlns:p16="http://schemas.microsoft.com/office/powerpoint/2015/main" val="1"/>
-              </p:ext>
-            </p:extLst>
-          </p:nvPr>
-        </p:nvSpPr>
-        <p:spPr>
-          <a:xfrm>
-            <a:off x="15" y="6334316"/>
-            <a:ext cx="12191985" cy="66484"/>
+            <a:off x="853440" y="1827383"/>
+            <a:ext cx="4610100" cy="4079735"/>
           </a:xfrm>
           <a:prstGeom prst="rect">
             <a:avLst/>
           </a:prstGeom>
-          <a:solidFill>
-            <a:schemeClr val="accent1"/>
-          </a:solidFill>
-          <a:ln>
-            <a:noFill/>
-          </a:ln>
-        </p:spPr>
-        <p:style>
-          <a:lnRef idx="2">
-            <a:schemeClr val="accent1">
-              <a:shade val="50000"/>
-            </a:schemeClr>
-          </a:lnRef>
-          <a:fillRef idx="1">
-            <a:schemeClr val="accent1"/>
-          </a:fillRef>
-          <a:effectRef idx="0">
-            <a:schemeClr val="accent1"/>
-          </a:effectRef>
-          <a:fontRef idx="minor">
-            <a:schemeClr val="lt1"/>
-          </a:fontRef>
-        </p:style>
-      </p:sp>
-      <p:sp>
-        <p:nvSpPr>
-          <p:cNvPr id="15" name="Rectangle 14">
-            <a:extLst>
-              <a:ext uri="{FF2B5EF4-FFF2-40B4-BE49-F238E27FC236}">
-                <a16:creationId xmlns:a16="http://schemas.microsoft.com/office/drawing/2014/main" id="{17FC539C-B783-4B03-9F9E-D13430F3F64F}"/>
-              </a:ext>
-              <a:ext uri="{C183D7F6-B498-43B3-948B-1728B52AA6E4}">
-                <adec:decorative xmlns:adec="http://schemas.microsoft.com/office/drawing/2017/decorative" val="1"/>
-              </a:ext>
-            </a:extLst>
-          </p:cNvPr>
-          <p:cNvSpPr>
-            <a:spLocks noGrp="1" noRot="1" noChangeAspect="1" noMove="1" noResize="1" noEditPoints="1" noAdjustHandles="1" noChangeArrowheads="1" noChangeShapeType="1" noTextEdit="1"/>
-          </p:cNvSpPr>
-          <p:nvPr>
-            <p:extLst>
-              <p:ext uri="{386F3935-93C4-4BCD-93E2-E3B085C9AB24}">
-                <p16:designElem xmlns:p16="http://schemas.microsoft.com/office/powerpoint/2015/main" val="1"/>
-              </p:ext>
-            </p:extLst>
-          </p:nvPr>
-        </p:nvSpPr>
-        <p:spPr>
-          <a:xfrm>
-            <a:off x="1" y="6400800"/>
-            <a:ext cx="12192000" cy="457200"/>
-          </a:xfrm>
-          <a:prstGeom prst="rect">
-            <a:avLst/>
-          </a:prstGeom>
-          <a:solidFill>
-            <a:schemeClr val="accent2"/>
-          </a:solidFill>
-          <a:ln>
-            <a:noFill/>
-          </a:ln>
-        </p:spPr>
-        <p:style>
-          <a:lnRef idx="2">
-            <a:schemeClr val="accent1">
-              <a:shade val="50000"/>
-            </a:schemeClr>
-          </a:lnRef>
-          <a:fillRef idx="1">
-            <a:schemeClr val="accent1"/>
-          </a:fillRef>
-          <a:effectRef idx="0">
-            <a:schemeClr val="accent1"/>
-          </a:effectRef>
-          <a:fontRef idx="minor">
-            <a:schemeClr val="lt1"/>
-          </a:fontRef>
-        </p:style>
-      </p:sp>
+        </p:spPr>
+      </p:pic>
     </p:spTree>
     <p:extLst>
       <p:ext uri="{BB962C8B-B14F-4D97-AF65-F5344CB8AC3E}">
-        <p14:creationId xmlns:p14="http://schemas.microsoft.com/office/powerpoint/2010/main" val="887984835"/>
+        <p14:creationId xmlns:p14="http://schemas.microsoft.com/office/powerpoint/2010/main" val="4283656557"/>
       </p:ext>
     </p:extLst>
   </p:cSld>
@@ -10023,7 +10067,7 @@
           <p:cNvPr id="2" name="Title 1">
             <a:extLst>
               <a:ext uri="{FF2B5EF4-FFF2-40B4-BE49-F238E27FC236}">
-                <a16:creationId xmlns:a16="http://schemas.microsoft.com/office/drawing/2014/main" id="{CD7E3568-0A20-4D0C-B2DA-DB2E7654094D}"/>
+                <a16:creationId xmlns:a16="http://schemas.microsoft.com/office/drawing/2014/main" id="{6D102B00-C7A7-40E0-86E5-A53D30A00F3C}"/>
               </a:ext>
             </a:extLst>
           </p:cNvPr>
@@ -10041,75 +10085,271 @@
           <a:p>
             <a:r>
               <a:rPr lang="en-US" dirty="0"/>
-              <a:t>Convolution and Max pooling layers</a:t>
-            </a:r>
-          </a:p>
-        </p:txBody>
-      </p:sp>
-      <p:pic>
-        <p:nvPicPr>
-          <p:cNvPr id="4" name="Picture 3">
+              <a:t>Feature vector decoder-RNN</a:t>
+            </a:r>
+          </a:p>
+        </p:txBody>
+      </p:sp>
+      <p:sp>
+        <p:nvSpPr>
+          <p:cNvPr id="3" name="Content Placeholder 2">
             <a:extLst>
               <a:ext uri="{FF2B5EF4-FFF2-40B4-BE49-F238E27FC236}">
-                <a16:creationId xmlns:a16="http://schemas.microsoft.com/office/drawing/2014/main" id="{126B85A6-8C05-46FA-B010-B7D27ECFF488}"/>
+                <a16:creationId xmlns:a16="http://schemas.microsoft.com/office/drawing/2014/main" id="{30DDE256-506D-4F50-93CC-34064C8625AA}"/>
               </a:ext>
             </a:extLst>
           </p:cNvPr>
-          <p:cNvPicPr>
-            <a:picLocks noChangeAspect="1"/>
-          </p:cNvPicPr>
+          <p:cNvSpPr>
+            <a:spLocks noGrp="1"/>
+          </p:cNvSpPr>
+          <p:nvPr>
+            <p:ph idx="1"/>
+          </p:nvPr>
+        </p:nvSpPr>
+        <p:spPr>
+          <a:xfrm>
+            <a:off x="1097280" y="1845734"/>
+            <a:ext cx="10058400" cy="384848"/>
+          </a:xfrm>
+        </p:spPr>
+        <p:txBody>
+          <a:bodyPr>
+            <a:normAutofit lnSpcReduction="10000"/>
+          </a:bodyPr>
+          <a:lstStyle/>
+          <a:p>
+            <a:r>
+              <a:rPr lang="en-US" dirty="0"/>
+              <a:t>def __</a:t>
+            </a:r>
+            <a:r>
+              <a:rPr lang="en-US" dirty="0" err="1"/>
+              <a:t>init</a:t>
+            </a:r>
+            <a:r>
+              <a:rPr lang="en-US" dirty="0"/>
+              <a:t>__(self, </a:t>
+            </a:r>
+            <a:r>
+              <a:rPr lang="en-US" dirty="0" err="1"/>
+              <a:t>embed_size</a:t>
+            </a:r>
+            <a:r>
+              <a:rPr lang="en-US" dirty="0"/>
+              <a:t>, </a:t>
+            </a:r>
+            <a:r>
+              <a:rPr lang="en-US" dirty="0" err="1"/>
+              <a:t>hidden_size</a:t>
+            </a:r>
+            <a:r>
+              <a:rPr lang="en-US" dirty="0"/>
+              <a:t>, </a:t>
+            </a:r>
+            <a:r>
+              <a:rPr lang="en-US" dirty="0" err="1"/>
+              <a:t>vocab_size</a:t>
+            </a:r>
+            <a:r>
+              <a:rPr lang="en-US" dirty="0"/>
+              <a:t>, </a:t>
+            </a:r>
+            <a:r>
+              <a:rPr lang="en-US" dirty="0" err="1"/>
+              <a:t>num_layers</a:t>
+            </a:r>
+            <a:r>
+              <a:rPr lang="en-US" dirty="0"/>
+              <a:t>=1):</a:t>
+            </a:r>
+          </a:p>
+          <a:p>
+            <a:endParaRPr lang="en-US" dirty="0"/>
+          </a:p>
+        </p:txBody>
+      </p:sp>
+      <p:sp>
+        <p:nvSpPr>
+          <p:cNvPr id="4" name="Rectangle 3">
+            <a:extLst>
+              <a:ext uri="{FF2B5EF4-FFF2-40B4-BE49-F238E27FC236}">
+                <a16:creationId xmlns:a16="http://schemas.microsoft.com/office/drawing/2014/main" id="{7596DD70-4E0F-8743-BC5A-4F5DAAFE25B8}"/>
+              </a:ext>
+            </a:extLst>
+          </p:cNvPr>
+          <p:cNvSpPr/>
           <p:nvPr/>
-        </p:nvPicPr>
-        <p:blipFill>
-          <a:blip r:embed="rId3"/>
-          <a:stretch>
-            <a:fillRect/>
-          </a:stretch>
-        </p:blipFill>
+        </p:nvSpPr>
         <p:spPr>
           <a:xfrm>
-            <a:off x="7071360" y="2460307"/>
-            <a:ext cx="4610100" cy="2257425"/>
+            <a:off x="1482436" y="2186556"/>
+            <a:ext cx="6096000" cy="2031325"/>
           </a:xfrm>
           <a:prstGeom prst="rect">
             <a:avLst/>
           </a:prstGeom>
         </p:spPr>
-      </p:pic>
-      <p:pic>
-        <p:nvPicPr>
-          <p:cNvPr id="5" name="Picture 4">
-            <a:extLst>
-              <a:ext uri="{FF2B5EF4-FFF2-40B4-BE49-F238E27FC236}">
-                <a16:creationId xmlns:a16="http://schemas.microsoft.com/office/drawing/2014/main" id="{1A111604-8372-48CE-B175-C595390A0CC5}"/>
-              </a:ext>
-            </a:extLst>
-          </p:cNvPr>
-          <p:cNvPicPr>
-            <a:picLocks noChangeAspect="1"/>
-          </p:cNvPicPr>
-          <p:nvPr/>
-        </p:nvPicPr>
-        <p:blipFill>
-          <a:blip r:embed="rId4"/>
-          <a:stretch>
-            <a:fillRect/>
-          </a:stretch>
-        </p:blipFill>
-        <p:spPr>
-          <a:xfrm>
-            <a:off x="853440" y="1827383"/>
-            <a:ext cx="4610100" cy="4079735"/>
-          </a:xfrm>
-          <a:prstGeom prst="rect">
-            <a:avLst/>
-          </a:prstGeom>
-        </p:spPr>
-      </p:pic>
+        <p:txBody>
+          <a:bodyPr>
+            <a:spAutoFit/>
+          </a:bodyPr>
+          <a:lstStyle/>
+          <a:p>
+            <a:r>
+              <a:rPr lang="en-US" dirty="0"/>
+              <a:t>super().__</a:t>
+            </a:r>
+            <a:r>
+              <a:rPr lang="en-US" dirty="0" err="1"/>
+              <a:t>init</a:t>
+            </a:r>
+            <a:r>
+              <a:rPr lang="en-US" dirty="0"/>
+              <a:t>__()</a:t>
+            </a:r>
+          </a:p>
+          <a:p>
+            <a:r>
+              <a:rPr lang="en-US" dirty="0" err="1"/>
+              <a:t>self.embedding_layer</a:t>
+            </a:r>
+            <a:r>
+              <a:rPr lang="en-US" dirty="0"/>
+              <a:t> = </a:t>
+            </a:r>
+            <a:r>
+              <a:rPr lang="en-US" dirty="0" err="1"/>
+              <a:t>nn.Embedding</a:t>
+            </a:r>
+            <a:r>
+              <a:rPr lang="en-US" dirty="0"/>
+              <a:t>(</a:t>
+            </a:r>
+            <a:r>
+              <a:rPr lang="en-US" dirty="0" err="1"/>
+              <a:t>vocab_size</a:t>
+            </a:r>
+            <a:r>
+              <a:rPr lang="en-US" dirty="0"/>
+              <a:t>, </a:t>
+            </a:r>
+            <a:r>
+              <a:rPr lang="en-US" dirty="0" err="1"/>
+              <a:t>embed_size</a:t>
+            </a:r>
+            <a:r>
+              <a:rPr lang="en-US" dirty="0"/>
+              <a:t>)</a:t>
+            </a:r>
+          </a:p>
+          <a:p>
+            <a:r>
+              <a:rPr lang="en-US" dirty="0" err="1"/>
+              <a:t>self.lstm</a:t>
+            </a:r>
+            <a:r>
+              <a:rPr lang="en-US" dirty="0"/>
+              <a:t> = </a:t>
+            </a:r>
+            <a:r>
+              <a:rPr lang="en-US" dirty="0" err="1"/>
+              <a:t>nn.LSTM</a:t>
+            </a:r>
+            <a:r>
+              <a:rPr lang="en-US" dirty="0"/>
+              <a:t>(</a:t>
+            </a:r>
+            <a:r>
+              <a:rPr lang="en-US" dirty="0" err="1"/>
+              <a:t>input_size</a:t>
+            </a:r>
+            <a:r>
+              <a:rPr lang="en-US" dirty="0"/>
+              <a:t> = </a:t>
+            </a:r>
+            <a:r>
+              <a:rPr lang="en-US" dirty="0" err="1"/>
+              <a:t>embed_size,hidden_size</a:t>
+            </a:r>
+            <a:r>
+              <a:rPr lang="en-US" dirty="0"/>
+              <a:t> = </a:t>
+            </a:r>
+            <a:r>
+              <a:rPr lang="en-US" dirty="0" err="1"/>
+              <a:t>hidden_size</a:t>
+            </a:r>
+            <a:r>
+              <a:rPr lang="en-US" dirty="0"/>
+              <a:t>,</a:t>
+            </a:r>
+          </a:p>
+          <a:p>
+            <a:r>
+              <a:rPr lang="en-US" dirty="0" err="1"/>
+              <a:t>num_layers</a:t>
+            </a:r>
+            <a:r>
+              <a:rPr lang="en-US" dirty="0"/>
+              <a:t> = </a:t>
+            </a:r>
+            <a:r>
+              <a:rPr lang="en-US" dirty="0" err="1"/>
+              <a:t>num_layers</a:t>
+            </a:r>
+            <a:r>
+              <a:rPr lang="en-US" dirty="0"/>
+              <a:t>, </a:t>
+            </a:r>
+            <a:r>
+              <a:rPr lang="en-US" dirty="0" err="1"/>
+              <a:t>batch_first</a:t>
+            </a:r>
+            <a:r>
+              <a:rPr lang="en-US" dirty="0"/>
+              <a:t> = True)</a:t>
+            </a:r>
+          </a:p>
+          <a:p>
+            <a:r>
+              <a:rPr lang="en-US" dirty="0" err="1"/>
+              <a:t>self.linear</a:t>
+            </a:r>
+            <a:r>
+              <a:rPr lang="en-US" dirty="0"/>
+              <a:t> = </a:t>
+            </a:r>
+            <a:r>
+              <a:rPr lang="en-US" dirty="0" err="1"/>
+              <a:t>nn.Linear</a:t>
+            </a:r>
+            <a:r>
+              <a:rPr lang="en-US" dirty="0"/>
+              <a:t>(</a:t>
+            </a:r>
+            <a:r>
+              <a:rPr lang="en-US" dirty="0" err="1"/>
+              <a:t>hidden_size</a:t>
+            </a:r>
+            <a:r>
+              <a:rPr lang="en-US" dirty="0"/>
+              <a:t>, </a:t>
+            </a:r>
+            <a:r>
+              <a:rPr lang="en-US" dirty="0" err="1"/>
+              <a:t>vocab_size</a:t>
+            </a:r>
+            <a:r>
+              <a:rPr lang="en-US" dirty="0"/>
+              <a:t>)</a:t>
+            </a:r>
+          </a:p>
+        </p:txBody>
+      </p:sp>
     </p:spTree>
     <p:extLst>
       <p:ext uri="{BB962C8B-B14F-4D97-AF65-F5344CB8AC3E}">
-        <p14:creationId xmlns:p14="http://schemas.microsoft.com/office/powerpoint/2010/main" val="4283656557"/>
+        <p14:creationId xmlns:p14="http://schemas.microsoft.com/office/powerpoint/2010/main" val="2956417762"/>
       </p:ext>
     </p:extLst>
   </p:cSld>

--- a/CNNRNNProjectPresentation.pptx
+++ b/CNNRNNProjectPresentation.pptx
@@ -1562,7 +1562,7 @@
           <a:p>
             <a:r>
               <a:rPr lang="en-US" dirty="0"/>
-              <a:t>The dataset we used to train our model is Microsoft Common Objects in Context. Each data sample contains a image and 5 associated captions that describes the context pf the image.</a:t>
+              <a:t>The dataset we used to train our model is Microsoft Common Objects in Context. Each data sample contains a image and 5 associated captions that describes the context of the image.</a:t>
             </a:r>
           </a:p>
         </p:txBody>
@@ -1770,7 +1770,7 @@
           <a:p>
             <a:r>
               <a:rPr lang="en-US" dirty="0"/>
-              <a:t>So to fed the colored image into the CNN model, I transformed the image like this. The COCO data set has all kind of image sizes, I resize and crop the image into a 224 by 224 image. And it has 50/50 chance to get a horizontal flip.  Then, I transforms it a 224 by 224 by 3 tensor, and at the end, we normalize it using these mean value and deviation value. These </a:t>
+              <a:t>So to feed the colored image into the CNN model, I transformed the image like this. The COCO data set has all kind of image sizes, I resize and crop the image into a 224 by 224 image. And it has 50/50 chance to get a horizontal flip.  Then, I transforms it a 224 by 224 by 3 tensor, and at the end, we normalize it using these mean value and deviation value. These </a:t>
             </a:r>
             <a:r>
               <a:rPr lang="en-US" sz="1200" b="0" i="0" kern="1200" dirty="0">
@@ -2236,15 +2236,7 @@
             </a:pPr>
             <a:r>
               <a:rPr lang="en-US" dirty="0"/>
-              <a:t>These are illustration of how convolution layer </a:t>
-            </a:r>
-            <a:r>
-              <a:rPr lang="en-US" dirty="0" err="1"/>
-              <a:t>nad</a:t>
-            </a:r>
-            <a:r>
-              <a:rPr lang="en-US" dirty="0"/>
-              <a:t> max pooling layer calculate its output from the input. </a:t>
+              <a:t>These are illustration of how convolution layer and max pooling layer calculate its output from the input. </a:t>
             </a:r>
           </a:p>
           <a:p>
@@ -9994,7 +9986,7 @@
         </p:blipFill>
         <p:spPr>
           <a:xfrm>
-            <a:off x="7071360" y="2460307"/>
+            <a:off x="6979920" y="1859279"/>
             <a:ext cx="4610100" cy="2257425"/>
           </a:xfrm>
           <a:prstGeom prst="rect">
@@ -10026,6 +10018,35 @@
           <a:xfrm>
             <a:off x="853440" y="1827383"/>
             <a:ext cx="4610100" cy="4079735"/>
+          </a:xfrm>
+          <a:prstGeom prst="rect">
+            <a:avLst/>
+          </a:prstGeom>
+        </p:spPr>
+      </p:pic>
+      <p:pic>
+        <p:nvPicPr>
+          <p:cNvPr id="3" name="Picture 2">
+            <a:extLst>
+              <a:ext uri="{FF2B5EF4-FFF2-40B4-BE49-F238E27FC236}">
+                <a16:creationId xmlns:a16="http://schemas.microsoft.com/office/drawing/2014/main" id="{D4CCF578-7D94-4746-8193-2E054B6DACB8}"/>
+              </a:ext>
+            </a:extLst>
+          </p:cNvPr>
+          <p:cNvPicPr>
+            <a:picLocks noChangeAspect="1"/>
+          </p:cNvPicPr>
+          <p:nvPr/>
+        </p:nvPicPr>
+        <p:blipFill rotWithShape="1">
+          <a:blip r:embed="rId5"/>
+          <a:srcRect t="6369"/>
+          <a:stretch/>
+        </p:blipFill>
+        <p:spPr>
+          <a:xfrm>
+            <a:off x="7008495" y="4606290"/>
+            <a:ext cx="3762174" cy="1120140"/>
           </a:xfrm>
           <a:prstGeom prst="rect">
             <a:avLst/>

--- a/CNNRNNProjectPresentation.pptx
+++ b/CNNRNNProjectPresentation.pptx
@@ -5,7 +5,7 @@
     <p:sldMasterId id="2147483660" r:id="rId1"/>
   </p:sldMasterIdLst>
   <p:notesMasterIdLst>
-    <p:notesMasterId r:id="rId21"/>
+    <p:notesMasterId r:id="rId19"/>
   </p:notesMasterIdLst>
   <p:sldIdLst>
     <p:sldId id="256" r:id="rId2"/>
@@ -18,15 +18,13 @@
     <p:sldId id="264" r:id="rId9"/>
     <p:sldId id="262" r:id="rId10"/>
     <p:sldId id="268" r:id="rId11"/>
-    <p:sldId id="269" r:id="rId12"/>
-    <p:sldId id="270" r:id="rId13"/>
-    <p:sldId id="273" r:id="rId14"/>
-    <p:sldId id="271" r:id="rId15"/>
-    <p:sldId id="272" r:id="rId16"/>
-    <p:sldId id="274" r:id="rId17"/>
-    <p:sldId id="275" r:id="rId18"/>
-    <p:sldId id="277" r:id="rId19"/>
-    <p:sldId id="278" r:id="rId20"/>
+    <p:sldId id="274" r:id="rId12"/>
+    <p:sldId id="275" r:id="rId13"/>
+    <p:sldId id="269" r:id="rId14"/>
+    <p:sldId id="279" r:id="rId15"/>
+    <p:sldId id="277" r:id="rId16"/>
+    <p:sldId id="278" r:id="rId17"/>
+    <p:sldId id="280" r:id="rId18"/>
   </p:sldIdLst>
   <p:sldSz cx="12192000" cy="6858000"/>
   <p:notesSz cx="6858000" cy="9144000"/>
@@ -215,7 +213,7 @@
           <a:p>
             <a:fld id="{7FD0E26A-CB50-4C7C-91D3-D14DF488026E}" type="datetimeFigureOut">
               <a:rPr lang="en-US" smtClean="0"/>
-              <a:t>4/12/2020</a:t>
+              <a:t>4/13/2020</a:t>
             </a:fld>
             <a:endParaRPr lang="en-US"/>
           </a:p>
@@ -712,10 +710,7 @@
           <a:bodyPr/>
           <a:lstStyle/>
           <a:p>
-            <a:r>
-              <a:rPr lang="en-US" dirty="0"/>
-              <a:t>shorter</a:t>
-            </a:r>
+            <a:endParaRPr lang="en-US" dirty="0"/>
           </a:p>
         </p:txBody>
       </p:sp>
@@ -736,7 +731,7 @@
           <a:p>
             <a:fld id="{B8A8EFB7-3FDF-44E2-B43C-367A622D6F93}" type="slidenum">
               <a:rPr lang="en-US" smtClean="0"/>
-              <a:t>13</a:t>
+              <a:t>12</a:t>
             </a:fld>
             <a:endParaRPr lang="en-US"/>
           </a:p>
@@ -745,7 +740,7 @@
     </p:spTree>
     <p:extLst>
       <p:ext uri="{BB962C8B-B14F-4D97-AF65-F5344CB8AC3E}">
-        <p14:creationId xmlns:p14="http://schemas.microsoft.com/office/powerpoint/2010/main" val="134673190"/>
+        <p14:creationId xmlns:p14="http://schemas.microsoft.com/office/powerpoint/2010/main" val="1254962575"/>
       </p:ext>
     </p:extLst>
   </p:cSld>
@@ -799,177 +794,6 @@
           <a:bodyPr/>
           <a:lstStyle/>
           <a:p>
-            <a:r>
-              <a:rPr lang="en-US" dirty="0"/>
-              <a:t>shorter</a:t>
-            </a:r>
-          </a:p>
-        </p:txBody>
-      </p:sp>
-      <p:sp>
-        <p:nvSpPr>
-          <p:cNvPr id="4" name="Slide Number Placeholder 3"/>
-          <p:cNvSpPr>
-            <a:spLocks noGrp="1"/>
-          </p:cNvSpPr>
-          <p:nvPr>
-            <p:ph type="sldNum" sz="quarter" idx="5"/>
-          </p:nvPr>
-        </p:nvSpPr>
-        <p:spPr/>
-        <p:txBody>
-          <a:bodyPr/>
-          <a:lstStyle/>
-          <a:p>
-            <a:fld id="{B8A8EFB7-3FDF-44E2-B43C-367A622D6F93}" type="slidenum">
-              <a:rPr lang="en-US" smtClean="0"/>
-              <a:t>15</a:t>
-            </a:fld>
-            <a:endParaRPr lang="en-US"/>
-          </a:p>
-        </p:txBody>
-      </p:sp>
-    </p:spTree>
-    <p:extLst>
-      <p:ext uri="{BB962C8B-B14F-4D97-AF65-F5344CB8AC3E}">
-        <p14:creationId xmlns:p14="http://schemas.microsoft.com/office/powerpoint/2010/main" val="3839820946"/>
-      </p:ext>
-    </p:extLst>
-  </p:cSld>
-  <p:clrMapOvr>
-    <a:masterClrMapping/>
-  </p:clrMapOvr>
-</p:notes>
-</file>
-
-<file path=ppt/notesSlides/notesSlide13.xml><?xml version="1.0" encoding="utf-8"?>
-<p:notes xmlns:a="http://schemas.openxmlformats.org/drawingml/2006/main" xmlns:r="http://schemas.openxmlformats.org/officeDocument/2006/relationships" xmlns:p="http://schemas.openxmlformats.org/presentationml/2006/main">
-  <p:cSld>
-    <p:spTree>
-      <p:nvGrpSpPr>
-        <p:cNvPr id="1" name=""/>
-        <p:cNvGrpSpPr/>
-        <p:nvPr/>
-      </p:nvGrpSpPr>
-      <p:grpSpPr>
-        <a:xfrm>
-          <a:off x="0" y="0"/>
-          <a:ext cx="0" cy="0"/>
-          <a:chOff x="0" y="0"/>
-          <a:chExt cx="0" cy="0"/>
-        </a:xfrm>
-      </p:grpSpPr>
-      <p:sp>
-        <p:nvSpPr>
-          <p:cNvPr id="2" name="Slide Image Placeholder 1"/>
-          <p:cNvSpPr>
-            <a:spLocks noGrp="1" noRot="1" noChangeAspect="1"/>
-          </p:cNvSpPr>
-          <p:nvPr>
-            <p:ph type="sldImg"/>
-          </p:nvPr>
-        </p:nvSpPr>
-        <p:spPr/>
-      </p:sp>
-      <p:sp>
-        <p:nvSpPr>
-          <p:cNvPr id="3" name="Notes Placeholder 2"/>
-          <p:cNvSpPr>
-            <a:spLocks noGrp="1"/>
-          </p:cNvSpPr>
-          <p:nvPr>
-            <p:ph type="body" idx="1"/>
-          </p:nvPr>
-        </p:nvSpPr>
-        <p:spPr/>
-        <p:txBody>
-          <a:bodyPr/>
-          <a:lstStyle/>
-          <a:p>
-            <a:endParaRPr lang="en-US" dirty="0"/>
-          </a:p>
-        </p:txBody>
-      </p:sp>
-      <p:sp>
-        <p:nvSpPr>
-          <p:cNvPr id="4" name="Slide Number Placeholder 3"/>
-          <p:cNvSpPr>
-            <a:spLocks noGrp="1"/>
-          </p:cNvSpPr>
-          <p:nvPr>
-            <p:ph type="sldNum" sz="quarter" idx="5"/>
-          </p:nvPr>
-        </p:nvSpPr>
-        <p:spPr/>
-        <p:txBody>
-          <a:bodyPr/>
-          <a:lstStyle/>
-          <a:p>
-            <a:fld id="{B8A8EFB7-3FDF-44E2-B43C-367A622D6F93}" type="slidenum">
-              <a:rPr lang="en-US" smtClean="0"/>
-              <a:t>17</a:t>
-            </a:fld>
-            <a:endParaRPr lang="en-US"/>
-          </a:p>
-        </p:txBody>
-      </p:sp>
-    </p:spTree>
-    <p:extLst>
-      <p:ext uri="{BB962C8B-B14F-4D97-AF65-F5344CB8AC3E}">
-        <p14:creationId xmlns:p14="http://schemas.microsoft.com/office/powerpoint/2010/main" val="1254962575"/>
-      </p:ext>
-    </p:extLst>
-  </p:cSld>
-  <p:clrMapOvr>
-    <a:masterClrMapping/>
-  </p:clrMapOvr>
-</p:notes>
-</file>
-
-<file path=ppt/notesSlides/notesSlide14.xml><?xml version="1.0" encoding="utf-8"?>
-<p:notes xmlns:a="http://schemas.openxmlformats.org/drawingml/2006/main" xmlns:r="http://schemas.openxmlformats.org/officeDocument/2006/relationships" xmlns:p="http://schemas.openxmlformats.org/presentationml/2006/main">
-  <p:cSld>
-    <p:spTree>
-      <p:nvGrpSpPr>
-        <p:cNvPr id="1" name=""/>
-        <p:cNvGrpSpPr/>
-        <p:nvPr/>
-      </p:nvGrpSpPr>
-      <p:grpSpPr>
-        <a:xfrm>
-          <a:off x="0" y="0"/>
-          <a:ext cx="0" cy="0"/>
-          <a:chOff x="0" y="0"/>
-          <a:chExt cx="0" cy="0"/>
-        </a:xfrm>
-      </p:grpSpPr>
-      <p:sp>
-        <p:nvSpPr>
-          <p:cNvPr id="2" name="Slide Image Placeholder 1"/>
-          <p:cNvSpPr>
-            <a:spLocks noGrp="1" noRot="1" noChangeAspect="1"/>
-          </p:cNvSpPr>
-          <p:nvPr>
-            <p:ph type="sldImg"/>
-          </p:nvPr>
-        </p:nvSpPr>
-        <p:spPr/>
-      </p:sp>
-      <p:sp>
-        <p:nvSpPr>
-          <p:cNvPr id="3" name="Notes Placeholder 2"/>
-          <p:cNvSpPr>
-            <a:spLocks noGrp="1"/>
-          </p:cNvSpPr>
-          <p:nvPr>
-            <p:ph type="body" idx="1"/>
-          </p:nvPr>
-        </p:nvSpPr>
-        <p:spPr/>
-        <p:txBody>
-          <a:bodyPr/>
-          <a:lstStyle/>
-          <a:p>
             <a:pPr marL="0" marR="0" lvl="0" indent="0" algn="l" defTabSz="914400" rtl="0" eaLnBrk="1" fontAlgn="auto" latinLnBrk="0" hangingPunct="1">
               <a:lnSpc>
                 <a:spcPct val="100000"/>
@@ -1260,7 +1084,18 @@
               <a:tabLst/>
               <a:defRPr/>
             </a:pPr>
-            <a:endParaRPr lang="en-US" dirty="0"/>
+            <a:r>
+              <a:rPr lang="en-US" dirty="0"/>
+              <a:t>7. Modify the hyperparameters with transfer learning: freeze the </a:t>
+            </a:r>
+            <a:r>
+              <a:rPr lang="en-US" dirty="0" err="1"/>
+              <a:t>cnn+rnn</a:t>
+            </a:r>
+            <a:r>
+              <a:rPr lang="en-US" dirty="0"/>
+              <a:t> model, append a shallow network. </a:t>
+            </a:r>
           </a:p>
           <a:p>
             <a:pPr marL="0" marR="0" lvl="0" indent="0" algn="l" defTabSz="914400" rtl="0" eaLnBrk="1" fontAlgn="auto" latinLnBrk="0" hangingPunct="1">
@@ -1283,36 +1118,6 @@
             <a:endParaRPr lang="en-US" dirty="0"/>
           </a:p>
           <a:p>
-            <a:r>
-              <a:rPr lang="en-US" dirty="0" err="1"/>
-              <a:t>vocab_threshold</a:t>
-            </a:r>
-            <a:r>
-              <a:rPr lang="en-US" dirty="0"/>
-              <a:t> - the minimum word count threshold. Note that a larger threshold will result in a smaller vocabulary, whereas a smaller threshold will include rarer words and result in a larger vocabulary.</a:t>
-            </a:r>
-          </a:p>
-          <a:p>
-            <a:r>
-              <a:rPr lang="en-US" dirty="0" err="1"/>
-              <a:t>embed_size</a:t>
-            </a:r>
-            <a:r>
-              <a:rPr lang="en-US" dirty="0"/>
-              <a:t> - the dimensionality of the image and word embeddings.</a:t>
-            </a:r>
-          </a:p>
-          <a:p>
-            <a:r>
-              <a:rPr lang="en-US" dirty="0" err="1"/>
-              <a:t>hidden_size</a:t>
-            </a:r>
-            <a:r>
-              <a:rPr lang="en-US" dirty="0"/>
-              <a:t> - the number of features in the hidden state of the RNN decoder.</a:t>
-            </a:r>
-          </a:p>
-          <a:p>
             <a:pPr marL="0" marR="0" lvl="0" indent="0" algn="l" defTabSz="914400" rtl="0" eaLnBrk="1" fontAlgn="auto" latinLnBrk="0" hangingPunct="1">
               <a:lnSpc>
                 <a:spcPct val="100000"/>
@@ -1332,6 +1137,56 @@
             </a:pPr>
             <a:endParaRPr lang="en-US" dirty="0"/>
           </a:p>
+          <a:p>
+            <a:r>
+              <a:rPr lang="en-US" dirty="0" err="1"/>
+              <a:t>vocab_threshold</a:t>
+            </a:r>
+            <a:r>
+              <a:rPr lang="en-US" dirty="0"/>
+              <a:t> - the minimum word count threshold. Note that a larger threshold will result in a smaller vocabulary, whereas a smaller threshold will include rarer words and result in a larger vocabulary.</a:t>
+            </a:r>
+          </a:p>
+          <a:p>
+            <a:r>
+              <a:rPr lang="en-US" dirty="0" err="1"/>
+              <a:t>embed_size</a:t>
+            </a:r>
+            <a:r>
+              <a:rPr lang="en-US" dirty="0"/>
+              <a:t> - the dimensionality of the image and word embeddings.</a:t>
+            </a:r>
+          </a:p>
+          <a:p>
+            <a:r>
+              <a:rPr lang="en-US" dirty="0" err="1"/>
+              <a:t>hidden_size</a:t>
+            </a:r>
+            <a:r>
+              <a:rPr lang="en-US" dirty="0"/>
+              <a:t> - the number of features in the hidden state of the RNN decoder.</a:t>
+            </a:r>
+          </a:p>
+          <a:p>
+            <a:pPr marL="0" marR="0" lvl="0" indent="0" algn="l" defTabSz="914400" rtl="0" eaLnBrk="1" fontAlgn="auto" latinLnBrk="0" hangingPunct="1">
+              <a:lnSpc>
+                <a:spcPct val="100000"/>
+              </a:lnSpc>
+              <a:spcBef>
+                <a:spcPts val="0"/>
+              </a:spcBef>
+              <a:spcAft>
+                <a:spcPts val="0"/>
+              </a:spcAft>
+              <a:buClrTx/>
+              <a:buSzTx/>
+              <a:buFontTx/>
+              <a:buNone/>
+              <a:tabLst/>
+              <a:defRPr/>
+            </a:pPr>
+            <a:endParaRPr lang="en-US" dirty="0"/>
+          </a:p>
         </p:txBody>
       </p:sp>
       <p:sp>
@@ -1351,7 +1206,7 @@
           <a:p>
             <a:fld id="{B8A8EFB7-3FDF-44E2-B43C-367A622D6F93}" type="slidenum">
               <a:rPr lang="en-US" smtClean="0"/>
-              <a:t>19</a:t>
+              <a:t>16</a:t>
             </a:fld>
             <a:endParaRPr lang="en-US"/>
           </a:p>
@@ -1770,7 +1625,7 @@
           <a:p>
             <a:r>
               <a:rPr lang="en-US" dirty="0"/>
-              <a:t>So to feed the colored image into the CNN model, I transformed the image like this. The COCO data set has all kind of image sizes, I resize and crop the image into a 224 by 224 image. And it has 50/50 chance to get a horizontal flip.  Then, I transforms it a 224 by 224 by 3 tensor, and at the end, we normalize it using these mean value and deviation value. These </a:t>
+              <a:t>So to fed the colored image into the CNN model, I transformed the image like this. The COCO data set has all kind of image sizes, I resize and crop the image into a 224 by 224 image. And it has 50/50 chance to get a horizontal flip.  Then, I transforms it a 224 by 224 by 3 tensor, and at the end, we normalize it using these mean value and deviation value. These </a:t>
             </a:r>
             <a:r>
               <a:rPr lang="en-US" sz="1200" b="0" i="0" kern="1200" dirty="0">
@@ -2710,7 +2565,7 @@
           <a:p>
             <a:fld id="{0DBC61AA-F5D8-458C-B431-FC6805832662}" type="datetimeFigureOut">
               <a:rPr lang="en-US" smtClean="0"/>
-              <a:t>4/12/2020</a:t>
+              <a:t>4/13/2020</a:t>
             </a:fld>
             <a:endParaRPr lang="en-US"/>
           </a:p>
@@ -2918,7 +2773,7 @@
           <a:p>
             <a:fld id="{0DBC61AA-F5D8-458C-B431-FC6805832662}" type="datetimeFigureOut">
               <a:rPr lang="en-US" smtClean="0"/>
-              <a:t>4/12/2020</a:t>
+              <a:t>4/13/2020</a:t>
             </a:fld>
             <a:endParaRPr lang="en-US"/>
           </a:p>
@@ -3174,7 +3029,7 @@
           <a:p>
             <a:fld id="{0DBC61AA-F5D8-458C-B431-FC6805832662}" type="datetimeFigureOut">
               <a:rPr lang="en-US" smtClean="0"/>
-              <a:t>4/12/2020</a:t>
+              <a:t>4/13/2020</a:t>
             </a:fld>
             <a:endParaRPr lang="en-US"/>
           </a:p>
@@ -3348,7 +3203,7 @@
           <a:p>
             <a:fld id="{0DBC61AA-F5D8-458C-B431-FC6805832662}" type="datetimeFigureOut">
               <a:rPr lang="en-US" smtClean="0"/>
-              <a:t>4/12/2020</a:t>
+              <a:t>4/13/2020</a:t>
             </a:fld>
             <a:endParaRPr lang="en-US"/>
           </a:p>
@@ -3691,7 +3546,7 @@
           <a:p>
             <a:fld id="{0DBC61AA-F5D8-458C-B431-FC6805832662}" type="datetimeFigureOut">
               <a:rPr lang="en-US" smtClean="0"/>
-              <a:t>4/12/2020</a:t>
+              <a:t>4/13/2020</a:t>
             </a:fld>
             <a:endParaRPr lang="en-US"/>
           </a:p>
@@ -3966,7 +3821,7 @@
           <a:p>
             <a:fld id="{0DBC61AA-F5D8-458C-B431-FC6805832662}" type="datetimeFigureOut">
               <a:rPr lang="en-US" smtClean="0"/>
-              <a:t>4/12/2020</a:t>
+              <a:t>4/13/2020</a:t>
             </a:fld>
             <a:endParaRPr lang="en-US"/>
           </a:p>
@@ -4345,7 +4200,7 @@
           <a:p>
             <a:fld id="{0DBC61AA-F5D8-458C-B431-FC6805832662}" type="datetimeFigureOut">
               <a:rPr lang="en-US" smtClean="0"/>
-              <a:t>4/12/2020</a:t>
+              <a:t>4/13/2020</a:t>
             </a:fld>
             <a:endParaRPr lang="en-US"/>
           </a:p>
@@ -4463,7 +4318,7 @@
           <a:p>
             <a:fld id="{0DBC61AA-F5D8-458C-B431-FC6805832662}" type="datetimeFigureOut">
               <a:rPr lang="en-US" smtClean="0"/>
-              <a:t>4/12/2020</a:t>
+              <a:t>4/13/2020</a:t>
             </a:fld>
             <a:endParaRPr lang="en-US"/>
           </a:p>
@@ -4634,7 +4489,7 @@
           <a:p>
             <a:fld id="{0DBC61AA-F5D8-458C-B431-FC6805832662}" type="datetimeFigureOut">
               <a:rPr lang="en-US" smtClean="0"/>
-              <a:t>4/12/2020</a:t>
+              <a:t>4/13/2020</a:t>
             </a:fld>
             <a:endParaRPr lang="en-US"/>
           </a:p>
@@ -4988,7 +4843,7 @@
           <a:p>
             <a:fld id="{0DBC61AA-F5D8-458C-B431-FC6805832662}" type="datetimeFigureOut">
               <a:rPr lang="en-US" smtClean="0"/>
-              <a:t>4/12/2020</a:t>
+              <a:t>4/13/2020</a:t>
             </a:fld>
             <a:endParaRPr lang="en-US"/>
           </a:p>
@@ -5370,7 +5225,7 @@
           <a:p>
             <a:fld id="{0DBC61AA-F5D8-458C-B431-FC6805832662}" type="datetimeFigureOut">
               <a:rPr lang="en-US" smtClean="0"/>
-              <a:t>4/12/2020</a:t>
+              <a:t>4/13/2020</a:t>
             </a:fld>
             <a:endParaRPr lang="en-US"/>
           </a:p>
@@ -5657,7 +5512,7 @@
           <a:p>
             <a:fld id="{0DBC61AA-F5D8-458C-B431-FC6805832662}" type="datetimeFigureOut">
               <a:rPr lang="en-US" smtClean="0"/>
-              <a:t>4/12/2020</a:t>
+              <a:t>4/13/2020</a:t>
             </a:fld>
             <a:endParaRPr lang="en-US"/>
           </a:p>
@@ -6263,6 +6118,14 @@
 <file path=ppt/slides/slide10.xml><?xml version="1.0" encoding="utf-8"?>
 <p:sld xmlns:a="http://schemas.openxmlformats.org/drawingml/2006/main" xmlns:r="http://schemas.openxmlformats.org/officeDocument/2006/relationships" xmlns:p="http://schemas.openxmlformats.org/presentationml/2006/main">
   <p:cSld>
+    <p:bg>
+      <p:bgPr>
+        <a:solidFill>
+          <a:schemeClr val="bg1"/>
+        </a:solidFill>
+        <a:effectLst/>
+      </p:bgPr>
+    </p:bg>
     <p:spTree>
       <p:nvGrpSpPr>
         <p:cNvPr id="1" name=""/>
@@ -6277,6 +6140,66 @@
           <a:chExt cx="0" cy="0"/>
         </a:xfrm>
       </p:grpSpPr>
+      <p:sp useBgFill="1">
+        <p:nvSpPr>
+          <p:cNvPr id="12" name="Rectangle 11">
+            <a:extLst>
+              <a:ext uri="{FF2B5EF4-FFF2-40B4-BE49-F238E27FC236}">
+                <a16:creationId xmlns:a16="http://schemas.microsoft.com/office/drawing/2014/main" id="{52ABB703-2B0E-4C3B-B4A2-F3973548E561}"/>
+              </a:ext>
+              <a:ext uri="{C183D7F6-B498-43B3-948B-1728B52AA6E4}">
+                <adec:decorative xmlns:adec="http://schemas.microsoft.com/office/drawing/2017/decorative" val="1"/>
+              </a:ext>
+            </a:extLst>
+          </p:cNvPr>
+          <p:cNvSpPr>
+            <a:spLocks noGrp="1" noRot="1" noChangeAspect="1" noMove="1" noResize="1" noEditPoints="1" noAdjustHandles="1" noChangeArrowheads="1" noChangeShapeType="1" noTextEdit="1"/>
+          </p:cNvSpPr>
+          <p:nvPr>
+            <p:extLst>
+              <p:ext uri="{386F3935-93C4-4BCD-93E2-E3B085C9AB24}">
+                <p16:designElem xmlns:p16="http://schemas.microsoft.com/office/powerpoint/2015/main" val="1"/>
+              </p:ext>
+            </p:extLst>
+          </p:nvPr>
+        </p:nvSpPr>
+        <p:spPr>
+          <a:xfrm>
+            <a:off x="0" y="0"/>
+            <a:ext cx="12192001" cy="6334316"/>
+          </a:xfrm>
+          <a:prstGeom prst="rect">
+            <a:avLst/>
+          </a:prstGeom>
+          <a:ln>
+            <a:noFill/>
+          </a:ln>
+        </p:spPr>
+        <p:style>
+          <a:lnRef idx="2">
+            <a:schemeClr val="accent1">
+              <a:shade val="50000"/>
+            </a:schemeClr>
+          </a:lnRef>
+          <a:fillRef idx="1">
+            <a:schemeClr val="accent1"/>
+          </a:fillRef>
+          <a:effectRef idx="0">
+            <a:schemeClr val="accent1"/>
+          </a:effectRef>
+          <a:fontRef idx="minor">
+            <a:schemeClr val="lt1"/>
+          </a:fontRef>
+        </p:style>
+        <p:txBody>
+          <a:bodyPr rtlCol="0" anchor="ctr"/>
+          <a:lstStyle/>
+          <a:p>
+            <a:pPr algn="ctr"/>
+            <a:endParaRPr lang="en-US"/>
+          </a:p>
+        </p:txBody>
+      </p:sp>
       <p:sp>
         <p:nvSpPr>
           <p:cNvPr id="2" name="Title 1">
@@ -6293,13 +6216,20 @@
             <p:ph type="title"/>
           </p:nvPr>
         </p:nvSpPr>
-        <p:spPr/>
-        <p:txBody>
-          <a:bodyPr/>
+        <p:spPr>
+          <a:xfrm>
+            <a:off x="6411685" y="634946"/>
+            <a:ext cx="5127171" cy="1450757"/>
+          </a:xfrm>
+        </p:spPr>
+        <p:txBody>
+          <a:bodyPr vert="horz" lIns="91440" tIns="45720" rIns="91440" bIns="45720" rtlCol="0" anchor="b">
+            <a:normAutofit/>
+          </a:bodyPr>
           <a:lstStyle/>
           <a:p>
             <a:r>
-              <a:rPr lang="en-US" dirty="0" err="1"/>
+              <a:rPr lang="en-US"/>
               <a:t>WordEmbeddings</a:t>
             </a:r>
             <a:endParaRPr lang="en-US" dirty="0"/>
@@ -6308,19 +6238,17 @@
       </p:sp>
       <p:pic>
         <p:nvPicPr>
-          <p:cNvPr id="5" name="Content Placeholder 4">
+          <p:cNvPr id="4" name="Picture 3">
             <a:extLst>
               <a:ext uri="{FF2B5EF4-FFF2-40B4-BE49-F238E27FC236}">
-                <a16:creationId xmlns:a16="http://schemas.microsoft.com/office/drawing/2014/main" id="{5A01F430-1454-0142-93D4-E5F1B0003609}"/>
+                <a16:creationId xmlns:a16="http://schemas.microsoft.com/office/drawing/2014/main" id="{5C54F61A-34C2-D445-908B-6C6071ABF3F4}"/>
               </a:ext>
             </a:extLst>
           </p:cNvPr>
           <p:cNvPicPr>
-            <a:picLocks noGrp="1" noChangeAspect="1"/>
+            <a:picLocks noChangeAspect="1"/>
           </p:cNvPicPr>
-          <p:nvPr>
-            <p:ph idx="1"/>
-          </p:nvPr>
+          <p:nvPr/>
         </p:nvPicPr>
         <p:blipFill>
           <a:blip r:embed="rId3">
@@ -6336,11 +6264,233 @@
         </p:blipFill>
         <p:spPr>
           <a:xfrm>
-            <a:off x="1096963" y="2281103"/>
-            <a:ext cx="10058400" cy="3153045"/>
-          </a:xfrm>
+            <a:off x="643192" y="1774466"/>
+            <a:ext cx="5451627" cy="2989026"/>
+          </a:xfrm>
+          <a:prstGeom prst="rect">
+            <a:avLst/>
+          </a:prstGeom>
         </p:spPr>
       </p:pic>
+      <p:cxnSp>
+        <p:nvCxnSpPr>
+          <p:cNvPr id="14" name="Straight Connector 13">
+            <a:extLst>
+              <a:ext uri="{FF2B5EF4-FFF2-40B4-BE49-F238E27FC236}">
+                <a16:creationId xmlns:a16="http://schemas.microsoft.com/office/drawing/2014/main" id="{9C21570E-E159-49A6-9891-FA397B7A92D3}"/>
+              </a:ext>
+              <a:ext uri="{C183D7F6-B498-43B3-948B-1728B52AA6E4}">
+                <adec:decorative xmlns:adec="http://schemas.microsoft.com/office/drawing/2017/decorative" val="1"/>
+              </a:ext>
+            </a:extLst>
+          </p:cNvPr>
+          <p:cNvCxnSpPr>
+            <a:cxnSpLocks noGrp="1" noRot="1" noChangeAspect="1" noMove="1" noResize="1" noEditPoints="1" noAdjustHandles="1" noChangeArrowheads="1" noChangeShapeType="1"/>
+          </p:cNvCxnSpPr>
+          <p:nvPr>
+            <p:extLst>
+              <p:ext uri="{386F3935-93C4-4BCD-93E2-E3B085C9AB24}">
+                <p16:designElem xmlns:p16="http://schemas.microsoft.com/office/powerpoint/2015/main" val="1"/>
+              </p:ext>
+            </p:extLst>
+          </p:nvPr>
+        </p:nvCxnSpPr>
+        <p:spPr>
+          <a:xfrm>
+            <a:off x="6411684" y="2086188"/>
+            <a:ext cx="4748808" cy="0"/>
+          </a:xfrm>
+          <a:prstGeom prst="line">
+            <a:avLst/>
+          </a:prstGeom>
+          <a:ln w="6350">
+            <a:solidFill>
+              <a:schemeClr val="tx1">
+                <a:lumMod val="50000"/>
+                <a:lumOff val="50000"/>
+                <a:alpha val="90000"/>
+              </a:schemeClr>
+            </a:solidFill>
+          </a:ln>
+        </p:spPr>
+        <p:style>
+          <a:lnRef idx="1">
+            <a:schemeClr val="accent1"/>
+          </a:lnRef>
+          <a:fillRef idx="0">
+            <a:schemeClr val="accent1"/>
+          </a:fillRef>
+          <a:effectRef idx="0">
+            <a:schemeClr val="accent1"/>
+          </a:effectRef>
+          <a:fontRef idx="minor">
+            <a:schemeClr val="tx1"/>
+          </a:fontRef>
+        </p:style>
+      </p:cxnSp>
+      <p:sp>
+        <p:nvSpPr>
+          <p:cNvPr id="7" name="Rectangle 6">
+            <a:extLst>
+              <a:ext uri="{FF2B5EF4-FFF2-40B4-BE49-F238E27FC236}">
+                <a16:creationId xmlns:a16="http://schemas.microsoft.com/office/drawing/2014/main" id="{537C84BD-6338-F84E-8AC5-8D5F74DD1BE9}"/>
+              </a:ext>
+            </a:extLst>
+          </p:cNvPr>
+          <p:cNvSpPr/>
+          <p:nvPr/>
+        </p:nvSpPr>
+        <p:spPr>
+          <a:xfrm>
+            <a:off x="6411684" y="2198914"/>
+            <a:ext cx="5127172" cy="3670180"/>
+          </a:xfrm>
+          <a:prstGeom prst="rect">
+            <a:avLst/>
+          </a:prstGeom>
+        </p:spPr>
+        <p:txBody>
+          <a:bodyPr vert="horz" lIns="0" tIns="45720" rIns="0" bIns="45720" rtlCol="0">
+            <a:normAutofit/>
+          </a:bodyPr>
+          <a:lstStyle/>
+          <a:p>
+            <a:pPr defTabSz="914400">
+              <a:lnSpc>
+                <a:spcPct val="90000"/>
+              </a:lnSpc>
+              <a:spcAft>
+                <a:spcPts val="600"/>
+              </a:spcAft>
+              <a:buClr>
+                <a:schemeClr val="accent1"/>
+              </a:buClr>
+              <a:buFont typeface="Calibri" panose="020F0502020204030204" pitchFamily="34" charset="0"/>
+            </a:pPr>
+            <a:r>
+              <a:rPr lang="en-US" dirty="0">
+                <a:solidFill>
+                  <a:schemeClr val="tx1">
+                    <a:lumMod val="75000"/>
+                    <a:lumOff val="25000"/>
+                  </a:schemeClr>
+                </a:solidFill>
+              </a:rPr>
+              <a:t>Word embeddings are a type of word representation that allows words with similar meaning to have a similar representation.</a:t>
+            </a:r>
+          </a:p>
+        </p:txBody>
+      </p:sp>
+      <p:sp>
+        <p:nvSpPr>
+          <p:cNvPr id="16" name="Rectangle 15">
+            <a:extLst>
+              <a:ext uri="{FF2B5EF4-FFF2-40B4-BE49-F238E27FC236}">
+                <a16:creationId xmlns:a16="http://schemas.microsoft.com/office/drawing/2014/main" id="{E95DA498-D9A2-4DA9-B9DA-B3776E08CF7E}"/>
+              </a:ext>
+              <a:ext uri="{C183D7F6-B498-43B3-948B-1728B52AA6E4}">
+                <adec:decorative xmlns:adec="http://schemas.microsoft.com/office/drawing/2017/decorative" val="1"/>
+              </a:ext>
+            </a:extLst>
+          </p:cNvPr>
+          <p:cNvSpPr>
+            <a:spLocks noGrp="1" noRot="1" noChangeAspect="1" noMove="1" noResize="1" noEditPoints="1" noAdjustHandles="1" noChangeArrowheads="1" noChangeShapeType="1" noTextEdit="1"/>
+          </p:cNvSpPr>
+          <p:nvPr>
+            <p:extLst>
+              <p:ext uri="{386F3935-93C4-4BCD-93E2-E3B085C9AB24}">
+                <p16:designElem xmlns:p16="http://schemas.microsoft.com/office/powerpoint/2015/main" val="1"/>
+              </p:ext>
+            </p:extLst>
+          </p:nvPr>
+        </p:nvSpPr>
+        <p:spPr>
+          <a:xfrm>
+            <a:off x="15" y="6334316"/>
+            <a:ext cx="12191985" cy="66484"/>
+          </a:xfrm>
+          <a:prstGeom prst="rect">
+            <a:avLst/>
+          </a:prstGeom>
+          <a:solidFill>
+            <a:schemeClr val="accent1"/>
+          </a:solidFill>
+          <a:ln>
+            <a:noFill/>
+          </a:ln>
+        </p:spPr>
+        <p:style>
+          <a:lnRef idx="2">
+            <a:schemeClr val="accent1">
+              <a:shade val="50000"/>
+            </a:schemeClr>
+          </a:lnRef>
+          <a:fillRef idx="1">
+            <a:schemeClr val="accent1"/>
+          </a:fillRef>
+          <a:effectRef idx="0">
+            <a:schemeClr val="accent1"/>
+          </a:effectRef>
+          <a:fontRef idx="minor">
+            <a:schemeClr val="lt1"/>
+          </a:fontRef>
+        </p:style>
+      </p:sp>
+      <p:sp>
+        <p:nvSpPr>
+          <p:cNvPr id="18" name="Rectangle 17">
+            <a:extLst>
+              <a:ext uri="{FF2B5EF4-FFF2-40B4-BE49-F238E27FC236}">
+                <a16:creationId xmlns:a16="http://schemas.microsoft.com/office/drawing/2014/main" id="{82A73093-4B9D-420D-B17E-52293703A1D4}"/>
+              </a:ext>
+              <a:ext uri="{C183D7F6-B498-43B3-948B-1728B52AA6E4}">
+                <adec:decorative xmlns:adec="http://schemas.microsoft.com/office/drawing/2017/decorative" val="1"/>
+              </a:ext>
+            </a:extLst>
+          </p:cNvPr>
+          <p:cNvSpPr>
+            <a:spLocks noGrp="1" noRot="1" noChangeAspect="1" noMove="1" noResize="1" noEditPoints="1" noAdjustHandles="1" noChangeArrowheads="1" noChangeShapeType="1" noTextEdit="1"/>
+          </p:cNvSpPr>
+          <p:nvPr>
+            <p:extLst>
+              <p:ext uri="{386F3935-93C4-4BCD-93E2-E3B085C9AB24}">
+                <p16:designElem xmlns:p16="http://schemas.microsoft.com/office/powerpoint/2015/main" val="1"/>
+              </p:ext>
+            </p:extLst>
+          </p:nvPr>
+        </p:nvSpPr>
+        <p:spPr>
+          <a:xfrm>
+            <a:off x="1" y="6400800"/>
+            <a:ext cx="12192000" cy="457200"/>
+          </a:xfrm>
+          <a:prstGeom prst="rect">
+            <a:avLst/>
+          </a:prstGeom>
+          <a:solidFill>
+            <a:schemeClr val="accent2"/>
+          </a:solidFill>
+          <a:ln>
+            <a:noFill/>
+          </a:ln>
+        </p:spPr>
+        <p:style>
+          <a:lnRef idx="2">
+            <a:schemeClr val="accent1">
+              <a:shade val="50000"/>
+            </a:schemeClr>
+          </a:lnRef>
+          <a:fillRef idx="1">
+            <a:schemeClr val="accent1"/>
+          </a:fillRef>
+          <a:effectRef idx="0">
+            <a:schemeClr val="accent1"/>
+          </a:effectRef>
+          <a:fontRef idx="minor">
+            <a:schemeClr val="lt1"/>
+          </a:fontRef>
+        </p:style>
+      </p:sp>
     </p:spTree>
     <p:extLst>
       <p:ext uri="{BB962C8B-B14F-4D97-AF65-F5344CB8AC3E}">
@@ -6371,54 +6521,19 @@
           <a:chExt cx="0" cy="0"/>
         </a:xfrm>
       </p:grpSpPr>
-      <p:sp>
-        <p:nvSpPr>
-          <p:cNvPr id="2" name="Title 1">
+      <p:pic>
+        <p:nvPicPr>
+          <p:cNvPr id="6" name="Picture 5">
             <a:extLst>
               <a:ext uri="{FF2B5EF4-FFF2-40B4-BE49-F238E27FC236}">
-                <a16:creationId xmlns:a16="http://schemas.microsoft.com/office/drawing/2014/main" id="{689F90C7-2CF5-5A43-9F90-5F8D154BFE5D}"/>
-              </a:ext>
-            </a:extLst>
-          </p:cNvPr>
-          <p:cNvSpPr>
-            <a:spLocks noGrp="1"/>
-          </p:cNvSpPr>
-          <p:nvPr>
-            <p:ph type="title"/>
-          </p:nvPr>
-        </p:nvSpPr>
-        <p:spPr>
-          <a:xfrm>
-            <a:off x="1097281" y="-364560"/>
-            <a:ext cx="10058400" cy="1450757"/>
-          </a:xfrm>
-        </p:spPr>
-        <p:txBody>
-          <a:bodyPr/>
-          <a:lstStyle/>
-          <a:p>
-            <a:r>
-              <a:rPr lang="en-US" dirty="0"/>
-              <a:t>Attention models</a:t>
-            </a:r>
-          </a:p>
-        </p:txBody>
-      </p:sp>
-      <p:pic>
-        <p:nvPicPr>
-          <p:cNvPr id="5" name="Content Placeholder 4">
-            <a:extLst>
-              <a:ext uri="{FF2B5EF4-FFF2-40B4-BE49-F238E27FC236}">
-                <a16:creationId xmlns:a16="http://schemas.microsoft.com/office/drawing/2014/main" id="{46BBC194-D47D-F34A-8AD9-528824242761}"/>
+                <a16:creationId xmlns:a16="http://schemas.microsoft.com/office/drawing/2014/main" id="{1F487132-691E-46D2-8BE3-A30D073F0C0F}"/>
               </a:ext>
             </a:extLst>
           </p:cNvPr>
           <p:cNvPicPr>
-            <a:picLocks noGrp="1" noChangeAspect="1"/>
+            <a:picLocks noChangeAspect="1"/>
           </p:cNvPicPr>
-          <p:nvPr>
-            <p:ph idx="1"/>
-          </p:nvPr>
+          <p:nvPr/>
         </p:nvPicPr>
         <p:blipFill>
           <a:blip r:embed="rId2">
@@ -6434,15 +6549,18 @@
         </p:blipFill>
         <p:spPr>
           <a:xfrm>
-            <a:off x="1097281" y="921227"/>
-            <a:ext cx="9997438" cy="5618158"/>
-          </a:xfrm>
+            <a:off x="279721" y="0"/>
+            <a:ext cx="11632557" cy="6858000"/>
+          </a:xfrm>
+          <a:prstGeom prst="rect">
+            <a:avLst/>
+          </a:prstGeom>
         </p:spPr>
       </p:pic>
     </p:spTree>
     <p:extLst>
       <p:ext uri="{BB962C8B-B14F-4D97-AF65-F5344CB8AC3E}">
-        <p14:creationId xmlns:p14="http://schemas.microsoft.com/office/powerpoint/2010/main" val="2416392922"/>
+        <p14:creationId xmlns:p14="http://schemas.microsoft.com/office/powerpoint/2010/main" val="1724076086"/>
       </p:ext>
     </p:extLst>
   </p:cSld>
@@ -6474,7 +6592,7 @@
           <p:cNvPr id="2" name="Title 1">
             <a:extLst>
               <a:ext uri="{FF2B5EF4-FFF2-40B4-BE49-F238E27FC236}">
-                <a16:creationId xmlns:a16="http://schemas.microsoft.com/office/drawing/2014/main" id="{9115102D-A9FB-D54F-80F6-2671CF72D26F}"/>
+                <a16:creationId xmlns:a16="http://schemas.microsoft.com/office/drawing/2014/main" id="{8B32E81F-27C5-1244-B934-6E1DE3065970}"/>
               </a:ext>
             </a:extLst>
           </p:cNvPr>
@@ -6492,7 +6610,7 @@
           <a:p>
             <a:r>
               <a:rPr lang="en-US" dirty="0"/>
-              <a:t>Traditional RNN cell</a:t>
+              <a:t>LSTM forward sequence</a:t>
             </a:r>
           </a:p>
         </p:txBody>
@@ -6502,7 +6620,7 @@
           <p:cNvPr id="5" name="Content Placeholder 4">
             <a:extLst>
               <a:ext uri="{FF2B5EF4-FFF2-40B4-BE49-F238E27FC236}">
-                <a16:creationId xmlns:a16="http://schemas.microsoft.com/office/drawing/2014/main" id="{3C37DDC9-BE6E-354E-8981-00F2E2573207}"/>
+                <a16:creationId xmlns:a16="http://schemas.microsoft.com/office/drawing/2014/main" id="{AB7E43C6-814F-4B46-87B5-7224475C17C7}"/>
               </a:ext>
             </a:extLst>
           </p:cNvPr>
@@ -6514,7 +6632,7 @@
           </p:nvPr>
         </p:nvPicPr>
         <p:blipFill>
-          <a:blip r:embed="rId2">
+          <a:blip r:embed="rId3">
             <a:extLst>
               <a:ext uri="{28A0092B-C50C-407E-A947-70E740481C1C}">
                 <a14:useLocalDpi xmlns:a14="http://schemas.microsoft.com/office/drawing/2010/main" val="0"/>
@@ -6527,15 +6645,15 @@
         </p:blipFill>
         <p:spPr>
           <a:xfrm>
-            <a:off x="193642" y="2025366"/>
-            <a:ext cx="11804715" cy="4546031"/>
+            <a:off x="0" y="2148002"/>
+            <a:ext cx="12057083" cy="2860052"/>
           </a:xfrm>
         </p:spPr>
       </p:pic>
     </p:spTree>
     <p:extLst>
       <p:ext uri="{BB962C8B-B14F-4D97-AF65-F5344CB8AC3E}">
-        <p14:creationId xmlns:p14="http://schemas.microsoft.com/office/powerpoint/2010/main" val="3482589772"/>
+        <p14:creationId xmlns:p14="http://schemas.microsoft.com/office/powerpoint/2010/main" val="3091206275"/>
       </p:ext>
     </p:extLst>
   </p:cSld>
@@ -6548,6 +6666,14 @@
 <file path=ppt/slides/slide13.xml><?xml version="1.0" encoding="utf-8"?>
 <p:sld xmlns:a="http://schemas.openxmlformats.org/drawingml/2006/main" xmlns:r="http://schemas.openxmlformats.org/officeDocument/2006/relationships" xmlns:p="http://schemas.openxmlformats.org/presentationml/2006/main">
   <p:cSld>
+    <p:bg>
+      <p:bgPr>
+        <a:solidFill>
+          <a:schemeClr val="bg1"/>
+        </a:solidFill>
+        <a:effectLst/>
+      </p:bgPr>
+    </p:bg>
     <p:spTree>
       <p:nvGrpSpPr>
         <p:cNvPr id="1" name=""/>
@@ -6564,10 +6690,235 @@
       </p:grpSpPr>
       <p:sp>
         <p:nvSpPr>
+          <p:cNvPr id="11" name="Rectangle 10">
+            <a:extLst>
+              <a:ext uri="{FF2B5EF4-FFF2-40B4-BE49-F238E27FC236}">
+                <a16:creationId xmlns:a16="http://schemas.microsoft.com/office/drawing/2014/main" id="{4E4490D0-3672-446A-AC12-B4830333BDDD}"/>
+              </a:ext>
+              <a:ext uri="{C183D7F6-B498-43B3-948B-1728B52AA6E4}">
+                <adec:decorative xmlns:adec="http://schemas.microsoft.com/office/drawing/2017/decorative" val="1"/>
+              </a:ext>
+            </a:extLst>
+          </p:cNvPr>
+          <p:cNvSpPr>
+            <a:spLocks noGrp="1" noRot="1" noChangeAspect="1" noMove="1" noResize="1" noEditPoints="1" noAdjustHandles="1" noChangeArrowheads="1" noChangeShapeType="1" noTextEdit="1"/>
+          </p:cNvSpPr>
+          <p:nvPr>
+            <p:extLst>
+              <p:ext uri="{386F3935-93C4-4BCD-93E2-E3B085C9AB24}">
+                <p16:designElem xmlns:p16="http://schemas.microsoft.com/office/powerpoint/2015/main" val="1"/>
+              </p:ext>
+            </p:extLst>
+          </p:nvPr>
+        </p:nvSpPr>
+        <p:spPr>
+          <a:xfrm>
+            <a:off x="3175" y="6400800"/>
+            <a:ext cx="12188825" cy="457200"/>
+          </a:xfrm>
+          <a:prstGeom prst="rect">
+            <a:avLst/>
+          </a:prstGeom>
+          <a:solidFill>
+            <a:schemeClr val="accent2"/>
+          </a:solidFill>
+          <a:ln>
+            <a:noFill/>
+          </a:ln>
+        </p:spPr>
+        <p:style>
+          <a:lnRef idx="2">
+            <a:schemeClr val="accent1">
+              <a:shade val="50000"/>
+            </a:schemeClr>
+          </a:lnRef>
+          <a:fillRef idx="1">
+            <a:schemeClr val="accent1"/>
+          </a:fillRef>
+          <a:effectRef idx="0">
+            <a:schemeClr val="accent1"/>
+          </a:effectRef>
+          <a:fontRef idx="minor">
+            <a:schemeClr val="lt1"/>
+          </a:fontRef>
+        </p:style>
+      </p:sp>
+      <p:sp>
+        <p:nvSpPr>
+          <p:cNvPr id="13" name="Rectangle 12">
+            <a:extLst>
+              <a:ext uri="{FF2B5EF4-FFF2-40B4-BE49-F238E27FC236}">
+                <a16:creationId xmlns:a16="http://schemas.microsoft.com/office/drawing/2014/main" id="{39CB82C2-DF65-4EC1-8280-F201D50F570B}"/>
+              </a:ext>
+              <a:ext uri="{C183D7F6-B498-43B3-948B-1728B52AA6E4}">
+                <adec:decorative xmlns:adec="http://schemas.microsoft.com/office/drawing/2017/decorative" val="1"/>
+              </a:ext>
+            </a:extLst>
+          </p:cNvPr>
+          <p:cNvSpPr>
+            <a:spLocks noGrp="1" noRot="1" noChangeAspect="1" noMove="1" noResize="1" noEditPoints="1" noAdjustHandles="1" noChangeArrowheads="1" noChangeShapeType="1" noTextEdit="1"/>
+          </p:cNvSpPr>
+          <p:nvPr>
+            <p:extLst>
+              <p:ext uri="{386F3935-93C4-4BCD-93E2-E3B085C9AB24}">
+                <p16:designElem xmlns:p16="http://schemas.microsoft.com/office/powerpoint/2015/main" val="1"/>
+              </p:ext>
+            </p:extLst>
+          </p:nvPr>
+        </p:nvSpPr>
+        <p:spPr>
+          <a:xfrm>
+            <a:off x="15" y="6334316"/>
+            <a:ext cx="12188825" cy="64008"/>
+          </a:xfrm>
+          <a:prstGeom prst="rect">
+            <a:avLst/>
+          </a:prstGeom>
+          <a:solidFill>
+            <a:schemeClr val="accent1"/>
+          </a:solidFill>
+          <a:ln>
+            <a:noFill/>
+          </a:ln>
+        </p:spPr>
+        <p:style>
+          <a:lnRef idx="2">
+            <a:schemeClr val="accent1">
+              <a:shade val="50000"/>
+            </a:schemeClr>
+          </a:lnRef>
+          <a:fillRef idx="1">
+            <a:schemeClr val="accent1"/>
+          </a:fillRef>
+          <a:effectRef idx="0">
+            <a:schemeClr val="accent1"/>
+          </a:effectRef>
+          <a:fontRef idx="minor">
+            <a:schemeClr val="lt1"/>
+          </a:fontRef>
+        </p:style>
+      </p:sp>
+      <p:cxnSp>
+        <p:nvCxnSpPr>
+          <p:cNvPr id="15" name="Straight Connector 14">
+            <a:extLst>
+              <a:ext uri="{FF2B5EF4-FFF2-40B4-BE49-F238E27FC236}">
+                <a16:creationId xmlns:a16="http://schemas.microsoft.com/office/drawing/2014/main" id="{7E1D4427-852B-4B37-8E76-0E9F1810BA2A}"/>
+              </a:ext>
+              <a:ext uri="{C183D7F6-B498-43B3-948B-1728B52AA6E4}">
+                <adec:decorative xmlns:adec="http://schemas.microsoft.com/office/drawing/2017/decorative" val="1"/>
+              </a:ext>
+            </a:extLst>
+          </p:cNvPr>
+          <p:cNvCxnSpPr>
+            <a:cxnSpLocks noGrp="1" noRot="1" noChangeAspect="1" noMove="1" noResize="1" noEditPoints="1" noAdjustHandles="1" noChangeArrowheads="1" noChangeShapeType="1"/>
+          </p:cNvCxnSpPr>
+          <p:nvPr>
+            <p:extLst>
+              <p:ext uri="{386F3935-93C4-4BCD-93E2-E3B085C9AB24}">
+                <p16:designElem xmlns:p16="http://schemas.microsoft.com/office/powerpoint/2015/main" val="1"/>
+              </p:ext>
+            </p:extLst>
+          </p:nvPr>
+        </p:nvCxnSpPr>
+        <p:spPr>
+          <a:xfrm>
+            <a:off x="1207658" y="4343400"/>
+            <a:ext cx="9875520" cy="0"/>
+          </a:xfrm>
+          <a:prstGeom prst="line">
+            <a:avLst/>
+          </a:prstGeom>
+          <a:ln w="6350">
+            <a:solidFill>
+              <a:schemeClr val="tx1">
+                <a:lumMod val="50000"/>
+                <a:lumOff val="50000"/>
+              </a:schemeClr>
+            </a:solidFill>
+          </a:ln>
+        </p:spPr>
+        <p:style>
+          <a:lnRef idx="1">
+            <a:schemeClr val="accent1"/>
+          </a:lnRef>
+          <a:fillRef idx="0">
+            <a:schemeClr val="accent1"/>
+          </a:fillRef>
+          <a:effectRef idx="0">
+            <a:schemeClr val="accent1"/>
+          </a:effectRef>
+          <a:fontRef idx="minor">
+            <a:schemeClr val="tx1"/>
+          </a:fontRef>
+        </p:style>
+      </p:cxnSp>
+      <p:sp useBgFill="1">
+        <p:nvSpPr>
+          <p:cNvPr id="17" name="Rectangle 16">
+            <a:extLst>
+              <a:ext uri="{FF2B5EF4-FFF2-40B4-BE49-F238E27FC236}">
+                <a16:creationId xmlns:a16="http://schemas.microsoft.com/office/drawing/2014/main" id="{FA4CD5CB-D209-4D70-8CA4-629731C59219}"/>
+              </a:ext>
+              <a:ext uri="{C183D7F6-B498-43B3-948B-1728B52AA6E4}">
+                <adec:decorative xmlns:adec="http://schemas.microsoft.com/office/drawing/2017/decorative" val="1"/>
+              </a:ext>
+            </a:extLst>
+          </p:cNvPr>
+          <p:cNvSpPr>
+            <a:spLocks noGrp="1" noRot="1" noChangeAspect="1" noMove="1" noResize="1" noEditPoints="1" noAdjustHandles="1" noChangeArrowheads="1" noChangeShapeType="1" noTextEdit="1"/>
+          </p:cNvSpPr>
+          <p:nvPr>
+            <p:extLst>
+              <p:ext uri="{386F3935-93C4-4BCD-93E2-E3B085C9AB24}">
+                <p16:designElem xmlns:p16="http://schemas.microsoft.com/office/powerpoint/2015/main" val="1"/>
+              </p:ext>
+            </p:extLst>
+          </p:nvPr>
+        </p:nvSpPr>
+        <p:spPr>
+          <a:xfrm>
+            <a:off x="0" y="0"/>
+            <a:ext cx="12192001" cy="6334316"/>
+          </a:xfrm>
+          <a:prstGeom prst="rect">
+            <a:avLst/>
+          </a:prstGeom>
+          <a:ln>
+            <a:noFill/>
+          </a:ln>
+        </p:spPr>
+        <p:style>
+          <a:lnRef idx="2">
+            <a:schemeClr val="accent1">
+              <a:shade val="50000"/>
+            </a:schemeClr>
+          </a:lnRef>
+          <a:fillRef idx="1">
+            <a:schemeClr val="accent1"/>
+          </a:fillRef>
+          <a:effectRef idx="0">
+            <a:schemeClr val="accent1"/>
+          </a:effectRef>
+          <a:fontRef idx="minor">
+            <a:schemeClr val="lt1"/>
+          </a:fontRef>
+        </p:style>
+        <p:txBody>
+          <a:bodyPr rtlCol="0" anchor="ctr"/>
+          <a:lstStyle/>
+          <a:p>
+            <a:pPr algn="ctr"/>
+            <a:endParaRPr lang="en-US"/>
+          </a:p>
+        </p:txBody>
+      </p:sp>
+      <p:sp>
+        <p:nvSpPr>
           <p:cNvPr id="2" name="Title 1">
             <a:extLst>
               <a:ext uri="{FF2B5EF4-FFF2-40B4-BE49-F238E27FC236}">
-                <a16:creationId xmlns:a16="http://schemas.microsoft.com/office/drawing/2014/main" id="{9115102D-A9FB-D54F-80F6-2671CF72D26F}"/>
+                <a16:creationId xmlns:a16="http://schemas.microsoft.com/office/drawing/2014/main" id="{689F90C7-2CF5-5A43-9F90-5F8D154BFE5D}"/>
               </a:ext>
             </a:extLst>
           </p:cNvPr>
@@ -6578,34 +6929,50 @@
             <p:ph type="title"/>
           </p:nvPr>
         </p:nvSpPr>
-        <p:spPr/>
-        <p:txBody>
-          <a:bodyPr/>
+        <p:spPr>
+          <a:xfrm>
+            <a:off x="8141110" y="639097"/>
+            <a:ext cx="3401961" cy="3686015"/>
+          </a:xfrm>
+        </p:spPr>
+        <p:txBody>
+          <a:bodyPr vert="horz" lIns="91440" tIns="45720" rIns="91440" bIns="45720" rtlCol="0" anchor="b">
+            <a:normAutofit/>
+          </a:bodyPr>
           <a:lstStyle/>
           <a:p>
             <a:r>
-              <a:rPr lang="en-US" dirty="0"/>
-              <a:t>Traditional RNN cell</a:t>
+              <a:rPr lang="en-US" sz="6600">
+                <a:solidFill>
+                  <a:schemeClr val="tx1">
+                    <a:lumMod val="85000"/>
+                    <a:lumOff val="15000"/>
+                  </a:schemeClr>
+                </a:solidFill>
+              </a:rPr>
+              <a:t>Attention models</a:t>
             </a:r>
           </a:p>
         </p:txBody>
       </p:sp>
       <p:pic>
         <p:nvPicPr>
-          <p:cNvPr id="9" name="Picture 8">
+          <p:cNvPr id="6" name="Content Placeholder 4">
             <a:extLst>
               <a:ext uri="{FF2B5EF4-FFF2-40B4-BE49-F238E27FC236}">
-                <a16:creationId xmlns:a16="http://schemas.microsoft.com/office/drawing/2014/main" id="{8FC246B8-E8E9-1148-A6C1-68D23764FCDF}"/>
+                <a16:creationId xmlns:a16="http://schemas.microsoft.com/office/drawing/2014/main" id="{E7E7EC83-9981-4A11-8EE7-8CC7990565D8}"/>
               </a:ext>
             </a:extLst>
           </p:cNvPr>
           <p:cNvPicPr>
-            <a:picLocks noChangeAspect="1"/>
+            <a:picLocks noGrp="1" noChangeAspect="1"/>
           </p:cNvPicPr>
-          <p:nvPr/>
+          <p:nvPr>
+            <p:ph idx="1"/>
+          </p:nvPr>
         </p:nvPicPr>
         <p:blipFill>
-          <a:blip r:embed="rId3">
+          <a:blip r:embed="rId2">
             <a:extLst>
               <a:ext uri="{28A0092B-C50C-407E-A947-70E740481C1C}">
                 <a14:useLocalDpi xmlns:a14="http://schemas.microsoft.com/office/drawing/2010/main" val="0"/>
@@ -6618,18 +6985,182 @@
         </p:blipFill>
         <p:spPr>
           <a:xfrm>
-            <a:off x="1462335" y="1737360"/>
-            <a:ext cx="9790479" cy="5120640"/>
+            <a:off x="328246" y="1051112"/>
+            <a:ext cx="7812864" cy="4394733"/>
           </a:xfrm>
           <a:prstGeom prst="rect">
             <a:avLst/>
           </a:prstGeom>
         </p:spPr>
       </p:pic>
+      <p:cxnSp>
+        <p:nvCxnSpPr>
+          <p:cNvPr id="19" name="Straight Connector 18">
+            <a:extLst>
+              <a:ext uri="{FF2B5EF4-FFF2-40B4-BE49-F238E27FC236}">
+                <a16:creationId xmlns:a16="http://schemas.microsoft.com/office/drawing/2014/main" id="{5C6A2BAE-B461-4B55-8E1F-0722ABDD1393}"/>
+              </a:ext>
+              <a:ext uri="{C183D7F6-B498-43B3-948B-1728B52AA6E4}">
+                <adec:decorative xmlns:adec="http://schemas.microsoft.com/office/drawing/2017/decorative" val="1"/>
+              </a:ext>
+            </a:extLst>
+          </p:cNvPr>
+          <p:cNvCxnSpPr>
+            <a:cxnSpLocks noGrp="1" noRot="1" noChangeAspect="1" noMove="1" noResize="1" noEditPoints="1" noAdjustHandles="1" noChangeArrowheads="1" noChangeShapeType="1"/>
+          </p:cNvCxnSpPr>
+          <p:nvPr>
+            <p:extLst>
+              <p:ext uri="{386F3935-93C4-4BCD-93E2-E3B085C9AB24}">
+                <p16:designElem xmlns:p16="http://schemas.microsoft.com/office/powerpoint/2015/main" val="1"/>
+              </p:ext>
+            </p:extLst>
+          </p:nvPr>
+        </p:nvCxnSpPr>
+        <p:spPr>
+          <a:xfrm>
+            <a:off x="8209305" y="4343400"/>
+            <a:ext cx="3200400" cy="0"/>
+          </a:xfrm>
+          <a:prstGeom prst="line">
+            <a:avLst/>
+          </a:prstGeom>
+          <a:ln w="6350">
+            <a:solidFill>
+              <a:schemeClr val="tx2">
+                <a:alpha val="90000"/>
+              </a:schemeClr>
+            </a:solidFill>
+          </a:ln>
+        </p:spPr>
+        <p:style>
+          <a:lnRef idx="1">
+            <a:schemeClr val="accent1"/>
+          </a:lnRef>
+          <a:fillRef idx="0">
+            <a:schemeClr val="accent1"/>
+          </a:fillRef>
+          <a:effectRef idx="0">
+            <a:schemeClr val="accent1"/>
+          </a:effectRef>
+          <a:fontRef idx="minor">
+            <a:schemeClr val="tx1"/>
+          </a:fontRef>
+        </p:style>
+      </p:cxnSp>
+      <p:sp>
+        <p:nvSpPr>
+          <p:cNvPr id="21" name="Rectangle 20">
+            <a:extLst>
+              <a:ext uri="{FF2B5EF4-FFF2-40B4-BE49-F238E27FC236}">
+                <a16:creationId xmlns:a16="http://schemas.microsoft.com/office/drawing/2014/main" id="{B4C27B90-DF2B-4D00-BA07-18ED774CD2F1}"/>
+              </a:ext>
+              <a:ext uri="{C183D7F6-B498-43B3-948B-1728B52AA6E4}">
+                <adec:decorative xmlns:adec="http://schemas.microsoft.com/office/drawing/2017/decorative" val="1"/>
+              </a:ext>
+            </a:extLst>
+          </p:cNvPr>
+          <p:cNvSpPr>
+            <a:spLocks noGrp="1" noRot="1" noChangeAspect="1" noMove="1" noResize="1" noEditPoints="1" noAdjustHandles="1" noChangeArrowheads="1" noChangeShapeType="1" noTextEdit="1"/>
+          </p:cNvSpPr>
+          <p:nvPr>
+            <p:extLst>
+              <p:ext uri="{386F3935-93C4-4BCD-93E2-E3B085C9AB24}">
+                <p16:designElem xmlns:p16="http://schemas.microsoft.com/office/powerpoint/2015/main" val="1"/>
+              </p:ext>
+            </p:extLst>
+          </p:nvPr>
+        </p:nvSpPr>
+        <p:spPr>
+          <a:xfrm>
+            <a:off x="15" y="6334316"/>
+            <a:ext cx="12191985" cy="66484"/>
+          </a:xfrm>
+          <a:prstGeom prst="rect">
+            <a:avLst/>
+          </a:prstGeom>
+          <a:solidFill>
+            <a:schemeClr val="accent1"/>
+          </a:solidFill>
+          <a:ln>
+            <a:noFill/>
+          </a:ln>
+        </p:spPr>
+        <p:style>
+          <a:lnRef idx="2">
+            <a:schemeClr val="accent1">
+              <a:shade val="50000"/>
+            </a:schemeClr>
+          </a:lnRef>
+          <a:fillRef idx="1">
+            <a:schemeClr val="accent1"/>
+          </a:fillRef>
+          <a:effectRef idx="0">
+            <a:schemeClr val="accent1"/>
+          </a:effectRef>
+          <a:fontRef idx="minor">
+            <a:schemeClr val="lt1"/>
+          </a:fontRef>
+        </p:style>
+      </p:sp>
+      <p:sp>
+        <p:nvSpPr>
+          <p:cNvPr id="23" name="Rectangle 22">
+            <a:extLst>
+              <a:ext uri="{FF2B5EF4-FFF2-40B4-BE49-F238E27FC236}">
+                <a16:creationId xmlns:a16="http://schemas.microsoft.com/office/drawing/2014/main" id="{593ACC25-C262-417A-8AA9-0641C772BDB6}"/>
+              </a:ext>
+              <a:ext uri="{C183D7F6-B498-43B3-948B-1728B52AA6E4}">
+                <adec:decorative xmlns:adec="http://schemas.microsoft.com/office/drawing/2017/decorative" val="1"/>
+              </a:ext>
+            </a:extLst>
+          </p:cNvPr>
+          <p:cNvSpPr>
+            <a:spLocks noGrp="1" noRot="1" noChangeAspect="1" noMove="1" noResize="1" noEditPoints="1" noAdjustHandles="1" noChangeArrowheads="1" noChangeShapeType="1" noTextEdit="1"/>
+          </p:cNvSpPr>
+          <p:nvPr>
+            <p:extLst>
+              <p:ext uri="{386F3935-93C4-4BCD-93E2-E3B085C9AB24}">
+                <p16:designElem xmlns:p16="http://schemas.microsoft.com/office/powerpoint/2015/main" val="1"/>
+              </p:ext>
+            </p:extLst>
+          </p:nvPr>
+        </p:nvSpPr>
+        <p:spPr>
+          <a:xfrm>
+            <a:off x="1" y="6400800"/>
+            <a:ext cx="12192000" cy="457200"/>
+          </a:xfrm>
+          <a:prstGeom prst="rect">
+            <a:avLst/>
+          </a:prstGeom>
+          <a:solidFill>
+            <a:schemeClr val="accent2"/>
+          </a:solidFill>
+          <a:ln>
+            <a:noFill/>
+          </a:ln>
+        </p:spPr>
+        <p:style>
+          <a:lnRef idx="2">
+            <a:schemeClr val="accent1">
+              <a:shade val="50000"/>
+            </a:schemeClr>
+          </a:lnRef>
+          <a:fillRef idx="1">
+            <a:schemeClr val="accent1"/>
+          </a:fillRef>
+          <a:effectRef idx="0">
+            <a:schemeClr val="accent1"/>
+          </a:effectRef>
+          <a:fontRef idx="minor">
+            <a:schemeClr val="lt1"/>
+          </a:fontRef>
+        </p:style>
+      </p:sp>
     </p:spTree>
     <p:extLst>
       <p:ext uri="{BB962C8B-B14F-4D97-AF65-F5344CB8AC3E}">
-        <p14:creationId xmlns:p14="http://schemas.microsoft.com/office/powerpoint/2010/main" val="1124839207"/>
+        <p14:creationId xmlns:p14="http://schemas.microsoft.com/office/powerpoint/2010/main" val="3555636175"/>
       </p:ext>
     </p:extLst>
   </p:cSld>
@@ -6642,6 +7173,14 @@
 <file path=ppt/slides/slide14.xml><?xml version="1.0" encoding="utf-8"?>
 <p:sld xmlns:a="http://schemas.openxmlformats.org/drawingml/2006/main" xmlns:r="http://schemas.openxmlformats.org/officeDocument/2006/relationships" xmlns:p="http://schemas.openxmlformats.org/presentationml/2006/main">
   <p:cSld>
+    <p:bg>
+      <p:bgPr>
+        <a:solidFill>
+          <a:schemeClr val="bg1"/>
+        </a:solidFill>
+        <a:effectLst/>
+      </p:bgPr>
+    </p:bg>
     <p:spTree>
       <p:nvGrpSpPr>
         <p:cNvPr id="1" name=""/>
@@ -6658,10 +7197,235 @@
       </p:grpSpPr>
       <p:sp>
         <p:nvSpPr>
+          <p:cNvPr id="9" name="Rectangle 8">
+            <a:extLst>
+              <a:ext uri="{FF2B5EF4-FFF2-40B4-BE49-F238E27FC236}">
+                <a16:creationId xmlns:a16="http://schemas.microsoft.com/office/drawing/2014/main" id="{4E4490D0-3672-446A-AC12-B4830333BDDD}"/>
+              </a:ext>
+              <a:ext uri="{C183D7F6-B498-43B3-948B-1728B52AA6E4}">
+                <adec:decorative xmlns:adec="http://schemas.microsoft.com/office/drawing/2017/decorative" val="1"/>
+              </a:ext>
+            </a:extLst>
+          </p:cNvPr>
+          <p:cNvSpPr>
+            <a:spLocks noGrp="1" noRot="1" noChangeAspect="1" noMove="1" noResize="1" noEditPoints="1" noAdjustHandles="1" noChangeArrowheads="1" noChangeShapeType="1" noTextEdit="1"/>
+          </p:cNvSpPr>
+          <p:nvPr>
+            <p:extLst>
+              <p:ext uri="{386F3935-93C4-4BCD-93E2-E3B085C9AB24}">
+                <p16:designElem xmlns:p16="http://schemas.microsoft.com/office/powerpoint/2015/main" val="1"/>
+              </p:ext>
+            </p:extLst>
+          </p:nvPr>
+        </p:nvSpPr>
+        <p:spPr>
+          <a:xfrm>
+            <a:off x="3175" y="6400800"/>
+            <a:ext cx="12188825" cy="457200"/>
+          </a:xfrm>
+          <a:prstGeom prst="rect">
+            <a:avLst/>
+          </a:prstGeom>
+          <a:solidFill>
+            <a:schemeClr val="accent2"/>
+          </a:solidFill>
+          <a:ln>
+            <a:noFill/>
+          </a:ln>
+        </p:spPr>
+        <p:style>
+          <a:lnRef idx="2">
+            <a:schemeClr val="accent1">
+              <a:shade val="50000"/>
+            </a:schemeClr>
+          </a:lnRef>
+          <a:fillRef idx="1">
+            <a:schemeClr val="accent1"/>
+          </a:fillRef>
+          <a:effectRef idx="0">
+            <a:schemeClr val="accent1"/>
+          </a:effectRef>
+          <a:fontRef idx="minor">
+            <a:schemeClr val="lt1"/>
+          </a:fontRef>
+        </p:style>
+      </p:sp>
+      <p:sp>
+        <p:nvSpPr>
+          <p:cNvPr id="11" name="Rectangle 10">
+            <a:extLst>
+              <a:ext uri="{FF2B5EF4-FFF2-40B4-BE49-F238E27FC236}">
+                <a16:creationId xmlns:a16="http://schemas.microsoft.com/office/drawing/2014/main" id="{39CB82C2-DF65-4EC1-8280-F201D50F570B}"/>
+              </a:ext>
+              <a:ext uri="{C183D7F6-B498-43B3-948B-1728B52AA6E4}">
+                <adec:decorative xmlns:adec="http://schemas.microsoft.com/office/drawing/2017/decorative" val="1"/>
+              </a:ext>
+            </a:extLst>
+          </p:cNvPr>
+          <p:cNvSpPr>
+            <a:spLocks noGrp="1" noRot="1" noChangeAspect="1" noMove="1" noResize="1" noEditPoints="1" noAdjustHandles="1" noChangeArrowheads="1" noChangeShapeType="1" noTextEdit="1"/>
+          </p:cNvSpPr>
+          <p:nvPr>
+            <p:extLst>
+              <p:ext uri="{386F3935-93C4-4BCD-93E2-E3B085C9AB24}">
+                <p16:designElem xmlns:p16="http://schemas.microsoft.com/office/powerpoint/2015/main" val="1"/>
+              </p:ext>
+            </p:extLst>
+          </p:nvPr>
+        </p:nvSpPr>
+        <p:spPr>
+          <a:xfrm>
+            <a:off x="15" y="6334316"/>
+            <a:ext cx="12188825" cy="64008"/>
+          </a:xfrm>
+          <a:prstGeom prst="rect">
+            <a:avLst/>
+          </a:prstGeom>
+          <a:solidFill>
+            <a:schemeClr val="accent1"/>
+          </a:solidFill>
+          <a:ln>
+            <a:noFill/>
+          </a:ln>
+        </p:spPr>
+        <p:style>
+          <a:lnRef idx="2">
+            <a:schemeClr val="accent1">
+              <a:shade val="50000"/>
+            </a:schemeClr>
+          </a:lnRef>
+          <a:fillRef idx="1">
+            <a:schemeClr val="accent1"/>
+          </a:fillRef>
+          <a:effectRef idx="0">
+            <a:schemeClr val="accent1"/>
+          </a:effectRef>
+          <a:fontRef idx="minor">
+            <a:schemeClr val="lt1"/>
+          </a:fontRef>
+        </p:style>
+      </p:sp>
+      <p:cxnSp>
+        <p:nvCxnSpPr>
+          <p:cNvPr id="13" name="Straight Connector 12">
+            <a:extLst>
+              <a:ext uri="{FF2B5EF4-FFF2-40B4-BE49-F238E27FC236}">
+                <a16:creationId xmlns:a16="http://schemas.microsoft.com/office/drawing/2014/main" id="{7E1D4427-852B-4B37-8E76-0E9F1810BA2A}"/>
+              </a:ext>
+              <a:ext uri="{C183D7F6-B498-43B3-948B-1728B52AA6E4}">
+                <adec:decorative xmlns:adec="http://schemas.microsoft.com/office/drawing/2017/decorative" val="1"/>
+              </a:ext>
+            </a:extLst>
+          </p:cNvPr>
+          <p:cNvCxnSpPr>
+            <a:cxnSpLocks noGrp="1" noRot="1" noChangeAspect="1" noMove="1" noResize="1" noEditPoints="1" noAdjustHandles="1" noChangeArrowheads="1" noChangeShapeType="1"/>
+          </p:cNvCxnSpPr>
+          <p:nvPr>
+            <p:extLst>
+              <p:ext uri="{386F3935-93C4-4BCD-93E2-E3B085C9AB24}">
+                <p16:designElem xmlns:p16="http://schemas.microsoft.com/office/powerpoint/2015/main" val="1"/>
+              </p:ext>
+            </p:extLst>
+          </p:nvPr>
+        </p:nvCxnSpPr>
+        <p:spPr>
+          <a:xfrm>
+            <a:off x="1207658" y="4343400"/>
+            <a:ext cx="9875520" cy="0"/>
+          </a:xfrm>
+          <a:prstGeom prst="line">
+            <a:avLst/>
+          </a:prstGeom>
+          <a:ln w="6350">
+            <a:solidFill>
+              <a:schemeClr val="tx1">
+                <a:lumMod val="50000"/>
+                <a:lumOff val="50000"/>
+              </a:schemeClr>
+            </a:solidFill>
+          </a:ln>
+        </p:spPr>
+        <p:style>
+          <a:lnRef idx="1">
+            <a:schemeClr val="accent1"/>
+          </a:lnRef>
+          <a:fillRef idx="0">
+            <a:schemeClr val="accent1"/>
+          </a:fillRef>
+          <a:effectRef idx="0">
+            <a:schemeClr val="accent1"/>
+          </a:effectRef>
+          <a:fontRef idx="minor">
+            <a:schemeClr val="tx1"/>
+          </a:fontRef>
+        </p:style>
+      </p:cxnSp>
+      <p:sp useBgFill="1">
+        <p:nvSpPr>
+          <p:cNvPr id="15" name="Rectangle 14">
+            <a:extLst>
+              <a:ext uri="{FF2B5EF4-FFF2-40B4-BE49-F238E27FC236}">
+                <a16:creationId xmlns:a16="http://schemas.microsoft.com/office/drawing/2014/main" id="{FA4CD5CB-D209-4D70-8CA4-629731C59219}"/>
+              </a:ext>
+              <a:ext uri="{C183D7F6-B498-43B3-948B-1728B52AA6E4}">
+                <adec:decorative xmlns:adec="http://schemas.microsoft.com/office/drawing/2017/decorative" val="1"/>
+              </a:ext>
+            </a:extLst>
+          </p:cNvPr>
+          <p:cNvSpPr>
+            <a:spLocks noGrp="1" noRot="1" noChangeAspect="1" noMove="1" noResize="1" noEditPoints="1" noAdjustHandles="1" noChangeArrowheads="1" noChangeShapeType="1" noTextEdit="1"/>
+          </p:cNvSpPr>
+          <p:nvPr>
+            <p:extLst>
+              <p:ext uri="{386F3935-93C4-4BCD-93E2-E3B085C9AB24}">
+                <p16:designElem xmlns:p16="http://schemas.microsoft.com/office/powerpoint/2015/main" val="1"/>
+              </p:ext>
+            </p:extLst>
+          </p:nvPr>
+        </p:nvSpPr>
+        <p:spPr>
+          <a:xfrm>
+            <a:off x="0" y="0"/>
+            <a:ext cx="12192001" cy="6334316"/>
+          </a:xfrm>
+          <a:prstGeom prst="rect">
+            <a:avLst/>
+          </a:prstGeom>
+          <a:ln>
+            <a:noFill/>
+          </a:ln>
+        </p:spPr>
+        <p:style>
+          <a:lnRef idx="2">
+            <a:schemeClr val="accent1">
+              <a:shade val="50000"/>
+            </a:schemeClr>
+          </a:lnRef>
+          <a:fillRef idx="1">
+            <a:schemeClr val="accent1"/>
+          </a:fillRef>
+          <a:effectRef idx="0">
+            <a:schemeClr val="accent1"/>
+          </a:effectRef>
+          <a:fontRef idx="minor">
+            <a:schemeClr val="lt1"/>
+          </a:fontRef>
+        </p:style>
+        <p:txBody>
+          <a:bodyPr rtlCol="0" anchor="ctr"/>
+          <a:lstStyle/>
+          <a:p>
+            <a:pPr algn="ctr"/>
+            <a:endParaRPr lang="en-US"/>
+          </a:p>
+        </p:txBody>
+      </p:sp>
+      <p:sp>
+        <p:nvSpPr>
           <p:cNvPr id="2" name="Title 1">
             <a:extLst>
               <a:ext uri="{FF2B5EF4-FFF2-40B4-BE49-F238E27FC236}">
-                <a16:creationId xmlns:a16="http://schemas.microsoft.com/office/drawing/2014/main" id="{8D651F90-7FCF-8749-B6E9-18AC8ABEBFDA}"/>
+                <a16:creationId xmlns:a16="http://schemas.microsoft.com/office/drawing/2014/main" id="{2B3A20E0-EC29-FB4F-BB34-FD0F0933A839}"/>
               </a:ext>
             </a:extLst>
           </p:cNvPr>
@@ -6672,24 +7436,38 @@
             <p:ph type="title"/>
           </p:nvPr>
         </p:nvSpPr>
-        <p:spPr/>
-        <p:txBody>
-          <a:bodyPr/>
+        <p:spPr>
+          <a:xfrm>
+            <a:off x="8141110" y="639097"/>
+            <a:ext cx="3401961" cy="3686015"/>
+          </a:xfrm>
+        </p:spPr>
+        <p:txBody>
+          <a:bodyPr vert="horz" lIns="91440" tIns="45720" rIns="91440" bIns="45720" rtlCol="0" anchor="b">
+            <a:normAutofit/>
+          </a:bodyPr>
           <a:lstStyle/>
           <a:p>
             <a:r>
-              <a:rPr lang="en-US" dirty="0"/>
-              <a:t>RNN forward sequence</a:t>
+              <a:rPr lang="en-US" sz="6600" dirty="0">
+                <a:solidFill>
+                  <a:schemeClr val="tx1">
+                    <a:lumMod val="85000"/>
+                    <a:lumOff val="15000"/>
+                  </a:schemeClr>
+                </a:solidFill>
+              </a:rPr>
+              <a:t>BLEU score</a:t>
             </a:r>
           </a:p>
         </p:txBody>
       </p:sp>
       <p:pic>
         <p:nvPicPr>
-          <p:cNvPr id="4" name="Content Placeholder 4">
+          <p:cNvPr id="4" name="Content Placeholder 3">
             <a:extLst>
               <a:ext uri="{FF2B5EF4-FFF2-40B4-BE49-F238E27FC236}">
-                <a16:creationId xmlns:a16="http://schemas.microsoft.com/office/drawing/2014/main" id="{D3BDAA7A-ED06-5640-8C9E-FB3549BEAE0A}"/>
+                <a16:creationId xmlns:a16="http://schemas.microsoft.com/office/drawing/2014/main" id="{4EB23C70-CF21-014B-A220-6302A65F6A31}"/>
               </a:ext>
             </a:extLst>
           </p:cNvPr>
@@ -6714,15 +7492,182 @@
         </p:blipFill>
         <p:spPr>
           <a:xfrm>
-            <a:off x="113289" y="2388032"/>
-            <a:ext cx="12023923" cy="2488767"/>
-          </a:xfrm>
+            <a:off x="328247" y="1041708"/>
+            <a:ext cx="7753414" cy="4380677"/>
+          </a:xfrm>
+          <a:prstGeom prst="rect">
+            <a:avLst/>
+          </a:prstGeom>
         </p:spPr>
       </p:pic>
+      <p:cxnSp>
+        <p:nvCxnSpPr>
+          <p:cNvPr id="17" name="Straight Connector 16">
+            <a:extLst>
+              <a:ext uri="{FF2B5EF4-FFF2-40B4-BE49-F238E27FC236}">
+                <a16:creationId xmlns:a16="http://schemas.microsoft.com/office/drawing/2014/main" id="{5C6A2BAE-B461-4B55-8E1F-0722ABDD1393}"/>
+              </a:ext>
+              <a:ext uri="{C183D7F6-B498-43B3-948B-1728B52AA6E4}">
+                <adec:decorative xmlns:adec="http://schemas.microsoft.com/office/drawing/2017/decorative" val="1"/>
+              </a:ext>
+            </a:extLst>
+          </p:cNvPr>
+          <p:cNvCxnSpPr>
+            <a:cxnSpLocks noGrp="1" noRot="1" noChangeAspect="1" noMove="1" noResize="1" noEditPoints="1" noAdjustHandles="1" noChangeArrowheads="1" noChangeShapeType="1"/>
+          </p:cNvCxnSpPr>
+          <p:nvPr>
+            <p:extLst>
+              <p:ext uri="{386F3935-93C4-4BCD-93E2-E3B085C9AB24}">
+                <p16:designElem xmlns:p16="http://schemas.microsoft.com/office/powerpoint/2015/main" val="1"/>
+              </p:ext>
+            </p:extLst>
+          </p:nvPr>
+        </p:nvCxnSpPr>
+        <p:spPr>
+          <a:xfrm>
+            <a:off x="8209305" y="4343400"/>
+            <a:ext cx="3200400" cy="0"/>
+          </a:xfrm>
+          <a:prstGeom prst="line">
+            <a:avLst/>
+          </a:prstGeom>
+          <a:ln w="6350">
+            <a:solidFill>
+              <a:schemeClr val="tx2">
+                <a:alpha val="90000"/>
+              </a:schemeClr>
+            </a:solidFill>
+          </a:ln>
+        </p:spPr>
+        <p:style>
+          <a:lnRef idx="1">
+            <a:schemeClr val="accent1"/>
+          </a:lnRef>
+          <a:fillRef idx="0">
+            <a:schemeClr val="accent1"/>
+          </a:fillRef>
+          <a:effectRef idx="0">
+            <a:schemeClr val="accent1"/>
+          </a:effectRef>
+          <a:fontRef idx="minor">
+            <a:schemeClr val="tx1"/>
+          </a:fontRef>
+        </p:style>
+      </p:cxnSp>
+      <p:sp>
+        <p:nvSpPr>
+          <p:cNvPr id="19" name="Rectangle 18">
+            <a:extLst>
+              <a:ext uri="{FF2B5EF4-FFF2-40B4-BE49-F238E27FC236}">
+                <a16:creationId xmlns:a16="http://schemas.microsoft.com/office/drawing/2014/main" id="{B4C27B90-DF2B-4D00-BA07-18ED774CD2F1}"/>
+              </a:ext>
+              <a:ext uri="{C183D7F6-B498-43B3-948B-1728B52AA6E4}">
+                <adec:decorative xmlns:adec="http://schemas.microsoft.com/office/drawing/2017/decorative" val="1"/>
+              </a:ext>
+            </a:extLst>
+          </p:cNvPr>
+          <p:cNvSpPr>
+            <a:spLocks noGrp="1" noRot="1" noChangeAspect="1" noMove="1" noResize="1" noEditPoints="1" noAdjustHandles="1" noChangeArrowheads="1" noChangeShapeType="1" noTextEdit="1"/>
+          </p:cNvSpPr>
+          <p:nvPr>
+            <p:extLst>
+              <p:ext uri="{386F3935-93C4-4BCD-93E2-E3B085C9AB24}">
+                <p16:designElem xmlns:p16="http://schemas.microsoft.com/office/powerpoint/2015/main" val="1"/>
+              </p:ext>
+            </p:extLst>
+          </p:nvPr>
+        </p:nvSpPr>
+        <p:spPr>
+          <a:xfrm>
+            <a:off x="15" y="6334316"/>
+            <a:ext cx="12191985" cy="66484"/>
+          </a:xfrm>
+          <a:prstGeom prst="rect">
+            <a:avLst/>
+          </a:prstGeom>
+          <a:solidFill>
+            <a:schemeClr val="accent1"/>
+          </a:solidFill>
+          <a:ln>
+            <a:noFill/>
+          </a:ln>
+        </p:spPr>
+        <p:style>
+          <a:lnRef idx="2">
+            <a:schemeClr val="accent1">
+              <a:shade val="50000"/>
+            </a:schemeClr>
+          </a:lnRef>
+          <a:fillRef idx="1">
+            <a:schemeClr val="accent1"/>
+          </a:fillRef>
+          <a:effectRef idx="0">
+            <a:schemeClr val="accent1"/>
+          </a:effectRef>
+          <a:fontRef idx="minor">
+            <a:schemeClr val="lt1"/>
+          </a:fontRef>
+        </p:style>
+      </p:sp>
+      <p:sp>
+        <p:nvSpPr>
+          <p:cNvPr id="21" name="Rectangle 20">
+            <a:extLst>
+              <a:ext uri="{FF2B5EF4-FFF2-40B4-BE49-F238E27FC236}">
+                <a16:creationId xmlns:a16="http://schemas.microsoft.com/office/drawing/2014/main" id="{593ACC25-C262-417A-8AA9-0641C772BDB6}"/>
+              </a:ext>
+              <a:ext uri="{C183D7F6-B498-43B3-948B-1728B52AA6E4}">
+                <adec:decorative xmlns:adec="http://schemas.microsoft.com/office/drawing/2017/decorative" val="1"/>
+              </a:ext>
+            </a:extLst>
+          </p:cNvPr>
+          <p:cNvSpPr>
+            <a:spLocks noGrp="1" noRot="1" noChangeAspect="1" noMove="1" noResize="1" noEditPoints="1" noAdjustHandles="1" noChangeArrowheads="1" noChangeShapeType="1" noTextEdit="1"/>
+          </p:cNvSpPr>
+          <p:nvPr>
+            <p:extLst>
+              <p:ext uri="{386F3935-93C4-4BCD-93E2-E3B085C9AB24}">
+                <p16:designElem xmlns:p16="http://schemas.microsoft.com/office/powerpoint/2015/main" val="1"/>
+              </p:ext>
+            </p:extLst>
+          </p:nvPr>
+        </p:nvSpPr>
+        <p:spPr>
+          <a:xfrm>
+            <a:off x="1" y="6400800"/>
+            <a:ext cx="12192000" cy="457200"/>
+          </a:xfrm>
+          <a:prstGeom prst="rect">
+            <a:avLst/>
+          </a:prstGeom>
+          <a:solidFill>
+            <a:schemeClr val="accent2"/>
+          </a:solidFill>
+          <a:ln>
+            <a:noFill/>
+          </a:ln>
+        </p:spPr>
+        <p:style>
+          <a:lnRef idx="2">
+            <a:schemeClr val="accent1">
+              <a:shade val="50000"/>
+            </a:schemeClr>
+          </a:lnRef>
+          <a:fillRef idx="1">
+            <a:schemeClr val="accent1"/>
+          </a:fillRef>
+          <a:effectRef idx="0">
+            <a:schemeClr val="accent1"/>
+          </a:effectRef>
+          <a:fontRef idx="minor">
+            <a:schemeClr val="lt1"/>
+          </a:fontRef>
+        </p:style>
+      </p:sp>
     </p:spTree>
     <p:extLst>
       <p:ext uri="{BB962C8B-B14F-4D97-AF65-F5344CB8AC3E}">
-        <p14:creationId xmlns:p14="http://schemas.microsoft.com/office/powerpoint/2010/main" val="3406568400"/>
+        <p14:creationId xmlns:p14="http://schemas.microsoft.com/office/powerpoint/2010/main" val="1124839854"/>
       </p:ext>
     </p:extLst>
   </p:cSld>
@@ -6735,6 +7680,14 @@
 <file path=ppt/slides/slide15.xml><?xml version="1.0" encoding="utf-8"?>
 <p:sld xmlns:a="http://schemas.openxmlformats.org/drawingml/2006/main" xmlns:r="http://schemas.openxmlformats.org/officeDocument/2006/relationships" xmlns:p="http://schemas.openxmlformats.org/presentationml/2006/main">
   <p:cSld>
+    <p:bg>
+      <p:bgPr>
+        <a:solidFill>
+          <a:schemeClr val="bg1"/>
+        </a:solidFill>
+        <a:effectLst/>
+      </p:bgPr>
+    </p:bg>
     <p:spTree>
       <p:nvGrpSpPr>
         <p:cNvPr id="1" name=""/>
@@ -6751,10 +7704,235 @@
       </p:grpSpPr>
       <p:sp>
         <p:nvSpPr>
+          <p:cNvPr id="12" name="Rectangle 11">
+            <a:extLst>
+              <a:ext uri="{FF2B5EF4-FFF2-40B4-BE49-F238E27FC236}">
+                <a16:creationId xmlns:a16="http://schemas.microsoft.com/office/drawing/2014/main" id="{4E4490D0-3672-446A-AC12-B4830333BDDD}"/>
+              </a:ext>
+              <a:ext uri="{C183D7F6-B498-43B3-948B-1728B52AA6E4}">
+                <adec:decorative xmlns:adec="http://schemas.microsoft.com/office/drawing/2017/decorative" val="1"/>
+              </a:ext>
+            </a:extLst>
+          </p:cNvPr>
+          <p:cNvSpPr>
+            <a:spLocks noGrp="1" noRot="1" noChangeAspect="1" noMove="1" noResize="1" noEditPoints="1" noAdjustHandles="1" noChangeArrowheads="1" noChangeShapeType="1" noTextEdit="1"/>
+          </p:cNvSpPr>
+          <p:nvPr>
+            <p:extLst>
+              <p:ext uri="{386F3935-93C4-4BCD-93E2-E3B085C9AB24}">
+                <p16:designElem xmlns:p16="http://schemas.microsoft.com/office/powerpoint/2015/main" val="1"/>
+              </p:ext>
+            </p:extLst>
+          </p:nvPr>
+        </p:nvSpPr>
+        <p:spPr>
+          <a:xfrm>
+            <a:off x="3175" y="6400800"/>
+            <a:ext cx="12188825" cy="457200"/>
+          </a:xfrm>
+          <a:prstGeom prst="rect">
+            <a:avLst/>
+          </a:prstGeom>
+          <a:solidFill>
+            <a:schemeClr val="accent2"/>
+          </a:solidFill>
+          <a:ln>
+            <a:noFill/>
+          </a:ln>
+        </p:spPr>
+        <p:style>
+          <a:lnRef idx="2">
+            <a:schemeClr val="accent1">
+              <a:shade val="50000"/>
+            </a:schemeClr>
+          </a:lnRef>
+          <a:fillRef idx="1">
+            <a:schemeClr val="accent1"/>
+          </a:fillRef>
+          <a:effectRef idx="0">
+            <a:schemeClr val="accent1"/>
+          </a:effectRef>
+          <a:fontRef idx="minor">
+            <a:schemeClr val="lt1"/>
+          </a:fontRef>
+        </p:style>
+      </p:sp>
+      <p:sp>
+        <p:nvSpPr>
+          <p:cNvPr id="14" name="Rectangle 13">
+            <a:extLst>
+              <a:ext uri="{FF2B5EF4-FFF2-40B4-BE49-F238E27FC236}">
+                <a16:creationId xmlns:a16="http://schemas.microsoft.com/office/drawing/2014/main" id="{39CB82C2-DF65-4EC1-8280-F201D50F570B}"/>
+              </a:ext>
+              <a:ext uri="{C183D7F6-B498-43B3-948B-1728B52AA6E4}">
+                <adec:decorative xmlns:adec="http://schemas.microsoft.com/office/drawing/2017/decorative" val="1"/>
+              </a:ext>
+            </a:extLst>
+          </p:cNvPr>
+          <p:cNvSpPr>
+            <a:spLocks noGrp="1" noRot="1" noChangeAspect="1" noMove="1" noResize="1" noEditPoints="1" noAdjustHandles="1" noChangeArrowheads="1" noChangeShapeType="1" noTextEdit="1"/>
+          </p:cNvSpPr>
+          <p:nvPr>
+            <p:extLst>
+              <p:ext uri="{386F3935-93C4-4BCD-93E2-E3B085C9AB24}">
+                <p16:designElem xmlns:p16="http://schemas.microsoft.com/office/powerpoint/2015/main" val="1"/>
+              </p:ext>
+            </p:extLst>
+          </p:nvPr>
+        </p:nvSpPr>
+        <p:spPr>
+          <a:xfrm>
+            <a:off x="15" y="6334316"/>
+            <a:ext cx="12188825" cy="64008"/>
+          </a:xfrm>
+          <a:prstGeom prst="rect">
+            <a:avLst/>
+          </a:prstGeom>
+          <a:solidFill>
+            <a:schemeClr val="accent1"/>
+          </a:solidFill>
+          <a:ln>
+            <a:noFill/>
+          </a:ln>
+        </p:spPr>
+        <p:style>
+          <a:lnRef idx="2">
+            <a:schemeClr val="accent1">
+              <a:shade val="50000"/>
+            </a:schemeClr>
+          </a:lnRef>
+          <a:fillRef idx="1">
+            <a:schemeClr val="accent1"/>
+          </a:fillRef>
+          <a:effectRef idx="0">
+            <a:schemeClr val="accent1"/>
+          </a:effectRef>
+          <a:fontRef idx="minor">
+            <a:schemeClr val="lt1"/>
+          </a:fontRef>
+        </p:style>
+      </p:sp>
+      <p:cxnSp>
+        <p:nvCxnSpPr>
+          <p:cNvPr id="16" name="Straight Connector 15">
+            <a:extLst>
+              <a:ext uri="{FF2B5EF4-FFF2-40B4-BE49-F238E27FC236}">
+                <a16:creationId xmlns:a16="http://schemas.microsoft.com/office/drawing/2014/main" id="{7E1D4427-852B-4B37-8E76-0E9F1810BA2A}"/>
+              </a:ext>
+              <a:ext uri="{C183D7F6-B498-43B3-948B-1728B52AA6E4}">
+                <adec:decorative xmlns:adec="http://schemas.microsoft.com/office/drawing/2017/decorative" val="1"/>
+              </a:ext>
+            </a:extLst>
+          </p:cNvPr>
+          <p:cNvCxnSpPr>
+            <a:cxnSpLocks noGrp="1" noRot="1" noChangeAspect="1" noMove="1" noResize="1" noEditPoints="1" noAdjustHandles="1" noChangeArrowheads="1" noChangeShapeType="1"/>
+          </p:cNvCxnSpPr>
+          <p:nvPr>
+            <p:extLst>
+              <p:ext uri="{386F3935-93C4-4BCD-93E2-E3B085C9AB24}">
+                <p16:designElem xmlns:p16="http://schemas.microsoft.com/office/powerpoint/2015/main" val="1"/>
+              </p:ext>
+            </p:extLst>
+          </p:nvPr>
+        </p:nvCxnSpPr>
+        <p:spPr>
+          <a:xfrm>
+            <a:off x="1207658" y="4343400"/>
+            <a:ext cx="9875520" cy="0"/>
+          </a:xfrm>
+          <a:prstGeom prst="line">
+            <a:avLst/>
+          </a:prstGeom>
+          <a:ln w="6350">
+            <a:solidFill>
+              <a:schemeClr val="tx1">
+                <a:lumMod val="50000"/>
+                <a:lumOff val="50000"/>
+              </a:schemeClr>
+            </a:solidFill>
+          </a:ln>
+        </p:spPr>
+        <p:style>
+          <a:lnRef idx="1">
+            <a:schemeClr val="accent1"/>
+          </a:lnRef>
+          <a:fillRef idx="0">
+            <a:schemeClr val="accent1"/>
+          </a:fillRef>
+          <a:effectRef idx="0">
+            <a:schemeClr val="accent1"/>
+          </a:effectRef>
+          <a:fontRef idx="minor">
+            <a:schemeClr val="tx1"/>
+          </a:fontRef>
+        </p:style>
+      </p:cxnSp>
+      <p:sp useBgFill="1">
+        <p:nvSpPr>
+          <p:cNvPr id="18" name="Rectangle 17">
+            <a:extLst>
+              <a:ext uri="{FF2B5EF4-FFF2-40B4-BE49-F238E27FC236}">
+                <a16:creationId xmlns:a16="http://schemas.microsoft.com/office/drawing/2014/main" id="{FA4CD5CB-D209-4D70-8CA4-629731C59219}"/>
+              </a:ext>
+              <a:ext uri="{C183D7F6-B498-43B3-948B-1728B52AA6E4}">
+                <adec:decorative xmlns:adec="http://schemas.microsoft.com/office/drawing/2017/decorative" val="1"/>
+              </a:ext>
+            </a:extLst>
+          </p:cNvPr>
+          <p:cNvSpPr>
+            <a:spLocks noGrp="1" noRot="1" noChangeAspect="1" noMove="1" noResize="1" noEditPoints="1" noAdjustHandles="1" noChangeArrowheads="1" noChangeShapeType="1" noTextEdit="1"/>
+          </p:cNvSpPr>
+          <p:nvPr>
+            <p:extLst>
+              <p:ext uri="{386F3935-93C4-4BCD-93E2-E3B085C9AB24}">
+                <p16:designElem xmlns:p16="http://schemas.microsoft.com/office/powerpoint/2015/main" val="1"/>
+              </p:ext>
+            </p:extLst>
+          </p:nvPr>
+        </p:nvSpPr>
+        <p:spPr>
+          <a:xfrm>
+            <a:off x="0" y="0"/>
+            <a:ext cx="12192001" cy="6334316"/>
+          </a:xfrm>
+          <a:prstGeom prst="rect">
+            <a:avLst/>
+          </a:prstGeom>
+          <a:ln>
+            <a:noFill/>
+          </a:ln>
+        </p:spPr>
+        <p:style>
+          <a:lnRef idx="2">
+            <a:schemeClr val="accent1">
+              <a:shade val="50000"/>
+            </a:schemeClr>
+          </a:lnRef>
+          <a:fillRef idx="1">
+            <a:schemeClr val="accent1"/>
+          </a:fillRef>
+          <a:effectRef idx="0">
+            <a:schemeClr val="accent1"/>
+          </a:effectRef>
+          <a:fontRef idx="minor">
+            <a:schemeClr val="lt1"/>
+          </a:fontRef>
+        </p:style>
+        <p:txBody>
+          <a:bodyPr rtlCol="0" anchor="ctr"/>
+          <a:lstStyle/>
+          <a:p>
+            <a:pPr algn="ctr"/>
+            <a:endParaRPr lang="en-US"/>
+          </a:p>
+        </p:txBody>
+      </p:sp>
+      <p:sp>
+        <p:nvSpPr>
           <p:cNvPr id="2" name="Title 1">
             <a:extLst>
               <a:ext uri="{FF2B5EF4-FFF2-40B4-BE49-F238E27FC236}">
-                <a16:creationId xmlns:a16="http://schemas.microsoft.com/office/drawing/2014/main" id="{B0C035C6-186F-BC4B-99F2-611BD77AD1FB}"/>
+                <a16:creationId xmlns:a16="http://schemas.microsoft.com/office/drawing/2014/main" id="{652C8B38-4141-8C4E-9B81-BED3222BE33D}"/>
               </a:ext>
             </a:extLst>
           </p:cNvPr>
@@ -6765,34 +7943,50 @@
             <p:ph type="title"/>
           </p:nvPr>
         </p:nvSpPr>
-        <p:spPr/>
-        <p:txBody>
-          <a:bodyPr/>
+        <p:spPr>
+          <a:xfrm>
+            <a:off x="8141110" y="639097"/>
+            <a:ext cx="3401961" cy="3686015"/>
+          </a:xfrm>
+        </p:spPr>
+        <p:txBody>
+          <a:bodyPr vert="horz" lIns="91440" tIns="45720" rIns="91440" bIns="45720" rtlCol="0" anchor="b">
+            <a:normAutofit/>
+          </a:bodyPr>
           <a:lstStyle/>
           <a:p>
             <a:r>
-              <a:rPr lang="en-US" dirty="0"/>
-              <a:t>LSTM RNN cell</a:t>
+              <a:rPr lang="en-US" sz="6600">
+                <a:solidFill>
+                  <a:schemeClr val="tx1">
+                    <a:lumMod val="85000"/>
+                    <a:lumOff val="15000"/>
+                  </a:schemeClr>
+                </a:solidFill>
+              </a:rPr>
+              <a:t>Bleu-4</a:t>
             </a:r>
           </a:p>
         </p:txBody>
       </p:sp>
       <p:pic>
         <p:nvPicPr>
-          <p:cNvPr id="8" name="Picture 7">
+          <p:cNvPr id="7" name="Content Placeholder 4">
             <a:extLst>
               <a:ext uri="{FF2B5EF4-FFF2-40B4-BE49-F238E27FC236}">
-                <a16:creationId xmlns:a16="http://schemas.microsoft.com/office/drawing/2014/main" id="{2C49FA75-650B-D34B-82EF-3EDE9C190CF3}"/>
+                <a16:creationId xmlns:a16="http://schemas.microsoft.com/office/drawing/2014/main" id="{15292107-24FA-C24E-9CBF-52EC0625C526}"/>
               </a:ext>
             </a:extLst>
           </p:cNvPr>
           <p:cNvPicPr>
-            <a:picLocks noChangeAspect="1"/>
+            <a:picLocks noGrp="1" noChangeAspect="1"/>
           </p:cNvPicPr>
-          <p:nvPr/>
+          <p:nvPr>
+            <p:ph idx="1"/>
+          </p:nvPr>
         </p:nvPicPr>
         <p:blipFill>
-          <a:blip r:embed="rId3">
+          <a:blip r:embed="rId2">
             <a:extLst>
               <a:ext uri="{28A0092B-C50C-407E-A947-70E740481C1C}">
                 <a14:useLocalDpi xmlns:a14="http://schemas.microsoft.com/office/drawing/2010/main" val="0"/>
@@ -6805,18 +7999,182 @@
         </p:blipFill>
         <p:spPr>
           <a:xfrm>
-            <a:off x="606136" y="1737360"/>
-            <a:ext cx="6253249" cy="4663440"/>
+            <a:off x="234805" y="1008190"/>
+            <a:ext cx="7954918" cy="4454752"/>
           </a:xfrm>
           <a:prstGeom prst="rect">
             <a:avLst/>
           </a:prstGeom>
         </p:spPr>
       </p:pic>
+      <p:cxnSp>
+        <p:nvCxnSpPr>
+          <p:cNvPr id="20" name="Straight Connector 19">
+            <a:extLst>
+              <a:ext uri="{FF2B5EF4-FFF2-40B4-BE49-F238E27FC236}">
+                <a16:creationId xmlns:a16="http://schemas.microsoft.com/office/drawing/2014/main" id="{5C6A2BAE-B461-4B55-8E1F-0722ABDD1393}"/>
+              </a:ext>
+              <a:ext uri="{C183D7F6-B498-43B3-948B-1728B52AA6E4}">
+                <adec:decorative xmlns:adec="http://schemas.microsoft.com/office/drawing/2017/decorative" val="1"/>
+              </a:ext>
+            </a:extLst>
+          </p:cNvPr>
+          <p:cNvCxnSpPr>
+            <a:cxnSpLocks noGrp="1" noRot="1" noChangeAspect="1" noMove="1" noResize="1" noEditPoints="1" noAdjustHandles="1" noChangeArrowheads="1" noChangeShapeType="1"/>
+          </p:cNvCxnSpPr>
+          <p:nvPr>
+            <p:extLst>
+              <p:ext uri="{386F3935-93C4-4BCD-93E2-E3B085C9AB24}">
+                <p16:designElem xmlns:p16="http://schemas.microsoft.com/office/powerpoint/2015/main" val="1"/>
+              </p:ext>
+            </p:extLst>
+          </p:nvPr>
+        </p:nvCxnSpPr>
+        <p:spPr>
+          <a:xfrm>
+            <a:off x="8209305" y="4343400"/>
+            <a:ext cx="3200400" cy="0"/>
+          </a:xfrm>
+          <a:prstGeom prst="line">
+            <a:avLst/>
+          </a:prstGeom>
+          <a:ln w="6350">
+            <a:solidFill>
+              <a:schemeClr val="tx2">
+                <a:alpha val="90000"/>
+              </a:schemeClr>
+            </a:solidFill>
+          </a:ln>
+        </p:spPr>
+        <p:style>
+          <a:lnRef idx="1">
+            <a:schemeClr val="accent1"/>
+          </a:lnRef>
+          <a:fillRef idx="0">
+            <a:schemeClr val="accent1"/>
+          </a:fillRef>
+          <a:effectRef idx="0">
+            <a:schemeClr val="accent1"/>
+          </a:effectRef>
+          <a:fontRef idx="minor">
+            <a:schemeClr val="tx1"/>
+          </a:fontRef>
+        </p:style>
+      </p:cxnSp>
+      <p:sp>
+        <p:nvSpPr>
+          <p:cNvPr id="22" name="Rectangle 21">
+            <a:extLst>
+              <a:ext uri="{FF2B5EF4-FFF2-40B4-BE49-F238E27FC236}">
+                <a16:creationId xmlns:a16="http://schemas.microsoft.com/office/drawing/2014/main" id="{B4C27B90-DF2B-4D00-BA07-18ED774CD2F1}"/>
+              </a:ext>
+              <a:ext uri="{C183D7F6-B498-43B3-948B-1728B52AA6E4}">
+                <adec:decorative xmlns:adec="http://schemas.microsoft.com/office/drawing/2017/decorative" val="1"/>
+              </a:ext>
+            </a:extLst>
+          </p:cNvPr>
+          <p:cNvSpPr>
+            <a:spLocks noGrp="1" noRot="1" noChangeAspect="1" noMove="1" noResize="1" noEditPoints="1" noAdjustHandles="1" noChangeArrowheads="1" noChangeShapeType="1" noTextEdit="1"/>
+          </p:cNvSpPr>
+          <p:nvPr>
+            <p:extLst>
+              <p:ext uri="{386F3935-93C4-4BCD-93E2-E3B085C9AB24}">
+                <p16:designElem xmlns:p16="http://schemas.microsoft.com/office/powerpoint/2015/main" val="1"/>
+              </p:ext>
+            </p:extLst>
+          </p:nvPr>
+        </p:nvSpPr>
+        <p:spPr>
+          <a:xfrm>
+            <a:off x="15" y="6334316"/>
+            <a:ext cx="12191985" cy="66484"/>
+          </a:xfrm>
+          <a:prstGeom prst="rect">
+            <a:avLst/>
+          </a:prstGeom>
+          <a:solidFill>
+            <a:schemeClr val="accent1"/>
+          </a:solidFill>
+          <a:ln>
+            <a:noFill/>
+          </a:ln>
+        </p:spPr>
+        <p:style>
+          <a:lnRef idx="2">
+            <a:schemeClr val="accent1">
+              <a:shade val="50000"/>
+            </a:schemeClr>
+          </a:lnRef>
+          <a:fillRef idx="1">
+            <a:schemeClr val="accent1"/>
+          </a:fillRef>
+          <a:effectRef idx="0">
+            <a:schemeClr val="accent1"/>
+          </a:effectRef>
+          <a:fontRef idx="minor">
+            <a:schemeClr val="lt1"/>
+          </a:fontRef>
+        </p:style>
+      </p:sp>
+      <p:sp>
+        <p:nvSpPr>
+          <p:cNvPr id="24" name="Rectangle 23">
+            <a:extLst>
+              <a:ext uri="{FF2B5EF4-FFF2-40B4-BE49-F238E27FC236}">
+                <a16:creationId xmlns:a16="http://schemas.microsoft.com/office/drawing/2014/main" id="{593ACC25-C262-417A-8AA9-0641C772BDB6}"/>
+              </a:ext>
+              <a:ext uri="{C183D7F6-B498-43B3-948B-1728B52AA6E4}">
+                <adec:decorative xmlns:adec="http://schemas.microsoft.com/office/drawing/2017/decorative" val="1"/>
+              </a:ext>
+            </a:extLst>
+          </p:cNvPr>
+          <p:cNvSpPr>
+            <a:spLocks noGrp="1" noRot="1" noChangeAspect="1" noMove="1" noResize="1" noEditPoints="1" noAdjustHandles="1" noChangeArrowheads="1" noChangeShapeType="1" noTextEdit="1"/>
+          </p:cNvSpPr>
+          <p:nvPr>
+            <p:extLst>
+              <p:ext uri="{386F3935-93C4-4BCD-93E2-E3B085C9AB24}">
+                <p16:designElem xmlns:p16="http://schemas.microsoft.com/office/powerpoint/2015/main" val="1"/>
+              </p:ext>
+            </p:extLst>
+          </p:nvPr>
+        </p:nvSpPr>
+        <p:spPr>
+          <a:xfrm>
+            <a:off x="1" y="6400800"/>
+            <a:ext cx="12192000" cy="457200"/>
+          </a:xfrm>
+          <a:prstGeom prst="rect">
+            <a:avLst/>
+          </a:prstGeom>
+          <a:solidFill>
+            <a:schemeClr val="accent2"/>
+          </a:solidFill>
+          <a:ln>
+            <a:noFill/>
+          </a:ln>
+        </p:spPr>
+        <p:style>
+          <a:lnRef idx="2">
+            <a:schemeClr val="accent1">
+              <a:shade val="50000"/>
+            </a:schemeClr>
+          </a:lnRef>
+          <a:fillRef idx="1">
+            <a:schemeClr val="accent1"/>
+          </a:fillRef>
+          <a:effectRef idx="0">
+            <a:schemeClr val="accent1"/>
+          </a:effectRef>
+          <a:fontRef idx="minor">
+            <a:schemeClr val="lt1"/>
+          </a:fontRef>
+        </p:style>
+      </p:sp>
     </p:spTree>
     <p:extLst>
       <p:ext uri="{BB962C8B-B14F-4D97-AF65-F5344CB8AC3E}">
-        <p14:creationId xmlns:p14="http://schemas.microsoft.com/office/powerpoint/2010/main" val="2843741981"/>
+        <p14:creationId xmlns:p14="http://schemas.microsoft.com/office/powerpoint/2010/main" val="1870399928"/>
       </p:ext>
     </p:extLst>
   </p:cSld>
@@ -6848,7 +8206,7 @@
           <p:cNvPr id="2" name="Title 1">
             <a:extLst>
               <a:ext uri="{FF2B5EF4-FFF2-40B4-BE49-F238E27FC236}">
-                <a16:creationId xmlns:a16="http://schemas.microsoft.com/office/drawing/2014/main" id="{B0C035C6-186F-BC4B-99F2-611BD77AD1FB}"/>
+                <a16:creationId xmlns:a16="http://schemas.microsoft.com/office/drawing/2014/main" id="{AD061B6E-071D-45AB-ADF0-CC6DCBCC875A}"/>
               </a:ext>
             </a:extLst>
           </p:cNvPr>
@@ -6866,51 +8224,81 @@
           <a:p>
             <a:r>
               <a:rPr lang="en-US" dirty="0"/>
-              <a:t>LSTM RNN cell</a:t>
-            </a:r>
-          </a:p>
-        </p:txBody>
-      </p:sp>
-      <p:pic>
-        <p:nvPicPr>
-          <p:cNvPr id="4" name="Picture 3">
+              <a:t>Possible improvement and tweaks</a:t>
+            </a:r>
+          </a:p>
+        </p:txBody>
+      </p:sp>
+      <p:sp>
+        <p:nvSpPr>
+          <p:cNvPr id="3" name="Content Placeholder 2">
             <a:extLst>
               <a:ext uri="{FF2B5EF4-FFF2-40B4-BE49-F238E27FC236}">
-                <a16:creationId xmlns:a16="http://schemas.microsoft.com/office/drawing/2014/main" id="{A8866780-651E-5D49-A0CB-6B2B6E4CF159}"/>
+                <a16:creationId xmlns:a16="http://schemas.microsoft.com/office/drawing/2014/main" id="{184586F7-41AA-44E8-ABEF-F27567064C41}"/>
               </a:ext>
             </a:extLst>
           </p:cNvPr>
-          <p:cNvPicPr>
-            <a:picLocks noChangeAspect="1"/>
-          </p:cNvPicPr>
-          <p:nvPr/>
-        </p:nvPicPr>
-        <p:blipFill>
-          <a:blip r:embed="rId2">
-            <a:extLst>
-              <a:ext uri="{28A0092B-C50C-407E-A947-70E740481C1C}">
-                <a14:useLocalDpi xmlns:a14="http://schemas.microsoft.com/office/drawing/2010/main" val="0"/>
-              </a:ext>
-            </a:extLst>
-          </a:blip>
-          <a:stretch>
-            <a:fillRect/>
-          </a:stretch>
-        </p:blipFill>
-        <p:spPr>
-          <a:xfrm>
-            <a:off x="279721" y="0"/>
-            <a:ext cx="11632557" cy="6858000"/>
-          </a:xfrm>
-          <a:prstGeom prst="rect">
-            <a:avLst/>
-          </a:prstGeom>
-        </p:spPr>
-      </p:pic>
+          <p:cNvSpPr>
+            <a:spLocks noGrp="1"/>
+          </p:cNvSpPr>
+          <p:nvPr>
+            <p:ph idx="1"/>
+          </p:nvPr>
+        </p:nvSpPr>
+        <p:spPr/>
+        <p:txBody>
+          <a:bodyPr>
+            <a:normAutofit/>
+          </a:bodyPr>
+          <a:lstStyle/>
+          <a:p>
+            <a:r>
+              <a:rPr lang="en-US" dirty="0"/>
+              <a:t>1. Batch size;</a:t>
+            </a:r>
+          </a:p>
+          <a:p>
+            <a:r>
+              <a:rPr lang="en-US" dirty="0"/>
+              <a:t>2. Num epochs; </a:t>
+            </a:r>
+          </a:p>
+          <a:p>
+            <a:r>
+              <a:rPr lang="en-US" dirty="0"/>
+              <a:t>3. Optimizer;</a:t>
+            </a:r>
+          </a:p>
+          <a:p>
+            <a:r>
+              <a:rPr lang="en-US" dirty="0"/>
+              <a:t>4. Deeper CNN and RNN;</a:t>
+            </a:r>
+          </a:p>
+          <a:p>
+            <a:r>
+              <a:rPr lang="en-US" dirty="0"/>
+              <a:t>5. Use GRU instead of LSTM for RNN</a:t>
+            </a:r>
+          </a:p>
+          <a:p>
+            <a:r>
+              <a:rPr lang="en-US" dirty="0"/>
+              <a:t>6. Use bi-directional RNN</a:t>
+            </a:r>
+          </a:p>
+          <a:p>
+            <a:r>
+              <a:rPr lang="en-US" dirty="0"/>
+              <a:t>7. Tune the hyperparameters with transfer learning</a:t>
+            </a:r>
+          </a:p>
+        </p:txBody>
+      </p:sp>
     </p:spTree>
     <p:extLst>
       <p:ext uri="{BB962C8B-B14F-4D97-AF65-F5344CB8AC3E}">
-        <p14:creationId xmlns:p14="http://schemas.microsoft.com/office/powerpoint/2010/main" val="1724076086"/>
+        <p14:creationId xmlns:p14="http://schemas.microsoft.com/office/powerpoint/2010/main" val="2607805020"/>
       </p:ext>
     </p:extLst>
   </p:cSld>
@@ -6942,7 +8330,7 @@
           <p:cNvPr id="2" name="Title 1">
             <a:extLst>
               <a:ext uri="{FF2B5EF4-FFF2-40B4-BE49-F238E27FC236}">
-                <a16:creationId xmlns:a16="http://schemas.microsoft.com/office/drawing/2014/main" id="{8B32E81F-27C5-1244-B934-6E1DE3065970}"/>
+                <a16:creationId xmlns:a16="http://schemas.microsoft.com/office/drawing/2014/main" id="{89450D11-706D-4704-98E3-BF579153C971}"/>
               </a:ext>
             </a:extLst>
           </p:cNvPr>
@@ -6960,266 +8348,40 @@
           <a:p>
             <a:r>
               <a:rPr lang="en-US" dirty="0"/>
-              <a:t>LSTM forward sequence</a:t>
-            </a:r>
-          </a:p>
-        </p:txBody>
-      </p:sp>
-      <p:pic>
-        <p:nvPicPr>
-          <p:cNvPr id="5" name="Content Placeholder 4">
+              <a:t>Result</a:t>
+            </a:r>
+          </a:p>
+        </p:txBody>
+      </p:sp>
+      <p:sp>
+        <p:nvSpPr>
+          <p:cNvPr id="3" name="Content Placeholder 2">
             <a:extLst>
               <a:ext uri="{FF2B5EF4-FFF2-40B4-BE49-F238E27FC236}">
-                <a16:creationId xmlns:a16="http://schemas.microsoft.com/office/drawing/2014/main" id="{AB7E43C6-814F-4B46-87B5-7224475C17C7}"/>
+                <a16:creationId xmlns:a16="http://schemas.microsoft.com/office/drawing/2014/main" id="{7A4D0FB8-1F65-4F96-887D-920D3AE68FEE}"/>
               </a:ext>
             </a:extLst>
           </p:cNvPr>
-          <p:cNvPicPr>
-            <a:picLocks noGrp="1" noChangeAspect="1"/>
-          </p:cNvPicPr>
+          <p:cNvSpPr>
+            <a:spLocks noGrp="1"/>
+          </p:cNvSpPr>
           <p:nvPr>
             <p:ph idx="1"/>
           </p:nvPr>
-        </p:nvPicPr>
-        <p:blipFill>
-          <a:blip r:embed="rId3">
-            <a:extLst>
-              <a:ext uri="{28A0092B-C50C-407E-A947-70E740481C1C}">
-                <a14:useLocalDpi xmlns:a14="http://schemas.microsoft.com/office/drawing/2010/main" val="0"/>
-              </a:ext>
-            </a:extLst>
-          </a:blip>
-          <a:stretch>
-            <a:fillRect/>
-          </a:stretch>
-        </p:blipFill>
-        <p:spPr>
-          <a:xfrm>
-            <a:off x="0" y="2099875"/>
-            <a:ext cx="12057083" cy="2860052"/>
-          </a:xfrm>
-        </p:spPr>
-      </p:pic>
+        </p:nvSpPr>
+        <p:spPr/>
+        <p:txBody>
+          <a:bodyPr/>
+          <a:lstStyle/>
+          <a:p>
+            <a:endParaRPr lang="en-US"/>
+          </a:p>
+        </p:txBody>
+      </p:sp>
     </p:spTree>
     <p:extLst>
       <p:ext uri="{BB962C8B-B14F-4D97-AF65-F5344CB8AC3E}">
-        <p14:creationId xmlns:p14="http://schemas.microsoft.com/office/powerpoint/2010/main" val="3091206275"/>
-      </p:ext>
-    </p:extLst>
-  </p:cSld>
-  <p:clrMapOvr>
-    <a:masterClrMapping/>
-  </p:clrMapOvr>
-</p:sld>
-</file>
-
-<file path=ppt/slides/slide18.xml><?xml version="1.0" encoding="utf-8"?>
-<p:sld xmlns:a="http://schemas.openxmlformats.org/drawingml/2006/main" xmlns:r="http://schemas.openxmlformats.org/officeDocument/2006/relationships" xmlns:p="http://schemas.openxmlformats.org/presentationml/2006/main">
-  <p:cSld>
-    <p:spTree>
-      <p:nvGrpSpPr>
-        <p:cNvPr id="1" name=""/>
-        <p:cNvGrpSpPr/>
-        <p:nvPr/>
-      </p:nvGrpSpPr>
-      <p:grpSpPr>
-        <a:xfrm>
-          <a:off x="0" y="0"/>
-          <a:ext cx="0" cy="0"/>
-          <a:chOff x="0" y="0"/>
-          <a:chExt cx="0" cy="0"/>
-        </a:xfrm>
-      </p:grpSpPr>
-      <p:sp>
-        <p:nvSpPr>
-          <p:cNvPr id="2" name="Title 1">
-            <a:extLst>
-              <a:ext uri="{FF2B5EF4-FFF2-40B4-BE49-F238E27FC236}">
-                <a16:creationId xmlns:a16="http://schemas.microsoft.com/office/drawing/2014/main" id="{652C8B38-4141-8C4E-9B81-BED3222BE33D}"/>
-              </a:ext>
-            </a:extLst>
-          </p:cNvPr>
-          <p:cNvSpPr>
-            <a:spLocks noGrp="1"/>
-          </p:cNvSpPr>
-          <p:nvPr>
-            <p:ph type="title"/>
-          </p:nvPr>
-        </p:nvSpPr>
-        <p:spPr>
-          <a:xfrm>
-            <a:off x="1066800" y="-248263"/>
-            <a:ext cx="10058400" cy="1450757"/>
-          </a:xfrm>
-        </p:spPr>
-        <p:txBody>
-          <a:bodyPr/>
-          <a:lstStyle/>
-          <a:p>
-            <a:r>
-              <a:rPr lang="en-US" dirty="0"/>
-              <a:t>Bleu score</a:t>
-            </a:r>
-          </a:p>
-        </p:txBody>
-      </p:sp>
-      <p:pic>
-        <p:nvPicPr>
-          <p:cNvPr id="5" name="Content Placeholder 4">
-            <a:extLst>
-              <a:ext uri="{FF2B5EF4-FFF2-40B4-BE49-F238E27FC236}">
-                <a16:creationId xmlns:a16="http://schemas.microsoft.com/office/drawing/2014/main" id="{6898744F-8D5A-0542-BFBA-FF410DF5A665}"/>
-              </a:ext>
-            </a:extLst>
-          </p:cNvPr>
-          <p:cNvPicPr>
-            <a:picLocks noGrp="1" noChangeAspect="1"/>
-          </p:cNvPicPr>
-          <p:nvPr>
-            <p:ph idx="1"/>
-          </p:nvPr>
-        </p:nvPicPr>
-        <p:blipFill>
-          <a:blip r:embed="rId2">
-            <a:extLst>
-              <a:ext uri="{28A0092B-C50C-407E-A947-70E740481C1C}">
-                <a14:useLocalDpi xmlns:a14="http://schemas.microsoft.com/office/drawing/2010/main" val="0"/>
-              </a:ext>
-            </a:extLst>
-          </a:blip>
-          <a:stretch>
-            <a:fillRect/>
-          </a:stretch>
-        </p:blipFill>
-        <p:spPr>
-          <a:xfrm>
-            <a:off x="1097280" y="1416773"/>
-            <a:ext cx="8846845" cy="4964111"/>
-          </a:xfrm>
-        </p:spPr>
-      </p:pic>
-    </p:spTree>
-    <p:extLst>
-      <p:ext uri="{BB962C8B-B14F-4D97-AF65-F5344CB8AC3E}">
-        <p14:creationId xmlns:p14="http://schemas.microsoft.com/office/powerpoint/2010/main" val="1870399928"/>
-      </p:ext>
-    </p:extLst>
-  </p:cSld>
-  <p:clrMapOvr>
-    <a:masterClrMapping/>
-  </p:clrMapOvr>
-</p:sld>
-</file>
-
-<file path=ppt/slides/slide19.xml><?xml version="1.0" encoding="utf-8"?>
-<p:sld xmlns:a="http://schemas.openxmlformats.org/drawingml/2006/main" xmlns:r="http://schemas.openxmlformats.org/officeDocument/2006/relationships" xmlns:p="http://schemas.openxmlformats.org/presentationml/2006/main">
-  <p:cSld>
-    <p:spTree>
-      <p:nvGrpSpPr>
-        <p:cNvPr id="1" name=""/>
-        <p:cNvGrpSpPr/>
-        <p:nvPr/>
-      </p:nvGrpSpPr>
-      <p:grpSpPr>
-        <a:xfrm>
-          <a:off x="0" y="0"/>
-          <a:ext cx="0" cy="0"/>
-          <a:chOff x="0" y="0"/>
-          <a:chExt cx="0" cy="0"/>
-        </a:xfrm>
-      </p:grpSpPr>
-      <p:sp>
-        <p:nvSpPr>
-          <p:cNvPr id="2" name="Title 1">
-            <a:extLst>
-              <a:ext uri="{FF2B5EF4-FFF2-40B4-BE49-F238E27FC236}">
-                <a16:creationId xmlns:a16="http://schemas.microsoft.com/office/drawing/2014/main" id="{AD061B6E-071D-45AB-ADF0-CC6DCBCC875A}"/>
-              </a:ext>
-            </a:extLst>
-          </p:cNvPr>
-          <p:cNvSpPr>
-            <a:spLocks noGrp="1"/>
-          </p:cNvSpPr>
-          <p:nvPr>
-            <p:ph type="title"/>
-          </p:nvPr>
-        </p:nvSpPr>
-        <p:spPr/>
-        <p:txBody>
-          <a:bodyPr/>
-          <a:lstStyle/>
-          <a:p>
-            <a:r>
-              <a:rPr lang="en-US" dirty="0"/>
-              <a:t>Possible improvement and tweaks</a:t>
-            </a:r>
-          </a:p>
-        </p:txBody>
-      </p:sp>
-      <p:sp>
-        <p:nvSpPr>
-          <p:cNvPr id="3" name="Content Placeholder 2">
-            <a:extLst>
-              <a:ext uri="{FF2B5EF4-FFF2-40B4-BE49-F238E27FC236}">
-                <a16:creationId xmlns:a16="http://schemas.microsoft.com/office/drawing/2014/main" id="{184586F7-41AA-44E8-ABEF-F27567064C41}"/>
-              </a:ext>
-            </a:extLst>
-          </p:cNvPr>
-          <p:cNvSpPr>
-            <a:spLocks noGrp="1"/>
-          </p:cNvSpPr>
-          <p:nvPr>
-            <p:ph idx="1"/>
-          </p:nvPr>
-        </p:nvSpPr>
-        <p:spPr/>
-        <p:txBody>
-          <a:bodyPr>
-            <a:normAutofit/>
-          </a:bodyPr>
-          <a:lstStyle/>
-          <a:p>
-            <a:r>
-              <a:rPr lang="en-US" dirty="0"/>
-              <a:t>1. Batch size;</a:t>
-            </a:r>
-          </a:p>
-          <a:p>
-            <a:r>
-              <a:rPr lang="en-US" dirty="0"/>
-              <a:t>2. Num epochs; </a:t>
-            </a:r>
-          </a:p>
-          <a:p>
-            <a:r>
-              <a:rPr lang="en-US" dirty="0"/>
-              <a:t>3. Optimizer;</a:t>
-            </a:r>
-          </a:p>
-          <a:p>
-            <a:r>
-              <a:rPr lang="en-US" dirty="0"/>
-              <a:t>4. Deeper CNN and RNN;</a:t>
-            </a:r>
-          </a:p>
-          <a:p>
-            <a:r>
-              <a:rPr lang="en-US" dirty="0"/>
-              <a:t>5. Use GRU instead of LSTM for RNN</a:t>
-            </a:r>
-          </a:p>
-          <a:p>
-            <a:r>
-              <a:rPr lang="en-US" dirty="0"/>
-              <a:t>6. Use bi-directional RNN</a:t>
-            </a:r>
-          </a:p>
-        </p:txBody>
-      </p:sp>
-    </p:spTree>
-    <p:extLst>
-      <p:ext uri="{BB962C8B-B14F-4D97-AF65-F5344CB8AC3E}">
-        <p14:creationId xmlns:p14="http://schemas.microsoft.com/office/powerpoint/2010/main" val="2607805020"/>
+        <p14:creationId xmlns:p14="http://schemas.microsoft.com/office/powerpoint/2010/main" val="2913420514"/>
       </p:ext>
     </p:extLst>
   </p:cSld>
@@ -9986,7 +11148,7 @@
         </p:blipFill>
         <p:spPr>
           <a:xfrm>
-            <a:off x="6979920" y="1859279"/>
+            <a:off x="6846770" y="1827383"/>
             <a:ext cx="4610100" cy="2257425"/>
           </a:xfrm>
           <a:prstGeom prst="rect">
@@ -10026,10 +11188,10 @@
       </p:pic>
       <p:pic>
         <p:nvPicPr>
-          <p:cNvPr id="3" name="Picture 2">
+          <p:cNvPr id="6" name="Picture 5">
             <a:extLst>
               <a:ext uri="{FF2B5EF4-FFF2-40B4-BE49-F238E27FC236}">
-                <a16:creationId xmlns:a16="http://schemas.microsoft.com/office/drawing/2014/main" id="{D4CCF578-7D94-4746-8193-2E054B6DACB8}"/>
+                <a16:creationId xmlns:a16="http://schemas.microsoft.com/office/drawing/2014/main" id="{5CC2CFC3-DBE9-4AFF-B069-8E565E50C30B}"/>
               </a:ext>
             </a:extLst>
           </p:cNvPr>
@@ -10111,262 +11273,44 @@
           </a:p>
         </p:txBody>
       </p:sp>
-      <p:sp>
-        <p:nvSpPr>
-          <p:cNvPr id="3" name="Content Placeholder 2">
+      <p:pic>
+        <p:nvPicPr>
+          <p:cNvPr id="9" name="Content Placeholder 8">
             <a:extLst>
               <a:ext uri="{FF2B5EF4-FFF2-40B4-BE49-F238E27FC236}">
-                <a16:creationId xmlns:a16="http://schemas.microsoft.com/office/drawing/2014/main" id="{30DDE256-506D-4F50-93CC-34064C8625AA}"/>
+                <a16:creationId xmlns:a16="http://schemas.microsoft.com/office/drawing/2014/main" id="{3945FBFE-60C0-384A-B1D1-30395B0DF4F3}"/>
               </a:ext>
             </a:extLst>
           </p:cNvPr>
-          <p:cNvSpPr>
-            <a:spLocks noGrp="1"/>
-          </p:cNvSpPr>
+          <p:cNvPicPr>
+            <a:picLocks noGrp="1" noChangeAspect="1"/>
+          </p:cNvPicPr>
           <p:nvPr>
             <p:ph idx="1"/>
           </p:nvPr>
-        </p:nvSpPr>
-        <p:spPr>
-          <a:xfrm>
-            <a:off x="1097280" y="1845734"/>
-            <a:ext cx="10058400" cy="384848"/>
-          </a:xfrm>
-        </p:spPr>
-        <p:txBody>
-          <a:bodyPr>
-            <a:normAutofit lnSpcReduction="10000"/>
-          </a:bodyPr>
-          <a:lstStyle/>
-          <a:p>
-            <a:r>
-              <a:rPr lang="en-US" dirty="0"/>
-              <a:t>def __</a:t>
-            </a:r>
-            <a:r>
-              <a:rPr lang="en-US" dirty="0" err="1"/>
-              <a:t>init</a:t>
-            </a:r>
-            <a:r>
-              <a:rPr lang="en-US" dirty="0"/>
-              <a:t>__(self, </a:t>
-            </a:r>
-            <a:r>
-              <a:rPr lang="en-US" dirty="0" err="1"/>
-              <a:t>embed_size</a:t>
-            </a:r>
-            <a:r>
-              <a:rPr lang="en-US" dirty="0"/>
-              <a:t>, </a:t>
-            </a:r>
-            <a:r>
-              <a:rPr lang="en-US" dirty="0" err="1"/>
-              <a:t>hidden_size</a:t>
-            </a:r>
-            <a:r>
-              <a:rPr lang="en-US" dirty="0"/>
-              <a:t>, </a:t>
-            </a:r>
-            <a:r>
-              <a:rPr lang="en-US" dirty="0" err="1"/>
-              <a:t>vocab_size</a:t>
-            </a:r>
-            <a:r>
-              <a:rPr lang="en-US" dirty="0"/>
-              <a:t>, </a:t>
-            </a:r>
-            <a:r>
-              <a:rPr lang="en-US" dirty="0" err="1"/>
-              <a:t>num_layers</a:t>
-            </a:r>
-            <a:r>
-              <a:rPr lang="en-US" dirty="0"/>
-              <a:t>=1):</a:t>
-            </a:r>
-          </a:p>
-          <a:p>
-            <a:endParaRPr lang="en-US" dirty="0"/>
-          </a:p>
-        </p:txBody>
-      </p:sp>
-      <p:sp>
-        <p:nvSpPr>
-          <p:cNvPr id="4" name="Rectangle 3">
+        </p:nvPicPr>
+        <p:blipFill>
+          <a:blip r:embed="rId3">
             <a:extLst>
-              <a:ext uri="{FF2B5EF4-FFF2-40B4-BE49-F238E27FC236}">
-                <a16:creationId xmlns:a16="http://schemas.microsoft.com/office/drawing/2014/main" id="{7596DD70-4E0F-8743-BC5A-4F5DAAFE25B8}"/>
+              <a:ext uri="{28A0092B-C50C-407E-A947-70E740481C1C}">
+                <a14:useLocalDpi xmlns:a14="http://schemas.microsoft.com/office/drawing/2010/main" val="0"/>
               </a:ext>
             </a:extLst>
-          </p:cNvPr>
-          <p:cNvSpPr/>
-          <p:nvPr/>
-        </p:nvSpPr>
-        <p:spPr>
-          <a:xfrm>
-            <a:off x="1482436" y="2186556"/>
-            <a:ext cx="6096000" cy="2031325"/>
+          </a:blip>
+          <a:stretch>
+            <a:fillRect/>
+          </a:stretch>
+        </p:blipFill>
+        <p:spPr>
+          <a:xfrm>
+            <a:off x="2083223" y="1846263"/>
+            <a:ext cx="8085879" cy="4022725"/>
           </a:xfrm>
           <a:prstGeom prst="rect">
             <a:avLst/>
           </a:prstGeom>
         </p:spPr>
-        <p:txBody>
-          <a:bodyPr>
-            <a:spAutoFit/>
-          </a:bodyPr>
-          <a:lstStyle/>
-          <a:p>
-            <a:r>
-              <a:rPr lang="en-US" dirty="0"/>
-              <a:t>super().__</a:t>
-            </a:r>
-            <a:r>
-              <a:rPr lang="en-US" dirty="0" err="1"/>
-              <a:t>init</a:t>
-            </a:r>
-            <a:r>
-              <a:rPr lang="en-US" dirty="0"/>
-              <a:t>__()</a:t>
-            </a:r>
-          </a:p>
-          <a:p>
-            <a:r>
-              <a:rPr lang="en-US" dirty="0" err="1"/>
-              <a:t>self.embedding_layer</a:t>
-            </a:r>
-            <a:r>
-              <a:rPr lang="en-US" dirty="0"/>
-              <a:t> = </a:t>
-            </a:r>
-            <a:r>
-              <a:rPr lang="en-US" dirty="0" err="1"/>
-              <a:t>nn.Embedding</a:t>
-            </a:r>
-            <a:r>
-              <a:rPr lang="en-US" dirty="0"/>
-              <a:t>(</a:t>
-            </a:r>
-            <a:r>
-              <a:rPr lang="en-US" dirty="0" err="1"/>
-              <a:t>vocab_size</a:t>
-            </a:r>
-            <a:r>
-              <a:rPr lang="en-US" dirty="0"/>
-              <a:t>, </a:t>
-            </a:r>
-            <a:r>
-              <a:rPr lang="en-US" dirty="0" err="1"/>
-              <a:t>embed_size</a:t>
-            </a:r>
-            <a:r>
-              <a:rPr lang="en-US" dirty="0"/>
-              <a:t>)</a:t>
-            </a:r>
-          </a:p>
-          <a:p>
-            <a:r>
-              <a:rPr lang="en-US" dirty="0" err="1"/>
-              <a:t>self.lstm</a:t>
-            </a:r>
-            <a:r>
-              <a:rPr lang="en-US" dirty="0"/>
-              <a:t> = </a:t>
-            </a:r>
-            <a:r>
-              <a:rPr lang="en-US" dirty="0" err="1"/>
-              <a:t>nn.LSTM</a:t>
-            </a:r>
-            <a:r>
-              <a:rPr lang="en-US" dirty="0"/>
-              <a:t>(</a:t>
-            </a:r>
-            <a:r>
-              <a:rPr lang="en-US" dirty="0" err="1"/>
-              <a:t>input_size</a:t>
-            </a:r>
-            <a:r>
-              <a:rPr lang="en-US" dirty="0"/>
-              <a:t> = </a:t>
-            </a:r>
-            <a:r>
-              <a:rPr lang="en-US" dirty="0" err="1"/>
-              <a:t>embed_size,hidden_size</a:t>
-            </a:r>
-            <a:r>
-              <a:rPr lang="en-US" dirty="0"/>
-              <a:t> = </a:t>
-            </a:r>
-            <a:r>
-              <a:rPr lang="en-US" dirty="0" err="1"/>
-              <a:t>hidden_size</a:t>
-            </a:r>
-            <a:r>
-              <a:rPr lang="en-US" dirty="0"/>
-              <a:t>,</a:t>
-            </a:r>
-          </a:p>
-          <a:p>
-            <a:r>
-              <a:rPr lang="en-US" dirty="0" err="1"/>
-              <a:t>num_layers</a:t>
-            </a:r>
-            <a:r>
-              <a:rPr lang="en-US" dirty="0"/>
-              <a:t> = </a:t>
-            </a:r>
-            <a:r>
-              <a:rPr lang="en-US" dirty="0" err="1"/>
-              <a:t>num_layers</a:t>
-            </a:r>
-            <a:r>
-              <a:rPr lang="en-US" dirty="0"/>
-              <a:t>, </a:t>
-            </a:r>
-            <a:r>
-              <a:rPr lang="en-US" dirty="0" err="1"/>
-              <a:t>batch_first</a:t>
-            </a:r>
-            <a:r>
-              <a:rPr lang="en-US" dirty="0"/>
-              <a:t> = True)</a:t>
-            </a:r>
-          </a:p>
-          <a:p>
-            <a:r>
-              <a:rPr lang="en-US" dirty="0" err="1"/>
-              <a:t>self.linear</a:t>
-            </a:r>
-            <a:r>
-              <a:rPr lang="en-US" dirty="0"/>
-              <a:t> = </a:t>
-            </a:r>
-            <a:r>
-              <a:rPr lang="en-US" dirty="0" err="1"/>
-              <a:t>nn.Linear</a:t>
-            </a:r>
-            <a:r>
-              <a:rPr lang="en-US" dirty="0"/>
-              <a:t>(</a:t>
-            </a:r>
-            <a:r>
-              <a:rPr lang="en-US" dirty="0" err="1"/>
-              <a:t>hidden_size</a:t>
-            </a:r>
-            <a:r>
-              <a:rPr lang="en-US" dirty="0"/>
-              <a:t>, </a:t>
-            </a:r>
-            <a:r>
-              <a:rPr lang="en-US" dirty="0" err="1"/>
-              <a:t>vocab_size</a:t>
-            </a:r>
-            <a:r>
-              <a:rPr lang="en-US" dirty="0"/>
-              <a:t>)</a:t>
-            </a:r>
-          </a:p>
-        </p:txBody>
-      </p:sp>
+      </p:pic>
     </p:spTree>
     <p:extLst>
       <p:ext uri="{BB962C8B-B14F-4D97-AF65-F5344CB8AC3E}">
